--- a/Figuras/Figuras.pptx
+++ b/Figuras/Figuras.pptx
@@ -6,6 +6,7 @@
   </p:sldMasterIdLst>
   <p:sldIdLst>
     <p:sldId id="256" r:id="rId2"/>
+    <p:sldId id="257" r:id="rId3"/>
   </p:sldIdLst>
   <p:sldSz cx="12192000" cy="6858000"/>
   <p:notesSz cx="6858000" cy="9144000"/>
@@ -104,6 +105,11 @@
       </a:defRPr>
     </a:lvl9pPr>
   </p:defaultTextStyle>
+  <p:extLst>
+    <p:ext uri="{EFAFB233-063F-42B5-8137-9DF3F51BA10A}">
+      <p15:sldGuideLst xmlns:p15="http://schemas.microsoft.com/office/powerpoint/2012/main"/>
+    </p:ext>
+  </p:extLst>
 </p:presentation>
 </file>
 
@@ -256,7 +262,7 @@
           <a:p>
             <a:fld id="{E7765948-A934-4EF0-95A9-A39F9FAF0FC6}" type="datetimeFigureOut">
               <a:rPr lang="pt-BR" smtClean="0"/>
-              <a:t>25/10/2021</a:t>
+              <a:t>28/10/2021</a:t>
             </a:fld>
             <a:endParaRPr lang="pt-BR"/>
           </a:p>
@@ -456,7 +462,7 @@
           <a:p>
             <a:fld id="{E7765948-A934-4EF0-95A9-A39F9FAF0FC6}" type="datetimeFigureOut">
               <a:rPr lang="pt-BR" smtClean="0"/>
-              <a:t>25/10/2021</a:t>
+              <a:t>28/10/2021</a:t>
             </a:fld>
             <a:endParaRPr lang="pt-BR"/>
           </a:p>
@@ -666,7 +672,7 @@
           <a:p>
             <a:fld id="{E7765948-A934-4EF0-95A9-A39F9FAF0FC6}" type="datetimeFigureOut">
               <a:rPr lang="pt-BR" smtClean="0"/>
-              <a:t>25/10/2021</a:t>
+              <a:t>28/10/2021</a:t>
             </a:fld>
             <a:endParaRPr lang="pt-BR"/>
           </a:p>
@@ -866,7 +872,7 @@
           <a:p>
             <a:fld id="{E7765948-A934-4EF0-95A9-A39F9FAF0FC6}" type="datetimeFigureOut">
               <a:rPr lang="pt-BR" smtClean="0"/>
-              <a:t>25/10/2021</a:t>
+              <a:t>28/10/2021</a:t>
             </a:fld>
             <a:endParaRPr lang="pt-BR"/>
           </a:p>
@@ -1142,7 +1148,7 @@
           <a:p>
             <a:fld id="{E7765948-A934-4EF0-95A9-A39F9FAF0FC6}" type="datetimeFigureOut">
               <a:rPr lang="pt-BR" smtClean="0"/>
-              <a:t>25/10/2021</a:t>
+              <a:t>28/10/2021</a:t>
             </a:fld>
             <a:endParaRPr lang="pt-BR"/>
           </a:p>
@@ -1410,7 +1416,7 @@
           <a:p>
             <a:fld id="{E7765948-A934-4EF0-95A9-A39F9FAF0FC6}" type="datetimeFigureOut">
               <a:rPr lang="pt-BR" smtClean="0"/>
-              <a:t>25/10/2021</a:t>
+              <a:t>28/10/2021</a:t>
             </a:fld>
             <a:endParaRPr lang="pt-BR"/>
           </a:p>
@@ -1825,7 +1831,7 @@
           <a:p>
             <a:fld id="{E7765948-A934-4EF0-95A9-A39F9FAF0FC6}" type="datetimeFigureOut">
               <a:rPr lang="pt-BR" smtClean="0"/>
-              <a:t>25/10/2021</a:t>
+              <a:t>28/10/2021</a:t>
             </a:fld>
             <a:endParaRPr lang="pt-BR"/>
           </a:p>
@@ -1967,7 +1973,7 @@
           <a:p>
             <a:fld id="{E7765948-A934-4EF0-95A9-A39F9FAF0FC6}" type="datetimeFigureOut">
               <a:rPr lang="pt-BR" smtClean="0"/>
-              <a:t>25/10/2021</a:t>
+              <a:t>28/10/2021</a:t>
             </a:fld>
             <a:endParaRPr lang="pt-BR"/>
           </a:p>
@@ -2080,7 +2086,7 @@
           <a:p>
             <a:fld id="{E7765948-A934-4EF0-95A9-A39F9FAF0FC6}" type="datetimeFigureOut">
               <a:rPr lang="pt-BR" smtClean="0"/>
-              <a:t>25/10/2021</a:t>
+              <a:t>28/10/2021</a:t>
             </a:fld>
             <a:endParaRPr lang="pt-BR"/>
           </a:p>
@@ -2393,7 +2399,7 @@
           <a:p>
             <a:fld id="{E7765948-A934-4EF0-95A9-A39F9FAF0FC6}" type="datetimeFigureOut">
               <a:rPr lang="pt-BR" smtClean="0"/>
-              <a:t>25/10/2021</a:t>
+              <a:t>28/10/2021</a:t>
             </a:fld>
             <a:endParaRPr lang="pt-BR"/>
           </a:p>
@@ -2682,7 +2688,7 @@
           <a:p>
             <a:fld id="{E7765948-A934-4EF0-95A9-A39F9FAF0FC6}" type="datetimeFigureOut">
               <a:rPr lang="pt-BR" smtClean="0"/>
-              <a:t>25/10/2021</a:t>
+              <a:t>28/10/2021</a:t>
             </a:fld>
             <a:endParaRPr lang="pt-BR"/>
           </a:p>
@@ -2925,7 +2931,7 @@
           <a:p>
             <a:fld id="{E7765948-A934-4EF0-95A9-A39F9FAF0FC6}" type="datetimeFigureOut">
               <a:rPr lang="pt-BR" smtClean="0"/>
-              <a:t>25/10/2021</a:t>
+              <a:t>28/10/2021</a:t>
             </a:fld>
             <a:endParaRPr lang="pt-BR"/>
           </a:p>
@@ -3509,8 +3515,8 @@
           </a:fontRef>
         </p:style>
       </p:cxnSp>
-      <mc:AlternateContent xmlns:mc="http://schemas.openxmlformats.org/markup-compatibility/2006">
-        <mc:Choice xmlns:a14="http://schemas.microsoft.com/office/drawing/2010/main" Requires="a14">
+      <mc:AlternateContent xmlns:mc="http://schemas.openxmlformats.org/markup-compatibility/2006" xmlns:a14="http://schemas.microsoft.com/office/drawing/2010/main">
+        <mc:Choice Requires="a14">
           <p:sp>
             <p:nvSpPr>
               <p:cNvPr id="10" name="TextBox 9">
@@ -3539,6 +3545,7 @@
               </a:bodyPr>
               <a:lstStyle/>
               <a:p>
+                <a:pPr/>
                 <a14:m>
                   <m:oMathPara xmlns:m="http://schemas.openxmlformats.org/officeDocument/2006/math">
                     <m:oMathParaPr>
@@ -3645,7 +3652,7 @@
             </p:txBody>
           </p:sp>
         </mc:Choice>
-        <mc:Fallback>
+        <mc:Fallback xmlns="">
           <p:sp>
             <p:nvSpPr>
               <p:cNvPr id="10" name="TextBox 9">
@@ -3737,8 +3744,8 @@
           </a:fontRef>
         </p:style>
       </p:cxnSp>
-      <mc:AlternateContent xmlns:mc="http://schemas.openxmlformats.org/markup-compatibility/2006">
-        <mc:Choice xmlns:a14="http://schemas.microsoft.com/office/drawing/2010/main" Requires="a14">
+      <mc:AlternateContent xmlns:mc="http://schemas.openxmlformats.org/markup-compatibility/2006" xmlns:a14="http://schemas.microsoft.com/office/drawing/2010/main">
+        <mc:Choice Requires="a14">
           <p:sp>
             <p:nvSpPr>
               <p:cNvPr id="14" name="TextBox 13">
@@ -3767,6 +3774,7 @@
               </a:bodyPr>
               <a:lstStyle/>
               <a:p>
+                <a:pPr/>
                 <a14:m>
                   <m:oMathPara xmlns:m="http://schemas.openxmlformats.org/officeDocument/2006/math">
                     <m:oMathParaPr>
@@ -3876,7 +3884,7 @@
             </p:txBody>
           </p:sp>
         </mc:Choice>
-        <mc:Fallback>
+        <mc:Fallback xmlns="">
           <p:sp>
             <p:nvSpPr>
               <p:cNvPr id="14" name="TextBox 13">
@@ -4086,8 +4094,8 @@
           </a:fontRef>
         </p:style>
       </p:cxnSp>
-      <mc:AlternateContent xmlns:mc="http://schemas.openxmlformats.org/markup-compatibility/2006">
-        <mc:Choice xmlns:a14="http://schemas.microsoft.com/office/drawing/2010/main" Requires="a14">
+      <mc:AlternateContent xmlns:mc="http://schemas.openxmlformats.org/markup-compatibility/2006" xmlns:a14="http://schemas.microsoft.com/office/drawing/2010/main">
+        <mc:Choice Requires="a14">
           <p:sp>
             <p:nvSpPr>
               <p:cNvPr id="18" name="TextBox 17">
@@ -4116,6 +4124,7 @@
               </a:bodyPr>
               <a:lstStyle/>
               <a:p>
+                <a:pPr/>
                 <a14:m>
                   <m:oMathPara xmlns:m="http://schemas.openxmlformats.org/officeDocument/2006/math">
                     <m:oMathParaPr>
@@ -4222,7 +4231,7 @@
             </p:txBody>
           </p:sp>
         </mc:Choice>
-        <mc:Fallback>
+        <mc:Fallback xmlns="">
           <p:sp>
             <p:nvSpPr>
               <p:cNvPr id="18" name="TextBox 17">
@@ -4314,8 +4323,8 @@
           </a:fontRef>
         </p:style>
       </p:cxnSp>
-      <mc:AlternateContent xmlns:mc="http://schemas.openxmlformats.org/markup-compatibility/2006">
-        <mc:Choice xmlns:a14="http://schemas.microsoft.com/office/drawing/2010/main" Requires="a14">
+      <mc:AlternateContent xmlns:mc="http://schemas.openxmlformats.org/markup-compatibility/2006" xmlns:a14="http://schemas.microsoft.com/office/drawing/2010/main">
+        <mc:Choice Requires="a14">
           <p:sp>
             <p:nvSpPr>
               <p:cNvPr id="20" name="TextBox 19">
@@ -4344,6 +4353,7 @@
               </a:bodyPr>
               <a:lstStyle/>
               <a:p>
+                <a:pPr/>
                 <a14:m>
                   <m:oMathPara xmlns:m="http://schemas.openxmlformats.org/officeDocument/2006/math">
                     <m:oMathParaPr>
@@ -4453,7 +4463,7 @@
             </p:txBody>
           </p:sp>
         </mc:Choice>
-        <mc:Fallback>
+        <mc:Fallback xmlns="">
           <p:sp>
             <p:nvSpPr>
               <p:cNvPr id="20" name="TextBox 19">
@@ -4582,8 +4592,8 @@
           </a:fontRef>
         </p:style>
       </p:cxnSp>
-      <mc:AlternateContent xmlns:mc="http://schemas.openxmlformats.org/markup-compatibility/2006">
-        <mc:Choice xmlns:a14="http://schemas.microsoft.com/office/drawing/2010/main" Requires="a14">
+      <mc:AlternateContent xmlns:mc="http://schemas.openxmlformats.org/markup-compatibility/2006" xmlns:a14="http://schemas.microsoft.com/office/drawing/2010/main">
+        <mc:Choice Requires="a14">
           <p:sp>
             <p:nvSpPr>
               <p:cNvPr id="26" name="TextBox 25">
@@ -4612,6 +4622,7 @@
               </a:bodyPr>
               <a:lstStyle/>
               <a:p>
+                <a:pPr/>
                 <a14:m>
                   <m:oMathPara xmlns:m="http://schemas.openxmlformats.org/officeDocument/2006/math">
                     <m:oMathParaPr>
@@ -4651,7 +4662,7 @@
             </p:txBody>
           </p:sp>
         </mc:Choice>
-        <mc:Fallback>
+        <mc:Fallback xmlns="">
           <p:sp>
             <p:nvSpPr>
               <p:cNvPr id="26" name="TextBox 25">
@@ -4696,8 +4707,8 @@
           </p:sp>
         </mc:Fallback>
       </mc:AlternateContent>
-      <mc:AlternateContent xmlns:mc="http://schemas.openxmlformats.org/markup-compatibility/2006">
-        <mc:Choice xmlns:a14="http://schemas.microsoft.com/office/drawing/2010/main" Requires="a14">
+      <mc:AlternateContent xmlns:mc="http://schemas.openxmlformats.org/markup-compatibility/2006" xmlns:a14="http://schemas.microsoft.com/office/drawing/2010/main">
+        <mc:Choice Requires="a14">
           <p:sp>
             <p:nvSpPr>
               <p:cNvPr id="27" name="TextBox 26">
@@ -4726,6 +4737,7 @@
               </a:bodyPr>
               <a:lstStyle/>
               <a:p>
+                <a:pPr/>
                 <a14:m>
                   <m:oMathPara xmlns:m="http://schemas.openxmlformats.org/officeDocument/2006/math">
                     <m:oMathParaPr>
@@ -4765,7 +4777,7 @@
             </p:txBody>
           </p:sp>
         </mc:Choice>
-        <mc:Fallback>
+        <mc:Fallback xmlns="">
           <p:sp>
             <p:nvSpPr>
               <p:cNvPr id="27" name="TextBox 26">
@@ -4814,6 +4826,2328 @@
     <p:extLst>
       <p:ext uri="{BB962C8B-B14F-4D97-AF65-F5344CB8AC3E}">
         <p14:creationId xmlns:p14="http://schemas.microsoft.com/office/powerpoint/2010/main" val="2971336418"/>
+      </p:ext>
+    </p:extLst>
+  </p:cSld>
+  <p:clrMapOvr>
+    <a:masterClrMapping/>
+  </p:clrMapOvr>
+</p:sld>
+</file>
+
+<file path=ppt/slides/slide2.xml><?xml version="1.0" encoding="utf-8"?>
+<p:sld xmlns:a="http://schemas.openxmlformats.org/drawingml/2006/main" xmlns:r="http://schemas.openxmlformats.org/officeDocument/2006/relationships" xmlns:p="http://schemas.openxmlformats.org/presentationml/2006/main">
+  <p:cSld>
+    <p:spTree>
+      <p:nvGrpSpPr>
+        <p:cNvPr id="1" name=""/>
+        <p:cNvGrpSpPr/>
+        <p:nvPr/>
+      </p:nvGrpSpPr>
+      <p:grpSpPr>
+        <a:xfrm>
+          <a:off x="0" y="0"/>
+          <a:ext cx="0" cy="0"/>
+          <a:chOff x="0" y="0"/>
+          <a:chExt cx="0" cy="0"/>
+        </a:xfrm>
+      </p:grpSpPr>
+      <p:grpSp>
+        <p:nvGrpSpPr>
+          <p:cNvPr id="50" name="Group 49">
+            <a:extLst>
+              <a:ext uri="{FF2B5EF4-FFF2-40B4-BE49-F238E27FC236}">
+                <a16:creationId xmlns:a16="http://schemas.microsoft.com/office/drawing/2014/main" id="{69076772-E464-41E8-B101-5BD2F5F11189}"/>
+              </a:ext>
+            </a:extLst>
+          </p:cNvPr>
+          <p:cNvGrpSpPr/>
+          <p:nvPr/>
+        </p:nvGrpSpPr>
+        <p:grpSpPr>
+          <a:xfrm>
+            <a:off x="1461759" y="438271"/>
+            <a:ext cx="435646" cy="2429871"/>
+            <a:chOff x="1461759" y="438271"/>
+            <a:chExt cx="435646" cy="2429871"/>
+          </a:xfrm>
+        </p:grpSpPr>
+        <p:sp>
+          <p:nvSpPr>
+            <p:cNvPr id="5" name="Oval 4">
+              <a:extLst>
+                <a:ext uri="{FF2B5EF4-FFF2-40B4-BE49-F238E27FC236}">
+                  <a16:creationId xmlns:a16="http://schemas.microsoft.com/office/drawing/2014/main" id="{2235219D-3606-4CF6-98B7-51B97D5838C8}"/>
+                </a:ext>
+              </a:extLst>
+            </p:cNvPr>
+            <p:cNvSpPr/>
+            <p:nvPr/>
+          </p:nvSpPr>
+          <p:spPr>
+            <a:xfrm>
+              <a:off x="1461759" y="438271"/>
+              <a:ext cx="435646" cy="435646"/>
+            </a:xfrm>
+            <a:prstGeom prst="ellipse">
+              <a:avLst/>
+            </a:prstGeom>
+            <a:gradFill>
+              <a:gsLst>
+                <a:gs pos="0">
+                  <a:srgbClr val="BAD2FF"/>
+                </a:gs>
+                <a:gs pos="100000">
+                  <a:schemeClr val="accent1"/>
+                </a:gs>
+              </a:gsLst>
+              <a:lin ang="5400000" scaled="1"/>
+            </a:gradFill>
+            <a:ln>
+              <a:solidFill>
+                <a:schemeClr val="accent5"/>
+              </a:solidFill>
+            </a:ln>
+          </p:spPr>
+          <p:style>
+            <a:lnRef idx="2">
+              <a:schemeClr val="accent1">
+                <a:shade val="50000"/>
+              </a:schemeClr>
+            </a:lnRef>
+            <a:fillRef idx="1">
+              <a:schemeClr val="accent1"/>
+            </a:fillRef>
+            <a:effectRef idx="0">
+              <a:schemeClr val="accent1"/>
+            </a:effectRef>
+            <a:fontRef idx="minor">
+              <a:schemeClr val="lt1"/>
+            </a:fontRef>
+          </p:style>
+          <p:txBody>
+            <a:bodyPr rtlCol="0" anchor="ctr"/>
+            <a:lstStyle/>
+            <a:p>
+              <a:pPr algn="ctr"/>
+              <a:r>
+                <a:rPr lang="pt-BR" sz="1200" dirty="0">
+                  <a:solidFill>
+                    <a:sysClr val="windowText" lastClr="000000"/>
+                  </a:solidFill>
+                  <a:latin typeface="Arial" panose="020B0604020202020204" pitchFamily="34" charset="0"/>
+                  <a:cs typeface="Arial" panose="020B0604020202020204" pitchFamily="34" charset="0"/>
+                </a:rPr>
+                <a:t>1</a:t>
+              </a:r>
+            </a:p>
+          </p:txBody>
+        </p:sp>
+        <mc:AlternateContent xmlns:mc="http://schemas.openxmlformats.org/markup-compatibility/2006">
+          <mc:Choice xmlns:a14="http://schemas.microsoft.com/office/drawing/2010/main" Requires="a14">
+            <p:sp>
+              <p:nvSpPr>
+                <p:cNvPr id="10" name="Oval 9">
+                  <a:extLst>
+                    <a:ext uri="{FF2B5EF4-FFF2-40B4-BE49-F238E27FC236}">
+                      <a16:creationId xmlns:a16="http://schemas.microsoft.com/office/drawing/2014/main" id="{932DDF4C-A321-46C7-9543-E8A2BC037967}"/>
+                    </a:ext>
+                  </a:extLst>
+                </p:cNvPr>
+                <p:cNvSpPr/>
+                <p:nvPr/>
+              </p:nvSpPr>
+              <p:spPr>
+                <a:xfrm>
+                  <a:off x="1461759" y="912208"/>
+                  <a:ext cx="435646" cy="435646"/>
+                </a:xfrm>
+                <a:prstGeom prst="ellipse">
+                  <a:avLst/>
+                </a:prstGeom>
+                <a:gradFill>
+                  <a:gsLst>
+                    <a:gs pos="0">
+                      <a:srgbClr val="BAD2FF"/>
+                    </a:gs>
+                    <a:gs pos="100000">
+                      <a:schemeClr val="accent1"/>
+                    </a:gs>
+                  </a:gsLst>
+                  <a:lin ang="5400000" scaled="1"/>
+                </a:gradFill>
+                <a:ln>
+                  <a:solidFill>
+                    <a:schemeClr val="accent5"/>
+                  </a:solidFill>
+                </a:ln>
+              </p:spPr>
+              <p:style>
+                <a:lnRef idx="2">
+                  <a:schemeClr val="accent1">
+                    <a:shade val="50000"/>
+                  </a:schemeClr>
+                </a:lnRef>
+                <a:fillRef idx="1">
+                  <a:schemeClr val="accent1"/>
+                </a:fillRef>
+                <a:effectRef idx="0">
+                  <a:schemeClr val="accent1"/>
+                </a:effectRef>
+                <a:fontRef idx="minor">
+                  <a:schemeClr val="lt1"/>
+                </a:fontRef>
+              </p:style>
+              <p:txBody>
+                <a:bodyPr rtlCol="0" anchor="ctr"/>
+                <a:lstStyle/>
+                <a:p>
+                  <a:pPr algn="ctr"/>
+                  <a14:m>
+                    <m:oMathPara xmlns:m="http://schemas.openxmlformats.org/officeDocument/2006/math">
+                      <m:oMathParaPr>
+                        <m:jc m:val="centerGroup"/>
+                      </m:oMathParaPr>
+                      <m:oMath xmlns:m="http://schemas.openxmlformats.org/officeDocument/2006/math">
+                        <m:sSub>
+                          <m:sSubPr>
+                            <m:ctrlPr>
+                              <a:rPr lang="pt-BR" sz="1200" b="0" i="1" smtClean="0">
+                                <a:solidFill>
+                                  <a:sysClr val="windowText" lastClr="000000"/>
+                                </a:solidFill>
+                                <a:latin typeface="Cambria Math" panose="02040503050406030204" pitchFamily="18" charset="0"/>
+                                <a:cs typeface="Arial" panose="020B0604020202020204" pitchFamily="34" charset="0"/>
+                              </a:rPr>
+                            </m:ctrlPr>
+                          </m:sSubPr>
+                          <m:e>
+                            <m:r>
+                              <a:rPr lang="pt-BR" sz="1200" b="0" i="1" smtClean="0">
+                                <a:solidFill>
+                                  <a:sysClr val="windowText" lastClr="000000"/>
+                                </a:solidFill>
+                                <a:latin typeface="Cambria Math" panose="02040503050406030204" pitchFamily="18" charset="0"/>
+                                <a:cs typeface="Arial" panose="020B0604020202020204" pitchFamily="34" charset="0"/>
+                              </a:rPr>
+                              <m:t>𝑥</m:t>
+                            </m:r>
+                          </m:e>
+                          <m:sub>
+                            <m:r>
+                              <a:rPr lang="pt-BR" sz="1200" b="0" i="1" smtClean="0">
+                                <a:solidFill>
+                                  <a:sysClr val="windowText" lastClr="000000"/>
+                                </a:solidFill>
+                                <a:latin typeface="Cambria Math" panose="02040503050406030204" pitchFamily="18" charset="0"/>
+                                <a:cs typeface="Arial" panose="020B0604020202020204" pitchFamily="34" charset="0"/>
+                              </a:rPr>
+                              <m:t>1</m:t>
+                            </m:r>
+                          </m:sub>
+                        </m:sSub>
+                      </m:oMath>
+                    </m:oMathPara>
+                  </a14:m>
+                  <a:endParaRPr lang="pt-BR" sz="1200" dirty="0">
+                    <a:solidFill>
+                      <a:sysClr val="windowText" lastClr="000000"/>
+                    </a:solidFill>
+                    <a:latin typeface="Arial" panose="020B0604020202020204" pitchFamily="34" charset="0"/>
+                    <a:cs typeface="Arial" panose="020B0604020202020204" pitchFamily="34" charset="0"/>
+                  </a:endParaRPr>
+                </a:p>
+              </p:txBody>
+            </p:sp>
+          </mc:Choice>
+          <mc:Fallback>
+            <p:sp>
+              <p:nvSpPr>
+                <p:cNvPr id="10" name="Oval 9">
+                  <a:extLst>
+                    <a:ext uri="{FF2B5EF4-FFF2-40B4-BE49-F238E27FC236}">
+                      <a16:creationId xmlns:a16="http://schemas.microsoft.com/office/drawing/2014/main" id="{932DDF4C-A321-46C7-9543-E8A2BC037967}"/>
+                    </a:ext>
+                  </a:extLst>
+                </p:cNvPr>
+                <p:cNvSpPr>
+                  <a:spLocks noRot="1" noChangeAspect="1" noMove="1" noResize="1" noEditPoints="1" noAdjustHandles="1" noChangeArrowheads="1" noChangeShapeType="1" noTextEdit="1"/>
+                </p:cNvSpPr>
+                <p:nvPr/>
+              </p:nvSpPr>
+              <p:spPr>
+                <a:xfrm>
+                  <a:off x="1461759" y="912208"/>
+                  <a:ext cx="435646" cy="435646"/>
+                </a:xfrm>
+                <a:prstGeom prst="ellipse">
+                  <a:avLst/>
+                </a:prstGeom>
+                <a:blipFill>
+                  <a:blip r:embed="rId2"/>
+                  <a:stretch>
+                    <a:fillRect/>
+                  </a:stretch>
+                </a:blipFill>
+                <a:ln>
+                  <a:solidFill>
+                    <a:schemeClr val="accent5"/>
+                  </a:solidFill>
+                </a:ln>
+              </p:spPr>
+              <p:txBody>
+                <a:bodyPr/>
+                <a:lstStyle/>
+                <a:p>
+                  <a:r>
+                    <a:rPr lang="pt-BR">
+                      <a:noFill/>
+                    </a:rPr>
+                    <a:t> </a:t>
+                  </a:r>
+                </a:p>
+              </p:txBody>
+            </p:sp>
+          </mc:Fallback>
+        </mc:AlternateContent>
+        <mc:AlternateContent xmlns:mc="http://schemas.openxmlformats.org/markup-compatibility/2006">
+          <mc:Choice xmlns:a14="http://schemas.microsoft.com/office/drawing/2010/main" Requires="a14">
+            <p:sp>
+              <p:nvSpPr>
+                <p:cNvPr id="11" name="Oval 10">
+                  <a:extLst>
+                    <a:ext uri="{FF2B5EF4-FFF2-40B4-BE49-F238E27FC236}">
+                      <a16:creationId xmlns:a16="http://schemas.microsoft.com/office/drawing/2014/main" id="{A95B34AB-DD7E-4D57-9310-43D42A2A5760}"/>
+                    </a:ext>
+                  </a:extLst>
+                </p:cNvPr>
+                <p:cNvSpPr/>
+                <p:nvPr/>
+              </p:nvSpPr>
+              <p:spPr>
+                <a:xfrm>
+                  <a:off x="1461759" y="1958559"/>
+                  <a:ext cx="435646" cy="435646"/>
+                </a:xfrm>
+                <a:prstGeom prst="ellipse">
+                  <a:avLst/>
+                </a:prstGeom>
+                <a:gradFill>
+                  <a:gsLst>
+                    <a:gs pos="0">
+                      <a:srgbClr val="BAD2FF"/>
+                    </a:gs>
+                    <a:gs pos="100000">
+                      <a:schemeClr val="accent1"/>
+                    </a:gs>
+                  </a:gsLst>
+                  <a:lin ang="5400000" scaled="1"/>
+                </a:gradFill>
+                <a:ln>
+                  <a:solidFill>
+                    <a:schemeClr val="accent5"/>
+                  </a:solidFill>
+                </a:ln>
+              </p:spPr>
+              <p:style>
+                <a:lnRef idx="2">
+                  <a:schemeClr val="accent1">
+                    <a:shade val="50000"/>
+                  </a:schemeClr>
+                </a:lnRef>
+                <a:fillRef idx="1">
+                  <a:schemeClr val="accent1"/>
+                </a:fillRef>
+                <a:effectRef idx="0">
+                  <a:schemeClr val="accent1"/>
+                </a:effectRef>
+                <a:fontRef idx="minor">
+                  <a:schemeClr val="lt1"/>
+                </a:fontRef>
+              </p:style>
+              <p:txBody>
+                <a:bodyPr rtlCol="0" anchor="ctr"/>
+                <a:lstStyle/>
+                <a:p>
+                  <a:pPr algn="ctr"/>
+                  <a14:m>
+                    <m:oMathPara xmlns:m="http://schemas.openxmlformats.org/officeDocument/2006/math">
+                      <m:oMathParaPr>
+                        <m:jc m:val="centerGroup"/>
+                      </m:oMathParaPr>
+                      <m:oMath xmlns:m="http://schemas.openxmlformats.org/officeDocument/2006/math">
+                        <m:sSub>
+                          <m:sSubPr>
+                            <m:ctrlPr>
+                              <a:rPr lang="pt-BR" sz="1200" b="0" i="1" smtClean="0">
+                                <a:solidFill>
+                                  <a:sysClr val="windowText" lastClr="000000"/>
+                                </a:solidFill>
+                                <a:latin typeface="Cambria Math" panose="02040503050406030204" pitchFamily="18" charset="0"/>
+                                <a:cs typeface="Arial" panose="020B0604020202020204" pitchFamily="34" charset="0"/>
+                              </a:rPr>
+                            </m:ctrlPr>
+                          </m:sSubPr>
+                          <m:e>
+                            <m:r>
+                              <a:rPr lang="pt-BR" sz="1200" b="0" i="1" smtClean="0">
+                                <a:solidFill>
+                                  <a:sysClr val="windowText" lastClr="000000"/>
+                                </a:solidFill>
+                                <a:latin typeface="Cambria Math" panose="02040503050406030204" pitchFamily="18" charset="0"/>
+                                <a:cs typeface="Arial" panose="020B0604020202020204" pitchFamily="34" charset="0"/>
+                              </a:rPr>
+                              <m:t>𝑥</m:t>
+                            </m:r>
+                          </m:e>
+                          <m:sub>
+                            <m:r>
+                              <a:rPr lang="pt-BR" sz="1200" b="0" i="1" smtClean="0">
+                                <a:solidFill>
+                                  <a:sysClr val="windowText" lastClr="000000"/>
+                                </a:solidFill>
+                                <a:latin typeface="Cambria Math" panose="02040503050406030204" pitchFamily="18" charset="0"/>
+                                <a:cs typeface="Arial" panose="020B0604020202020204" pitchFamily="34" charset="0"/>
+                              </a:rPr>
+                              <m:t>𝑛</m:t>
+                            </m:r>
+                            <m:r>
+                              <a:rPr lang="pt-BR" sz="1200" b="0" i="1" smtClean="0">
+                                <a:solidFill>
+                                  <a:sysClr val="windowText" lastClr="000000"/>
+                                </a:solidFill>
+                                <a:latin typeface="Cambria Math" panose="02040503050406030204" pitchFamily="18" charset="0"/>
+                                <a:cs typeface="Arial" panose="020B0604020202020204" pitchFamily="34" charset="0"/>
+                              </a:rPr>
+                              <m:t>−1</m:t>
+                            </m:r>
+                          </m:sub>
+                        </m:sSub>
+                      </m:oMath>
+                    </m:oMathPara>
+                  </a14:m>
+                  <a:endParaRPr lang="pt-BR" sz="1200" dirty="0">
+                    <a:solidFill>
+                      <a:sysClr val="windowText" lastClr="000000"/>
+                    </a:solidFill>
+                    <a:latin typeface="Arial" panose="020B0604020202020204" pitchFamily="34" charset="0"/>
+                    <a:cs typeface="Arial" panose="020B0604020202020204" pitchFamily="34" charset="0"/>
+                  </a:endParaRPr>
+                </a:p>
+              </p:txBody>
+            </p:sp>
+          </mc:Choice>
+          <mc:Fallback>
+            <p:sp>
+              <p:nvSpPr>
+                <p:cNvPr id="11" name="Oval 10">
+                  <a:extLst>
+                    <a:ext uri="{FF2B5EF4-FFF2-40B4-BE49-F238E27FC236}">
+                      <a16:creationId xmlns:a16="http://schemas.microsoft.com/office/drawing/2014/main" id="{A95B34AB-DD7E-4D57-9310-43D42A2A5760}"/>
+                    </a:ext>
+                  </a:extLst>
+                </p:cNvPr>
+                <p:cNvSpPr>
+                  <a:spLocks noRot="1" noChangeAspect="1" noMove="1" noResize="1" noEditPoints="1" noAdjustHandles="1" noChangeArrowheads="1" noChangeShapeType="1" noTextEdit="1"/>
+                </p:cNvSpPr>
+                <p:nvPr/>
+              </p:nvSpPr>
+              <p:spPr>
+                <a:xfrm>
+                  <a:off x="1461759" y="1958559"/>
+                  <a:ext cx="435646" cy="435646"/>
+                </a:xfrm>
+                <a:prstGeom prst="ellipse">
+                  <a:avLst/>
+                </a:prstGeom>
+                <a:blipFill>
+                  <a:blip r:embed="rId3"/>
+                  <a:stretch>
+                    <a:fillRect/>
+                  </a:stretch>
+                </a:blipFill>
+                <a:ln>
+                  <a:solidFill>
+                    <a:schemeClr val="accent5"/>
+                  </a:solidFill>
+                </a:ln>
+              </p:spPr>
+              <p:txBody>
+                <a:bodyPr/>
+                <a:lstStyle/>
+                <a:p>
+                  <a:r>
+                    <a:rPr lang="pt-BR">
+                      <a:noFill/>
+                    </a:rPr>
+                    <a:t> </a:t>
+                  </a:r>
+                </a:p>
+              </p:txBody>
+            </p:sp>
+          </mc:Fallback>
+        </mc:AlternateContent>
+        <mc:AlternateContent xmlns:mc="http://schemas.openxmlformats.org/markup-compatibility/2006">
+          <mc:Choice xmlns:a14="http://schemas.microsoft.com/office/drawing/2010/main" Requires="a14">
+            <p:sp>
+              <p:nvSpPr>
+                <p:cNvPr id="12" name="Oval 11">
+                  <a:extLst>
+                    <a:ext uri="{FF2B5EF4-FFF2-40B4-BE49-F238E27FC236}">
+                      <a16:creationId xmlns:a16="http://schemas.microsoft.com/office/drawing/2014/main" id="{9AC55BD7-F4F7-41A1-BBC4-15B6322C6543}"/>
+                    </a:ext>
+                  </a:extLst>
+                </p:cNvPr>
+                <p:cNvSpPr/>
+                <p:nvPr/>
+              </p:nvSpPr>
+              <p:spPr>
+                <a:xfrm>
+                  <a:off x="1461759" y="2432496"/>
+                  <a:ext cx="435646" cy="435646"/>
+                </a:xfrm>
+                <a:prstGeom prst="ellipse">
+                  <a:avLst/>
+                </a:prstGeom>
+                <a:gradFill>
+                  <a:gsLst>
+                    <a:gs pos="0">
+                      <a:srgbClr val="BAD2FF"/>
+                    </a:gs>
+                    <a:gs pos="100000">
+                      <a:schemeClr val="accent1"/>
+                    </a:gs>
+                  </a:gsLst>
+                  <a:lin ang="5400000" scaled="1"/>
+                </a:gradFill>
+                <a:ln>
+                  <a:solidFill>
+                    <a:schemeClr val="accent5"/>
+                  </a:solidFill>
+                </a:ln>
+              </p:spPr>
+              <p:style>
+                <a:lnRef idx="2">
+                  <a:schemeClr val="accent1">
+                    <a:shade val="50000"/>
+                  </a:schemeClr>
+                </a:lnRef>
+                <a:fillRef idx="1">
+                  <a:schemeClr val="accent1"/>
+                </a:fillRef>
+                <a:effectRef idx="0">
+                  <a:schemeClr val="accent1"/>
+                </a:effectRef>
+                <a:fontRef idx="minor">
+                  <a:schemeClr val="lt1"/>
+                </a:fontRef>
+              </p:style>
+              <p:txBody>
+                <a:bodyPr rtlCol="0" anchor="ctr"/>
+                <a:lstStyle/>
+                <a:p>
+                  <a:pPr algn="ctr"/>
+                  <a14:m>
+                    <m:oMathPara xmlns:m="http://schemas.openxmlformats.org/officeDocument/2006/math">
+                      <m:oMathParaPr>
+                        <m:jc m:val="centerGroup"/>
+                      </m:oMathParaPr>
+                      <m:oMath xmlns:m="http://schemas.openxmlformats.org/officeDocument/2006/math">
+                        <m:sSub>
+                          <m:sSubPr>
+                            <m:ctrlPr>
+                              <a:rPr lang="pt-BR" sz="1200" b="0" i="1" smtClean="0">
+                                <a:solidFill>
+                                  <a:sysClr val="windowText" lastClr="000000"/>
+                                </a:solidFill>
+                                <a:latin typeface="Cambria Math" panose="02040503050406030204" pitchFamily="18" charset="0"/>
+                                <a:cs typeface="Arial" panose="020B0604020202020204" pitchFamily="34" charset="0"/>
+                              </a:rPr>
+                            </m:ctrlPr>
+                          </m:sSubPr>
+                          <m:e>
+                            <m:r>
+                              <a:rPr lang="pt-BR" sz="1200" b="0" i="1" smtClean="0">
+                                <a:solidFill>
+                                  <a:sysClr val="windowText" lastClr="000000"/>
+                                </a:solidFill>
+                                <a:latin typeface="Cambria Math" panose="02040503050406030204" pitchFamily="18" charset="0"/>
+                                <a:cs typeface="Arial" panose="020B0604020202020204" pitchFamily="34" charset="0"/>
+                              </a:rPr>
+                              <m:t>𝑥</m:t>
+                            </m:r>
+                          </m:e>
+                          <m:sub>
+                            <m:r>
+                              <a:rPr lang="pt-BR" sz="1200" b="0" i="1" smtClean="0">
+                                <a:solidFill>
+                                  <a:sysClr val="windowText" lastClr="000000"/>
+                                </a:solidFill>
+                                <a:latin typeface="Cambria Math" panose="02040503050406030204" pitchFamily="18" charset="0"/>
+                                <a:cs typeface="Arial" panose="020B0604020202020204" pitchFamily="34" charset="0"/>
+                              </a:rPr>
+                              <m:t>𝑛</m:t>
+                            </m:r>
+                          </m:sub>
+                        </m:sSub>
+                      </m:oMath>
+                    </m:oMathPara>
+                  </a14:m>
+                  <a:endParaRPr lang="pt-BR" sz="1200" dirty="0">
+                    <a:solidFill>
+                      <a:sysClr val="windowText" lastClr="000000"/>
+                    </a:solidFill>
+                    <a:latin typeface="Arial" panose="020B0604020202020204" pitchFamily="34" charset="0"/>
+                    <a:cs typeface="Arial" panose="020B0604020202020204" pitchFamily="34" charset="0"/>
+                  </a:endParaRPr>
+                </a:p>
+              </p:txBody>
+            </p:sp>
+          </mc:Choice>
+          <mc:Fallback>
+            <p:sp>
+              <p:nvSpPr>
+                <p:cNvPr id="12" name="Oval 11">
+                  <a:extLst>
+                    <a:ext uri="{FF2B5EF4-FFF2-40B4-BE49-F238E27FC236}">
+                      <a16:creationId xmlns:a16="http://schemas.microsoft.com/office/drawing/2014/main" id="{9AC55BD7-F4F7-41A1-BBC4-15B6322C6543}"/>
+                    </a:ext>
+                  </a:extLst>
+                </p:cNvPr>
+                <p:cNvSpPr>
+                  <a:spLocks noRot="1" noChangeAspect="1" noMove="1" noResize="1" noEditPoints="1" noAdjustHandles="1" noChangeArrowheads="1" noChangeShapeType="1" noTextEdit="1"/>
+                </p:cNvSpPr>
+                <p:nvPr/>
+              </p:nvSpPr>
+              <p:spPr>
+                <a:xfrm>
+                  <a:off x="1461759" y="2432496"/>
+                  <a:ext cx="435646" cy="435646"/>
+                </a:xfrm>
+                <a:prstGeom prst="ellipse">
+                  <a:avLst/>
+                </a:prstGeom>
+                <a:blipFill>
+                  <a:blip r:embed="rId4"/>
+                  <a:stretch>
+                    <a:fillRect/>
+                  </a:stretch>
+                </a:blipFill>
+                <a:ln>
+                  <a:solidFill>
+                    <a:schemeClr val="accent5"/>
+                  </a:solidFill>
+                </a:ln>
+              </p:spPr>
+              <p:txBody>
+                <a:bodyPr/>
+                <a:lstStyle/>
+                <a:p>
+                  <a:r>
+                    <a:rPr lang="pt-BR">
+                      <a:noFill/>
+                    </a:rPr>
+                    <a:t> </a:t>
+                  </a:r>
+                </a:p>
+              </p:txBody>
+            </p:sp>
+          </mc:Fallback>
+        </mc:AlternateContent>
+        <p:sp>
+          <p:nvSpPr>
+            <p:cNvPr id="13" name="TextBox 12">
+              <a:extLst>
+                <a:ext uri="{FF2B5EF4-FFF2-40B4-BE49-F238E27FC236}">
+                  <a16:creationId xmlns:a16="http://schemas.microsoft.com/office/drawing/2014/main" id="{F1E4CC09-A832-468B-9AB0-599FD48B19EE}"/>
+                </a:ext>
+              </a:extLst>
+            </p:cNvPr>
+            <p:cNvSpPr txBox="1"/>
+            <p:nvPr/>
+          </p:nvSpPr>
+          <p:spPr>
+            <a:xfrm>
+              <a:off x="1531536" y="1386146"/>
+              <a:ext cx="296092" cy="534121"/>
+            </a:xfrm>
+            <a:prstGeom prst="rect">
+              <a:avLst/>
+            </a:prstGeom>
+            <a:noFill/>
+          </p:spPr>
+          <p:txBody>
+            <a:bodyPr wrap="square" rtlCol="0">
+              <a:spAutoFit/>
+            </a:bodyPr>
+            <a:lstStyle/>
+            <a:p>
+              <a:pPr>
+                <a:lnSpc>
+                  <a:spcPct val="50000"/>
+                </a:lnSpc>
+              </a:pPr>
+              <a:r>
+                <a:rPr lang="pt-BR" dirty="0"/>
+                <a:t>.</a:t>
+              </a:r>
+            </a:p>
+            <a:p>
+              <a:pPr>
+                <a:lnSpc>
+                  <a:spcPct val="50000"/>
+                </a:lnSpc>
+              </a:pPr>
+              <a:r>
+                <a:rPr lang="pt-BR" dirty="0"/>
+                <a:t>.</a:t>
+              </a:r>
+            </a:p>
+            <a:p>
+              <a:pPr>
+                <a:lnSpc>
+                  <a:spcPct val="50000"/>
+                </a:lnSpc>
+              </a:pPr>
+              <a:r>
+                <a:rPr lang="pt-BR" dirty="0"/>
+                <a:t>.</a:t>
+              </a:r>
+            </a:p>
+          </p:txBody>
+        </p:sp>
+      </p:grpSp>
+      <p:grpSp>
+        <p:nvGrpSpPr>
+          <p:cNvPr id="51" name="Group 50">
+            <a:extLst>
+              <a:ext uri="{FF2B5EF4-FFF2-40B4-BE49-F238E27FC236}">
+                <a16:creationId xmlns:a16="http://schemas.microsoft.com/office/drawing/2014/main" id="{7B2E826D-E5C5-4BAF-81F8-36236FB4AF93}"/>
+              </a:ext>
+            </a:extLst>
+          </p:cNvPr>
+          <p:cNvGrpSpPr/>
+          <p:nvPr/>
+        </p:nvGrpSpPr>
+        <p:grpSpPr>
+          <a:xfrm>
+            <a:off x="2539605" y="715767"/>
+            <a:ext cx="435646" cy="1874879"/>
+            <a:chOff x="2539605" y="766381"/>
+            <a:chExt cx="435646" cy="1874879"/>
+          </a:xfrm>
+        </p:grpSpPr>
+        <mc:AlternateContent xmlns:mc="http://schemas.openxmlformats.org/markup-compatibility/2006">
+          <mc:Choice xmlns:a14="http://schemas.microsoft.com/office/drawing/2010/main" Requires="a14">
+            <p:sp>
+              <p:nvSpPr>
+                <p:cNvPr id="14" name="Rectangle 13">
+                  <a:extLst>
+                    <a:ext uri="{FF2B5EF4-FFF2-40B4-BE49-F238E27FC236}">
+                      <a16:creationId xmlns:a16="http://schemas.microsoft.com/office/drawing/2014/main" id="{13B8876E-B9B9-4BCC-A961-40691A6CBEB2}"/>
+                    </a:ext>
+                  </a:extLst>
+                </p:cNvPr>
+                <p:cNvSpPr/>
+                <p:nvPr/>
+              </p:nvSpPr>
+              <p:spPr>
+                <a:xfrm>
+                  <a:off x="2539605" y="766381"/>
+                  <a:ext cx="435646" cy="291654"/>
+                </a:xfrm>
+                <a:prstGeom prst="rect">
+                  <a:avLst/>
+                </a:prstGeom>
+                <a:gradFill>
+                  <a:gsLst>
+                    <a:gs pos="0">
+                      <a:srgbClr val="F2FFDE"/>
+                    </a:gs>
+                    <a:gs pos="100000">
+                      <a:srgbClr val="DEFDB1"/>
+                    </a:gs>
+                  </a:gsLst>
+                  <a:lin ang="5400000" scaled="1"/>
+                </a:gradFill>
+                <a:ln>
+                  <a:solidFill>
+                    <a:srgbClr val="ACCA75"/>
+                  </a:solidFill>
+                </a:ln>
+              </p:spPr>
+              <p:style>
+                <a:lnRef idx="2">
+                  <a:schemeClr val="accent1">
+                    <a:shade val="50000"/>
+                  </a:schemeClr>
+                </a:lnRef>
+                <a:fillRef idx="1">
+                  <a:schemeClr val="accent1"/>
+                </a:fillRef>
+                <a:effectRef idx="0">
+                  <a:schemeClr val="accent1"/>
+                </a:effectRef>
+                <a:fontRef idx="minor">
+                  <a:schemeClr val="lt1"/>
+                </a:fontRef>
+              </p:style>
+              <p:txBody>
+                <a:bodyPr rtlCol="0" anchor="ctr"/>
+                <a:lstStyle/>
+                <a:p>
+                  <a:pPr algn="ctr"/>
+                  <a14:m>
+                    <m:oMathPara xmlns:m="http://schemas.openxmlformats.org/officeDocument/2006/math">
+                      <m:oMathParaPr>
+                        <m:jc m:val="centerGroup"/>
+                      </m:oMathParaPr>
+                      <m:oMath xmlns:m="http://schemas.openxmlformats.org/officeDocument/2006/math">
+                        <m:sSub>
+                          <m:sSubPr>
+                            <m:ctrlPr>
+                              <a:rPr lang="pt-BR" sz="1400" b="0" i="1" smtClean="0">
+                                <a:solidFill>
+                                  <a:sysClr val="windowText" lastClr="000000"/>
+                                </a:solidFill>
+                                <a:latin typeface="Cambria Math" panose="02040503050406030204" pitchFamily="18" charset="0"/>
+                              </a:rPr>
+                            </m:ctrlPr>
+                          </m:sSubPr>
+                          <m:e>
+                            <m:r>
+                              <a:rPr lang="pt-BR" sz="1400" b="0" i="1" smtClean="0">
+                                <a:solidFill>
+                                  <a:sysClr val="windowText" lastClr="000000"/>
+                                </a:solidFill>
+                                <a:latin typeface="Cambria Math" panose="02040503050406030204" pitchFamily="18" charset="0"/>
+                              </a:rPr>
+                              <m:t>𝑤</m:t>
+                            </m:r>
+                          </m:e>
+                          <m:sub>
+                            <m:r>
+                              <a:rPr lang="pt-BR" sz="1400" b="0" i="1" smtClean="0">
+                                <a:solidFill>
+                                  <a:sysClr val="windowText" lastClr="000000"/>
+                                </a:solidFill>
+                                <a:latin typeface="Cambria Math" panose="02040503050406030204" pitchFamily="18" charset="0"/>
+                              </a:rPr>
+                              <m:t>0</m:t>
+                            </m:r>
+                          </m:sub>
+                        </m:sSub>
+                      </m:oMath>
+                    </m:oMathPara>
+                  </a14:m>
+                  <a:endParaRPr lang="pt-BR" dirty="0">
+                    <a:solidFill>
+                      <a:sysClr val="windowText" lastClr="000000"/>
+                    </a:solidFill>
+                  </a:endParaRPr>
+                </a:p>
+              </p:txBody>
+            </p:sp>
+          </mc:Choice>
+          <mc:Fallback>
+            <p:sp>
+              <p:nvSpPr>
+                <p:cNvPr id="14" name="Rectangle 13">
+                  <a:extLst>
+                    <a:ext uri="{FF2B5EF4-FFF2-40B4-BE49-F238E27FC236}">
+                      <a16:creationId xmlns:a16="http://schemas.microsoft.com/office/drawing/2014/main" id="{13B8876E-B9B9-4BCC-A961-40691A6CBEB2}"/>
+                    </a:ext>
+                  </a:extLst>
+                </p:cNvPr>
+                <p:cNvSpPr>
+                  <a:spLocks noRot="1" noChangeAspect="1" noMove="1" noResize="1" noEditPoints="1" noAdjustHandles="1" noChangeArrowheads="1" noChangeShapeType="1" noTextEdit="1"/>
+                </p:cNvSpPr>
+                <p:nvPr/>
+              </p:nvSpPr>
+              <p:spPr>
+                <a:xfrm>
+                  <a:off x="2539605" y="766381"/>
+                  <a:ext cx="435646" cy="291654"/>
+                </a:xfrm>
+                <a:prstGeom prst="rect">
+                  <a:avLst/>
+                </a:prstGeom>
+                <a:blipFill>
+                  <a:blip r:embed="rId5"/>
+                  <a:stretch>
+                    <a:fillRect/>
+                  </a:stretch>
+                </a:blipFill>
+                <a:ln>
+                  <a:solidFill>
+                    <a:srgbClr val="ACCA75"/>
+                  </a:solidFill>
+                </a:ln>
+              </p:spPr>
+              <p:txBody>
+                <a:bodyPr/>
+                <a:lstStyle/>
+                <a:p>
+                  <a:r>
+                    <a:rPr lang="pt-BR">
+                      <a:noFill/>
+                    </a:rPr>
+                    <a:t> </a:t>
+                  </a:r>
+                </a:p>
+              </p:txBody>
+            </p:sp>
+          </mc:Fallback>
+        </mc:AlternateContent>
+        <mc:AlternateContent xmlns:mc="http://schemas.openxmlformats.org/markup-compatibility/2006">
+          <mc:Choice xmlns:a14="http://schemas.microsoft.com/office/drawing/2010/main" Requires="a14">
+            <p:sp>
+              <p:nvSpPr>
+                <p:cNvPr id="15" name="Rectangle 14">
+                  <a:extLst>
+                    <a:ext uri="{FF2B5EF4-FFF2-40B4-BE49-F238E27FC236}">
+                      <a16:creationId xmlns:a16="http://schemas.microsoft.com/office/drawing/2014/main" id="{3485EAA5-8627-4099-B817-122BBF972F6D}"/>
+                    </a:ext>
+                  </a:extLst>
+                </p:cNvPr>
+                <p:cNvSpPr/>
+                <p:nvPr/>
+              </p:nvSpPr>
+              <p:spPr>
+                <a:xfrm>
+                  <a:off x="2539605" y="1202027"/>
+                  <a:ext cx="435646" cy="291654"/>
+                </a:xfrm>
+                <a:prstGeom prst="rect">
+                  <a:avLst/>
+                </a:prstGeom>
+                <a:gradFill>
+                  <a:gsLst>
+                    <a:gs pos="0">
+                      <a:srgbClr val="F2FFDE"/>
+                    </a:gs>
+                    <a:gs pos="100000">
+                      <a:srgbClr val="DEFDB1"/>
+                    </a:gs>
+                  </a:gsLst>
+                  <a:lin ang="5400000" scaled="1"/>
+                </a:gradFill>
+                <a:ln>
+                  <a:solidFill>
+                    <a:srgbClr val="ACCA75"/>
+                  </a:solidFill>
+                </a:ln>
+              </p:spPr>
+              <p:style>
+                <a:lnRef idx="2">
+                  <a:schemeClr val="accent1">
+                    <a:shade val="50000"/>
+                  </a:schemeClr>
+                </a:lnRef>
+                <a:fillRef idx="1">
+                  <a:schemeClr val="accent1"/>
+                </a:fillRef>
+                <a:effectRef idx="0">
+                  <a:schemeClr val="accent1"/>
+                </a:effectRef>
+                <a:fontRef idx="minor">
+                  <a:schemeClr val="lt1"/>
+                </a:fontRef>
+              </p:style>
+              <p:txBody>
+                <a:bodyPr rtlCol="0" anchor="ctr"/>
+                <a:lstStyle/>
+                <a:p>
+                  <a:pPr algn="ctr"/>
+                  <a14:m>
+                    <m:oMathPara xmlns:m="http://schemas.openxmlformats.org/officeDocument/2006/math">
+                      <m:oMathParaPr>
+                        <m:jc m:val="centerGroup"/>
+                      </m:oMathParaPr>
+                      <m:oMath xmlns:m="http://schemas.openxmlformats.org/officeDocument/2006/math">
+                        <m:sSub>
+                          <m:sSubPr>
+                            <m:ctrlPr>
+                              <a:rPr lang="pt-BR" sz="1400" b="0" i="1" smtClean="0">
+                                <a:solidFill>
+                                  <a:sysClr val="windowText" lastClr="000000"/>
+                                </a:solidFill>
+                                <a:latin typeface="Cambria Math" panose="02040503050406030204" pitchFamily="18" charset="0"/>
+                              </a:rPr>
+                            </m:ctrlPr>
+                          </m:sSubPr>
+                          <m:e>
+                            <m:r>
+                              <a:rPr lang="pt-BR" sz="1400" b="0" i="1" smtClean="0">
+                                <a:solidFill>
+                                  <a:sysClr val="windowText" lastClr="000000"/>
+                                </a:solidFill>
+                                <a:latin typeface="Cambria Math" panose="02040503050406030204" pitchFamily="18" charset="0"/>
+                              </a:rPr>
+                              <m:t>𝑤</m:t>
+                            </m:r>
+                          </m:e>
+                          <m:sub>
+                            <m:r>
+                              <a:rPr lang="pt-BR" sz="1400" b="0" i="1" smtClean="0">
+                                <a:solidFill>
+                                  <a:sysClr val="windowText" lastClr="000000"/>
+                                </a:solidFill>
+                                <a:latin typeface="Cambria Math" panose="02040503050406030204" pitchFamily="18" charset="0"/>
+                              </a:rPr>
+                              <m:t>1</m:t>
+                            </m:r>
+                          </m:sub>
+                        </m:sSub>
+                      </m:oMath>
+                    </m:oMathPara>
+                  </a14:m>
+                  <a:endParaRPr lang="pt-BR" sz="1400" b="0" dirty="0">
+                    <a:solidFill>
+                      <a:sysClr val="windowText" lastClr="000000"/>
+                    </a:solidFill>
+                  </a:endParaRPr>
+                </a:p>
+              </p:txBody>
+            </p:sp>
+          </mc:Choice>
+          <mc:Fallback>
+            <p:sp>
+              <p:nvSpPr>
+                <p:cNvPr id="15" name="Rectangle 14">
+                  <a:extLst>
+                    <a:ext uri="{FF2B5EF4-FFF2-40B4-BE49-F238E27FC236}">
+                      <a16:creationId xmlns:a16="http://schemas.microsoft.com/office/drawing/2014/main" id="{3485EAA5-8627-4099-B817-122BBF972F6D}"/>
+                    </a:ext>
+                  </a:extLst>
+                </p:cNvPr>
+                <p:cNvSpPr>
+                  <a:spLocks noRot="1" noChangeAspect="1" noMove="1" noResize="1" noEditPoints="1" noAdjustHandles="1" noChangeArrowheads="1" noChangeShapeType="1" noTextEdit="1"/>
+                </p:cNvSpPr>
+                <p:nvPr/>
+              </p:nvSpPr>
+              <p:spPr>
+                <a:xfrm>
+                  <a:off x="2539605" y="1202027"/>
+                  <a:ext cx="435646" cy="291654"/>
+                </a:xfrm>
+                <a:prstGeom prst="rect">
+                  <a:avLst/>
+                </a:prstGeom>
+                <a:blipFill>
+                  <a:blip r:embed="rId6"/>
+                  <a:stretch>
+                    <a:fillRect/>
+                  </a:stretch>
+                </a:blipFill>
+                <a:ln>
+                  <a:solidFill>
+                    <a:srgbClr val="ACCA75"/>
+                  </a:solidFill>
+                </a:ln>
+              </p:spPr>
+              <p:txBody>
+                <a:bodyPr/>
+                <a:lstStyle/>
+                <a:p>
+                  <a:r>
+                    <a:rPr lang="pt-BR">
+                      <a:noFill/>
+                    </a:rPr>
+                    <a:t> </a:t>
+                  </a:r>
+                </a:p>
+              </p:txBody>
+            </p:sp>
+          </mc:Fallback>
+        </mc:AlternateContent>
+        <mc:AlternateContent xmlns:mc="http://schemas.openxmlformats.org/markup-compatibility/2006">
+          <mc:Choice xmlns:a14="http://schemas.microsoft.com/office/drawing/2010/main" Requires="a14">
+            <p:sp>
+              <p:nvSpPr>
+                <p:cNvPr id="16" name="Rectangle 15">
+                  <a:extLst>
+                    <a:ext uri="{FF2B5EF4-FFF2-40B4-BE49-F238E27FC236}">
+                      <a16:creationId xmlns:a16="http://schemas.microsoft.com/office/drawing/2014/main" id="{5EA88084-559C-4087-A2A0-2805FE737A24}"/>
+                    </a:ext>
+                  </a:extLst>
+                </p:cNvPr>
+                <p:cNvSpPr/>
+                <p:nvPr/>
+              </p:nvSpPr>
+              <p:spPr>
+                <a:xfrm>
+                  <a:off x="2539605" y="2349606"/>
+                  <a:ext cx="435646" cy="291654"/>
+                </a:xfrm>
+                <a:prstGeom prst="rect">
+                  <a:avLst/>
+                </a:prstGeom>
+                <a:gradFill>
+                  <a:gsLst>
+                    <a:gs pos="0">
+                      <a:srgbClr val="F2FFDE"/>
+                    </a:gs>
+                    <a:gs pos="100000">
+                      <a:srgbClr val="DEFDB1"/>
+                    </a:gs>
+                  </a:gsLst>
+                  <a:lin ang="5400000" scaled="1"/>
+                </a:gradFill>
+                <a:ln>
+                  <a:solidFill>
+                    <a:srgbClr val="ACCA75"/>
+                  </a:solidFill>
+                </a:ln>
+              </p:spPr>
+              <p:style>
+                <a:lnRef idx="2">
+                  <a:schemeClr val="accent1">
+                    <a:shade val="50000"/>
+                  </a:schemeClr>
+                </a:lnRef>
+                <a:fillRef idx="1">
+                  <a:schemeClr val="accent1"/>
+                </a:fillRef>
+                <a:effectRef idx="0">
+                  <a:schemeClr val="accent1"/>
+                </a:effectRef>
+                <a:fontRef idx="minor">
+                  <a:schemeClr val="lt1"/>
+                </a:fontRef>
+              </p:style>
+              <p:txBody>
+                <a:bodyPr rtlCol="0" anchor="ctr"/>
+                <a:lstStyle/>
+                <a:p>
+                  <a:pPr algn="ctr"/>
+                  <a14:m>
+                    <m:oMathPara xmlns:m="http://schemas.openxmlformats.org/officeDocument/2006/math">
+                      <m:oMathParaPr>
+                        <m:jc m:val="centerGroup"/>
+                      </m:oMathParaPr>
+                      <m:oMath xmlns:m="http://schemas.openxmlformats.org/officeDocument/2006/math">
+                        <m:sSub>
+                          <m:sSubPr>
+                            <m:ctrlPr>
+                              <a:rPr lang="pt-BR" sz="1400" b="0" i="1" smtClean="0">
+                                <a:solidFill>
+                                  <a:sysClr val="windowText" lastClr="000000"/>
+                                </a:solidFill>
+                                <a:latin typeface="Cambria Math" panose="02040503050406030204" pitchFamily="18" charset="0"/>
+                              </a:rPr>
+                            </m:ctrlPr>
+                          </m:sSubPr>
+                          <m:e>
+                            <m:r>
+                              <a:rPr lang="pt-BR" sz="1400" b="0" i="1" smtClean="0">
+                                <a:solidFill>
+                                  <a:sysClr val="windowText" lastClr="000000"/>
+                                </a:solidFill>
+                                <a:latin typeface="Cambria Math" panose="02040503050406030204" pitchFamily="18" charset="0"/>
+                              </a:rPr>
+                              <m:t>𝑤</m:t>
+                            </m:r>
+                          </m:e>
+                          <m:sub>
+                            <m:r>
+                              <a:rPr lang="pt-BR" sz="1400" b="0" i="1" smtClean="0">
+                                <a:solidFill>
+                                  <a:sysClr val="windowText" lastClr="000000"/>
+                                </a:solidFill>
+                                <a:latin typeface="Cambria Math" panose="02040503050406030204" pitchFamily="18" charset="0"/>
+                              </a:rPr>
+                              <m:t>𝑛</m:t>
+                            </m:r>
+                          </m:sub>
+                        </m:sSub>
+                      </m:oMath>
+                    </m:oMathPara>
+                  </a14:m>
+                  <a:endParaRPr lang="pt-BR" sz="1400" b="0" dirty="0">
+                    <a:solidFill>
+                      <a:sysClr val="windowText" lastClr="000000"/>
+                    </a:solidFill>
+                  </a:endParaRPr>
+                </a:p>
+              </p:txBody>
+            </p:sp>
+          </mc:Choice>
+          <mc:Fallback>
+            <p:sp>
+              <p:nvSpPr>
+                <p:cNvPr id="16" name="Rectangle 15">
+                  <a:extLst>
+                    <a:ext uri="{FF2B5EF4-FFF2-40B4-BE49-F238E27FC236}">
+                      <a16:creationId xmlns:a16="http://schemas.microsoft.com/office/drawing/2014/main" id="{5EA88084-559C-4087-A2A0-2805FE737A24}"/>
+                    </a:ext>
+                  </a:extLst>
+                </p:cNvPr>
+                <p:cNvSpPr>
+                  <a:spLocks noRot="1" noChangeAspect="1" noMove="1" noResize="1" noEditPoints="1" noAdjustHandles="1" noChangeArrowheads="1" noChangeShapeType="1" noTextEdit="1"/>
+                </p:cNvSpPr>
+                <p:nvPr/>
+              </p:nvSpPr>
+              <p:spPr>
+                <a:xfrm>
+                  <a:off x="2539605" y="2349606"/>
+                  <a:ext cx="435646" cy="291654"/>
+                </a:xfrm>
+                <a:prstGeom prst="rect">
+                  <a:avLst/>
+                </a:prstGeom>
+                <a:blipFill>
+                  <a:blip r:embed="rId7"/>
+                  <a:stretch>
+                    <a:fillRect/>
+                  </a:stretch>
+                </a:blipFill>
+                <a:ln>
+                  <a:solidFill>
+                    <a:srgbClr val="ACCA75"/>
+                  </a:solidFill>
+                </a:ln>
+              </p:spPr>
+              <p:txBody>
+                <a:bodyPr/>
+                <a:lstStyle/>
+                <a:p>
+                  <a:r>
+                    <a:rPr lang="pt-BR">
+                      <a:noFill/>
+                    </a:rPr>
+                    <a:t> </a:t>
+                  </a:r>
+                </a:p>
+              </p:txBody>
+            </p:sp>
+          </mc:Fallback>
+        </mc:AlternateContent>
+        <mc:AlternateContent xmlns:mc="http://schemas.openxmlformats.org/markup-compatibility/2006">
+          <mc:Choice xmlns:a14="http://schemas.microsoft.com/office/drawing/2010/main" Requires="a14">
+            <p:sp>
+              <p:nvSpPr>
+                <p:cNvPr id="17" name="Rectangle 16">
+                  <a:extLst>
+                    <a:ext uri="{FF2B5EF4-FFF2-40B4-BE49-F238E27FC236}">
+                      <a16:creationId xmlns:a16="http://schemas.microsoft.com/office/drawing/2014/main" id="{214F537A-8936-43A8-B49A-74382825D7F0}"/>
+                    </a:ext>
+                  </a:extLst>
+                </p:cNvPr>
+                <p:cNvSpPr/>
+                <p:nvPr/>
+              </p:nvSpPr>
+              <p:spPr>
+                <a:xfrm>
+                  <a:off x="2539605" y="1812732"/>
+                  <a:ext cx="435646" cy="291654"/>
+                </a:xfrm>
+                <a:prstGeom prst="rect">
+                  <a:avLst/>
+                </a:prstGeom>
+                <a:gradFill>
+                  <a:gsLst>
+                    <a:gs pos="0">
+                      <a:srgbClr val="F2FFDE"/>
+                    </a:gs>
+                    <a:gs pos="100000">
+                      <a:srgbClr val="DEFDB1"/>
+                    </a:gs>
+                  </a:gsLst>
+                  <a:lin ang="5400000" scaled="1"/>
+                </a:gradFill>
+                <a:ln>
+                  <a:solidFill>
+                    <a:srgbClr val="ACCA75"/>
+                  </a:solidFill>
+                </a:ln>
+              </p:spPr>
+              <p:style>
+                <a:lnRef idx="2">
+                  <a:schemeClr val="accent1">
+                    <a:shade val="50000"/>
+                  </a:schemeClr>
+                </a:lnRef>
+                <a:fillRef idx="1">
+                  <a:schemeClr val="accent1"/>
+                </a:fillRef>
+                <a:effectRef idx="0">
+                  <a:schemeClr val="accent1"/>
+                </a:effectRef>
+                <a:fontRef idx="minor">
+                  <a:schemeClr val="lt1"/>
+                </a:fontRef>
+              </p:style>
+              <p:txBody>
+                <a:bodyPr rtlCol="0" anchor="ctr"/>
+                <a:lstStyle/>
+                <a:p>
+                  <a:pPr algn="ctr"/>
+                  <a14:m>
+                    <m:oMathPara xmlns:m="http://schemas.openxmlformats.org/officeDocument/2006/math">
+                      <m:oMathParaPr>
+                        <m:jc m:val="centerGroup"/>
+                      </m:oMathParaPr>
+                      <m:oMath xmlns:m="http://schemas.openxmlformats.org/officeDocument/2006/math">
+                        <m:sSub>
+                          <m:sSubPr>
+                            <m:ctrlPr>
+                              <a:rPr lang="pt-BR" sz="1400" b="0" i="1" smtClean="0">
+                                <a:solidFill>
+                                  <a:sysClr val="windowText" lastClr="000000"/>
+                                </a:solidFill>
+                                <a:latin typeface="Cambria Math" panose="02040503050406030204" pitchFamily="18" charset="0"/>
+                              </a:rPr>
+                            </m:ctrlPr>
+                          </m:sSubPr>
+                          <m:e>
+                            <m:r>
+                              <a:rPr lang="pt-BR" sz="1400" b="0" i="1" smtClean="0">
+                                <a:solidFill>
+                                  <a:sysClr val="windowText" lastClr="000000"/>
+                                </a:solidFill>
+                                <a:latin typeface="Cambria Math" panose="02040503050406030204" pitchFamily="18" charset="0"/>
+                              </a:rPr>
+                              <m:t>𝑤</m:t>
+                            </m:r>
+                          </m:e>
+                          <m:sub>
+                            <m:r>
+                              <a:rPr lang="pt-BR" sz="1400" b="0" i="1" smtClean="0">
+                                <a:solidFill>
+                                  <a:sysClr val="windowText" lastClr="000000"/>
+                                </a:solidFill>
+                                <a:latin typeface="Cambria Math" panose="02040503050406030204" pitchFamily="18" charset="0"/>
+                              </a:rPr>
+                              <m:t>𝑛</m:t>
+                            </m:r>
+                            <m:r>
+                              <a:rPr lang="pt-BR" sz="1400" b="0" i="1" smtClean="0">
+                                <a:solidFill>
+                                  <a:sysClr val="windowText" lastClr="000000"/>
+                                </a:solidFill>
+                                <a:latin typeface="Cambria Math" panose="02040503050406030204" pitchFamily="18" charset="0"/>
+                              </a:rPr>
+                              <m:t>−1</m:t>
+                            </m:r>
+                          </m:sub>
+                        </m:sSub>
+                      </m:oMath>
+                    </m:oMathPara>
+                  </a14:m>
+                  <a:endParaRPr lang="pt-BR" sz="1400" b="0" dirty="0">
+                    <a:solidFill>
+                      <a:sysClr val="windowText" lastClr="000000"/>
+                    </a:solidFill>
+                  </a:endParaRPr>
+                </a:p>
+              </p:txBody>
+            </p:sp>
+          </mc:Choice>
+          <mc:Fallback>
+            <p:sp>
+              <p:nvSpPr>
+                <p:cNvPr id="17" name="Rectangle 16">
+                  <a:extLst>
+                    <a:ext uri="{FF2B5EF4-FFF2-40B4-BE49-F238E27FC236}">
+                      <a16:creationId xmlns:a16="http://schemas.microsoft.com/office/drawing/2014/main" id="{214F537A-8936-43A8-B49A-74382825D7F0}"/>
+                    </a:ext>
+                  </a:extLst>
+                </p:cNvPr>
+                <p:cNvSpPr>
+                  <a:spLocks noRot="1" noChangeAspect="1" noMove="1" noResize="1" noEditPoints="1" noAdjustHandles="1" noChangeArrowheads="1" noChangeShapeType="1" noTextEdit="1"/>
+                </p:cNvSpPr>
+                <p:nvPr/>
+              </p:nvSpPr>
+              <p:spPr>
+                <a:xfrm>
+                  <a:off x="2539605" y="1812732"/>
+                  <a:ext cx="435646" cy="291654"/>
+                </a:xfrm>
+                <a:prstGeom prst="rect">
+                  <a:avLst/>
+                </a:prstGeom>
+                <a:blipFill>
+                  <a:blip r:embed="rId8"/>
+                  <a:stretch>
+                    <a:fillRect l="-8219"/>
+                  </a:stretch>
+                </a:blipFill>
+                <a:ln>
+                  <a:solidFill>
+                    <a:srgbClr val="ACCA75"/>
+                  </a:solidFill>
+                </a:ln>
+              </p:spPr>
+              <p:txBody>
+                <a:bodyPr/>
+                <a:lstStyle/>
+                <a:p>
+                  <a:r>
+                    <a:rPr lang="pt-BR">
+                      <a:noFill/>
+                    </a:rPr>
+                    <a:t> </a:t>
+                  </a:r>
+                </a:p>
+              </p:txBody>
+            </p:sp>
+          </mc:Fallback>
+        </mc:AlternateContent>
+      </p:grpSp>
+      <p:cxnSp>
+        <p:nvCxnSpPr>
+          <p:cNvPr id="19" name="Straight Arrow Connector 18">
+            <a:extLst>
+              <a:ext uri="{FF2B5EF4-FFF2-40B4-BE49-F238E27FC236}">
+                <a16:creationId xmlns:a16="http://schemas.microsoft.com/office/drawing/2014/main" id="{6F51DAE0-7710-4B04-870E-BA7B1E2600C9}"/>
+              </a:ext>
+            </a:extLst>
+          </p:cNvPr>
+          <p:cNvCxnSpPr>
+            <a:stCxn id="5" idx="6"/>
+            <a:endCxn id="14" idx="1"/>
+          </p:cNvCxnSpPr>
+          <p:nvPr/>
+        </p:nvCxnSpPr>
+        <p:spPr>
+          <a:xfrm>
+            <a:off x="1897405" y="656094"/>
+            <a:ext cx="642200" cy="205500"/>
+          </a:xfrm>
+          <a:prstGeom prst="straightConnector1">
+            <a:avLst/>
+          </a:prstGeom>
+          <a:ln>
+            <a:tailEnd type="triangle"/>
+          </a:ln>
+        </p:spPr>
+        <p:style>
+          <a:lnRef idx="1">
+            <a:schemeClr val="dk1"/>
+          </a:lnRef>
+          <a:fillRef idx="0">
+            <a:schemeClr val="dk1"/>
+          </a:fillRef>
+          <a:effectRef idx="0">
+            <a:schemeClr val="dk1"/>
+          </a:effectRef>
+          <a:fontRef idx="minor">
+            <a:schemeClr val="tx1"/>
+          </a:fontRef>
+        </p:style>
+      </p:cxnSp>
+      <p:cxnSp>
+        <p:nvCxnSpPr>
+          <p:cNvPr id="21" name="Straight Arrow Connector 20">
+            <a:extLst>
+              <a:ext uri="{FF2B5EF4-FFF2-40B4-BE49-F238E27FC236}">
+                <a16:creationId xmlns:a16="http://schemas.microsoft.com/office/drawing/2014/main" id="{015F8962-1937-461A-94C3-930938076236}"/>
+              </a:ext>
+            </a:extLst>
+          </p:cNvPr>
+          <p:cNvCxnSpPr>
+            <a:cxnSpLocks/>
+            <a:stCxn id="10" idx="6"/>
+            <a:endCxn id="15" idx="1"/>
+          </p:cNvCxnSpPr>
+          <p:nvPr/>
+        </p:nvCxnSpPr>
+        <p:spPr>
+          <a:xfrm>
+            <a:off x="1897405" y="1130031"/>
+            <a:ext cx="642200" cy="167209"/>
+          </a:xfrm>
+          <a:prstGeom prst="straightConnector1">
+            <a:avLst/>
+          </a:prstGeom>
+          <a:ln>
+            <a:tailEnd type="triangle"/>
+          </a:ln>
+        </p:spPr>
+        <p:style>
+          <a:lnRef idx="1">
+            <a:schemeClr val="dk1"/>
+          </a:lnRef>
+          <a:fillRef idx="0">
+            <a:schemeClr val="dk1"/>
+          </a:fillRef>
+          <a:effectRef idx="0">
+            <a:schemeClr val="dk1"/>
+          </a:effectRef>
+          <a:fontRef idx="minor">
+            <a:schemeClr val="tx1"/>
+          </a:fontRef>
+        </p:style>
+      </p:cxnSp>
+      <p:cxnSp>
+        <p:nvCxnSpPr>
+          <p:cNvPr id="24" name="Straight Arrow Connector 23">
+            <a:extLst>
+              <a:ext uri="{FF2B5EF4-FFF2-40B4-BE49-F238E27FC236}">
+                <a16:creationId xmlns:a16="http://schemas.microsoft.com/office/drawing/2014/main" id="{6FB244F4-61B0-43D4-BDB0-4F8CD0EF20AC}"/>
+              </a:ext>
+            </a:extLst>
+          </p:cNvPr>
+          <p:cNvCxnSpPr>
+            <a:cxnSpLocks/>
+            <a:stCxn id="11" idx="6"/>
+            <a:endCxn id="17" idx="1"/>
+          </p:cNvCxnSpPr>
+          <p:nvPr/>
+        </p:nvCxnSpPr>
+        <p:spPr>
+          <a:xfrm flipV="1">
+            <a:off x="1897405" y="1907945"/>
+            <a:ext cx="642200" cy="268437"/>
+          </a:xfrm>
+          <a:prstGeom prst="straightConnector1">
+            <a:avLst/>
+          </a:prstGeom>
+          <a:ln>
+            <a:tailEnd type="triangle"/>
+          </a:ln>
+        </p:spPr>
+        <p:style>
+          <a:lnRef idx="1">
+            <a:schemeClr val="dk1"/>
+          </a:lnRef>
+          <a:fillRef idx="0">
+            <a:schemeClr val="dk1"/>
+          </a:fillRef>
+          <a:effectRef idx="0">
+            <a:schemeClr val="dk1"/>
+          </a:effectRef>
+          <a:fontRef idx="minor">
+            <a:schemeClr val="tx1"/>
+          </a:fontRef>
+        </p:style>
+      </p:cxnSp>
+      <p:cxnSp>
+        <p:nvCxnSpPr>
+          <p:cNvPr id="27" name="Straight Arrow Connector 26">
+            <a:extLst>
+              <a:ext uri="{FF2B5EF4-FFF2-40B4-BE49-F238E27FC236}">
+                <a16:creationId xmlns:a16="http://schemas.microsoft.com/office/drawing/2014/main" id="{DC4EB9B6-8DB8-43A5-A2B4-70B4D3183499}"/>
+              </a:ext>
+            </a:extLst>
+          </p:cNvPr>
+          <p:cNvCxnSpPr>
+            <a:cxnSpLocks/>
+            <a:stCxn id="12" idx="6"/>
+            <a:endCxn id="16" idx="1"/>
+          </p:cNvCxnSpPr>
+          <p:nvPr/>
+        </p:nvCxnSpPr>
+        <p:spPr>
+          <a:xfrm flipV="1">
+            <a:off x="1897405" y="2444819"/>
+            <a:ext cx="642200" cy="205500"/>
+          </a:xfrm>
+          <a:prstGeom prst="straightConnector1">
+            <a:avLst/>
+          </a:prstGeom>
+          <a:ln>
+            <a:tailEnd type="triangle"/>
+          </a:ln>
+        </p:spPr>
+        <p:style>
+          <a:lnRef idx="1">
+            <a:schemeClr val="dk1"/>
+          </a:lnRef>
+          <a:fillRef idx="0">
+            <a:schemeClr val="dk1"/>
+          </a:fillRef>
+          <a:effectRef idx="0">
+            <a:schemeClr val="dk1"/>
+          </a:effectRef>
+          <a:fontRef idx="minor">
+            <a:schemeClr val="tx1"/>
+          </a:fontRef>
+        </p:style>
+      </p:cxnSp>
+      <mc:AlternateContent xmlns:mc="http://schemas.openxmlformats.org/markup-compatibility/2006">
+        <mc:Choice xmlns:a14="http://schemas.microsoft.com/office/drawing/2010/main" Requires="a14">
+          <p:sp>
+            <p:nvSpPr>
+              <p:cNvPr id="30" name="Oval 29">
+                <a:extLst>
+                  <a:ext uri="{FF2B5EF4-FFF2-40B4-BE49-F238E27FC236}">
+                    <a16:creationId xmlns:a16="http://schemas.microsoft.com/office/drawing/2014/main" id="{7720FF9B-1FFE-46B0-9D41-2ACA4F85CDAF}"/>
+                  </a:ext>
+                </a:extLst>
+              </p:cNvPr>
+              <p:cNvSpPr/>
+              <p:nvPr/>
+            </p:nvSpPr>
+            <p:spPr>
+              <a:xfrm>
+                <a:off x="3718442" y="1369044"/>
+                <a:ext cx="568324" cy="568324"/>
+              </a:xfrm>
+              <a:prstGeom prst="ellipse">
+                <a:avLst/>
+              </a:prstGeom>
+              <a:gradFill>
+                <a:gsLst>
+                  <a:gs pos="0">
+                    <a:srgbClr val="FFD6D6"/>
+                  </a:gs>
+                  <a:gs pos="100000">
+                    <a:srgbClr val="FFAEAD"/>
+                  </a:gs>
+                </a:gsLst>
+                <a:lin ang="5400000" scaled="1"/>
+              </a:gradFill>
+              <a:ln>
+                <a:solidFill>
+                  <a:srgbClr val="D48A88"/>
+                </a:solidFill>
+              </a:ln>
+            </p:spPr>
+            <p:style>
+              <a:lnRef idx="2">
+                <a:schemeClr val="accent1">
+                  <a:shade val="50000"/>
+                </a:schemeClr>
+              </a:lnRef>
+              <a:fillRef idx="1">
+                <a:schemeClr val="accent1"/>
+              </a:fillRef>
+              <a:effectRef idx="0">
+                <a:schemeClr val="accent1"/>
+              </a:effectRef>
+              <a:fontRef idx="minor">
+                <a:schemeClr val="lt1"/>
+              </a:fontRef>
+            </p:style>
+            <p:txBody>
+              <a:bodyPr rtlCol="0" anchor="ctr"/>
+              <a:lstStyle/>
+              <a:p>
+                <a:pPr algn="ctr"/>
+                <a14:m>
+                  <m:oMathPara xmlns:m="http://schemas.openxmlformats.org/officeDocument/2006/math">
+                    <m:oMathParaPr>
+                      <m:jc m:val="center"/>
+                    </m:oMathParaPr>
+                    <m:oMath xmlns:m="http://schemas.openxmlformats.org/officeDocument/2006/math">
+                      <m:r>
+                        <m:rPr>
+                          <m:sty m:val="p"/>
+                        </m:rPr>
+                        <a:rPr lang="pt-BR" sz="2800" b="0" i="0" smtClean="0">
+                          <a:solidFill>
+                            <a:sysClr val="windowText" lastClr="000000"/>
+                          </a:solidFill>
+                          <a:latin typeface="Cambria Math" panose="02040503050406030204" pitchFamily="18" charset="0"/>
+                        </a:rPr>
+                        <m:t>Σ</m:t>
+                      </m:r>
+                    </m:oMath>
+                  </m:oMathPara>
+                </a14:m>
+                <a:endParaRPr lang="pt-BR" sz="2800" dirty="0"/>
+              </a:p>
+            </p:txBody>
+          </p:sp>
+        </mc:Choice>
+        <mc:Fallback>
+          <p:sp>
+            <p:nvSpPr>
+              <p:cNvPr id="30" name="Oval 29">
+                <a:extLst>
+                  <a:ext uri="{FF2B5EF4-FFF2-40B4-BE49-F238E27FC236}">
+                    <a16:creationId xmlns:a16="http://schemas.microsoft.com/office/drawing/2014/main" id="{7720FF9B-1FFE-46B0-9D41-2ACA4F85CDAF}"/>
+                  </a:ext>
+                </a:extLst>
+              </p:cNvPr>
+              <p:cNvSpPr>
+                <a:spLocks noRot="1" noChangeAspect="1" noMove="1" noResize="1" noEditPoints="1" noAdjustHandles="1" noChangeArrowheads="1" noChangeShapeType="1" noTextEdit="1"/>
+              </p:cNvSpPr>
+              <p:nvPr/>
+            </p:nvSpPr>
+            <p:spPr>
+              <a:xfrm>
+                <a:off x="3718442" y="1369044"/>
+                <a:ext cx="568324" cy="568324"/>
+              </a:xfrm>
+              <a:prstGeom prst="ellipse">
+                <a:avLst/>
+              </a:prstGeom>
+              <a:blipFill>
+                <a:blip r:embed="rId9"/>
+                <a:stretch>
+                  <a:fillRect/>
+                </a:stretch>
+              </a:blipFill>
+              <a:ln>
+                <a:solidFill>
+                  <a:srgbClr val="D48A88"/>
+                </a:solidFill>
+              </a:ln>
+            </p:spPr>
+            <p:txBody>
+              <a:bodyPr/>
+              <a:lstStyle/>
+              <a:p>
+                <a:r>
+                  <a:rPr lang="pt-BR">
+                    <a:noFill/>
+                  </a:rPr>
+                  <a:t> </a:t>
+                </a:r>
+              </a:p>
+            </p:txBody>
+          </p:sp>
+        </mc:Fallback>
+      </mc:AlternateContent>
+      <p:grpSp>
+        <p:nvGrpSpPr>
+          <p:cNvPr id="34" name="Group 33">
+            <a:extLst>
+              <a:ext uri="{FF2B5EF4-FFF2-40B4-BE49-F238E27FC236}">
+                <a16:creationId xmlns:a16="http://schemas.microsoft.com/office/drawing/2014/main" id="{C614AAB4-2F0F-4695-931B-8CD1106B44DB}"/>
+              </a:ext>
+            </a:extLst>
+          </p:cNvPr>
+          <p:cNvGrpSpPr/>
+          <p:nvPr/>
+        </p:nvGrpSpPr>
+        <p:grpSpPr>
+          <a:xfrm>
+            <a:off x="4671990" y="1369044"/>
+            <a:ext cx="568324" cy="568324"/>
+            <a:chOff x="4866065" y="1347854"/>
+            <a:chExt cx="568324" cy="568324"/>
+          </a:xfrm>
+        </p:grpSpPr>
+        <p:sp>
+          <p:nvSpPr>
+            <p:cNvPr id="31" name="Oval 30">
+              <a:extLst>
+                <a:ext uri="{FF2B5EF4-FFF2-40B4-BE49-F238E27FC236}">
+                  <a16:creationId xmlns:a16="http://schemas.microsoft.com/office/drawing/2014/main" id="{90353751-2563-41C2-9CCD-D7A72ED735E1}"/>
+                </a:ext>
+              </a:extLst>
+            </p:cNvPr>
+            <p:cNvSpPr/>
+            <p:nvPr/>
+          </p:nvSpPr>
+          <p:spPr>
+            <a:xfrm>
+              <a:off x="4866065" y="1347854"/>
+              <a:ext cx="568324" cy="568324"/>
+            </a:xfrm>
+            <a:prstGeom prst="ellipse">
+              <a:avLst/>
+            </a:prstGeom>
+            <a:gradFill>
+              <a:gsLst>
+                <a:gs pos="0">
+                  <a:srgbClr val="FFD6D6"/>
+                </a:gs>
+                <a:gs pos="100000">
+                  <a:srgbClr val="FFAEAD"/>
+                </a:gs>
+              </a:gsLst>
+              <a:lin ang="5400000" scaled="1"/>
+            </a:gradFill>
+            <a:ln>
+              <a:solidFill>
+                <a:srgbClr val="D48A88"/>
+              </a:solidFill>
+            </a:ln>
+          </p:spPr>
+          <p:style>
+            <a:lnRef idx="2">
+              <a:schemeClr val="accent1">
+                <a:shade val="50000"/>
+              </a:schemeClr>
+            </a:lnRef>
+            <a:fillRef idx="1">
+              <a:schemeClr val="accent1"/>
+            </a:fillRef>
+            <a:effectRef idx="0">
+              <a:schemeClr val="accent1"/>
+            </a:effectRef>
+            <a:fontRef idx="minor">
+              <a:schemeClr val="lt1"/>
+            </a:fontRef>
+          </p:style>
+          <p:txBody>
+            <a:bodyPr rtlCol="0" anchor="ctr"/>
+            <a:lstStyle/>
+            <a:p>
+              <a:pPr algn="ctr"/>
+              <a:endParaRPr lang="pt-BR" sz="2800" dirty="0"/>
+            </a:p>
+          </p:txBody>
+        </p:sp>
+        <p:pic>
+          <p:nvPicPr>
+            <p:cNvPr id="33" name="Picture 32">
+              <a:extLst>
+                <a:ext uri="{FF2B5EF4-FFF2-40B4-BE49-F238E27FC236}">
+                  <a16:creationId xmlns:a16="http://schemas.microsoft.com/office/drawing/2014/main" id="{15A825F9-04E3-418F-A2CB-21991314DEC0}"/>
+                </a:ext>
+              </a:extLst>
+            </p:cNvPr>
+            <p:cNvPicPr>
+              <a:picLocks noChangeAspect="1"/>
+            </p:cNvPicPr>
+            <p:nvPr/>
+          </p:nvPicPr>
+          <p:blipFill>
+            <a:blip r:embed="rId10"/>
+            <a:stretch>
+              <a:fillRect/>
+            </a:stretch>
+          </p:blipFill>
+          <p:spPr>
+            <a:xfrm>
+              <a:off x="4959727" y="1470091"/>
+              <a:ext cx="381000" cy="323850"/>
+            </a:xfrm>
+            <a:prstGeom prst="rect">
+              <a:avLst/>
+            </a:prstGeom>
+          </p:spPr>
+        </p:pic>
+      </p:grpSp>
+      <p:cxnSp>
+        <p:nvCxnSpPr>
+          <p:cNvPr id="35" name="Straight Arrow Connector 34">
+            <a:extLst>
+              <a:ext uri="{FF2B5EF4-FFF2-40B4-BE49-F238E27FC236}">
+                <a16:creationId xmlns:a16="http://schemas.microsoft.com/office/drawing/2014/main" id="{15A43655-29A4-4BA6-954C-5AA8563F9615}"/>
+              </a:ext>
+            </a:extLst>
+          </p:cNvPr>
+          <p:cNvCxnSpPr>
+            <a:cxnSpLocks/>
+            <a:stCxn id="14" idx="3"/>
+            <a:endCxn id="30" idx="1"/>
+          </p:cNvCxnSpPr>
+          <p:nvPr/>
+        </p:nvCxnSpPr>
+        <p:spPr>
+          <a:xfrm>
+            <a:off x="2975251" y="861594"/>
+            <a:ext cx="826420" cy="590679"/>
+          </a:xfrm>
+          <a:prstGeom prst="straightConnector1">
+            <a:avLst/>
+          </a:prstGeom>
+          <a:ln>
+            <a:tailEnd type="triangle"/>
+          </a:ln>
+        </p:spPr>
+        <p:style>
+          <a:lnRef idx="1">
+            <a:schemeClr val="dk1"/>
+          </a:lnRef>
+          <a:fillRef idx="0">
+            <a:schemeClr val="dk1"/>
+          </a:fillRef>
+          <a:effectRef idx="0">
+            <a:schemeClr val="dk1"/>
+          </a:effectRef>
+          <a:fontRef idx="minor">
+            <a:schemeClr val="tx1"/>
+          </a:fontRef>
+        </p:style>
+      </p:cxnSp>
+      <p:cxnSp>
+        <p:nvCxnSpPr>
+          <p:cNvPr id="37" name="Straight Arrow Connector 36">
+            <a:extLst>
+              <a:ext uri="{FF2B5EF4-FFF2-40B4-BE49-F238E27FC236}">
+                <a16:creationId xmlns:a16="http://schemas.microsoft.com/office/drawing/2014/main" id="{C2B72473-C0FF-48EF-8FFF-5E4952B4DEC7}"/>
+              </a:ext>
+            </a:extLst>
+          </p:cNvPr>
+          <p:cNvCxnSpPr>
+            <a:cxnSpLocks/>
+            <a:stCxn id="15" idx="3"/>
+            <a:endCxn id="30" idx="2"/>
+          </p:cNvCxnSpPr>
+          <p:nvPr/>
+        </p:nvCxnSpPr>
+        <p:spPr>
+          <a:xfrm>
+            <a:off x="2975251" y="1297240"/>
+            <a:ext cx="743191" cy="355966"/>
+          </a:xfrm>
+          <a:prstGeom prst="straightConnector1">
+            <a:avLst/>
+          </a:prstGeom>
+          <a:ln>
+            <a:tailEnd type="triangle"/>
+          </a:ln>
+        </p:spPr>
+        <p:style>
+          <a:lnRef idx="1">
+            <a:schemeClr val="dk1"/>
+          </a:lnRef>
+          <a:fillRef idx="0">
+            <a:schemeClr val="dk1"/>
+          </a:fillRef>
+          <a:effectRef idx="0">
+            <a:schemeClr val="dk1"/>
+          </a:effectRef>
+          <a:fontRef idx="minor">
+            <a:schemeClr val="tx1"/>
+          </a:fontRef>
+        </p:style>
+      </p:cxnSp>
+      <p:cxnSp>
+        <p:nvCxnSpPr>
+          <p:cNvPr id="41" name="Straight Arrow Connector 40">
+            <a:extLst>
+              <a:ext uri="{FF2B5EF4-FFF2-40B4-BE49-F238E27FC236}">
+                <a16:creationId xmlns:a16="http://schemas.microsoft.com/office/drawing/2014/main" id="{1B89A34C-2E8D-42BD-8728-B5CF096EBB98}"/>
+              </a:ext>
+            </a:extLst>
+          </p:cNvPr>
+          <p:cNvCxnSpPr>
+            <a:cxnSpLocks/>
+            <a:stCxn id="17" idx="3"/>
+            <a:endCxn id="30" idx="2"/>
+          </p:cNvCxnSpPr>
+          <p:nvPr/>
+        </p:nvCxnSpPr>
+        <p:spPr>
+          <a:xfrm flipV="1">
+            <a:off x="2975251" y="1653206"/>
+            <a:ext cx="743191" cy="254739"/>
+          </a:xfrm>
+          <a:prstGeom prst="straightConnector1">
+            <a:avLst/>
+          </a:prstGeom>
+          <a:ln>
+            <a:tailEnd type="triangle"/>
+          </a:ln>
+        </p:spPr>
+        <p:style>
+          <a:lnRef idx="1">
+            <a:schemeClr val="dk1"/>
+          </a:lnRef>
+          <a:fillRef idx="0">
+            <a:schemeClr val="dk1"/>
+          </a:fillRef>
+          <a:effectRef idx="0">
+            <a:schemeClr val="dk1"/>
+          </a:effectRef>
+          <a:fontRef idx="minor">
+            <a:schemeClr val="tx1"/>
+          </a:fontRef>
+        </p:style>
+      </p:cxnSp>
+      <p:cxnSp>
+        <p:nvCxnSpPr>
+          <p:cNvPr id="44" name="Straight Arrow Connector 43">
+            <a:extLst>
+              <a:ext uri="{FF2B5EF4-FFF2-40B4-BE49-F238E27FC236}">
+                <a16:creationId xmlns:a16="http://schemas.microsoft.com/office/drawing/2014/main" id="{99C9D7C3-A97C-4EBC-85F8-A2DB706E77AC}"/>
+              </a:ext>
+            </a:extLst>
+          </p:cNvPr>
+          <p:cNvCxnSpPr>
+            <a:cxnSpLocks/>
+            <a:stCxn id="16" idx="3"/>
+            <a:endCxn id="30" idx="3"/>
+          </p:cNvCxnSpPr>
+          <p:nvPr/>
+        </p:nvCxnSpPr>
+        <p:spPr>
+          <a:xfrm flipV="1">
+            <a:off x="2975251" y="1854139"/>
+            <a:ext cx="826420" cy="590680"/>
+          </a:xfrm>
+          <a:prstGeom prst="straightConnector1">
+            <a:avLst/>
+          </a:prstGeom>
+          <a:ln>
+            <a:tailEnd type="triangle"/>
+          </a:ln>
+        </p:spPr>
+        <p:style>
+          <a:lnRef idx="1">
+            <a:schemeClr val="dk1"/>
+          </a:lnRef>
+          <a:fillRef idx="0">
+            <a:schemeClr val="dk1"/>
+          </a:fillRef>
+          <a:effectRef idx="0">
+            <a:schemeClr val="dk1"/>
+          </a:effectRef>
+          <a:fontRef idx="minor">
+            <a:schemeClr val="tx1"/>
+          </a:fontRef>
+        </p:style>
+      </p:cxnSp>
+      <p:cxnSp>
+        <p:nvCxnSpPr>
+          <p:cNvPr id="47" name="Straight Arrow Connector 46">
+            <a:extLst>
+              <a:ext uri="{FF2B5EF4-FFF2-40B4-BE49-F238E27FC236}">
+                <a16:creationId xmlns:a16="http://schemas.microsoft.com/office/drawing/2014/main" id="{AEEB1B99-33E0-48B1-824C-CAD901A68AC2}"/>
+              </a:ext>
+            </a:extLst>
+          </p:cNvPr>
+          <p:cNvCxnSpPr>
+            <a:cxnSpLocks/>
+            <a:stCxn id="30" idx="6"/>
+            <a:endCxn id="31" idx="2"/>
+          </p:cNvCxnSpPr>
+          <p:nvPr/>
+        </p:nvCxnSpPr>
+        <p:spPr>
+          <a:xfrm>
+            <a:off x="4286766" y="1653206"/>
+            <a:ext cx="385224" cy="0"/>
+          </a:xfrm>
+          <a:prstGeom prst="straightConnector1">
+            <a:avLst/>
+          </a:prstGeom>
+          <a:ln>
+            <a:tailEnd type="triangle"/>
+          </a:ln>
+        </p:spPr>
+        <p:style>
+          <a:lnRef idx="1">
+            <a:schemeClr val="dk1"/>
+          </a:lnRef>
+          <a:fillRef idx="0">
+            <a:schemeClr val="dk1"/>
+          </a:fillRef>
+          <a:effectRef idx="0">
+            <a:schemeClr val="dk1"/>
+          </a:effectRef>
+          <a:fontRef idx="minor">
+            <a:schemeClr val="tx1"/>
+          </a:fontRef>
+        </p:style>
+      </p:cxnSp>
+      <p:sp>
+        <p:nvSpPr>
+          <p:cNvPr id="52" name="TextBox 51">
+            <a:extLst>
+              <a:ext uri="{FF2B5EF4-FFF2-40B4-BE49-F238E27FC236}">
+                <a16:creationId xmlns:a16="http://schemas.microsoft.com/office/drawing/2014/main" id="{2607DFC3-69E9-481E-88F9-A28CDAC5AB9D}"/>
+              </a:ext>
+            </a:extLst>
+          </p:cNvPr>
+          <p:cNvSpPr txBox="1"/>
+          <p:nvPr/>
+        </p:nvSpPr>
+        <p:spPr>
+          <a:xfrm>
+            <a:off x="635339" y="471403"/>
+            <a:ext cx="873148" cy="276999"/>
+          </a:xfrm>
+          <a:prstGeom prst="rect">
+            <a:avLst/>
+          </a:prstGeom>
+          <a:noFill/>
+        </p:spPr>
+        <p:txBody>
+          <a:bodyPr wrap="square" rtlCol="0">
+            <a:spAutoFit/>
+          </a:bodyPr>
+          <a:lstStyle/>
+          <a:p>
+            <a:r>
+              <a:rPr lang="pt-BR" sz="1200" dirty="0">
+                <a:latin typeface="Arial" panose="020B0604020202020204" pitchFamily="34" charset="0"/>
+                <a:cs typeface="Arial" panose="020B0604020202020204" pitchFamily="34" charset="0"/>
+              </a:rPr>
+              <a:t>constante</a:t>
+            </a:r>
+          </a:p>
+        </p:txBody>
+      </p:sp>
+      <p:sp>
+        <p:nvSpPr>
+          <p:cNvPr id="53" name="TextBox 52">
+            <a:extLst>
+              <a:ext uri="{FF2B5EF4-FFF2-40B4-BE49-F238E27FC236}">
+                <a16:creationId xmlns:a16="http://schemas.microsoft.com/office/drawing/2014/main" id="{00A51B2D-127C-4001-98C5-B38C28BB6D64}"/>
+              </a:ext>
+            </a:extLst>
+          </p:cNvPr>
+          <p:cNvSpPr txBox="1"/>
+          <p:nvPr/>
+        </p:nvSpPr>
+        <p:spPr>
+          <a:xfrm>
+            <a:off x="2436328" y="394985"/>
+            <a:ext cx="642200" cy="276999"/>
+          </a:xfrm>
+          <a:prstGeom prst="rect">
+            <a:avLst/>
+          </a:prstGeom>
+          <a:noFill/>
+        </p:spPr>
+        <p:txBody>
+          <a:bodyPr wrap="square" rtlCol="0">
+            <a:spAutoFit/>
+          </a:bodyPr>
+          <a:lstStyle/>
+          <a:p>
+            <a:r>
+              <a:rPr lang="pt-BR" sz="1200" dirty="0">
+                <a:latin typeface="Arial" panose="020B0604020202020204" pitchFamily="34" charset="0"/>
+                <a:cs typeface="Arial" panose="020B0604020202020204" pitchFamily="34" charset="0"/>
+              </a:rPr>
+              <a:t>pesos</a:t>
+            </a:r>
+          </a:p>
+        </p:txBody>
+      </p:sp>
+      <p:sp>
+        <p:nvSpPr>
+          <p:cNvPr id="54" name="TextBox 53">
+            <a:extLst>
+              <a:ext uri="{FF2B5EF4-FFF2-40B4-BE49-F238E27FC236}">
+                <a16:creationId xmlns:a16="http://schemas.microsoft.com/office/drawing/2014/main" id="{A5FAD48E-9935-461E-853E-E7D02CB7B372}"/>
+              </a:ext>
+            </a:extLst>
+          </p:cNvPr>
+          <p:cNvSpPr txBox="1"/>
+          <p:nvPr/>
+        </p:nvSpPr>
+        <p:spPr>
+          <a:xfrm>
+            <a:off x="383913" y="1760855"/>
+            <a:ext cx="804336" cy="276999"/>
+          </a:xfrm>
+          <a:prstGeom prst="rect">
+            <a:avLst/>
+          </a:prstGeom>
+          <a:noFill/>
+        </p:spPr>
+        <p:txBody>
+          <a:bodyPr wrap="square" rtlCol="0">
+            <a:spAutoFit/>
+          </a:bodyPr>
+          <a:lstStyle/>
+          <a:p>
+            <a:r>
+              <a:rPr lang="pt-BR" sz="1200" dirty="0">
+                <a:latin typeface="Arial" panose="020B0604020202020204" pitchFamily="34" charset="0"/>
+                <a:cs typeface="Arial" panose="020B0604020202020204" pitchFamily="34" charset="0"/>
+              </a:rPr>
+              <a:t>entradas</a:t>
+            </a:r>
+          </a:p>
+        </p:txBody>
+      </p:sp>
+      <p:sp>
+        <p:nvSpPr>
+          <p:cNvPr id="56" name="Left Brace 55">
+            <a:extLst>
+              <a:ext uri="{FF2B5EF4-FFF2-40B4-BE49-F238E27FC236}">
+                <a16:creationId xmlns:a16="http://schemas.microsoft.com/office/drawing/2014/main" id="{D7739369-1AEC-46D6-B23B-4D10F3A56B52}"/>
+              </a:ext>
+            </a:extLst>
+          </p:cNvPr>
+          <p:cNvSpPr/>
+          <p:nvPr/>
+        </p:nvSpPr>
+        <p:spPr>
+          <a:xfrm>
+            <a:off x="1095890" y="921388"/>
+            <a:ext cx="322663" cy="1955934"/>
+          </a:xfrm>
+          <a:prstGeom prst="leftBrace">
+            <a:avLst/>
+          </a:prstGeom>
+        </p:spPr>
+        <p:style>
+          <a:lnRef idx="1">
+            <a:schemeClr val="accent1"/>
+          </a:lnRef>
+          <a:fillRef idx="0">
+            <a:schemeClr val="accent1"/>
+          </a:fillRef>
+          <a:effectRef idx="0">
+            <a:schemeClr val="accent1"/>
+          </a:effectRef>
+          <a:fontRef idx="minor">
+            <a:schemeClr val="tx1"/>
+          </a:fontRef>
+        </p:style>
+        <p:txBody>
+          <a:bodyPr rtlCol="0" anchor="ctr"/>
+          <a:lstStyle/>
+          <a:p>
+            <a:pPr algn="ctr"/>
+            <a:endParaRPr lang="pt-BR"/>
+          </a:p>
+        </p:txBody>
+      </p:sp>
+      <p:sp>
+        <p:nvSpPr>
+          <p:cNvPr id="57" name="TextBox 56">
+            <a:extLst>
+              <a:ext uri="{FF2B5EF4-FFF2-40B4-BE49-F238E27FC236}">
+                <a16:creationId xmlns:a16="http://schemas.microsoft.com/office/drawing/2014/main" id="{BEAC440E-5253-43DC-9887-34CB06DC316B}"/>
+              </a:ext>
+            </a:extLst>
+          </p:cNvPr>
+          <p:cNvSpPr txBox="1"/>
+          <p:nvPr/>
+        </p:nvSpPr>
+        <p:spPr>
+          <a:xfrm>
+            <a:off x="3661466" y="899198"/>
+            <a:ext cx="931607" cy="461665"/>
+          </a:xfrm>
+          <a:prstGeom prst="rect">
+            <a:avLst/>
+          </a:prstGeom>
+          <a:noFill/>
+        </p:spPr>
+        <p:txBody>
+          <a:bodyPr wrap="square" rtlCol="0">
+            <a:spAutoFit/>
+          </a:bodyPr>
+          <a:lstStyle/>
+          <a:p>
+            <a:r>
+              <a:rPr lang="pt-BR" sz="1200" dirty="0">
+                <a:latin typeface="Arial" panose="020B0604020202020204" pitchFamily="34" charset="0"/>
+                <a:cs typeface="Arial" panose="020B0604020202020204" pitchFamily="34" charset="0"/>
+              </a:rPr>
+              <a:t>Soma ponderada</a:t>
+            </a:r>
+          </a:p>
+        </p:txBody>
+      </p:sp>
+      <p:sp>
+        <p:nvSpPr>
+          <p:cNvPr id="58" name="TextBox 57">
+            <a:extLst>
+              <a:ext uri="{FF2B5EF4-FFF2-40B4-BE49-F238E27FC236}">
+                <a16:creationId xmlns:a16="http://schemas.microsoft.com/office/drawing/2014/main" id="{EDDD8D83-6CD1-47C2-A09E-E66AAB36080D}"/>
+              </a:ext>
+            </a:extLst>
+          </p:cNvPr>
+          <p:cNvSpPr txBox="1"/>
+          <p:nvPr/>
+        </p:nvSpPr>
+        <p:spPr>
+          <a:xfrm>
+            <a:off x="4665086" y="1940798"/>
+            <a:ext cx="773238" cy="461665"/>
+          </a:xfrm>
+          <a:prstGeom prst="rect">
+            <a:avLst/>
+          </a:prstGeom>
+          <a:noFill/>
+        </p:spPr>
+        <p:txBody>
+          <a:bodyPr wrap="square" rtlCol="0">
+            <a:spAutoFit/>
+          </a:bodyPr>
+          <a:lstStyle/>
+          <a:p>
+            <a:r>
+              <a:rPr lang="pt-BR" sz="1200" dirty="0">
+                <a:latin typeface="Arial" panose="020B0604020202020204" pitchFamily="34" charset="0"/>
+                <a:cs typeface="Arial" panose="020B0604020202020204" pitchFamily="34" charset="0"/>
+              </a:rPr>
+              <a:t>Função degrau</a:t>
+            </a:r>
+          </a:p>
+        </p:txBody>
+      </p:sp>
+      <p:cxnSp>
+        <p:nvCxnSpPr>
+          <p:cNvPr id="59" name="Straight Arrow Connector 58">
+            <a:extLst>
+              <a:ext uri="{FF2B5EF4-FFF2-40B4-BE49-F238E27FC236}">
+                <a16:creationId xmlns:a16="http://schemas.microsoft.com/office/drawing/2014/main" id="{7B5E1303-3F4E-43E9-ADED-2915527CBFEC}"/>
+              </a:ext>
+            </a:extLst>
+          </p:cNvPr>
+          <p:cNvCxnSpPr>
+            <a:cxnSpLocks/>
+            <a:stCxn id="31" idx="6"/>
+          </p:cNvCxnSpPr>
+          <p:nvPr/>
+        </p:nvCxnSpPr>
+        <p:spPr>
+          <a:xfrm>
+            <a:off x="5240314" y="1653206"/>
+            <a:ext cx="393250" cy="0"/>
+          </a:xfrm>
+          <a:prstGeom prst="straightConnector1">
+            <a:avLst/>
+          </a:prstGeom>
+          <a:ln>
+            <a:tailEnd type="triangle"/>
+          </a:ln>
+        </p:spPr>
+        <p:style>
+          <a:lnRef idx="1">
+            <a:schemeClr val="dk1"/>
+          </a:lnRef>
+          <a:fillRef idx="0">
+            <a:schemeClr val="dk1"/>
+          </a:fillRef>
+          <a:effectRef idx="0">
+            <a:schemeClr val="dk1"/>
+          </a:effectRef>
+          <a:fontRef idx="minor">
+            <a:schemeClr val="tx1"/>
+          </a:fontRef>
+        </p:style>
+      </p:cxnSp>
+      <p:sp>
+        <p:nvSpPr>
+          <p:cNvPr id="63" name="TextBox 62">
+            <a:extLst>
+              <a:ext uri="{FF2B5EF4-FFF2-40B4-BE49-F238E27FC236}">
+                <a16:creationId xmlns:a16="http://schemas.microsoft.com/office/drawing/2014/main" id="{113B75A6-956A-47D8-9A89-1C93B0E13C02}"/>
+              </a:ext>
+            </a:extLst>
+          </p:cNvPr>
+          <p:cNvSpPr txBox="1"/>
+          <p:nvPr/>
+        </p:nvSpPr>
+        <p:spPr>
+          <a:xfrm>
+            <a:off x="5240314" y="1347854"/>
+            <a:ext cx="568324" cy="276999"/>
+          </a:xfrm>
+          <a:prstGeom prst="rect">
+            <a:avLst/>
+          </a:prstGeom>
+          <a:noFill/>
+        </p:spPr>
+        <p:txBody>
+          <a:bodyPr wrap="square" rtlCol="0">
+            <a:spAutoFit/>
+          </a:bodyPr>
+          <a:lstStyle/>
+          <a:p>
+            <a:r>
+              <a:rPr lang="pt-BR" sz="1200" dirty="0">
+                <a:latin typeface="Arial" panose="020B0604020202020204" pitchFamily="34" charset="0"/>
+                <a:cs typeface="Arial" panose="020B0604020202020204" pitchFamily="34" charset="0"/>
+              </a:rPr>
+              <a:t>saída</a:t>
+            </a:r>
+          </a:p>
+        </p:txBody>
+      </p:sp>
+    </p:spTree>
+    <p:extLst>
+      <p:ext uri="{BB962C8B-B14F-4D97-AF65-F5344CB8AC3E}">
+        <p14:creationId xmlns:p14="http://schemas.microsoft.com/office/powerpoint/2010/main" val="3309010236"/>
       </p:ext>
     </p:extLst>
   </p:cSld>

--- a/Figuras/Figuras.pptx
+++ b/Figuras/Figuras.pptx
@@ -262,7 +262,7 @@
           <a:p>
             <a:fld id="{E7765948-A934-4EF0-95A9-A39F9FAF0FC6}" type="datetimeFigureOut">
               <a:rPr lang="pt-BR" smtClean="0"/>
-              <a:t>28/10/2021</a:t>
+              <a:t>05/11/2021</a:t>
             </a:fld>
             <a:endParaRPr lang="pt-BR"/>
           </a:p>
@@ -462,7 +462,7 @@
           <a:p>
             <a:fld id="{E7765948-A934-4EF0-95A9-A39F9FAF0FC6}" type="datetimeFigureOut">
               <a:rPr lang="pt-BR" smtClean="0"/>
-              <a:t>28/10/2021</a:t>
+              <a:t>05/11/2021</a:t>
             </a:fld>
             <a:endParaRPr lang="pt-BR"/>
           </a:p>
@@ -672,7 +672,7 @@
           <a:p>
             <a:fld id="{E7765948-A934-4EF0-95A9-A39F9FAF0FC6}" type="datetimeFigureOut">
               <a:rPr lang="pt-BR" smtClean="0"/>
-              <a:t>28/10/2021</a:t>
+              <a:t>05/11/2021</a:t>
             </a:fld>
             <a:endParaRPr lang="pt-BR"/>
           </a:p>
@@ -872,7 +872,7 @@
           <a:p>
             <a:fld id="{E7765948-A934-4EF0-95A9-A39F9FAF0FC6}" type="datetimeFigureOut">
               <a:rPr lang="pt-BR" smtClean="0"/>
-              <a:t>28/10/2021</a:t>
+              <a:t>05/11/2021</a:t>
             </a:fld>
             <a:endParaRPr lang="pt-BR"/>
           </a:p>
@@ -1148,7 +1148,7 @@
           <a:p>
             <a:fld id="{E7765948-A934-4EF0-95A9-A39F9FAF0FC6}" type="datetimeFigureOut">
               <a:rPr lang="pt-BR" smtClean="0"/>
-              <a:t>28/10/2021</a:t>
+              <a:t>05/11/2021</a:t>
             </a:fld>
             <a:endParaRPr lang="pt-BR"/>
           </a:p>
@@ -1416,7 +1416,7 @@
           <a:p>
             <a:fld id="{E7765948-A934-4EF0-95A9-A39F9FAF0FC6}" type="datetimeFigureOut">
               <a:rPr lang="pt-BR" smtClean="0"/>
-              <a:t>28/10/2021</a:t>
+              <a:t>05/11/2021</a:t>
             </a:fld>
             <a:endParaRPr lang="pt-BR"/>
           </a:p>
@@ -1831,7 +1831,7 @@
           <a:p>
             <a:fld id="{E7765948-A934-4EF0-95A9-A39F9FAF0FC6}" type="datetimeFigureOut">
               <a:rPr lang="pt-BR" smtClean="0"/>
-              <a:t>28/10/2021</a:t>
+              <a:t>05/11/2021</a:t>
             </a:fld>
             <a:endParaRPr lang="pt-BR"/>
           </a:p>
@@ -1973,7 +1973,7 @@
           <a:p>
             <a:fld id="{E7765948-A934-4EF0-95A9-A39F9FAF0FC6}" type="datetimeFigureOut">
               <a:rPr lang="pt-BR" smtClean="0"/>
-              <a:t>28/10/2021</a:t>
+              <a:t>05/11/2021</a:t>
             </a:fld>
             <a:endParaRPr lang="pt-BR"/>
           </a:p>
@@ -2086,7 +2086,7 @@
           <a:p>
             <a:fld id="{E7765948-A934-4EF0-95A9-A39F9FAF0FC6}" type="datetimeFigureOut">
               <a:rPr lang="pt-BR" smtClean="0"/>
-              <a:t>28/10/2021</a:t>
+              <a:t>05/11/2021</a:t>
             </a:fld>
             <a:endParaRPr lang="pt-BR"/>
           </a:p>
@@ -2399,7 +2399,7 @@
           <a:p>
             <a:fld id="{E7765948-A934-4EF0-95A9-A39F9FAF0FC6}" type="datetimeFigureOut">
               <a:rPr lang="pt-BR" smtClean="0"/>
-              <a:t>28/10/2021</a:t>
+              <a:t>05/11/2021</a:t>
             </a:fld>
             <a:endParaRPr lang="pt-BR"/>
           </a:p>
@@ -2688,7 +2688,7 @@
           <a:p>
             <a:fld id="{E7765948-A934-4EF0-95A9-A39F9FAF0FC6}" type="datetimeFigureOut">
               <a:rPr lang="pt-BR" smtClean="0"/>
-              <a:t>28/10/2021</a:t>
+              <a:t>05/11/2021</a:t>
             </a:fld>
             <a:endParaRPr lang="pt-BR"/>
           </a:p>
@@ -2931,7 +2931,7 @@
           <a:p>
             <a:fld id="{E7765948-A934-4EF0-95A9-A39F9FAF0FC6}" type="datetimeFigureOut">
               <a:rPr lang="pt-BR" smtClean="0"/>
-              <a:t>28/10/2021</a:t>
+              <a:t>05/11/2021</a:t>
             </a:fld>
             <a:endParaRPr lang="pt-BR"/>
           </a:p>
@@ -4943,8 +4943,8 @@
             </a:p>
           </p:txBody>
         </p:sp>
-        <mc:AlternateContent xmlns:mc="http://schemas.openxmlformats.org/markup-compatibility/2006">
-          <mc:Choice xmlns:a14="http://schemas.microsoft.com/office/drawing/2010/main" Requires="a14">
+        <mc:AlternateContent xmlns:mc="http://schemas.openxmlformats.org/markup-compatibility/2006" xmlns:a14="http://schemas.microsoft.com/office/drawing/2010/main">
+          <mc:Choice Requires="a14">
             <p:sp>
               <p:nvSpPr>
                 <p:cNvPr id="10" name="Oval 9">
@@ -5060,7 +5060,7 @@
               </p:txBody>
             </p:sp>
           </mc:Choice>
-          <mc:Fallback>
+          <mc:Fallback xmlns="">
             <p:sp>
               <p:nvSpPr>
                 <p:cNvPr id="10" name="Oval 9">
@@ -5110,8 +5110,8 @@
             </p:sp>
           </mc:Fallback>
         </mc:AlternateContent>
-        <mc:AlternateContent xmlns:mc="http://schemas.openxmlformats.org/markup-compatibility/2006">
-          <mc:Choice xmlns:a14="http://schemas.microsoft.com/office/drawing/2010/main" Requires="a14">
+        <mc:AlternateContent xmlns:mc="http://schemas.openxmlformats.org/markup-compatibility/2006" xmlns:a14="http://schemas.microsoft.com/office/drawing/2010/main">
+          <mc:Choice Requires="a14">
             <p:sp>
               <p:nvSpPr>
                 <p:cNvPr id="11" name="Oval 10">
@@ -5237,7 +5237,7 @@
               </p:txBody>
             </p:sp>
           </mc:Choice>
-          <mc:Fallback>
+          <mc:Fallback xmlns="">
             <p:sp>
               <p:nvSpPr>
                 <p:cNvPr id="11" name="Oval 10">
@@ -5287,8 +5287,8 @@
             </p:sp>
           </mc:Fallback>
         </mc:AlternateContent>
-        <mc:AlternateContent xmlns:mc="http://schemas.openxmlformats.org/markup-compatibility/2006">
-          <mc:Choice xmlns:a14="http://schemas.microsoft.com/office/drawing/2010/main" Requires="a14">
+        <mc:AlternateContent xmlns:mc="http://schemas.openxmlformats.org/markup-compatibility/2006" xmlns:a14="http://schemas.microsoft.com/office/drawing/2010/main">
+          <mc:Choice Requires="a14">
             <p:sp>
               <p:nvSpPr>
                 <p:cNvPr id="12" name="Oval 11">
@@ -5404,7 +5404,7 @@
               </p:txBody>
             </p:sp>
           </mc:Choice>
-          <mc:Fallback>
+          <mc:Fallback xmlns="">
             <p:sp>
               <p:nvSpPr>
                 <p:cNvPr id="12" name="Oval 11">
@@ -5537,8 +5537,8 @@
             <a:chExt cx="435646" cy="1874879"/>
           </a:xfrm>
         </p:grpSpPr>
-        <mc:AlternateContent xmlns:mc="http://schemas.openxmlformats.org/markup-compatibility/2006">
-          <mc:Choice xmlns:a14="http://schemas.microsoft.com/office/drawing/2010/main" Requires="a14">
+        <mc:AlternateContent xmlns:mc="http://schemas.openxmlformats.org/markup-compatibility/2006" xmlns:a14="http://schemas.microsoft.com/office/drawing/2010/main">
+          <mc:Choice Requires="a14">
             <p:sp>
               <p:nvSpPr>
                 <p:cNvPr id="14" name="Rectangle 13">
@@ -5649,7 +5649,7 @@
               </p:txBody>
             </p:sp>
           </mc:Choice>
-          <mc:Fallback>
+          <mc:Fallback xmlns="">
             <p:sp>
               <p:nvSpPr>
                 <p:cNvPr id="14" name="Rectangle 13">
@@ -5699,8 +5699,8 @@
             </p:sp>
           </mc:Fallback>
         </mc:AlternateContent>
-        <mc:AlternateContent xmlns:mc="http://schemas.openxmlformats.org/markup-compatibility/2006">
-          <mc:Choice xmlns:a14="http://schemas.microsoft.com/office/drawing/2010/main" Requires="a14">
+        <mc:AlternateContent xmlns:mc="http://schemas.openxmlformats.org/markup-compatibility/2006" xmlns:a14="http://schemas.microsoft.com/office/drawing/2010/main">
+          <mc:Choice Requires="a14">
             <p:sp>
               <p:nvSpPr>
                 <p:cNvPr id="15" name="Rectangle 14">
@@ -5811,7 +5811,7 @@
               </p:txBody>
             </p:sp>
           </mc:Choice>
-          <mc:Fallback>
+          <mc:Fallback xmlns="">
             <p:sp>
               <p:nvSpPr>
                 <p:cNvPr id="15" name="Rectangle 14">
@@ -5861,8 +5861,8 @@
             </p:sp>
           </mc:Fallback>
         </mc:AlternateContent>
-        <mc:AlternateContent xmlns:mc="http://schemas.openxmlformats.org/markup-compatibility/2006">
-          <mc:Choice xmlns:a14="http://schemas.microsoft.com/office/drawing/2010/main" Requires="a14">
+        <mc:AlternateContent xmlns:mc="http://schemas.openxmlformats.org/markup-compatibility/2006" xmlns:a14="http://schemas.microsoft.com/office/drawing/2010/main">
+          <mc:Choice Requires="a14">
             <p:sp>
               <p:nvSpPr>
                 <p:cNvPr id="16" name="Rectangle 15">
@@ -5973,7 +5973,7 @@
               </p:txBody>
             </p:sp>
           </mc:Choice>
-          <mc:Fallback>
+          <mc:Fallback xmlns="">
             <p:sp>
               <p:nvSpPr>
                 <p:cNvPr id="16" name="Rectangle 15">
@@ -6023,8 +6023,8 @@
             </p:sp>
           </mc:Fallback>
         </mc:AlternateContent>
-        <mc:AlternateContent xmlns:mc="http://schemas.openxmlformats.org/markup-compatibility/2006">
-          <mc:Choice xmlns:a14="http://schemas.microsoft.com/office/drawing/2010/main" Requires="a14">
+        <mc:AlternateContent xmlns:mc="http://schemas.openxmlformats.org/markup-compatibility/2006" xmlns:a14="http://schemas.microsoft.com/office/drawing/2010/main">
+          <mc:Choice Requires="a14">
             <p:sp>
               <p:nvSpPr>
                 <p:cNvPr id="17" name="Rectangle 16">
@@ -6144,7 +6144,7 @@
               </p:txBody>
             </p:sp>
           </mc:Choice>
-          <mc:Fallback>
+          <mc:Fallback xmlns="">
             <p:sp>
               <p:nvSpPr>
                 <p:cNvPr id="17" name="Rectangle 16">
@@ -6366,8 +6366,8 @@
           </a:fontRef>
         </p:style>
       </p:cxnSp>
-      <mc:AlternateContent xmlns:mc="http://schemas.openxmlformats.org/markup-compatibility/2006">
-        <mc:Choice xmlns:a14="http://schemas.microsoft.com/office/drawing/2010/main" Requires="a14">
+      <mc:AlternateContent xmlns:mc="http://schemas.openxmlformats.org/markup-compatibility/2006" xmlns:a14="http://schemas.microsoft.com/office/drawing/2010/main">
+        <mc:Choice Requires="a14">
           <p:sp>
             <p:nvSpPr>
               <p:cNvPr id="30" name="Oval 29">
@@ -6452,7 +6452,7 @@
             </p:txBody>
           </p:sp>
         </mc:Choice>
-        <mc:Fallback>
+        <mc:Fallback xmlns="">
           <p:sp>
             <p:nvSpPr>
               <p:cNvPr id="30" name="Oval 29">
@@ -7144,6 +7144,1075 @@
           </a:p>
         </p:txBody>
       </p:sp>
+      <p:grpSp>
+        <p:nvGrpSpPr>
+          <p:cNvPr id="36" name="Group 35">
+            <a:extLst>
+              <a:ext uri="{FF2B5EF4-FFF2-40B4-BE49-F238E27FC236}">
+                <a16:creationId xmlns:a16="http://schemas.microsoft.com/office/drawing/2014/main" id="{B9FC057C-CA2E-43A5-BAEC-346EC79FD577}"/>
+              </a:ext>
+            </a:extLst>
+          </p:cNvPr>
+          <p:cNvGrpSpPr/>
+          <p:nvPr/>
+        </p:nvGrpSpPr>
+        <p:grpSpPr>
+          <a:xfrm>
+            <a:off x="5886993" y="2594846"/>
+            <a:ext cx="687978" cy="3363687"/>
+            <a:chOff x="2734490" y="1193074"/>
+            <a:chExt cx="687978" cy="3363687"/>
+          </a:xfrm>
+        </p:grpSpPr>
+        <p:sp>
+          <p:nvSpPr>
+            <p:cNvPr id="38" name="Oval 37">
+              <a:extLst>
+                <a:ext uri="{FF2B5EF4-FFF2-40B4-BE49-F238E27FC236}">
+                  <a16:creationId xmlns:a16="http://schemas.microsoft.com/office/drawing/2014/main" id="{9FA48340-A81F-4411-9576-D7F1B5D61D9D}"/>
+                </a:ext>
+              </a:extLst>
+            </p:cNvPr>
+            <p:cNvSpPr/>
+            <p:nvPr/>
+          </p:nvSpPr>
+          <p:spPr>
+            <a:xfrm>
+              <a:off x="2734490" y="1193074"/>
+              <a:ext cx="687977" cy="687977"/>
+            </a:xfrm>
+            <a:prstGeom prst="ellipse">
+              <a:avLst/>
+            </a:prstGeom>
+          </p:spPr>
+          <p:style>
+            <a:lnRef idx="2">
+              <a:schemeClr val="accent1">
+                <a:shade val="50000"/>
+              </a:schemeClr>
+            </a:lnRef>
+            <a:fillRef idx="1">
+              <a:schemeClr val="accent1"/>
+            </a:fillRef>
+            <a:effectRef idx="0">
+              <a:schemeClr val="accent1"/>
+            </a:effectRef>
+            <a:fontRef idx="minor">
+              <a:schemeClr val="lt1"/>
+            </a:fontRef>
+          </p:style>
+          <p:txBody>
+            <a:bodyPr rtlCol="0" anchor="ctr"/>
+            <a:lstStyle/>
+            <a:p>
+              <a:pPr algn="ctr"/>
+              <a:endParaRPr lang="pt-BR"/>
+            </a:p>
+          </p:txBody>
+        </p:sp>
+        <p:sp>
+          <p:nvSpPr>
+            <p:cNvPr id="39" name="Oval 38">
+              <a:extLst>
+                <a:ext uri="{FF2B5EF4-FFF2-40B4-BE49-F238E27FC236}">
+                  <a16:creationId xmlns:a16="http://schemas.microsoft.com/office/drawing/2014/main" id="{6C512AB6-0DC8-4182-BE19-08D893A9B84A}"/>
+                </a:ext>
+              </a:extLst>
+            </p:cNvPr>
+            <p:cNvSpPr/>
+            <p:nvPr/>
+          </p:nvSpPr>
+          <p:spPr>
+            <a:xfrm>
+              <a:off x="2734491" y="2084977"/>
+              <a:ext cx="687977" cy="687977"/>
+            </a:xfrm>
+            <a:prstGeom prst="ellipse">
+              <a:avLst/>
+            </a:prstGeom>
+          </p:spPr>
+          <p:style>
+            <a:lnRef idx="2">
+              <a:schemeClr val="accent1">
+                <a:shade val="50000"/>
+              </a:schemeClr>
+            </a:lnRef>
+            <a:fillRef idx="1">
+              <a:schemeClr val="accent1"/>
+            </a:fillRef>
+            <a:effectRef idx="0">
+              <a:schemeClr val="accent1"/>
+            </a:effectRef>
+            <a:fontRef idx="minor">
+              <a:schemeClr val="lt1"/>
+            </a:fontRef>
+          </p:style>
+          <p:txBody>
+            <a:bodyPr rtlCol="0" anchor="ctr"/>
+            <a:lstStyle/>
+            <a:p>
+              <a:pPr algn="ctr"/>
+              <a:endParaRPr lang="pt-BR"/>
+            </a:p>
+          </p:txBody>
+        </p:sp>
+        <p:sp>
+          <p:nvSpPr>
+            <p:cNvPr id="40" name="Oval 39">
+              <a:extLst>
+                <a:ext uri="{FF2B5EF4-FFF2-40B4-BE49-F238E27FC236}">
+                  <a16:creationId xmlns:a16="http://schemas.microsoft.com/office/drawing/2014/main" id="{81021F22-4680-4115-87B4-A3BF0DDC8C4F}"/>
+                </a:ext>
+              </a:extLst>
+            </p:cNvPr>
+            <p:cNvSpPr/>
+            <p:nvPr/>
+          </p:nvSpPr>
+          <p:spPr>
+            <a:xfrm>
+              <a:off x="2734491" y="2976880"/>
+              <a:ext cx="687977" cy="687977"/>
+            </a:xfrm>
+            <a:prstGeom prst="ellipse">
+              <a:avLst/>
+            </a:prstGeom>
+          </p:spPr>
+          <p:style>
+            <a:lnRef idx="2">
+              <a:schemeClr val="accent1">
+                <a:shade val="50000"/>
+              </a:schemeClr>
+            </a:lnRef>
+            <a:fillRef idx="1">
+              <a:schemeClr val="accent1"/>
+            </a:fillRef>
+            <a:effectRef idx="0">
+              <a:schemeClr val="accent1"/>
+            </a:effectRef>
+            <a:fontRef idx="minor">
+              <a:schemeClr val="lt1"/>
+            </a:fontRef>
+          </p:style>
+          <p:txBody>
+            <a:bodyPr rtlCol="0" anchor="ctr"/>
+            <a:lstStyle/>
+            <a:p>
+              <a:pPr algn="ctr"/>
+              <a:endParaRPr lang="pt-BR"/>
+            </a:p>
+          </p:txBody>
+        </p:sp>
+        <p:sp>
+          <p:nvSpPr>
+            <p:cNvPr id="42" name="Oval 41">
+              <a:extLst>
+                <a:ext uri="{FF2B5EF4-FFF2-40B4-BE49-F238E27FC236}">
+                  <a16:creationId xmlns:a16="http://schemas.microsoft.com/office/drawing/2014/main" id="{7FB984EB-93ED-4F5C-B709-9E1BA3458078}"/>
+                </a:ext>
+              </a:extLst>
+            </p:cNvPr>
+            <p:cNvSpPr/>
+            <p:nvPr/>
+          </p:nvSpPr>
+          <p:spPr>
+            <a:xfrm>
+              <a:off x="2734491" y="3868784"/>
+              <a:ext cx="687977" cy="687977"/>
+            </a:xfrm>
+            <a:prstGeom prst="ellipse">
+              <a:avLst/>
+            </a:prstGeom>
+          </p:spPr>
+          <p:style>
+            <a:lnRef idx="2">
+              <a:schemeClr val="accent1">
+                <a:shade val="50000"/>
+              </a:schemeClr>
+            </a:lnRef>
+            <a:fillRef idx="1">
+              <a:schemeClr val="accent1"/>
+            </a:fillRef>
+            <a:effectRef idx="0">
+              <a:schemeClr val="accent1"/>
+            </a:effectRef>
+            <a:fontRef idx="minor">
+              <a:schemeClr val="lt1"/>
+            </a:fontRef>
+          </p:style>
+          <p:txBody>
+            <a:bodyPr rtlCol="0" anchor="ctr"/>
+            <a:lstStyle/>
+            <a:p>
+              <a:pPr algn="ctr"/>
+              <a:endParaRPr lang="pt-BR"/>
+            </a:p>
+          </p:txBody>
+        </p:sp>
+      </p:grpSp>
+      <p:grpSp>
+        <p:nvGrpSpPr>
+          <p:cNvPr id="43" name="Group 42">
+            <a:extLst>
+              <a:ext uri="{FF2B5EF4-FFF2-40B4-BE49-F238E27FC236}">
+                <a16:creationId xmlns:a16="http://schemas.microsoft.com/office/drawing/2014/main" id="{2C68ABC6-EBE6-44AE-92BD-B48A2A045679}"/>
+              </a:ext>
+            </a:extLst>
+          </p:cNvPr>
+          <p:cNvGrpSpPr/>
+          <p:nvPr/>
+        </p:nvGrpSpPr>
+        <p:grpSpPr>
+          <a:xfrm>
+            <a:off x="7244081" y="3486749"/>
+            <a:ext cx="687978" cy="1579880"/>
+            <a:chOff x="4079965" y="1193074"/>
+            <a:chExt cx="687978" cy="1579880"/>
+          </a:xfrm>
+        </p:grpSpPr>
+        <p:sp>
+          <p:nvSpPr>
+            <p:cNvPr id="45" name="Oval 44">
+              <a:extLst>
+                <a:ext uri="{FF2B5EF4-FFF2-40B4-BE49-F238E27FC236}">
+                  <a16:creationId xmlns:a16="http://schemas.microsoft.com/office/drawing/2014/main" id="{EFAC5592-4985-4964-B36D-76B15A36D6C7}"/>
+                </a:ext>
+              </a:extLst>
+            </p:cNvPr>
+            <p:cNvSpPr/>
+            <p:nvPr/>
+          </p:nvSpPr>
+          <p:spPr>
+            <a:xfrm>
+              <a:off x="4079965" y="1193074"/>
+              <a:ext cx="687977" cy="687977"/>
+            </a:xfrm>
+            <a:prstGeom prst="ellipse">
+              <a:avLst/>
+            </a:prstGeom>
+          </p:spPr>
+          <p:style>
+            <a:lnRef idx="2">
+              <a:schemeClr val="accent6">
+                <a:shade val="50000"/>
+              </a:schemeClr>
+            </a:lnRef>
+            <a:fillRef idx="1">
+              <a:schemeClr val="accent6"/>
+            </a:fillRef>
+            <a:effectRef idx="0">
+              <a:schemeClr val="accent6"/>
+            </a:effectRef>
+            <a:fontRef idx="minor">
+              <a:schemeClr val="lt1"/>
+            </a:fontRef>
+          </p:style>
+          <p:txBody>
+            <a:bodyPr rtlCol="0" anchor="ctr"/>
+            <a:lstStyle/>
+            <a:p>
+              <a:pPr algn="ctr"/>
+              <a:endParaRPr lang="pt-BR"/>
+            </a:p>
+          </p:txBody>
+        </p:sp>
+        <p:sp>
+          <p:nvSpPr>
+            <p:cNvPr id="46" name="Oval 45">
+              <a:extLst>
+                <a:ext uri="{FF2B5EF4-FFF2-40B4-BE49-F238E27FC236}">
+                  <a16:creationId xmlns:a16="http://schemas.microsoft.com/office/drawing/2014/main" id="{FB74DB43-E69D-4859-B2E1-6A9D0EC1AFE9}"/>
+                </a:ext>
+              </a:extLst>
+            </p:cNvPr>
+            <p:cNvSpPr/>
+            <p:nvPr/>
+          </p:nvSpPr>
+          <p:spPr>
+            <a:xfrm>
+              <a:off x="4079966" y="2084977"/>
+              <a:ext cx="687977" cy="687977"/>
+            </a:xfrm>
+            <a:prstGeom prst="ellipse">
+              <a:avLst/>
+            </a:prstGeom>
+          </p:spPr>
+          <p:style>
+            <a:lnRef idx="2">
+              <a:schemeClr val="accent6">
+                <a:shade val="50000"/>
+              </a:schemeClr>
+            </a:lnRef>
+            <a:fillRef idx="1">
+              <a:schemeClr val="accent6"/>
+            </a:fillRef>
+            <a:effectRef idx="0">
+              <a:schemeClr val="accent6"/>
+            </a:effectRef>
+            <a:fontRef idx="minor">
+              <a:schemeClr val="lt1"/>
+            </a:fontRef>
+          </p:style>
+          <p:txBody>
+            <a:bodyPr rtlCol="0" anchor="ctr"/>
+            <a:lstStyle/>
+            <a:p>
+              <a:pPr algn="ctr"/>
+              <a:endParaRPr lang="pt-BR"/>
+            </a:p>
+          </p:txBody>
+        </p:sp>
+      </p:grpSp>
+      <p:grpSp>
+        <p:nvGrpSpPr>
+          <p:cNvPr id="48" name="Group 47">
+            <a:extLst>
+              <a:ext uri="{FF2B5EF4-FFF2-40B4-BE49-F238E27FC236}">
+                <a16:creationId xmlns:a16="http://schemas.microsoft.com/office/drawing/2014/main" id="{8D46E395-88B5-4186-947E-D26CD4D0974F}"/>
+              </a:ext>
+            </a:extLst>
+          </p:cNvPr>
+          <p:cNvGrpSpPr/>
+          <p:nvPr/>
+        </p:nvGrpSpPr>
+        <p:grpSpPr>
+          <a:xfrm>
+            <a:off x="8601169" y="3486749"/>
+            <a:ext cx="687978" cy="1579880"/>
+            <a:chOff x="5425440" y="1193074"/>
+            <a:chExt cx="687978" cy="1579880"/>
+          </a:xfrm>
+        </p:grpSpPr>
+        <p:sp>
+          <p:nvSpPr>
+            <p:cNvPr id="49" name="Oval 48">
+              <a:extLst>
+                <a:ext uri="{FF2B5EF4-FFF2-40B4-BE49-F238E27FC236}">
+                  <a16:creationId xmlns:a16="http://schemas.microsoft.com/office/drawing/2014/main" id="{F983BF85-3597-482B-AA52-0996B703F022}"/>
+                </a:ext>
+              </a:extLst>
+            </p:cNvPr>
+            <p:cNvSpPr/>
+            <p:nvPr/>
+          </p:nvSpPr>
+          <p:spPr>
+            <a:xfrm>
+              <a:off x="5425440" y="1193074"/>
+              <a:ext cx="687977" cy="687977"/>
+            </a:xfrm>
+            <a:prstGeom prst="ellipse">
+              <a:avLst/>
+            </a:prstGeom>
+          </p:spPr>
+          <p:style>
+            <a:lnRef idx="2">
+              <a:schemeClr val="accent4">
+                <a:shade val="50000"/>
+              </a:schemeClr>
+            </a:lnRef>
+            <a:fillRef idx="1">
+              <a:schemeClr val="accent4"/>
+            </a:fillRef>
+            <a:effectRef idx="0">
+              <a:schemeClr val="accent4"/>
+            </a:effectRef>
+            <a:fontRef idx="minor">
+              <a:schemeClr val="lt1"/>
+            </a:fontRef>
+          </p:style>
+          <p:txBody>
+            <a:bodyPr rtlCol="0" anchor="ctr"/>
+            <a:lstStyle/>
+            <a:p>
+              <a:pPr algn="ctr"/>
+              <a:endParaRPr lang="pt-BR"/>
+            </a:p>
+          </p:txBody>
+        </p:sp>
+        <p:sp>
+          <p:nvSpPr>
+            <p:cNvPr id="55" name="Oval 54">
+              <a:extLst>
+                <a:ext uri="{FF2B5EF4-FFF2-40B4-BE49-F238E27FC236}">
+                  <a16:creationId xmlns:a16="http://schemas.microsoft.com/office/drawing/2014/main" id="{22FC06ED-75F9-494B-8369-FA0DE8F0D3F0}"/>
+                </a:ext>
+              </a:extLst>
+            </p:cNvPr>
+            <p:cNvSpPr/>
+            <p:nvPr/>
+          </p:nvSpPr>
+          <p:spPr>
+            <a:xfrm>
+              <a:off x="5425441" y="2084977"/>
+              <a:ext cx="687977" cy="687977"/>
+            </a:xfrm>
+            <a:prstGeom prst="ellipse">
+              <a:avLst/>
+            </a:prstGeom>
+          </p:spPr>
+          <p:style>
+            <a:lnRef idx="2">
+              <a:schemeClr val="accent4">
+                <a:shade val="50000"/>
+              </a:schemeClr>
+            </a:lnRef>
+            <a:fillRef idx="1">
+              <a:schemeClr val="accent4"/>
+            </a:fillRef>
+            <a:effectRef idx="0">
+              <a:schemeClr val="accent4"/>
+            </a:effectRef>
+            <a:fontRef idx="minor">
+              <a:schemeClr val="lt1"/>
+            </a:fontRef>
+          </p:style>
+          <p:txBody>
+            <a:bodyPr rtlCol="0" anchor="ctr"/>
+            <a:lstStyle/>
+            <a:p>
+              <a:pPr algn="ctr"/>
+              <a:endParaRPr lang="pt-BR"/>
+            </a:p>
+          </p:txBody>
+        </p:sp>
+      </p:grpSp>
+      <p:sp>
+        <p:nvSpPr>
+          <p:cNvPr id="60" name="Oval 59">
+            <a:extLst>
+              <a:ext uri="{FF2B5EF4-FFF2-40B4-BE49-F238E27FC236}">
+                <a16:creationId xmlns:a16="http://schemas.microsoft.com/office/drawing/2014/main" id="{AD2C0200-DBB5-46D7-840A-09E5431053C0}"/>
+              </a:ext>
+            </a:extLst>
+          </p:cNvPr>
+          <p:cNvSpPr/>
+          <p:nvPr/>
+        </p:nvSpPr>
+        <p:spPr>
+          <a:xfrm>
+            <a:off x="9958256" y="3932701"/>
+            <a:ext cx="687977" cy="687977"/>
+          </a:xfrm>
+          <a:prstGeom prst="ellipse">
+            <a:avLst/>
+          </a:prstGeom>
+        </p:spPr>
+        <p:style>
+          <a:lnRef idx="2">
+            <a:schemeClr val="accent2">
+              <a:shade val="50000"/>
+            </a:schemeClr>
+          </a:lnRef>
+          <a:fillRef idx="1">
+            <a:schemeClr val="accent2"/>
+          </a:fillRef>
+          <a:effectRef idx="0">
+            <a:schemeClr val="accent2"/>
+          </a:effectRef>
+          <a:fontRef idx="minor">
+            <a:schemeClr val="lt1"/>
+          </a:fontRef>
+        </p:style>
+        <p:txBody>
+          <a:bodyPr rtlCol="0" anchor="ctr"/>
+          <a:lstStyle/>
+          <a:p>
+            <a:pPr algn="ctr"/>
+            <a:endParaRPr lang="pt-BR"/>
+          </a:p>
+        </p:txBody>
+      </p:sp>
+      <p:cxnSp>
+        <p:nvCxnSpPr>
+          <p:cNvPr id="61" name="Straight Arrow Connector 60">
+            <a:extLst>
+              <a:ext uri="{FF2B5EF4-FFF2-40B4-BE49-F238E27FC236}">
+                <a16:creationId xmlns:a16="http://schemas.microsoft.com/office/drawing/2014/main" id="{6F910B01-EEBC-4396-94C6-C33CAEA8D604}"/>
+              </a:ext>
+            </a:extLst>
+          </p:cNvPr>
+          <p:cNvCxnSpPr>
+            <a:cxnSpLocks/>
+            <a:stCxn id="42" idx="6"/>
+            <a:endCxn id="45" idx="2"/>
+          </p:cNvCxnSpPr>
+          <p:nvPr/>
+        </p:nvCxnSpPr>
+        <p:spPr>
+          <a:xfrm flipV="1">
+            <a:off x="6574971" y="3830738"/>
+            <a:ext cx="669110" cy="1783807"/>
+          </a:xfrm>
+          <a:prstGeom prst="straightConnector1">
+            <a:avLst/>
+          </a:prstGeom>
+          <a:ln>
+            <a:tailEnd type="triangle"/>
+          </a:ln>
+        </p:spPr>
+        <p:style>
+          <a:lnRef idx="1">
+            <a:schemeClr val="accent1"/>
+          </a:lnRef>
+          <a:fillRef idx="0">
+            <a:schemeClr val="accent1"/>
+          </a:fillRef>
+          <a:effectRef idx="0">
+            <a:schemeClr val="accent1"/>
+          </a:effectRef>
+          <a:fontRef idx="minor">
+            <a:schemeClr val="tx1"/>
+          </a:fontRef>
+        </p:style>
+      </p:cxnSp>
+      <p:cxnSp>
+        <p:nvCxnSpPr>
+          <p:cNvPr id="62" name="Straight Arrow Connector 61">
+            <a:extLst>
+              <a:ext uri="{FF2B5EF4-FFF2-40B4-BE49-F238E27FC236}">
+                <a16:creationId xmlns:a16="http://schemas.microsoft.com/office/drawing/2014/main" id="{D08F7495-28AF-41DA-AED3-ED2B12E18255}"/>
+              </a:ext>
+            </a:extLst>
+          </p:cNvPr>
+          <p:cNvCxnSpPr>
+            <a:cxnSpLocks/>
+          </p:cNvCxnSpPr>
+          <p:nvPr/>
+        </p:nvCxnSpPr>
+        <p:spPr>
+          <a:xfrm>
+            <a:off x="6574971" y="3830738"/>
+            <a:ext cx="669110" cy="0"/>
+          </a:xfrm>
+          <a:prstGeom prst="straightConnector1">
+            <a:avLst/>
+          </a:prstGeom>
+          <a:ln>
+            <a:tailEnd type="triangle"/>
+          </a:ln>
+        </p:spPr>
+        <p:style>
+          <a:lnRef idx="1">
+            <a:schemeClr val="accent1"/>
+          </a:lnRef>
+          <a:fillRef idx="0">
+            <a:schemeClr val="accent1"/>
+          </a:fillRef>
+          <a:effectRef idx="0">
+            <a:schemeClr val="accent1"/>
+          </a:effectRef>
+          <a:fontRef idx="minor">
+            <a:schemeClr val="tx1"/>
+          </a:fontRef>
+        </p:style>
+      </p:cxnSp>
+      <p:cxnSp>
+        <p:nvCxnSpPr>
+          <p:cNvPr id="64" name="Straight Arrow Connector 63">
+            <a:extLst>
+              <a:ext uri="{FF2B5EF4-FFF2-40B4-BE49-F238E27FC236}">
+                <a16:creationId xmlns:a16="http://schemas.microsoft.com/office/drawing/2014/main" id="{77C07474-21F9-489D-B0C6-D20C8F7E8D50}"/>
+              </a:ext>
+            </a:extLst>
+          </p:cNvPr>
+          <p:cNvCxnSpPr>
+            <a:cxnSpLocks/>
+            <a:stCxn id="38" idx="6"/>
+            <a:endCxn id="46" idx="2"/>
+          </p:cNvCxnSpPr>
+          <p:nvPr/>
+        </p:nvCxnSpPr>
+        <p:spPr>
+          <a:xfrm>
+            <a:off x="6574970" y="2938835"/>
+            <a:ext cx="669112" cy="1783806"/>
+          </a:xfrm>
+          <a:prstGeom prst="straightConnector1">
+            <a:avLst/>
+          </a:prstGeom>
+          <a:ln>
+            <a:tailEnd type="triangle"/>
+          </a:ln>
+        </p:spPr>
+        <p:style>
+          <a:lnRef idx="1">
+            <a:schemeClr val="accent1"/>
+          </a:lnRef>
+          <a:fillRef idx="0">
+            <a:schemeClr val="accent1"/>
+          </a:fillRef>
+          <a:effectRef idx="0">
+            <a:schemeClr val="accent1"/>
+          </a:effectRef>
+          <a:fontRef idx="minor">
+            <a:schemeClr val="tx1"/>
+          </a:fontRef>
+        </p:style>
+      </p:cxnSp>
+      <p:cxnSp>
+        <p:nvCxnSpPr>
+          <p:cNvPr id="65" name="Straight Arrow Connector 64">
+            <a:extLst>
+              <a:ext uri="{FF2B5EF4-FFF2-40B4-BE49-F238E27FC236}">
+                <a16:creationId xmlns:a16="http://schemas.microsoft.com/office/drawing/2014/main" id="{1B131376-9D73-4883-91E8-004D1181EEDC}"/>
+              </a:ext>
+            </a:extLst>
+          </p:cNvPr>
+          <p:cNvCxnSpPr>
+            <a:cxnSpLocks/>
+            <a:endCxn id="45" idx="2"/>
+          </p:cNvCxnSpPr>
+          <p:nvPr/>
+        </p:nvCxnSpPr>
+        <p:spPr>
+          <a:xfrm flipV="1">
+            <a:off x="6574971" y="3830738"/>
+            <a:ext cx="669110" cy="891904"/>
+          </a:xfrm>
+          <a:prstGeom prst="straightConnector1">
+            <a:avLst/>
+          </a:prstGeom>
+          <a:ln>
+            <a:tailEnd type="triangle"/>
+          </a:ln>
+        </p:spPr>
+        <p:style>
+          <a:lnRef idx="1">
+            <a:schemeClr val="accent1"/>
+          </a:lnRef>
+          <a:fillRef idx="0">
+            <a:schemeClr val="accent1"/>
+          </a:fillRef>
+          <a:effectRef idx="0">
+            <a:schemeClr val="accent1"/>
+          </a:effectRef>
+          <a:fontRef idx="minor">
+            <a:schemeClr val="tx1"/>
+          </a:fontRef>
+        </p:style>
+      </p:cxnSp>
+      <p:cxnSp>
+        <p:nvCxnSpPr>
+          <p:cNvPr id="66" name="Straight Arrow Connector 65">
+            <a:extLst>
+              <a:ext uri="{FF2B5EF4-FFF2-40B4-BE49-F238E27FC236}">
+                <a16:creationId xmlns:a16="http://schemas.microsoft.com/office/drawing/2014/main" id="{CBE8E536-441A-45B1-AC57-F2FDA8AC843D}"/>
+              </a:ext>
+            </a:extLst>
+          </p:cNvPr>
+          <p:cNvCxnSpPr>
+            <a:cxnSpLocks/>
+            <a:endCxn id="46" idx="2"/>
+          </p:cNvCxnSpPr>
+          <p:nvPr/>
+        </p:nvCxnSpPr>
+        <p:spPr>
+          <a:xfrm>
+            <a:off x="6574970" y="3830738"/>
+            <a:ext cx="669112" cy="891903"/>
+          </a:xfrm>
+          <a:prstGeom prst="straightConnector1">
+            <a:avLst/>
+          </a:prstGeom>
+          <a:ln>
+            <a:tailEnd type="triangle"/>
+          </a:ln>
+        </p:spPr>
+        <p:style>
+          <a:lnRef idx="1">
+            <a:schemeClr val="accent1"/>
+          </a:lnRef>
+          <a:fillRef idx="0">
+            <a:schemeClr val="accent1"/>
+          </a:fillRef>
+          <a:effectRef idx="0">
+            <a:schemeClr val="accent1"/>
+          </a:effectRef>
+          <a:fontRef idx="minor">
+            <a:schemeClr val="tx1"/>
+          </a:fontRef>
+        </p:style>
+      </p:cxnSp>
+      <p:cxnSp>
+        <p:nvCxnSpPr>
+          <p:cNvPr id="67" name="Straight Arrow Connector 66">
+            <a:extLst>
+              <a:ext uri="{FF2B5EF4-FFF2-40B4-BE49-F238E27FC236}">
+                <a16:creationId xmlns:a16="http://schemas.microsoft.com/office/drawing/2014/main" id="{64C11D4C-9808-4622-88D9-9DBA973C53CD}"/>
+              </a:ext>
+            </a:extLst>
+          </p:cNvPr>
+          <p:cNvCxnSpPr>
+            <a:cxnSpLocks/>
+            <a:stCxn id="42" idx="6"/>
+            <a:endCxn id="46" idx="2"/>
+          </p:cNvCxnSpPr>
+          <p:nvPr/>
+        </p:nvCxnSpPr>
+        <p:spPr>
+          <a:xfrm flipV="1">
+            <a:off x="6574971" y="4722641"/>
+            <a:ext cx="669111" cy="891904"/>
+          </a:xfrm>
+          <a:prstGeom prst="straightConnector1">
+            <a:avLst/>
+          </a:prstGeom>
+          <a:ln>
+            <a:tailEnd type="triangle"/>
+          </a:ln>
+        </p:spPr>
+        <p:style>
+          <a:lnRef idx="1">
+            <a:schemeClr val="accent1"/>
+          </a:lnRef>
+          <a:fillRef idx="0">
+            <a:schemeClr val="accent1"/>
+          </a:fillRef>
+          <a:effectRef idx="0">
+            <a:schemeClr val="accent1"/>
+          </a:effectRef>
+          <a:fontRef idx="minor">
+            <a:schemeClr val="tx1"/>
+          </a:fontRef>
+        </p:style>
+      </p:cxnSp>
+      <p:cxnSp>
+        <p:nvCxnSpPr>
+          <p:cNvPr id="68" name="Straight Arrow Connector 67">
+            <a:extLst>
+              <a:ext uri="{FF2B5EF4-FFF2-40B4-BE49-F238E27FC236}">
+                <a16:creationId xmlns:a16="http://schemas.microsoft.com/office/drawing/2014/main" id="{84E9A92A-709A-4144-896C-2DAF04224015}"/>
+              </a:ext>
+            </a:extLst>
+          </p:cNvPr>
+          <p:cNvCxnSpPr>
+            <a:cxnSpLocks/>
+          </p:cNvCxnSpPr>
+          <p:nvPr/>
+        </p:nvCxnSpPr>
+        <p:spPr>
+          <a:xfrm>
+            <a:off x="6574971" y="4722641"/>
+            <a:ext cx="669111" cy="0"/>
+          </a:xfrm>
+          <a:prstGeom prst="straightConnector1">
+            <a:avLst/>
+          </a:prstGeom>
+          <a:ln>
+            <a:tailEnd type="triangle"/>
+          </a:ln>
+        </p:spPr>
+        <p:style>
+          <a:lnRef idx="1">
+            <a:schemeClr val="accent1"/>
+          </a:lnRef>
+          <a:fillRef idx="0">
+            <a:schemeClr val="accent1"/>
+          </a:fillRef>
+          <a:effectRef idx="0">
+            <a:schemeClr val="accent1"/>
+          </a:effectRef>
+          <a:fontRef idx="minor">
+            <a:schemeClr val="tx1"/>
+          </a:fontRef>
+        </p:style>
+      </p:cxnSp>
+      <p:cxnSp>
+        <p:nvCxnSpPr>
+          <p:cNvPr id="69" name="Straight Arrow Connector 68">
+            <a:extLst>
+              <a:ext uri="{FF2B5EF4-FFF2-40B4-BE49-F238E27FC236}">
+                <a16:creationId xmlns:a16="http://schemas.microsoft.com/office/drawing/2014/main" id="{E96D5BFB-6613-4A68-A0F3-082CE9683CD2}"/>
+              </a:ext>
+            </a:extLst>
+          </p:cNvPr>
+          <p:cNvCxnSpPr>
+            <a:cxnSpLocks/>
+            <a:stCxn id="38" idx="6"/>
+            <a:endCxn id="45" idx="2"/>
+          </p:cNvCxnSpPr>
+          <p:nvPr/>
+        </p:nvCxnSpPr>
+        <p:spPr>
+          <a:xfrm>
+            <a:off x="6574970" y="2938835"/>
+            <a:ext cx="669111" cy="891903"/>
+          </a:xfrm>
+          <a:prstGeom prst="straightConnector1">
+            <a:avLst/>
+          </a:prstGeom>
+          <a:ln>
+            <a:tailEnd type="triangle"/>
+          </a:ln>
+        </p:spPr>
+        <p:style>
+          <a:lnRef idx="1">
+            <a:schemeClr val="accent1"/>
+          </a:lnRef>
+          <a:fillRef idx="0">
+            <a:schemeClr val="accent1"/>
+          </a:fillRef>
+          <a:effectRef idx="0">
+            <a:schemeClr val="accent1"/>
+          </a:effectRef>
+          <a:fontRef idx="minor">
+            <a:schemeClr val="tx1"/>
+          </a:fontRef>
+        </p:style>
+      </p:cxnSp>
+      <p:cxnSp>
+        <p:nvCxnSpPr>
+          <p:cNvPr id="70" name="Straight Arrow Connector 69">
+            <a:extLst>
+              <a:ext uri="{FF2B5EF4-FFF2-40B4-BE49-F238E27FC236}">
+                <a16:creationId xmlns:a16="http://schemas.microsoft.com/office/drawing/2014/main" id="{D0D33C1C-90BD-44EF-95E5-408023954F90}"/>
+              </a:ext>
+            </a:extLst>
+          </p:cNvPr>
+          <p:cNvCxnSpPr>
+            <a:cxnSpLocks/>
+            <a:stCxn id="46" idx="6"/>
+            <a:endCxn id="55" idx="2"/>
+          </p:cNvCxnSpPr>
+          <p:nvPr/>
+        </p:nvCxnSpPr>
+        <p:spPr>
+          <a:xfrm>
+            <a:off x="7932059" y="4722641"/>
+            <a:ext cx="669111" cy="0"/>
+          </a:xfrm>
+          <a:prstGeom prst="straightConnector1">
+            <a:avLst/>
+          </a:prstGeom>
+          <a:ln>
+            <a:tailEnd type="triangle"/>
+          </a:ln>
+        </p:spPr>
+        <p:style>
+          <a:lnRef idx="1">
+            <a:schemeClr val="accent1"/>
+          </a:lnRef>
+          <a:fillRef idx="0">
+            <a:schemeClr val="accent1"/>
+          </a:fillRef>
+          <a:effectRef idx="0">
+            <a:schemeClr val="accent1"/>
+          </a:effectRef>
+          <a:fontRef idx="minor">
+            <a:schemeClr val="tx1"/>
+          </a:fontRef>
+        </p:style>
+      </p:cxnSp>
+      <p:cxnSp>
+        <p:nvCxnSpPr>
+          <p:cNvPr id="71" name="Straight Arrow Connector 70">
+            <a:extLst>
+              <a:ext uri="{FF2B5EF4-FFF2-40B4-BE49-F238E27FC236}">
+                <a16:creationId xmlns:a16="http://schemas.microsoft.com/office/drawing/2014/main" id="{1D5B4B6F-6CF8-455D-8473-6D72C78B3F82}"/>
+              </a:ext>
+            </a:extLst>
+          </p:cNvPr>
+          <p:cNvCxnSpPr>
+            <a:cxnSpLocks/>
+          </p:cNvCxnSpPr>
+          <p:nvPr/>
+        </p:nvCxnSpPr>
+        <p:spPr>
+          <a:xfrm>
+            <a:off x="7932058" y="3830738"/>
+            <a:ext cx="669112" cy="891903"/>
+          </a:xfrm>
+          <a:prstGeom prst="straightConnector1">
+            <a:avLst/>
+          </a:prstGeom>
+          <a:ln>
+            <a:tailEnd type="triangle"/>
+          </a:ln>
+        </p:spPr>
+        <p:style>
+          <a:lnRef idx="1">
+            <a:schemeClr val="accent1"/>
+          </a:lnRef>
+          <a:fillRef idx="0">
+            <a:schemeClr val="accent1"/>
+          </a:fillRef>
+          <a:effectRef idx="0">
+            <a:schemeClr val="accent1"/>
+          </a:effectRef>
+          <a:fontRef idx="minor">
+            <a:schemeClr val="tx1"/>
+          </a:fontRef>
+        </p:style>
+      </p:cxnSp>
+      <p:cxnSp>
+        <p:nvCxnSpPr>
+          <p:cNvPr id="72" name="Straight Arrow Connector 71">
+            <a:extLst>
+              <a:ext uri="{FF2B5EF4-FFF2-40B4-BE49-F238E27FC236}">
+                <a16:creationId xmlns:a16="http://schemas.microsoft.com/office/drawing/2014/main" id="{4C7463D0-DC36-4BF0-8378-0B1F4E5ECACF}"/>
+              </a:ext>
+            </a:extLst>
+          </p:cNvPr>
+          <p:cNvCxnSpPr>
+            <a:cxnSpLocks/>
+          </p:cNvCxnSpPr>
+          <p:nvPr/>
+        </p:nvCxnSpPr>
+        <p:spPr>
+          <a:xfrm flipV="1">
+            <a:off x="7932059" y="3830738"/>
+            <a:ext cx="669110" cy="891903"/>
+          </a:xfrm>
+          <a:prstGeom prst="straightConnector1">
+            <a:avLst/>
+          </a:prstGeom>
+          <a:ln>
+            <a:tailEnd type="triangle"/>
+          </a:ln>
+        </p:spPr>
+        <p:style>
+          <a:lnRef idx="1">
+            <a:schemeClr val="accent1"/>
+          </a:lnRef>
+          <a:fillRef idx="0">
+            <a:schemeClr val="accent1"/>
+          </a:fillRef>
+          <a:effectRef idx="0">
+            <a:schemeClr val="accent1"/>
+          </a:effectRef>
+          <a:fontRef idx="minor">
+            <a:schemeClr val="tx1"/>
+          </a:fontRef>
+        </p:style>
+      </p:cxnSp>
+      <p:cxnSp>
+        <p:nvCxnSpPr>
+          <p:cNvPr id="73" name="Straight Arrow Connector 72">
+            <a:extLst>
+              <a:ext uri="{FF2B5EF4-FFF2-40B4-BE49-F238E27FC236}">
+                <a16:creationId xmlns:a16="http://schemas.microsoft.com/office/drawing/2014/main" id="{4DAA2AAD-3649-48A3-961B-86704589FD70}"/>
+              </a:ext>
+            </a:extLst>
+          </p:cNvPr>
+          <p:cNvCxnSpPr>
+            <a:cxnSpLocks/>
+            <a:stCxn id="45" idx="6"/>
+            <a:endCxn id="49" idx="2"/>
+          </p:cNvCxnSpPr>
+          <p:nvPr/>
+        </p:nvCxnSpPr>
+        <p:spPr>
+          <a:xfrm>
+            <a:off x="7932058" y="3830738"/>
+            <a:ext cx="669111" cy="0"/>
+          </a:xfrm>
+          <a:prstGeom prst="straightConnector1">
+            <a:avLst/>
+          </a:prstGeom>
+          <a:ln>
+            <a:tailEnd type="triangle"/>
+          </a:ln>
+        </p:spPr>
+        <p:style>
+          <a:lnRef idx="1">
+            <a:schemeClr val="accent1"/>
+          </a:lnRef>
+          <a:fillRef idx="0">
+            <a:schemeClr val="accent1"/>
+          </a:fillRef>
+          <a:effectRef idx="0">
+            <a:schemeClr val="accent1"/>
+          </a:effectRef>
+          <a:fontRef idx="minor">
+            <a:schemeClr val="tx1"/>
+          </a:fontRef>
+        </p:style>
+      </p:cxnSp>
+      <p:cxnSp>
+        <p:nvCxnSpPr>
+          <p:cNvPr id="74" name="Straight Arrow Connector 73">
+            <a:extLst>
+              <a:ext uri="{FF2B5EF4-FFF2-40B4-BE49-F238E27FC236}">
+                <a16:creationId xmlns:a16="http://schemas.microsoft.com/office/drawing/2014/main" id="{134B2858-1295-4D9B-A0E0-9F8737671E23}"/>
+              </a:ext>
+            </a:extLst>
+          </p:cNvPr>
+          <p:cNvCxnSpPr>
+            <a:cxnSpLocks/>
+            <a:stCxn id="49" idx="6"/>
+            <a:endCxn id="60" idx="2"/>
+          </p:cNvCxnSpPr>
+          <p:nvPr/>
+        </p:nvCxnSpPr>
+        <p:spPr>
+          <a:xfrm>
+            <a:off x="9289146" y="3830738"/>
+            <a:ext cx="669110" cy="445952"/>
+          </a:xfrm>
+          <a:prstGeom prst="straightConnector1">
+            <a:avLst/>
+          </a:prstGeom>
+          <a:ln>
+            <a:tailEnd type="triangle"/>
+          </a:ln>
+        </p:spPr>
+        <p:style>
+          <a:lnRef idx="1">
+            <a:schemeClr val="accent1"/>
+          </a:lnRef>
+          <a:fillRef idx="0">
+            <a:schemeClr val="accent1"/>
+          </a:fillRef>
+          <a:effectRef idx="0">
+            <a:schemeClr val="accent1"/>
+          </a:effectRef>
+          <a:fontRef idx="minor">
+            <a:schemeClr val="tx1"/>
+          </a:fontRef>
+        </p:style>
+      </p:cxnSp>
+      <p:cxnSp>
+        <p:nvCxnSpPr>
+          <p:cNvPr id="75" name="Straight Arrow Connector 74">
+            <a:extLst>
+              <a:ext uri="{FF2B5EF4-FFF2-40B4-BE49-F238E27FC236}">
+                <a16:creationId xmlns:a16="http://schemas.microsoft.com/office/drawing/2014/main" id="{8F687560-570C-4F25-898E-9FF308397461}"/>
+              </a:ext>
+            </a:extLst>
+          </p:cNvPr>
+          <p:cNvCxnSpPr>
+            <a:cxnSpLocks/>
+            <a:stCxn id="55" idx="6"/>
+            <a:endCxn id="60" idx="2"/>
+          </p:cNvCxnSpPr>
+          <p:nvPr/>
+        </p:nvCxnSpPr>
+        <p:spPr>
+          <a:xfrm flipV="1">
+            <a:off x="9289147" y="4276690"/>
+            <a:ext cx="669109" cy="445951"/>
+          </a:xfrm>
+          <a:prstGeom prst="straightConnector1">
+            <a:avLst/>
+          </a:prstGeom>
+          <a:ln>
+            <a:tailEnd type="triangle"/>
+          </a:ln>
+        </p:spPr>
+        <p:style>
+          <a:lnRef idx="1">
+            <a:schemeClr val="accent1"/>
+          </a:lnRef>
+          <a:fillRef idx="0">
+            <a:schemeClr val="accent1"/>
+          </a:fillRef>
+          <a:effectRef idx="0">
+            <a:schemeClr val="accent1"/>
+          </a:effectRef>
+          <a:fontRef idx="minor">
+            <a:schemeClr val="tx1"/>
+          </a:fontRef>
+        </p:style>
+      </p:cxnSp>
     </p:spTree>
     <p:extLst>
       <p:ext uri="{BB962C8B-B14F-4D97-AF65-F5344CB8AC3E}">

--- a/Figuras/Figuras.pptx
+++ b/Figuras/Figuras.pptx
@@ -7,6 +7,7 @@
   <p:sldIdLst>
     <p:sldId id="256" r:id="rId2"/>
     <p:sldId id="257" r:id="rId3"/>
+    <p:sldId id="258" r:id="rId4"/>
   </p:sldIdLst>
   <p:sldSz cx="12192000" cy="6858000"/>
   <p:notesSz cx="6858000" cy="9144000"/>
@@ -262,7 +263,7 @@
           <a:p>
             <a:fld id="{E7765948-A934-4EF0-95A9-A39F9FAF0FC6}" type="datetimeFigureOut">
               <a:rPr lang="pt-BR" smtClean="0"/>
-              <a:t>05/11/2021</a:t>
+              <a:t>13/11/2021</a:t>
             </a:fld>
             <a:endParaRPr lang="pt-BR"/>
           </a:p>
@@ -462,7 +463,7 @@
           <a:p>
             <a:fld id="{E7765948-A934-4EF0-95A9-A39F9FAF0FC6}" type="datetimeFigureOut">
               <a:rPr lang="pt-BR" smtClean="0"/>
-              <a:t>05/11/2021</a:t>
+              <a:t>13/11/2021</a:t>
             </a:fld>
             <a:endParaRPr lang="pt-BR"/>
           </a:p>
@@ -672,7 +673,7 @@
           <a:p>
             <a:fld id="{E7765948-A934-4EF0-95A9-A39F9FAF0FC6}" type="datetimeFigureOut">
               <a:rPr lang="pt-BR" smtClean="0"/>
-              <a:t>05/11/2021</a:t>
+              <a:t>13/11/2021</a:t>
             </a:fld>
             <a:endParaRPr lang="pt-BR"/>
           </a:p>
@@ -872,7 +873,7 @@
           <a:p>
             <a:fld id="{E7765948-A934-4EF0-95A9-A39F9FAF0FC6}" type="datetimeFigureOut">
               <a:rPr lang="pt-BR" smtClean="0"/>
-              <a:t>05/11/2021</a:t>
+              <a:t>13/11/2021</a:t>
             </a:fld>
             <a:endParaRPr lang="pt-BR"/>
           </a:p>
@@ -1148,7 +1149,7 @@
           <a:p>
             <a:fld id="{E7765948-A934-4EF0-95A9-A39F9FAF0FC6}" type="datetimeFigureOut">
               <a:rPr lang="pt-BR" smtClean="0"/>
-              <a:t>05/11/2021</a:t>
+              <a:t>13/11/2021</a:t>
             </a:fld>
             <a:endParaRPr lang="pt-BR"/>
           </a:p>
@@ -1416,7 +1417,7 @@
           <a:p>
             <a:fld id="{E7765948-A934-4EF0-95A9-A39F9FAF0FC6}" type="datetimeFigureOut">
               <a:rPr lang="pt-BR" smtClean="0"/>
-              <a:t>05/11/2021</a:t>
+              <a:t>13/11/2021</a:t>
             </a:fld>
             <a:endParaRPr lang="pt-BR"/>
           </a:p>
@@ -1831,7 +1832,7 @@
           <a:p>
             <a:fld id="{E7765948-A934-4EF0-95A9-A39F9FAF0FC6}" type="datetimeFigureOut">
               <a:rPr lang="pt-BR" smtClean="0"/>
-              <a:t>05/11/2021</a:t>
+              <a:t>13/11/2021</a:t>
             </a:fld>
             <a:endParaRPr lang="pt-BR"/>
           </a:p>
@@ -1973,7 +1974,7 @@
           <a:p>
             <a:fld id="{E7765948-A934-4EF0-95A9-A39F9FAF0FC6}" type="datetimeFigureOut">
               <a:rPr lang="pt-BR" smtClean="0"/>
-              <a:t>05/11/2021</a:t>
+              <a:t>13/11/2021</a:t>
             </a:fld>
             <a:endParaRPr lang="pt-BR"/>
           </a:p>
@@ -2086,7 +2087,7 @@
           <a:p>
             <a:fld id="{E7765948-A934-4EF0-95A9-A39F9FAF0FC6}" type="datetimeFigureOut">
               <a:rPr lang="pt-BR" smtClean="0"/>
-              <a:t>05/11/2021</a:t>
+              <a:t>13/11/2021</a:t>
             </a:fld>
             <a:endParaRPr lang="pt-BR"/>
           </a:p>
@@ -2399,7 +2400,7 @@
           <a:p>
             <a:fld id="{E7765948-A934-4EF0-95A9-A39F9FAF0FC6}" type="datetimeFigureOut">
               <a:rPr lang="pt-BR" smtClean="0"/>
-              <a:t>05/11/2021</a:t>
+              <a:t>13/11/2021</a:t>
             </a:fld>
             <a:endParaRPr lang="pt-BR"/>
           </a:p>
@@ -2688,7 +2689,7 @@
           <a:p>
             <a:fld id="{E7765948-A934-4EF0-95A9-A39F9FAF0FC6}" type="datetimeFigureOut">
               <a:rPr lang="pt-BR" smtClean="0"/>
-              <a:t>05/11/2021</a:t>
+              <a:t>13/11/2021</a:t>
             </a:fld>
             <a:endParaRPr lang="pt-BR"/>
           </a:p>
@@ -2931,7 +2932,7 @@
           <a:p>
             <a:fld id="{E7765948-A934-4EF0-95A9-A39F9FAF0FC6}" type="datetimeFigureOut">
               <a:rPr lang="pt-BR" smtClean="0"/>
-              <a:t>05/11/2021</a:t>
+              <a:t>13/11/2021</a:t>
             </a:fld>
             <a:endParaRPr lang="pt-BR"/>
           </a:p>
@@ -8226,6 +8227,1020 @@
 </p:sld>
 </file>
 
+<file path=ppt/slides/slide3.xml><?xml version="1.0" encoding="utf-8"?>
+<p:sld xmlns:a="http://schemas.openxmlformats.org/drawingml/2006/main" xmlns:r="http://schemas.openxmlformats.org/officeDocument/2006/relationships" xmlns:p="http://schemas.openxmlformats.org/presentationml/2006/main">
+  <p:cSld>
+    <p:spTree>
+      <p:nvGrpSpPr>
+        <p:cNvPr id="1" name=""/>
+        <p:cNvGrpSpPr/>
+        <p:nvPr/>
+      </p:nvGrpSpPr>
+      <p:grpSpPr>
+        <a:xfrm>
+          <a:off x="0" y="0"/>
+          <a:ext cx="0" cy="0"/>
+          <a:chOff x="0" y="0"/>
+          <a:chExt cx="0" cy="0"/>
+        </a:xfrm>
+      </p:grpSpPr>
+      <p:cxnSp>
+        <p:nvCxnSpPr>
+          <p:cNvPr id="21" name="Straight Connector 20">
+            <a:extLst>
+              <a:ext uri="{FF2B5EF4-FFF2-40B4-BE49-F238E27FC236}">
+                <a16:creationId xmlns:a16="http://schemas.microsoft.com/office/drawing/2014/main" id="{4CE3C2E3-F9E5-478D-8405-34D9D2DDCEFF}"/>
+              </a:ext>
+            </a:extLst>
+          </p:cNvPr>
+          <p:cNvCxnSpPr>
+            <a:cxnSpLocks/>
+            <a:stCxn id="16" idx="0"/>
+            <a:endCxn id="19" idx="0"/>
+          </p:cNvCxnSpPr>
+          <p:nvPr/>
+        </p:nvCxnSpPr>
+        <p:spPr>
+          <a:xfrm>
+            <a:off x="1365613" y="921476"/>
+            <a:ext cx="1839683" cy="277043"/>
+          </a:xfrm>
+          <a:prstGeom prst="line">
+            <a:avLst/>
+          </a:prstGeom>
+          <a:ln w="3175">
+            <a:prstDash val="dash"/>
+          </a:ln>
+        </p:spPr>
+        <p:style>
+          <a:lnRef idx="1">
+            <a:schemeClr val="accent1"/>
+          </a:lnRef>
+          <a:fillRef idx="0">
+            <a:schemeClr val="accent1"/>
+          </a:fillRef>
+          <a:effectRef idx="0">
+            <a:schemeClr val="accent1"/>
+          </a:effectRef>
+          <a:fontRef idx="minor">
+            <a:schemeClr val="tx1"/>
+          </a:fontRef>
+        </p:style>
+      </p:cxnSp>
+      <p:cxnSp>
+        <p:nvCxnSpPr>
+          <p:cNvPr id="28" name="Straight Connector 27">
+            <a:extLst>
+              <a:ext uri="{FF2B5EF4-FFF2-40B4-BE49-F238E27FC236}">
+                <a16:creationId xmlns:a16="http://schemas.microsoft.com/office/drawing/2014/main" id="{45666274-CE0B-4AAD-AECB-9C00A6101485}"/>
+              </a:ext>
+            </a:extLst>
+          </p:cNvPr>
+          <p:cNvCxnSpPr>
+            <a:cxnSpLocks/>
+            <a:stCxn id="16" idx="3"/>
+            <a:endCxn id="19" idx="3"/>
+          </p:cNvCxnSpPr>
+          <p:nvPr/>
+        </p:nvCxnSpPr>
+        <p:spPr>
+          <a:xfrm>
+            <a:off x="1630680" y="1186543"/>
+            <a:ext cx="1839683" cy="277043"/>
+          </a:xfrm>
+          <a:prstGeom prst="line">
+            <a:avLst/>
+          </a:prstGeom>
+          <a:ln w="3175">
+            <a:prstDash val="dash"/>
+          </a:ln>
+        </p:spPr>
+        <p:style>
+          <a:lnRef idx="1">
+            <a:schemeClr val="accent1"/>
+          </a:lnRef>
+          <a:fillRef idx="0">
+            <a:schemeClr val="accent1"/>
+          </a:fillRef>
+          <a:effectRef idx="0">
+            <a:schemeClr val="accent1"/>
+          </a:effectRef>
+          <a:fontRef idx="minor">
+            <a:schemeClr val="tx1"/>
+          </a:fontRef>
+        </p:style>
+      </p:cxnSp>
+      <p:grpSp>
+        <p:nvGrpSpPr>
+          <p:cNvPr id="15" name="Group 14">
+            <a:extLst>
+              <a:ext uri="{FF2B5EF4-FFF2-40B4-BE49-F238E27FC236}">
+                <a16:creationId xmlns:a16="http://schemas.microsoft.com/office/drawing/2014/main" id="{D4D1E43C-4D61-4C51-B6CB-9C4291EB1ED4}"/>
+              </a:ext>
+            </a:extLst>
+          </p:cNvPr>
+          <p:cNvGrpSpPr/>
+          <p:nvPr/>
+        </p:nvGrpSpPr>
+        <p:grpSpPr>
+          <a:xfrm>
+            <a:off x="781321" y="618308"/>
+            <a:ext cx="1371600" cy="1497875"/>
+            <a:chOff x="868680" y="618309"/>
+            <a:chExt cx="1371600" cy="1497875"/>
+          </a:xfrm>
+        </p:grpSpPr>
+        <p:sp>
+          <p:nvSpPr>
+            <p:cNvPr id="4" name="Rectangle: Rounded Corners 3">
+              <a:extLst>
+                <a:ext uri="{FF2B5EF4-FFF2-40B4-BE49-F238E27FC236}">
+                  <a16:creationId xmlns:a16="http://schemas.microsoft.com/office/drawing/2014/main" id="{E29DE12F-3118-45A8-9021-61137146C75C}"/>
+                </a:ext>
+              </a:extLst>
+            </p:cNvPr>
+            <p:cNvSpPr/>
+            <p:nvPr/>
+          </p:nvSpPr>
+          <p:spPr>
+            <a:xfrm>
+              <a:off x="868680" y="618309"/>
+              <a:ext cx="1219200" cy="1219200"/>
+            </a:xfrm>
+            <a:prstGeom prst="roundRect">
+              <a:avLst/>
+            </a:prstGeom>
+            <a:solidFill>
+              <a:srgbClr val="0070C0">
+                <a:alpha val="50196"/>
+              </a:srgbClr>
+            </a:solidFill>
+            <a:scene3d>
+              <a:camera prst="isometricRightUp"/>
+              <a:lightRig rig="threePt" dir="t"/>
+            </a:scene3d>
+          </p:spPr>
+          <p:style>
+            <a:lnRef idx="2">
+              <a:schemeClr val="accent1">
+                <a:shade val="50000"/>
+              </a:schemeClr>
+            </a:lnRef>
+            <a:fillRef idx="1">
+              <a:schemeClr val="accent1"/>
+            </a:fillRef>
+            <a:effectRef idx="0">
+              <a:schemeClr val="accent1"/>
+            </a:effectRef>
+            <a:fontRef idx="minor">
+              <a:schemeClr val="lt1"/>
+            </a:fontRef>
+          </p:style>
+          <p:txBody>
+            <a:bodyPr rtlCol="0" anchor="ctr"/>
+            <a:lstStyle/>
+            <a:p>
+              <a:pPr algn="ctr"/>
+              <a:endParaRPr lang="pt-BR"/>
+            </a:p>
+          </p:txBody>
+        </p:sp>
+        <p:sp>
+          <p:nvSpPr>
+            <p:cNvPr id="5" name="Rectangle: Rounded Corners 4">
+              <a:extLst>
+                <a:ext uri="{FF2B5EF4-FFF2-40B4-BE49-F238E27FC236}">
+                  <a16:creationId xmlns:a16="http://schemas.microsoft.com/office/drawing/2014/main" id="{55C0BC2F-A800-455D-A222-BABC18D28A98}"/>
+                </a:ext>
+              </a:extLst>
+            </p:cNvPr>
+            <p:cNvSpPr/>
+            <p:nvPr/>
+          </p:nvSpPr>
+          <p:spPr>
+            <a:xfrm>
+              <a:off x="944880" y="757646"/>
+              <a:ext cx="1219200" cy="1219200"/>
+            </a:xfrm>
+            <a:prstGeom prst="roundRect">
+              <a:avLst/>
+            </a:prstGeom>
+            <a:solidFill>
+              <a:srgbClr val="00B050">
+                <a:alpha val="50196"/>
+              </a:srgbClr>
+            </a:solidFill>
+            <a:ln>
+              <a:solidFill>
+                <a:schemeClr val="accent6">
+                  <a:lumMod val="75000"/>
+                </a:schemeClr>
+              </a:solidFill>
+            </a:ln>
+            <a:scene3d>
+              <a:camera prst="isometricRightUp"/>
+              <a:lightRig rig="threePt" dir="t"/>
+            </a:scene3d>
+          </p:spPr>
+          <p:style>
+            <a:lnRef idx="2">
+              <a:schemeClr val="accent1">
+                <a:shade val="50000"/>
+              </a:schemeClr>
+            </a:lnRef>
+            <a:fillRef idx="1">
+              <a:schemeClr val="accent1"/>
+            </a:fillRef>
+            <a:effectRef idx="0">
+              <a:schemeClr val="accent1"/>
+            </a:effectRef>
+            <a:fontRef idx="minor">
+              <a:schemeClr val="lt1"/>
+            </a:fontRef>
+          </p:style>
+          <p:txBody>
+            <a:bodyPr rtlCol="0" anchor="ctr"/>
+            <a:lstStyle/>
+            <a:p>
+              <a:pPr algn="ctr"/>
+              <a:endParaRPr lang="pt-BR" dirty="0"/>
+            </a:p>
+          </p:txBody>
+        </p:sp>
+        <p:sp>
+          <p:nvSpPr>
+            <p:cNvPr id="6" name="Rectangle: Rounded Corners 5">
+              <a:extLst>
+                <a:ext uri="{FF2B5EF4-FFF2-40B4-BE49-F238E27FC236}">
+                  <a16:creationId xmlns:a16="http://schemas.microsoft.com/office/drawing/2014/main" id="{D1E1C8CD-08CD-4627-9CA3-C0D0BF753BB0}"/>
+                </a:ext>
+              </a:extLst>
+            </p:cNvPr>
+            <p:cNvSpPr/>
+            <p:nvPr/>
+          </p:nvSpPr>
+          <p:spPr>
+            <a:xfrm>
+              <a:off x="1021080" y="896984"/>
+              <a:ext cx="1219200" cy="1219200"/>
+            </a:xfrm>
+            <a:prstGeom prst="roundRect">
+              <a:avLst/>
+            </a:prstGeom>
+            <a:solidFill>
+              <a:srgbClr val="FF0000">
+                <a:alpha val="50196"/>
+              </a:srgbClr>
+            </a:solidFill>
+            <a:ln>
+              <a:solidFill>
+                <a:srgbClr val="FF0000"/>
+              </a:solidFill>
+            </a:ln>
+            <a:scene3d>
+              <a:camera prst="isometricRightUp"/>
+              <a:lightRig rig="threePt" dir="t"/>
+            </a:scene3d>
+          </p:spPr>
+          <p:style>
+            <a:lnRef idx="2">
+              <a:schemeClr val="accent1">
+                <a:shade val="50000"/>
+              </a:schemeClr>
+            </a:lnRef>
+            <a:fillRef idx="1">
+              <a:schemeClr val="accent1"/>
+            </a:fillRef>
+            <a:effectRef idx="0">
+              <a:schemeClr val="accent1"/>
+            </a:effectRef>
+            <a:fontRef idx="minor">
+              <a:schemeClr val="lt1"/>
+            </a:fontRef>
+          </p:style>
+          <p:txBody>
+            <a:bodyPr rtlCol="0" anchor="ctr"/>
+            <a:lstStyle/>
+            <a:p>
+              <a:pPr algn="ctr"/>
+              <a:endParaRPr lang="pt-BR"/>
+            </a:p>
+          </p:txBody>
+        </p:sp>
+      </p:grpSp>
+      <p:grpSp>
+        <p:nvGrpSpPr>
+          <p:cNvPr id="14" name="Group 13">
+            <a:extLst>
+              <a:ext uri="{FF2B5EF4-FFF2-40B4-BE49-F238E27FC236}">
+                <a16:creationId xmlns:a16="http://schemas.microsoft.com/office/drawing/2014/main" id="{2220477E-CE9A-4889-829D-B52637144E2B}"/>
+              </a:ext>
+            </a:extLst>
+          </p:cNvPr>
+          <p:cNvGrpSpPr/>
+          <p:nvPr/>
+        </p:nvGrpSpPr>
+        <p:grpSpPr>
+          <a:xfrm>
+            <a:off x="3868782" y="639537"/>
+            <a:ext cx="1394458" cy="1455419"/>
+            <a:chOff x="4434839" y="618309"/>
+            <a:chExt cx="1394458" cy="1455419"/>
+          </a:xfrm>
+        </p:grpSpPr>
+        <p:sp>
+          <p:nvSpPr>
+            <p:cNvPr id="7" name="Rectangle: Rounded Corners 6">
+              <a:extLst>
+                <a:ext uri="{FF2B5EF4-FFF2-40B4-BE49-F238E27FC236}">
+                  <a16:creationId xmlns:a16="http://schemas.microsoft.com/office/drawing/2014/main" id="{27EB25C4-9250-4218-91A8-E4B151929D02}"/>
+                </a:ext>
+              </a:extLst>
+            </p:cNvPr>
+            <p:cNvSpPr/>
+            <p:nvPr/>
+          </p:nvSpPr>
+          <p:spPr>
+            <a:xfrm>
+              <a:off x="4434839" y="618309"/>
+              <a:ext cx="949235" cy="949235"/>
+            </a:xfrm>
+            <a:prstGeom prst="roundRect">
+              <a:avLst/>
+            </a:prstGeom>
+            <a:solidFill>
+              <a:srgbClr val="A6A6A6">
+                <a:alpha val="49804"/>
+              </a:srgbClr>
+            </a:solidFill>
+            <a:ln>
+              <a:solidFill>
+                <a:schemeClr val="tx1">
+                  <a:lumMod val="65000"/>
+                  <a:lumOff val="35000"/>
+                </a:schemeClr>
+              </a:solidFill>
+            </a:ln>
+            <a:scene3d>
+              <a:camera prst="isometricRightUp"/>
+              <a:lightRig rig="threePt" dir="t"/>
+            </a:scene3d>
+          </p:spPr>
+          <p:style>
+            <a:lnRef idx="2">
+              <a:schemeClr val="accent1">
+                <a:shade val="50000"/>
+              </a:schemeClr>
+            </a:lnRef>
+            <a:fillRef idx="1">
+              <a:schemeClr val="accent1"/>
+            </a:fillRef>
+            <a:effectRef idx="0">
+              <a:schemeClr val="accent1"/>
+            </a:effectRef>
+            <a:fontRef idx="minor">
+              <a:schemeClr val="lt1"/>
+            </a:fontRef>
+          </p:style>
+          <p:txBody>
+            <a:bodyPr rtlCol="0" anchor="ctr"/>
+            <a:lstStyle/>
+            <a:p>
+              <a:pPr algn="ctr"/>
+              <a:endParaRPr lang="pt-BR"/>
+            </a:p>
+          </p:txBody>
+        </p:sp>
+        <p:sp>
+          <p:nvSpPr>
+            <p:cNvPr id="8" name="Rectangle: Rounded Corners 7">
+              <a:extLst>
+                <a:ext uri="{FF2B5EF4-FFF2-40B4-BE49-F238E27FC236}">
+                  <a16:creationId xmlns:a16="http://schemas.microsoft.com/office/drawing/2014/main" id="{0CC59D2C-0AC3-4E99-A025-61A6258B9088}"/>
+                </a:ext>
+              </a:extLst>
+            </p:cNvPr>
+            <p:cNvSpPr/>
+            <p:nvPr/>
+          </p:nvSpPr>
+          <p:spPr>
+            <a:xfrm>
+              <a:off x="4509043" y="702673"/>
+              <a:ext cx="949235" cy="949235"/>
+            </a:xfrm>
+            <a:prstGeom prst="roundRect">
+              <a:avLst/>
+            </a:prstGeom>
+            <a:solidFill>
+              <a:srgbClr val="A6A6A6">
+                <a:alpha val="49804"/>
+              </a:srgbClr>
+            </a:solidFill>
+            <a:ln>
+              <a:solidFill>
+                <a:schemeClr val="tx1">
+                  <a:lumMod val="65000"/>
+                  <a:lumOff val="35000"/>
+                </a:schemeClr>
+              </a:solidFill>
+            </a:ln>
+            <a:scene3d>
+              <a:camera prst="isometricRightUp"/>
+              <a:lightRig rig="threePt" dir="t"/>
+            </a:scene3d>
+          </p:spPr>
+          <p:style>
+            <a:lnRef idx="2">
+              <a:schemeClr val="accent1">
+                <a:shade val="50000"/>
+              </a:schemeClr>
+            </a:lnRef>
+            <a:fillRef idx="1">
+              <a:schemeClr val="accent1"/>
+            </a:fillRef>
+            <a:effectRef idx="0">
+              <a:schemeClr val="accent1"/>
+            </a:effectRef>
+            <a:fontRef idx="minor">
+              <a:schemeClr val="lt1"/>
+            </a:fontRef>
+          </p:style>
+          <p:txBody>
+            <a:bodyPr rtlCol="0" anchor="ctr"/>
+            <a:lstStyle/>
+            <a:p>
+              <a:pPr algn="ctr"/>
+              <a:endParaRPr lang="pt-BR"/>
+            </a:p>
+          </p:txBody>
+        </p:sp>
+        <p:sp>
+          <p:nvSpPr>
+            <p:cNvPr id="9" name="Rectangle: Rounded Corners 8">
+              <a:extLst>
+                <a:ext uri="{FF2B5EF4-FFF2-40B4-BE49-F238E27FC236}">
+                  <a16:creationId xmlns:a16="http://schemas.microsoft.com/office/drawing/2014/main" id="{7CC8B94B-B390-41D6-831F-7BB2165E8BFB}"/>
+                </a:ext>
+              </a:extLst>
+            </p:cNvPr>
+            <p:cNvSpPr/>
+            <p:nvPr/>
+          </p:nvSpPr>
+          <p:spPr>
+            <a:xfrm>
+              <a:off x="4583247" y="787037"/>
+              <a:ext cx="949235" cy="949235"/>
+            </a:xfrm>
+            <a:prstGeom prst="roundRect">
+              <a:avLst/>
+            </a:prstGeom>
+            <a:solidFill>
+              <a:srgbClr val="A6A6A6">
+                <a:alpha val="49804"/>
+              </a:srgbClr>
+            </a:solidFill>
+            <a:ln>
+              <a:solidFill>
+                <a:schemeClr val="tx1">
+                  <a:lumMod val="65000"/>
+                  <a:lumOff val="35000"/>
+                </a:schemeClr>
+              </a:solidFill>
+            </a:ln>
+            <a:scene3d>
+              <a:camera prst="isometricRightUp"/>
+              <a:lightRig rig="threePt" dir="t"/>
+            </a:scene3d>
+          </p:spPr>
+          <p:style>
+            <a:lnRef idx="2">
+              <a:schemeClr val="accent1">
+                <a:shade val="50000"/>
+              </a:schemeClr>
+            </a:lnRef>
+            <a:fillRef idx="1">
+              <a:schemeClr val="accent1"/>
+            </a:fillRef>
+            <a:effectRef idx="0">
+              <a:schemeClr val="accent1"/>
+            </a:effectRef>
+            <a:fontRef idx="minor">
+              <a:schemeClr val="lt1"/>
+            </a:fontRef>
+          </p:style>
+          <p:txBody>
+            <a:bodyPr rtlCol="0" anchor="ctr"/>
+            <a:lstStyle/>
+            <a:p>
+              <a:pPr algn="ctr"/>
+              <a:endParaRPr lang="pt-BR"/>
+            </a:p>
+          </p:txBody>
+        </p:sp>
+        <p:sp>
+          <p:nvSpPr>
+            <p:cNvPr id="10" name="Rectangle: Rounded Corners 9">
+              <a:extLst>
+                <a:ext uri="{FF2B5EF4-FFF2-40B4-BE49-F238E27FC236}">
+                  <a16:creationId xmlns:a16="http://schemas.microsoft.com/office/drawing/2014/main" id="{28229FB3-D2B8-49D3-8BE4-42C578EF4578}"/>
+                </a:ext>
+              </a:extLst>
+            </p:cNvPr>
+            <p:cNvSpPr/>
+            <p:nvPr/>
+          </p:nvSpPr>
+          <p:spPr>
+            <a:xfrm>
+              <a:off x="4657451" y="871401"/>
+              <a:ext cx="949235" cy="949235"/>
+            </a:xfrm>
+            <a:prstGeom prst="roundRect">
+              <a:avLst/>
+            </a:prstGeom>
+            <a:solidFill>
+              <a:srgbClr val="A6A6A6">
+                <a:alpha val="49804"/>
+              </a:srgbClr>
+            </a:solidFill>
+            <a:ln>
+              <a:solidFill>
+                <a:schemeClr val="tx1">
+                  <a:lumMod val="65000"/>
+                  <a:lumOff val="35000"/>
+                </a:schemeClr>
+              </a:solidFill>
+            </a:ln>
+            <a:scene3d>
+              <a:camera prst="isometricRightUp"/>
+              <a:lightRig rig="threePt" dir="t"/>
+            </a:scene3d>
+          </p:spPr>
+          <p:style>
+            <a:lnRef idx="2">
+              <a:schemeClr val="accent1">
+                <a:shade val="50000"/>
+              </a:schemeClr>
+            </a:lnRef>
+            <a:fillRef idx="1">
+              <a:schemeClr val="accent1"/>
+            </a:fillRef>
+            <a:effectRef idx="0">
+              <a:schemeClr val="accent1"/>
+            </a:effectRef>
+            <a:fontRef idx="minor">
+              <a:schemeClr val="lt1"/>
+            </a:fontRef>
+          </p:style>
+          <p:txBody>
+            <a:bodyPr rtlCol="0" anchor="ctr"/>
+            <a:lstStyle/>
+            <a:p>
+              <a:pPr algn="ctr"/>
+              <a:endParaRPr lang="pt-BR"/>
+            </a:p>
+          </p:txBody>
+        </p:sp>
+        <p:sp>
+          <p:nvSpPr>
+            <p:cNvPr id="11" name="Rectangle: Rounded Corners 10">
+              <a:extLst>
+                <a:ext uri="{FF2B5EF4-FFF2-40B4-BE49-F238E27FC236}">
+                  <a16:creationId xmlns:a16="http://schemas.microsoft.com/office/drawing/2014/main" id="{5FC9B3C3-1DD8-4A4C-B379-622D84CF8953}"/>
+                </a:ext>
+              </a:extLst>
+            </p:cNvPr>
+            <p:cNvSpPr/>
+            <p:nvPr/>
+          </p:nvSpPr>
+          <p:spPr>
+            <a:xfrm>
+              <a:off x="4731655" y="955765"/>
+              <a:ext cx="949235" cy="949235"/>
+            </a:xfrm>
+            <a:prstGeom prst="roundRect">
+              <a:avLst/>
+            </a:prstGeom>
+            <a:solidFill>
+              <a:srgbClr val="A6A6A6">
+                <a:alpha val="49804"/>
+              </a:srgbClr>
+            </a:solidFill>
+            <a:ln>
+              <a:solidFill>
+                <a:schemeClr val="tx1">
+                  <a:lumMod val="65000"/>
+                  <a:lumOff val="35000"/>
+                </a:schemeClr>
+              </a:solidFill>
+            </a:ln>
+            <a:scene3d>
+              <a:camera prst="isometricRightUp"/>
+              <a:lightRig rig="threePt" dir="t"/>
+            </a:scene3d>
+          </p:spPr>
+          <p:style>
+            <a:lnRef idx="2">
+              <a:schemeClr val="accent1">
+                <a:shade val="50000"/>
+              </a:schemeClr>
+            </a:lnRef>
+            <a:fillRef idx="1">
+              <a:schemeClr val="accent1"/>
+            </a:fillRef>
+            <a:effectRef idx="0">
+              <a:schemeClr val="accent1"/>
+            </a:effectRef>
+            <a:fontRef idx="minor">
+              <a:schemeClr val="lt1"/>
+            </a:fontRef>
+          </p:style>
+          <p:txBody>
+            <a:bodyPr rtlCol="0" anchor="ctr"/>
+            <a:lstStyle/>
+            <a:p>
+              <a:pPr algn="ctr"/>
+              <a:endParaRPr lang="pt-BR"/>
+            </a:p>
+          </p:txBody>
+        </p:sp>
+        <p:sp>
+          <p:nvSpPr>
+            <p:cNvPr id="12" name="Rectangle: Rounded Corners 11">
+              <a:extLst>
+                <a:ext uri="{FF2B5EF4-FFF2-40B4-BE49-F238E27FC236}">
+                  <a16:creationId xmlns:a16="http://schemas.microsoft.com/office/drawing/2014/main" id="{FB2360C6-8CD5-4288-AD3E-DCC4C30EB234}"/>
+                </a:ext>
+              </a:extLst>
+            </p:cNvPr>
+            <p:cNvSpPr/>
+            <p:nvPr/>
+          </p:nvSpPr>
+          <p:spPr>
+            <a:xfrm>
+              <a:off x="4805859" y="1040129"/>
+              <a:ext cx="949235" cy="949235"/>
+            </a:xfrm>
+            <a:prstGeom prst="roundRect">
+              <a:avLst/>
+            </a:prstGeom>
+            <a:solidFill>
+              <a:srgbClr val="A6A6A6">
+                <a:alpha val="49804"/>
+              </a:srgbClr>
+            </a:solidFill>
+            <a:ln>
+              <a:solidFill>
+                <a:schemeClr val="tx1">
+                  <a:lumMod val="65000"/>
+                  <a:lumOff val="35000"/>
+                </a:schemeClr>
+              </a:solidFill>
+            </a:ln>
+            <a:scene3d>
+              <a:camera prst="isometricRightUp"/>
+              <a:lightRig rig="threePt" dir="t"/>
+            </a:scene3d>
+          </p:spPr>
+          <p:style>
+            <a:lnRef idx="2">
+              <a:schemeClr val="accent1">
+                <a:shade val="50000"/>
+              </a:schemeClr>
+            </a:lnRef>
+            <a:fillRef idx="1">
+              <a:schemeClr val="accent1"/>
+            </a:fillRef>
+            <a:effectRef idx="0">
+              <a:schemeClr val="accent1"/>
+            </a:effectRef>
+            <a:fontRef idx="minor">
+              <a:schemeClr val="lt1"/>
+            </a:fontRef>
+          </p:style>
+          <p:txBody>
+            <a:bodyPr rtlCol="0" anchor="ctr"/>
+            <a:lstStyle/>
+            <a:p>
+              <a:pPr algn="ctr"/>
+              <a:endParaRPr lang="pt-BR"/>
+            </a:p>
+          </p:txBody>
+        </p:sp>
+        <p:sp>
+          <p:nvSpPr>
+            <p:cNvPr id="13" name="Rectangle: Rounded Corners 12">
+              <a:extLst>
+                <a:ext uri="{FF2B5EF4-FFF2-40B4-BE49-F238E27FC236}">
+                  <a16:creationId xmlns:a16="http://schemas.microsoft.com/office/drawing/2014/main" id="{5431948E-0CDF-4023-95F1-CCACFD0BECFA}"/>
+                </a:ext>
+              </a:extLst>
+            </p:cNvPr>
+            <p:cNvSpPr/>
+            <p:nvPr/>
+          </p:nvSpPr>
+          <p:spPr>
+            <a:xfrm>
+              <a:off x="4880062" y="1124493"/>
+              <a:ext cx="949235" cy="949235"/>
+            </a:xfrm>
+            <a:prstGeom prst="roundRect">
+              <a:avLst/>
+            </a:prstGeom>
+            <a:solidFill>
+              <a:srgbClr val="A6A6A6">
+                <a:alpha val="49804"/>
+              </a:srgbClr>
+            </a:solidFill>
+            <a:ln>
+              <a:solidFill>
+                <a:schemeClr val="tx1">
+                  <a:lumMod val="65000"/>
+                  <a:lumOff val="35000"/>
+                </a:schemeClr>
+              </a:solidFill>
+            </a:ln>
+            <a:scene3d>
+              <a:camera prst="isometricRightUp"/>
+              <a:lightRig rig="threePt" dir="t"/>
+            </a:scene3d>
+          </p:spPr>
+          <p:style>
+            <a:lnRef idx="2">
+              <a:schemeClr val="accent1">
+                <a:shade val="50000"/>
+              </a:schemeClr>
+            </a:lnRef>
+            <a:fillRef idx="1">
+              <a:schemeClr val="accent1"/>
+            </a:fillRef>
+            <a:effectRef idx="0">
+              <a:schemeClr val="accent1"/>
+            </a:effectRef>
+            <a:fontRef idx="minor">
+              <a:schemeClr val="lt1"/>
+            </a:fontRef>
+          </p:style>
+          <p:txBody>
+            <a:bodyPr rtlCol="0" anchor="ctr"/>
+            <a:lstStyle/>
+            <a:p>
+              <a:pPr algn="ctr"/>
+              <a:endParaRPr lang="pt-BR"/>
+            </a:p>
+          </p:txBody>
+        </p:sp>
+      </p:grpSp>
+      <p:sp>
+        <p:nvSpPr>
+          <p:cNvPr id="16" name="Rectangle: Rounded Corners 15">
+            <a:extLst>
+              <a:ext uri="{FF2B5EF4-FFF2-40B4-BE49-F238E27FC236}">
+                <a16:creationId xmlns:a16="http://schemas.microsoft.com/office/drawing/2014/main" id="{F18B1922-7875-4D6B-BCAB-E95292A5568E}"/>
+              </a:ext>
+            </a:extLst>
+          </p:cNvPr>
+          <p:cNvSpPr/>
+          <p:nvPr/>
+        </p:nvSpPr>
+        <p:spPr>
+          <a:xfrm>
+            <a:off x="1100546" y="921476"/>
+            <a:ext cx="530134" cy="530134"/>
+          </a:xfrm>
+          <a:prstGeom prst="roundRect">
+            <a:avLst/>
+          </a:prstGeom>
+          <a:solidFill>
+            <a:schemeClr val="accent4">
+              <a:lumMod val="20000"/>
+              <a:lumOff val="80000"/>
+              <a:alpha val="49804"/>
+            </a:schemeClr>
+          </a:solidFill>
+          <a:ln>
+            <a:noFill/>
+          </a:ln>
+          <a:effectLst>
+            <a:outerShdw blurRad="225425" dist="50800" dir="5220000" algn="ctr">
+              <a:srgbClr val="000000">
+                <a:alpha val="33000"/>
+              </a:srgbClr>
+            </a:outerShdw>
+          </a:effectLst>
+          <a:scene3d>
+            <a:camera prst="isometricRightUp"/>
+            <a:lightRig rig="harsh" dir="t">
+              <a:rot lat="0" lon="0" rev="3000000"/>
+            </a:lightRig>
+          </a:scene3d>
+          <a:sp3d extrusionH="254000" contourW="19050">
+            <a:bevelT w="82550" h="44450" prst="angle"/>
+            <a:bevelB w="82550" h="44450" prst="angle"/>
+            <a:contourClr>
+              <a:srgbClr val="FFFFFF"/>
+            </a:contourClr>
+          </a:sp3d>
+        </p:spPr>
+        <p:style>
+          <a:lnRef idx="2">
+            <a:schemeClr val="accent1">
+              <a:shade val="50000"/>
+            </a:schemeClr>
+          </a:lnRef>
+          <a:fillRef idx="1">
+            <a:schemeClr val="accent1"/>
+          </a:fillRef>
+          <a:effectRef idx="0">
+            <a:schemeClr val="accent1"/>
+          </a:effectRef>
+          <a:fontRef idx="minor">
+            <a:schemeClr val="lt1"/>
+          </a:fontRef>
+        </p:style>
+        <p:txBody>
+          <a:bodyPr rtlCol="0" anchor="ctr"/>
+          <a:lstStyle/>
+          <a:p>
+            <a:pPr algn="ctr"/>
+            <a:endParaRPr lang="pt-BR"/>
+          </a:p>
+        </p:txBody>
+      </p:sp>
+      <p:sp>
+        <p:nvSpPr>
+          <p:cNvPr id="19" name="Rectangle: Rounded Corners 18">
+            <a:extLst>
+              <a:ext uri="{FF2B5EF4-FFF2-40B4-BE49-F238E27FC236}">
+                <a16:creationId xmlns:a16="http://schemas.microsoft.com/office/drawing/2014/main" id="{CD0E93DB-2317-424E-9508-D0178DF726A0}"/>
+              </a:ext>
+            </a:extLst>
+          </p:cNvPr>
+          <p:cNvSpPr/>
+          <p:nvPr/>
+        </p:nvSpPr>
+        <p:spPr>
+          <a:xfrm>
+            <a:off x="2940229" y="1198519"/>
+            <a:ext cx="530134" cy="530134"/>
+          </a:xfrm>
+          <a:prstGeom prst="roundRect">
+            <a:avLst/>
+          </a:prstGeom>
+          <a:solidFill>
+            <a:schemeClr val="accent4">
+              <a:lumMod val="40000"/>
+              <a:lumOff val="60000"/>
+              <a:alpha val="49804"/>
+            </a:schemeClr>
+          </a:solidFill>
+          <a:ln>
+            <a:noFill/>
+          </a:ln>
+          <a:effectLst>
+            <a:outerShdw blurRad="225425" dist="50800" dir="5220000" algn="ctr">
+              <a:srgbClr val="000000">
+                <a:alpha val="33000"/>
+              </a:srgbClr>
+            </a:outerShdw>
+          </a:effectLst>
+          <a:scene3d>
+            <a:camera prst="isometricRightUp"/>
+            <a:lightRig rig="harsh" dir="t">
+              <a:rot lat="0" lon="0" rev="3000000"/>
+            </a:lightRig>
+          </a:scene3d>
+          <a:sp3d extrusionH="254000" contourW="19050">
+            <a:bevelT w="82550" h="44450" prst="angle"/>
+            <a:bevelB w="82550" h="44450" prst="angle"/>
+            <a:contourClr>
+              <a:srgbClr val="FFFFFF"/>
+            </a:contourClr>
+          </a:sp3d>
+        </p:spPr>
+        <p:style>
+          <a:lnRef idx="2">
+            <a:schemeClr val="accent1">
+              <a:shade val="50000"/>
+            </a:schemeClr>
+          </a:lnRef>
+          <a:fillRef idx="1">
+            <a:schemeClr val="accent1"/>
+          </a:fillRef>
+          <a:effectRef idx="0">
+            <a:schemeClr val="accent1"/>
+          </a:effectRef>
+          <a:fontRef idx="minor">
+            <a:schemeClr val="lt1"/>
+          </a:fontRef>
+        </p:style>
+        <p:txBody>
+          <a:bodyPr rtlCol="0" anchor="ctr"/>
+          <a:lstStyle/>
+          <a:p>
+            <a:pPr algn="ctr"/>
+            <a:endParaRPr lang="pt-BR"/>
+          </a:p>
+        </p:txBody>
+      </p:sp>
+      <p:cxnSp>
+        <p:nvCxnSpPr>
+          <p:cNvPr id="22" name="Straight Connector 21">
+            <a:extLst>
+              <a:ext uri="{FF2B5EF4-FFF2-40B4-BE49-F238E27FC236}">
+                <a16:creationId xmlns:a16="http://schemas.microsoft.com/office/drawing/2014/main" id="{C8B0B8CE-0459-4AD6-8574-95B4674D0FB6}"/>
+              </a:ext>
+            </a:extLst>
+          </p:cNvPr>
+          <p:cNvCxnSpPr>
+            <a:cxnSpLocks/>
+            <a:stCxn id="16" idx="2"/>
+            <a:endCxn id="19" idx="2"/>
+          </p:cNvCxnSpPr>
+          <p:nvPr/>
+        </p:nvCxnSpPr>
+        <p:spPr>
+          <a:xfrm>
+            <a:off x="1365613" y="1451610"/>
+            <a:ext cx="1839683" cy="277043"/>
+          </a:xfrm>
+          <a:prstGeom prst="line">
+            <a:avLst/>
+          </a:prstGeom>
+          <a:ln w="3175">
+            <a:prstDash val="dash"/>
+          </a:ln>
+        </p:spPr>
+        <p:style>
+          <a:lnRef idx="1">
+            <a:schemeClr val="accent1"/>
+          </a:lnRef>
+          <a:fillRef idx="0">
+            <a:schemeClr val="accent1"/>
+          </a:fillRef>
+          <a:effectRef idx="0">
+            <a:schemeClr val="accent1"/>
+          </a:effectRef>
+          <a:fontRef idx="minor">
+            <a:schemeClr val="tx1"/>
+          </a:fontRef>
+        </p:style>
+      </p:cxnSp>
+      <p:cxnSp>
+        <p:nvCxnSpPr>
+          <p:cNvPr id="32" name="Straight Connector 31">
+            <a:extLst>
+              <a:ext uri="{FF2B5EF4-FFF2-40B4-BE49-F238E27FC236}">
+                <a16:creationId xmlns:a16="http://schemas.microsoft.com/office/drawing/2014/main" id="{E78797FC-673C-4739-91A1-F47DA1E6EEF1}"/>
+              </a:ext>
+            </a:extLst>
+          </p:cNvPr>
+          <p:cNvCxnSpPr>
+            <a:cxnSpLocks/>
+            <a:stCxn id="16" idx="1"/>
+            <a:endCxn id="19" idx="1"/>
+          </p:cNvCxnSpPr>
+          <p:nvPr/>
+        </p:nvCxnSpPr>
+        <p:spPr>
+          <a:xfrm>
+            <a:off x="1100546" y="1186543"/>
+            <a:ext cx="1839683" cy="277043"/>
+          </a:xfrm>
+          <a:prstGeom prst="line">
+            <a:avLst/>
+          </a:prstGeom>
+          <a:ln w="3175">
+            <a:prstDash val="dash"/>
+          </a:ln>
+        </p:spPr>
+        <p:style>
+          <a:lnRef idx="1">
+            <a:schemeClr val="accent1"/>
+          </a:lnRef>
+          <a:fillRef idx="0">
+            <a:schemeClr val="accent1"/>
+          </a:fillRef>
+          <a:effectRef idx="0">
+            <a:schemeClr val="accent1"/>
+          </a:effectRef>
+          <a:fontRef idx="minor">
+            <a:schemeClr val="tx1"/>
+          </a:fontRef>
+        </p:style>
+      </p:cxnSp>
+    </p:spTree>
+    <p:extLst>
+      <p:ext uri="{BB962C8B-B14F-4D97-AF65-F5344CB8AC3E}">
+        <p14:creationId xmlns:p14="http://schemas.microsoft.com/office/powerpoint/2010/main" val="2623544081"/>
+      </p:ext>
+    </p:extLst>
+  </p:cSld>
+  <p:clrMapOvr>
+    <a:masterClrMapping/>
+  </p:clrMapOvr>
+</p:sld>
+</file>
+
 <file path=ppt/theme/theme1.xml><?xml version="1.0" encoding="utf-8"?>
 <a:theme xmlns:a="http://schemas.openxmlformats.org/drawingml/2006/main" name="Office Theme">
   <a:themeElements>

--- a/Figuras/Figuras.pptx
+++ b/Figuras/Figuras.pptx
@@ -32372,8 +32372,8 @@
           </a:p>
         </p:txBody>
       </p:sp>
-      <mc:AlternateContent xmlns:mc="http://schemas.openxmlformats.org/markup-compatibility/2006">
-        <mc:Choice xmlns:a14="http://schemas.microsoft.com/office/drawing/2010/main" Requires="a14">
+      <mc:AlternateContent xmlns:mc="http://schemas.openxmlformats.org/markup-compatibility/2006" xmlns:a14="http://schemas.microsoft.com/office/drawing/2010/main">
+        <mc:Choice Requires="a14">
           <p:sp>
             <p:nvSpPr>
               <p:cNvPr id="331" name="TextBox 330">
@@ -32448,7 +32448,7 @@
             </p:txBody>
           </p:sp>
         </mc:Choice>
-        <mc:Fallback>
+        <mc:Fallback xmlns="">
           <p:sp>
             <p:nvSpPr>
               <p:cNvPr id="331" name="TextBox 330">
@@ -35690,6 +35690,5536 @@
           </a:p>
         </p:txBody>
       </p:sp>
+      <p:sp>
+        <p:nvSpPr>
+          <p:cNvPr id="2" name="Rectangle: Rounded Corners 1">
+            <a:extLst>
+              <a:ext uri="{FF2B5EF4-FFF2-40B4-BE49-F238E27FC236}">
+                <a16:creationId xmlns:a16="http://schemas.microsoft.com/office/drawing/2014/main" id="{5B5BE384-F8E0-4CA8-A9CE-C05E5C7FD168}"/>
+              </a:ext>
+            </a:extLst>
+          </p:cNvPr>
+          <p:cNvSpPr/>
+          <p:nvPr/>
+        </p:nvSpPr>
+        <p:spPr>
+          <a:xfrm>
+            <a:off x="212609" y="2912566"/>
+            <a:ext cx="2762999" cy="2696392"/>
+          </a:xfrm>
+          <a:prstGeom prst="roundRect">
+            <a:avLst>
+              <a:gd name="adj" fmla="val 10182"/>
+            </a:avLst>
+          </a:prstGeom>
+          <a:solidFill>
+            <a:srgbClr val="5B9BD5">
+              <a:alpha val="30196"/>
+            </a:srgbClr>
+          </a:solidFill>
+        </p:spPr>
+        <p:style>
+          <a:lnRef idx="2">
+            <a:schemeClr val="accent5">
+              <a:shade val="50000"/>
+            </a:schemeClr>
+          </a:lnRef>
+          <a:fillRef idx="1">
+            <a:schemeClr val="accent5"/>
+          </a:fillRef>
+          <a:effectRef idx="0">
+            <a:schemeClr val="accent5"/>
+          </a:effectRef>
+          <a:fontRef idx="minor">
+            <a:schemeClr val="lt1"/>
+          </a:fontRef>
+        </p:style>
+        <p:txBody>
+          <a:bodyPr rtlCol="0" anchor="ctr"/>
+          <a:lstStyle/>
+          <a:p>
+            <a:pPr algn="ctr"/>
+            <a:endParaRPr lang="pt-BR"/>
+          </a:p>
+        </p:txBody>
+      </p:sp>
+      <p:pic>
+        <p:nvPicPr>
+          <p:cNvPr id="25" name="Picture 24">
+            <a:extLst>
+              <a:ext uri="{FF2B5EF4-FFF2-40B4-BE49-F238E27FC236}">
+                <a16:creationId xmlns:a16="http://schemas.microsoft.com/office/drawing/2014/main" id="{6029A352-D9C9-4BC2-A1FD-2074B576164A}"/>
+              </a:ext>
+            </a:extLst>
+          </p:cNvPr>
+          <p:cNvPicPr>
+            <a:picLocks noChangeAspect="1"/>
+          </p:cNvPicPr>
+          <p:nvPr/>
+        </p:nvPicPr>
+        <p:blipFill>
+          <a:blip r:embed="rId2">
+            <a:clrChange>
+              <a:clrFrom>
+                <a:srgbClr val="FFFFFF"/>
+              </a:clrFrom>
+              <a:clrTo>
+                <a:srgbClr val="FFFFFF">
+                  <a:alpha val="0"/>
+                </a:srgbClr>
+              </a:clrTo>
+            </a:clrChange>
+          </a:blip>
+          <a:stretch>
+            <a:fillRect/>
+          </a:stretch>
+        </p:blipFill>
+        <p:spPr>
+          <a:xfrm>
+            <a:off x="301276" y="3076790"/>
+            <a:ext cx="2590800" cy="2333625"/>
+          </a:xfrm>
+          <a:prstGeom prst="rect">
+            <a:avLst/>
+          </a:prstGeom>
+        </p:spPr>
+      </p:pic>
+      <p:sp>
+        <p:nvSpPr>
+          <p:cNvPr id="26" name="Rectangle: Rounded Corners 25">
+            <a:extLst>
+              <a:ext uri="{FF2B5EF4-FFF2-40B4-BE49-F238E27FC236}">
+                <a16:creationId xmlns:a16="http://schemas.microsoft.com/office/drawing/2014/main" id="{283B0603-A86F-483C-8CF3-9B8EE40D9F81}"/>
+              </a:ext>
+            </a:extLst>
+          </p:cNvPr>
+          <p:cNvSpPr/>
+          <p:nvPr/>
+        </p:nvSpPr>
+        <p:spPr>
+          <a:xfrm>
+            <a:off x="1835939" y="2912566"/>
+            <a:ext cx="1139669" cy="1048404"/>
+          </a:xfrm>
+          <a:prstGeom prst="roundRect">
+            <a:avLst>
+              <a:gd name="adj" fmla="val 28319"/>
+            </a:avLst>
+          </a:prstGeom>
+          <a:solidFill>
+            <a:srgbClr val="00B050">
+              <a:alpha val="30196"/>
+            </a:srgbClr>
+          </a:solidFill>
+          <a:ln>
+            <a:solidFill>
+              <a:schemeClr val="accent6">
+                <a:lumMod val="75000"/>
+              </a:schemeClr>
+            </a:solidFill>
+          </a:ln>
+        </p:spPr>
+        <p:style>
+          <a:lnRef idx="2">
+            <a:schemeClr val="accent5">
+              <a:shade val="50000"/>
+            </a:schemeClr>
+          </a:lnRef>
+          <a:fillRef idx="1">
+            <a:schemeClr val="accent5"/>
+          </a:fillRef>
+          <a:effectRef idx="0">
+            <a:schemeClr val="accent5"/>
+          </a:effectRef>
+          <a:fontRef idx="minor">
+            <a:schemeClr val="lt1"/>
+          </a:fontRef>
+        </p:style>
+        <p:txBody>
+          <a:bodyPr rtlCol="0" anchor="ctr"/>
+          <a:lstStyle/>
+          <a:p>
+            <a:pPr algn="ctr"/>
+            <a:endParaRPr lang="pt-BR"/>
+          </a:p>
+        </p:txBody>
+      </p:sp>
+      <p:grpSp>
+        <p:nvGrpSpPr>
+          <p:cNvPr id="55" name="Group 54">
+            <a:extLst>
+              <a:ext uri="{FF2B5EF4-FFF2-40B4-BE49-F238E27FC236}">
+                <a16:creationId xmlns:a16="http://schemas.microsoft.com/office/drawing/2014/main" id="{C894A28C-4628-45A9-A7D6-FABAD0CFD056}"/>
+              </a:ext>
+            </a:extLst>
+          </p:cNvPr>
+          <p:cNvGrpSpPr/>
+          <p:nvPr/>
+        </p:nvGrpSpPr>
+        <p:grpSpPr>
+          <a:xfrm>
+            <a:off x="6603980" y="2866678"/>
+            <a:ext cx="171773" cy="839839"/>
+            <a:chOff x="2734490" y="1193074"/>
+            <a:chExt cx="687978" cy="3363687"/>
+          </a:xfrm>
+        </p:grpSpPr>
+        <p:sp>
+          <p:nvSpPr>
+            <p:cNvPr id="56" name="Oval 55">
+              <a:extLst>
+                <a:ext uri="{FF2B5EF4-FFF2-40B4-BE49-F238E27FC236}">
+                  <a16:creationId xmlns:a16="http://schemas.microsoft.com/office/drawing/2014/main" id="{CBC57AE3-5EFF-4227-907D-327EFC330341}"/>
+                </a:ext>
+              </a:extLst>
+            </p:cNvPr>
+            <p:cNvSpPr/>
+            <p:nvPr/>
+          </p:nvSpPr>
+          <p:spPr>
+            <a:xfrm>
+              <a:off x="2734490" y="1193074"/>
+              <a:ext cx="687977" cy="687977"/>
+            </a:xfrm>
+            <a:prstGeom prst="ellipse">
+              <a:avLst/>
+            </a:prstGeom>
+          </p:spPr>
+          <p:style>
+            <a:lnRef idx="2">
+              <a:schemeClr val="accent1">
+                <a:shade val="50000"/>
+              </a:schemeClr>
+            </a:lnRef>
+            <a:fillRef idx="1">
+              <a:schemeClr val="accent1"/>
+            </a:fillRef>
+            <a:effectRef idx="0">
+              <a:schemeClr val="accent1"/>
+            </a:effectRef>
+            <a:fontRef idx="minor">
+              <a:schemeClr val="lt1"/>
+            </a:fontRef>
+          </p:style>
+          <p:txBody>
+            <a:bodyPr rtlCol="0" anchor="ctr"/>
+            <a:lstStyle/>
+            <a:p>
+              <a:pPr algn="ctr"/>
+              <a:endParaRPr lang="pt-BR"/>
+            </a:p>
+          </p:txBody>
+        </p:sp>
+        <p:sp>
+          <p:nvSpPr>
+            <p:cNvPr id="57" name="Oval 56">
+              <a:extLst>
+                <a:ext uri="{FF2B5EF4-FFF2-40B4-BE49-F238E27FC236}">
+                  <a16:creationId xmlns:a16="http://schemas.microsoft.com/office/drawing/2014/main" id="{20D987ED-8541-4E17-A088-D954466C0B5A}"/>
+                </a:ext>
+              </a:extLst>
+            </p:cNvPr>
+            <p:cNvSpPr/>
+            <p:nvPr/>
+          </p:nvSpPr>
+          <p:spPr>
+            <a:xfrm>
+              <a:off x="2734491" y="2084977"/>
+              <a:ext cx="687977" cy="687977"/>
+            </a:xfrm>
+            <a:prstGeom prst="ellipse">
+              <a:avLst/>
+            </a:prstGeom>
+          </p:spPr>
+          <p:style>
+            <a:lnRef idx="2">
+              <a:schemeClr val="accent1">
+                <a:shade val="50000"/>
+              </a:schemeClr>
+            </a:lnRef>
+            <a:fillRef idx="1">
+              <a:schemeClr val="accent1"/>
+            </a:fillRef>
+            <a:effectRef idx="0">
+              <a:schemeClr val="accent1"/>
+            </a:effectRef>
+            <a:fontRef idx="minor">
+              <a:schemeClr val="lt1"/>
+            </a:fontRef>
+          </p:style>
+          <p:txBody>
+            <a:bodyPr rtlCol="0" anchor="ctr"/>
+            <a:lstStyle/>
+            <a:p>
+              <a:pPr algn="ctr"/>
+              <a:endParaRPr lang="pt-BR"/>
+            </a:p>
+          </p:txBody>
+        </p:sp>
+        <p:sp>
+          <p:nvSpPr>
+            <p:cNvPr id="58" name="Oval 57">
+              <a:extLst>
+                <a:ext uri="{FF2B5EF4-FFF2-40B4-BE49-F238E27FC236}">
+                  <a16:creationId xmlns:a16="http://schemas.microsoft.com/office/drawing/2014/main" id="{E1CF155E-E82E-4816-8F98-5689E2E23CA0}"/>
+                </a:ext>
+              </a:extLst>
+            </p:cNvPr>
+            <p:cNvSpPr/>
+            <p:nvPr/>
+          </p:nvSpPr>
+          <p:spPr>
+            <a:xfrm>
+              <a:off x="2734491" y="2976880"/>
+              <a:ext cx="687977" cy="687977"/>
+            </a:xfrm>
+            <a:prstGeom prst="ellipse">
+              <a:avLst/>
+            </a:prstGeom>
+          </p:spPr>
+          <p:style>
+            <a:lnRef idx="2">
+              <a:schemeClr val="accent1">
+                <a:shade val="50000"/>
+              </a:schemeClr>
+            </a:lnRef>
+            <a:fillRef idx="1">
+              <a:schemeClr val="accent1"/>
+            </a:fillRef>
+            <a:effectRef idx="0">
+              <a:schemeClr val="accent1"/>
+            </a:effectRef>
+            <a:fontRef idx="minor">
+              <a:schemeClr val="lt1"/>
+            </a:fontRef>
+          </p:style>
+          <p:txBody>
+            <a:bodyPr rtlCol="0" anchor="ctr"/>
+            <a:lstStyle/>
+            <a:p>
+              <a:pPr algn="ctr"/>
+              <a:endParaRPr lang="pt-BR"/>
+            </a:p>
+          </p:txBody>
+        </p:sp>
+        <p:sp>
+          <p:nvSpPr>
+            <p:cNvPr id="59" name="Oval 58">
+              <a:extLst>
+                <a:ext uri="{FF2B5EF4-FFF2-40B4-BE49-F238E27FC236}">
+                  <a16:creationId xmlns:a16="http://schemas.microsoft.com/office/drawing/2014/main" id="{0526B2AA-D318-463C-A587-EA3802C6DA88}"/>
+                </a:ext>
+              </a:extLst>
+            </p:cNvPr>
+            <p:cNvSpPr/>
+            <p:nvPr/>
+          </p:nvSpPr>
+          <p:spPr>
+            <a:xfrm>
+              <a:off x="2734491" y="3868784"/>
+              <a:ext cx="687977" cy="687977"/>
+            </a:xfrm>
+            <a:prstGeom prst="ellipse">
+              <a:avLst/>
+            </a:prstGeom>
+          </p:spPr>
+          <p:style>
+            <a:lnRef idx="2">
+              <a:schemeClr val="accent1">
+                <a:shade val="50000"/>
+              </a:schemeClr>
+            </a:lnRef>
+            <a:fillRef idx="1">
+              <a:schemeClr val="accent1"/>
+            </a:fillRef>
+            <a:effectRef idx="0">
+              <a:schemeClr val="accent1"/>
+            </a:effectRef>
+            <a:fontRef idx="minor">
+              <a:schemeClr val="lt1"/>
+            </a:fontRef>
+          </p:style>
+          <p:txBody>
+            <a:bodyPr rtlCol="0" anchor="ctr"/>
+            <a:lstStyle/>
+            <a:p>
+              <a:pPr algn="ctr"/>
+              <a:endParaRPr lang="pt-BR"/>
+            </a:p>
+          </p:txBody>
+        </p:sp>
+      </p:grpSp>
+      <p:sp>
+        <p:nvSpPr>
+          <p:cNvPr id="61" name="Oval 60">
+            <a:extLst>
+              <a:ext uri="{FF2B5EF4-FFF2-40B4-BE49-F238E27FC236}">
+                <a16:creationId xmlns:a16="http://schemas.microsoft.com/office/drawing/2014/main" id="{EC305492-046F-4359-8476-3D90E7BC7402}"/>
+              </a:ext>
+            </a:extLst>
+          </p:cNvPr>
+          <p:cNvSpPr/>
+          <p:nvPr/>
+        </p:nvSpPr>
+        <p:spPr>
+          <a:xfrm>
+            <a:off x="7894344" y="3028156"/>
+            <a:ext cx="311869" cy="311869"/>
+          </a:xfrm>
+          <a:prstGeom prst="ellipse">
+            <a:avLst/>
+          </a:prstGeom>
+        </p:spPr>
+        <p:style>
+          <a:lnRef idx="2">
+            <a:schemeClr val="accent6">
+              <a:shade val="50000"/>
+            </a:schemeClr>
+          </a:lnRef>
+          <a:fillRef idx="1">
+            <a:schemeClr val="accent6"/>
+          </a:fillRef>
+          <a:effectRef idx="0">
+            <a:schemeClr val="accent6"/>
+          </a:effectRef>
+          <a:fontRef idx="minor">
+            <a:schemeClr val="lt1"/>
+          </a:fontRef>
+        </p:style>
+        <p:txBody>
+          <a:bodyPr rtlCol="0" anchor="ctr"/>
+          <a:lstStyle/>
+          <a:p>
+            <a:pPr algn="ctr"/>
+            <a:endParaRPr lang="pt-BR"/>
+          </a:p>
+        </p:txBody>
+      </p:sp>
+      <p:sp>
+        <p:nvSpPr>
+          <p:cNvPr id="62" name="Oval 61">
+            <a:extLst>
+              <a:ext uri="{FF2B5EF4-FFF2-40B4-BE49-F238E27FC236}">
+                <a16:creationId xmlns:a16="http://schemas.microsoft.com/office/drawing/2014/main" id="{EEA95DA6-4B4C-47A6-85CC-7D4C414202E4}"/>
+              </a:ext>
+            </a:extLst>
+          </p:cNvPr>
+          <p:cNvSpPr/>
+          <p:nvPr/>
+        </p:nvSpPr>
+        <p:spPr>
+          <a:xfrm>
+            <a:off x="7894344" y="4838953"/>
+            <a:ext cx="311869" cy="311869"/>
+          </a:xfrm>
+          <a:prstGeom prst="ellipse">
+            <a:avLst/>
+          </a:prstGeom>
+        </p:spPr>
+        <p:style>
+          <a:lnRef idx="2">
+            <a:schemeClr val="accent6">
+              <a:shade val="50000"/>
+            </a:schemeClr>
+          </a:lnRef>
+          <a:fillRef idx="1">
+            <a:schemeClr val="accent6"/>
+          </a:fillRef>
+          <a:effectRef idx="0">
+            <a:schemeClr val="accent6"/>
+          </a:effectRef>
+          <a:fontRef idx="minor">
+            <a:schemeClr val="lt1"/>
+          </a:fontRef>
+        </p:style>
+        <p:txBody>
+          <a:bodyPr rtlCol="0" anchor="ctr"/>
+          <a:lstStyle/>
+          <a:p>
+            <a:pPr algn="ctr"/>
+            <a:endParaRPr lang="pt-BR"/>
+          </a:p>
+        </p:txBody>
+      </p:sp>
+      <mc:AlternateContent xmlns:mc="http://schemas.openxmlformats.org/markup-compatibility/2006">
+        <mc:Choice xmlns:a14="http://schemas.microsoft.com/office/drawing/2010/main" Requires="a14">
+          <p:sp>
+            <p:nvSpPr>
+              <p:cNvPr id="81" name="TextBox 80">
+                <a:extLst>
+                  <a:ext uri="{FF2B5EF4-FFF2-40B4-BE49-F238E27FC236}">
+                    <a16:creationId xmlns:a16="http://schemas.microsoft.com/office/drawing/2014/main" id="{C282B8BA-4F9C-45F7-A63F-E9B0590B3C48}"/>
+                  </a:ext>
+                </a:extLst>
+              </p:cNvPr>
+              <p:cNvSpPr txBox="1"/>
+              <p:nvPr/>
+            </p:nvSpPr>
+            <p:spPr>
+              <a:xfrm>
+                <a:off x="1897828" y="3204807"/>
+                <a:ext cx="433908" cy="307777"/>
+              </a:xfrm>
+              <a:prstGeom prst="rect">
+                <a:avLst/>
+              </a:prstGeom>
+              <a:noFill/>
+            </p:spPr>
+            <p:txBody>
+              <a:bodyPr wrap="square" rtlCol="0">
+                <a:spAutoFit/>
+              </a:bodyPr>
+              <a:lstStyle/>
+              <a:p>
+                <a14:m>
+                  <m:oMathPara xmlns:m="http://schemas.openxmlformats.org/officeDocument/2006/math">
+                    <m:oMathParaPr>
+                      <m:jc m:val="centerGroup"/>
+                    </m:oMathParaPr>
+                    <m:oMath xmlns:m="http://schemas.openxmlformats.org/officeDocument/2006/math">
+                      <m:sSub>
+                        <m:sSubPr>
+                          <m:ctrlPr>
+                            <a:rPr lang="pt-BR" sz="1400" b="0" i="1" smtClean="0">
+                              <a:solidFill>
+                                <a:schemeClr val="accent4">
+                                  <a:lumMod val="20000"/>
+                                  <a:lumOff val="80000"/>
+                                </a:schemeClr>
+                              </a:solidFill>
+                              <a:latin typeface="Cambria Math" panose="02040503050406030204" pitchFamily="18" charset="0"/>
+                            </a:rPr>
+                          </m:ctrlPr>
+                        </m:sSubPr>
+                        <m:e>
+                          <m:r>
+                            <a:rPr lang="pt-BR" sz="1400" b="0" i="1" smtClean="0">
+                              <a:solidFill>
+                                <a:schemeClr val="accent4">
+                                  <a:lumMod val="20000"/>
+                                  <a:lumOff val="80000"/>
+                                </a:schemeClr>
+                              </a:solidFill>
+                              <a:latin typeface="Cambria Math" panose="02040503050406030204" pitchFamily="18" charset="0"/>
+                            </a:rPr>
+                            <m:t>𝑤</m:t>
+                          </m:r>
+                        </m:e>
+                        <m:sub>
+                          <m:r>
+                            <a:rPr lang="pt-BR" sz="1400" b="0" i="1" smtClean="0">
+                              <a:solidFill>
+                                <a:schemeClr val="accent4">
+                                  <a:lumMod val="20000"/>
+                                  <a:lumOff val="80000"/>
+                                </a:schemeClr>
+                              </a:solidFill>
+                              <a:latin typeface="Cambria Math" panose="02040503050406030204" pitchFamily="18" charset="0"/>
+                            </a:rPr>
+                            <m:t>1</m:t>
+                          </m:r>
+                        </m:sub>
+                      </m:sSub>
+                    </m:oMath>
+                  </m:oMathPara>
+                </a14:m>
+                <a:endParaRPr lang="pt-BR" dirty="0">
+                  <a:solidFill>
+                    <a:schemeClr val="accent4">
+                      <a:lumMod val="20000"/>
+                      <a:lumOff val="80000"/>
+                    </a:schemeClr>
+                  </a:solidFill>
+                </a:endParaRPr>
+              </a:p>
+            </p:txBody>
+          </p:sp>
+        </mc:Choice>
+        <mc:Fallback>
+          <p:sp>
+            <p:nvSpPr>
+              <p:cNvPr id="81" name="TextBox 80">
+                <a:extLst>
+                  <a:ext uri="{FF2B5EF4-FFF2-40B4-BE49-F238E27FC236}">
+                    <a16:creationId xmlns:a16="http://schemas.microsoft.com/office/drawing/2014/main" id="{C282B8BA-4F9C-45F7-A63F-E9B0590B3C48}"/>
+                  </a:ext>
+                </a:extLst>
+              </p:cNvPr>
+              <p:cNvSpPr txBox="1">
+                <a:spLocks noRot="1" noChangeAspect="1" noMove="1" noResize="1" noEditPoints="1" noAdjustHandles="1" noChangeArrowheads="1" noChangeShapeType="1" noTextEdit="1"/>
+              </p:cNvSpPr>
+              <p:nvPr/>
+            </p:nvSpPr>
+            <p:spPr>
+              <a:xfrm>
+                <a:off x="1897828" y="3204807"/>
+                <a:ext cx="433908" cy="307777"/>
+              </a:xfrm>
+              <a:prstGeom prst="rect">
+                <a:avLst/>
+              </a:prstGeom>
+              <a:blipFill>
+                <a:blip r:embed="rId3"/>
+                <a:stretch>
+                  <a:fillRect/>
+                </a:stretch>
+              </a:blipFill>
+            </p:spPr>
+            <p:txBody>
+              <a:bodyPr/>
+              <a:lstStyle/>
+              <a:p>
+                <a:r>
+                  <a:rPr lang="pt-BR">
+                    <a:noFill/>
+                  </a:rPr>
+                  <a:t> </a:t>
+                </a:r>
+              </a:p>
+            </p:txBody>
+          </p:sp>
+        </mc:Fallback>
+      </mc:AlternateContent>
+      <mc:AlternateContent xmlns:mc="http://schemas.openxmlformats.org/markup-compatibility/2006">
+        <mc:Choice xmlns:a14="http://schemas.microsoft.com/office/drawing/2010/main" Requires="a14">
+          <p:sp>
+            <p:nvSpPr>
+              <p:cNvPr id="82" name="TextBox 81">
+                <a:extLst>
+                  <a:ext uri="{FF2B5EF4-FFF2-40B4-BE49-F238E27FC236}">
+                    <a16:creationId xmlns:a16="http://schemas.microsoft.com/office/drawing/2014/main" id="{4D48AA17-CB9A-465C-83C5-3DA515788F6C}"/>
+                  </a:ext>
+                </a:extLst>
+              </p:cNvPr>
+              <p:cNvSpPr txBox="1"/>
+              <p:nvPr/>
+            </p:nvSpPr>
+            <p:spPr>
+              <a:xfrm>
+                <a:off x="2458168" y="3216430"/>
+                <a:ext cx="433908" cy="307777"/>
+              </a:xfrm>
+              <a:prstGeom prst="rect">
+                <a:avLst/>
+              </a:prstGeom>
+              <a:noFill/>
+            </p:spPr>
+            <p:txBody>
+              <a:bodyPr wrap="square" rtlCol="0">
+                <a:spAutoFit/>
+              </a:bodyPr>
+              <a:lstStyle/>
+              <a:p>
+                <a14:m>
+                  <m:oMathPara xmlns:m="http://schemas.openxmlformats.org/officeDocument/2006/math">
+                    <m:oMathParaPr>
+                      <m:jc m:val="centerGroup"/>
+                    </m:oMathParaPr>
+                    <m:oMath xmlns:m="http://schemas.openxmlformats.org/officeDocument/2006/math">
+                      <m:sSub>
+                        <m:sSubPr>
+                          <m:ctrlPr>
+                            <a:rPr lang="pt-BR" sz="1400" b="0" i="1" smtClean="0">
+                              <a:solidFill>
+                                <a:schemeClr val="accent4">
+                                  <a:lumMod val="20000"/>
+                                  <a:lumOff val="80000"/>
+                                </a:schemeClr>
+                              </a:solidFill>
+                              <a:latin typeface="Cambria Math" panose="02040503050406030204" pitchFamily="18" charset="0"/>
+                            </a:rPr>
+                          </m:ctrlPr>
+                        </m:sSubPr>
+                        <m:e>
+                          <m:r>
+                            <a:rPr lang="pt-BR" sz="1400" b="0" i="1" smtClean="0">
+                              <a:solidFill>
+                                <a:schemeClr val="accent4">
+                                  <a:lumMod val="20000"/>
+                                  <a:lumOff val="80000"/>
+                                </a:schemeClr>
+                              </a:solidFill>
+                              <a:latin typeface="Cambria Math" panose="02040503050406030204" pitchFamily="18" charset="0"/>
+                            </a:rPr>
+                            <m:t>𝑤</m:t>
+                          </m:r>
+                        </m:e>
+                        <m:sub>
+                          <m:r>
+                            <a:rPr lang="pt-BR" sz="1400" b="0" i="1" smtClean="0">
+                              <a:solidFill>
+                                <a:schemeClr val="accent4">
+                                  <a:lumMod val="20000"/>
+                                  <a:lumOff val="80000"/>
+                                </a:schemeClr>
+                              </a:solidFill>
+                              <a:latin typeface="Cambria Math" panose="02040503050406030204" pitchFamily="18" charset="0"/>
+                            </a:rPr>
+                            <m:t>2</m:t>
+                          </m:r>
+                        </m:sub>
+                      </m:sSub>
+                    </m:oMath>
+                  </m:oMathPara>
+                </a14:m>
+                <a:endParaRPr lang="pt-BR" dirty="0">
+                  <a:solidFill>
+                    <a:schemeClr val="accent4">
+                      <a:lumMod val="20000"/>
+                      <a:lumOff val="80000"/>
+                    </a:schemeClr>
+                  </a:solidFill>
+                </a:endParaRPr>
+              </a:p>
+            </p:txBody>
+          </p:sp>
+        </mc:Choice>
+        <mc:Fallback>
+          <p:sp>
+            <p:nvSpPr>
+              <p:cNvPr id="82" name="TextBox 81">
+                <a:extLst>
+                  <a:ext uri="{FF2B5EF4-FFF2-40B4-BE49-F238E27FC236}">
+                    <a16:creationId xmlns:a16="http://schemas.microsoft.com/office/drawing/2014/main" id="{4D48AA17-CB9A-465C-83C5-3DA515788F6C}"/>
+                  </a:ext>
+                </a:extLst>
+              </p:cNvPr>
+              <p:cNvSpPr txBox="1">
+                <a:spLocks noRot="1" noChangeAspect="1" noMove="1" noResize="1" noEditPoints="1" noAdjustHandles="1" noChangeArrowheads="1" noChangeShapeType="1" noTextEdit="1"/>
+              </p:cNvSpPr>
+              <p:nvPr/>
+            </p:nvSpPr>
+            <p:spPr>
+              <a:xfrm>
+                <a:off x="2458168" y="3216430"/>
+                <a:ext cx="433908" cy="307777"/>
+              </a:xfrm>
+              <a:prstGeom prst="rect">
+                <a:avLst/>
+              </a:prstGeom>
+              <a:blipFill>
+                <a:blip r:embed="rId4"/>
+                <a:stretch>
+                  <a:fillRect/>
+                </a:stretch>
+              </a:blipFill>
+            </p:spPr>
+            <p:txBody>
+              <a:bodyPr/>
+              <a:lstStyle/>
+              <a:p>
+                <a:r>
+                  <a:rPr lang="pt-BR">
+                    <a:noFill/>
+                  </a:rPr>
+                  <a:t> </a:t>
+                </a:r>
+              </a:p>
+            </p:txBody>
+          </p:sp>
+        </mc:Fallback>
+      </mc:AlternateContent>
+      <mc:AlternateContent xmlns:mc="http://schemas.openxmlformats.org/markup-compatibility/2006">
+        <mc:Choice xmlns:a14="http://schemas.microsoft.com/office/drawing/2010/main" Requires="a14">
+          <p:sp>
+            <p:nvSpPr>
+              <p:cNvPr id="83" name="TextBox 82">
+                <a:extLst>
+                  <a:ext uri="{FF2B5EF4-FFF2-40B4-BE49-F238E27FC236}">
+                    <a16:creationId xmlns:a16="http://schemas.microsoft.com/office/drawing/2014/main" id="{DFC48C8A-C12A-4EA5-9681-FBAA49FDBDB7}"/>
+                  </a:ext>
+                </a:extLst>
+              </p:cNvPr>
+              <p:cNvSpPr txBox="1"/>
+              <p:nvPr/>
+            </p:nvSpPr>
+            <p:spPr>
+              <a:xfrm>
+                <a:off x="1881081" y="3653193"/>
+                <a:ext cx="433908" cy="307777"/>
+              </a:xfrm>
+              <a:prstGeom prst="rect">
+                <a:avLst/>
+              </a:prstGeom>
+              <a:noFill/>
+            </p:spPr>
+            <p:txBody>
+              <a:bodyPr wrap="square" rtlCol="0">
+                <a:spAutoFit/>
+              </a:bodyPr>
+              <a:lstStyle/>
+              <a:p>
+                <a14:m>
+                  <m:oMathPara xmlns:m="http://schemas.openxmlformats.org/officeDocument/2006/math">
+                    <m:oMathParaPr>
+                      <m:jc m:val="centerGroup"/>
+                    </m:oMathParaPr>
+                    <m:oMath xmlns:m="http://schemas.openxmlformats.org/officeDocument/2006/math">
+                      <m:sSub>
+                        <m:sSubPr>
+                          <m:ctrlPr>
+                            <a:rPr lang="pt-BR" sz="1400" b="0" i="1" smtClean="0">
+                              <a:solidFill>
+                                <a:schemeClr val="accent4">
+                                  <a:lumMod val="20000"/>
+                                  <a:lumOff val="80000"/>
+                                </a:schemeClr>
+                              </a:solidFill>
+                              <a:latin typeface="Cambria Math" panose="02040503050406030204" pitchFamily="18" charset="0"/>
+                            </a:rPr>
+                          </m:ctrlPr>
+                        </m:sSubPr>
+                        <m:e>
+                          <m:r>
+                            <a:rPr lang="pt-BR" sz="1400" b="0" i="1" smtClean="0">
+                              <a:solidFill>
+                                <a:schemeClr val="accent4">
+                                  <a:lumMod val="20000"/>
+                                  <a:lumOff val="80000"/>
+                                </a:schemeClr>
+                              </a:solidFill>
+                              <a:latin typeface="Cambria Math" panose="02040503050406030204" pitchFamily="18" charset="0"/>
+                            </a:rPr>
+                            <m:t>𝑤</m:t>
+                          </m:r>
+                        </m:e>
+                        <m:sub>
+                          <m:r>
+                            <a:rPr lang="pt-BR" sz="1400" b="0" i="1" smtClean="0">
+                              <a:solidFill>
+                                <a:schemeClr val="accent4">
+                                  <a:lumMod val="20000"/>
+                                  <a:lumOff val="80000"/>
+                                </a:schemeClr>
+                              </a:solidFill>
+                              <a:latin typeface="Cambria Math" panose="02040503050406030204" pitchFamily="18" charset="0"/>
+                            </a:rPr>
+                            <m:t>3</m:t>
+                          </m:r>
+                        </m:sub>
+                      </m:sSub>
+                    </m:oMath>
+                  </m:oMathPara>
+                </a14:m>
+                <a:endParaRPr lang="pt-BR" dirty="0">
+                  <a:solidFill>
+                    <a:schemeClr val="accent4">
+                      <a:lumMod val="20000"/>
+                      <a:lumOff val="80000"/>
+                    </a:schemeClr>
+                  </a:solidFill>
+                </a:endParaRPr>
+              </a:p>
+            </p:txBody>
+          </p:sp>
+        </mc:Choice>
+        <mc:Fallback>
+          <p:sp>
+            <p:nvSpPr>
+              <p:cNvPr id="83" name="TextBox 82">
+                <a:extLst>
+                  <a:ext uri="{FF2B5EF4-FFF2-40B4-BE49-F238E27FC236}">
+                    <a16:creationId xmlns:a16="http://schemas.microsoft.com/office/drawing/2014/main" id="{DFC48C8A-C12A-4EA5-9681-FBAA49FDBDB7}"/>
+                  </a:ext>
+                </a:extLst>
+              </p:cNvPr>
+              <p:cNvSpPr txBox="1">
+                <a:spLocks noRot="1" noChangeAspect="1" noMove="1" noResize="1" noEditPoints="1" noAdjustHandles="1" noChangeArrowheads="1" noChangeShapeType="1" noTextEdit="1"/>
+              </p:cNvSpPr>
+              <p:nvPr/>
+            </p:nvSpPr>
+            <p:spPr>
+              <a:xfrm>
+                <a:off x="1881081" y="3653193"/>
+                <a:ext cx="433908" cy="307777"/>
+              </a:xfrm>
+              <a:prstGeom prst="rect">
+                <a:avLst/>
+              </a:prstGeom>
+              <a:blipFill>
+                <a:blip r:embed="rId5"/>
+                <a:stretch>
+                  <a:fillRect/>
+                </a:stretch>
+              </a:blipFill>
+            </p:spPr>
+            <p:txBody>
+              <a:bodyPr/>
+              <a:lstStyle/>
+              <a:p>
+                <a:r>
+                  <a:rPr lang="pt-BR">
+                    <a:noFill/>
+                  </a:rPr>
+                  <a:t> </a:t>
+                </a:r>
+              </a:p>
+            </p:txBody>
+          </p:sp>
+        </mc:Fallback>
+      </mc:AlternateContent>
+      <mc:AlternateContent xmlns:mc="http://schemas.openxmlformats.org/markup-compatibility/2006">
+        <mc:Choice xmlns:a14="http://schemas.microsoft.com/office/drawing/2010/main" Requires="a14">
+          <p:sp>
+            <p:nvSpPr>
+              <p:cNvPr id="84" name="TextBox 83">
+                <a:extLst>
+                  <a:ext uri="{FF2B5EF4-FFF2-40B4-BE49-F238E27FC236}">
+                    <a16:creationId xmlns:a16="http://schemas.microsoft.com/office/drawing/2014/main" id="{D6F4AF47-329F-41B1-8D49-B5D4210C97C8}"/>
+                  </a:ext>
+                </a:extLst>
+              </p:cNvPr>
+              <p:cNvSpPr txBox="1"/>
+              <p:nvPr/>
+            </p:nvSpPr>
+            <p:spPr>
+              <a:xfrm>
+                <a:off x="2446825" y="3688431"/>
+                <a:ext cx="433908" cy="307777"/>
+              </a:xfrm>
+              <a:prstGeom prst="rect">
+                <a:avLst/>
+              </a:prstGeom>
+              <a:noFill/>
+            </p:spPr>
+            <p:txBody>
+              <a:bodyPr wrap="square" rtlCol="0">
+                <a:spAutoFit/>
+              </a:bodyPr>
+              <a:lstStyle/>
+              <a:p>
+                <a14:m>
+                  <m:oMathPara xmlns:m="http://schemas.openxmlformats.org/officeDocument/2006/math">
+                    <m:oMathParaPr>
+                      <m:jc m:val="centerGroup"/>
+                    </m:oMathParaPr>
+                    <m:oMath xmlns:m="http://schemas.openxmlformats.org/officeDocument/2006/math">
+                      <m:sSub>
+                        <m:sSubPr>
+                          <m:ctrlPr>
+                            <a:rPr lang="pt-BR" sz="1400" b="0" i="1" smtClean="0">
+                              <a:solidFill>
+                                <a:schemeClr val="accent4">
+                                  <a:lumMod val="20000"/>
+                                  <a:lumOff val="80000"/>
+                                </a:schemeClr>
+                              </a:solidFill>
+                              <a:latin typeface="Cambria Math" panose="02040503050406030204" pitchFamily="18" charset="0"/>
+                            </a:rPr>
+                          </m:ctrlPr>
+                        </m:sSubPr>
+                        <m:e>
+                          <m:r>
+                            <a:rPr lang="pt-BR" sz="1400" b="0" i="1" smtClean="0">
+                              <a:solidFill>
+                                <a:schemeClr val="accent4">
+                                  <a:lumMod val="20000"/>
+                                  <a:lumOff val="80000"/>
+                                </a:schemeClr>
+                              </a:solidFill>
+                              <a:latin typeface="Cambria Math" panose="02040503050406030204" pitchFamily="18" charset="0"/>
+                            </a:rPr>
+                            <m:t>𝑤</m:t>
+                          </m:r>
+                        </m:e>
+                        <m:sub>
+                          <m:r>
+                            <a:rPr lang="pt-BR" sz="1400" b="0" i="1" smtClean="0">
+                              <a:solidFill>
+                                <a:schemeClr val="accent4">
+                                  <a:lumMod val="20000"/>
+                                  <a:lumOff val="80000"/>
+                                </a:schemeClr>
+                              </a:solidFill>
+                              <a:latin typeface="Cambria Math" panose="02040503050406030204" pitchFamily="18" charset="0"/>
+                            </a:rPr>
+                            <m:t>4</m:t>
+                          </m:r>
+                        </m:sub>
+                      </m:sSub>
+                    </m:oMath>
+                  </m:oMathPara>
+                </a14:m>
+                <a:endParaRPr lang="pt-BR" dirty="0">
+                  <a:solidFill>
+                    <a:schemeClr val="accent4">
+                      <a:lumMod val="20000"/>
+                      <a:lumOff val="80000"/>
+                    </a:schemeClr>
+                  </a:solidFill>
+                </a:endParaRPr>
+              </a:p>
+            </p:txBody>
+          </p:sp>
+        </mc:Choice>
+        <mc:Fallback>
+          <p:sp>
+            <p:nvSpPr>
+              <p:cNvPr id="84" name="TextBox 83">
+                <a:extLst>
+                  <a:ext uri="{FF2B5EF4-FFF2-40B4-BE49-F238E27FC236}">
+                    <a16:creationId xmlns:a16="http://schemas.microsoft.com/office/drawing/2014/main" id="{D6F4AF47-329F-41B1-8D49-B5D4210C97C8}"/>
+                  </a:ext>
+                </a:extLst>
+              </p:cNvPr>
+              <p:cNvSpPr txBox="1">
+                <a:spLocks noRot="1" noChangeAspect="1" noMove="1" noResize="1" noEditPoints="1" noAdjustHandles="1" noChangeArrowheads="1" noChangeShapeType="1" noTextEdit="1"/>
+              </p:cNvSpPr>
+              <p:nvPr/>
+            </p:nvSpPr>
+            <p:spPr>
+              <a:xfrm>
+                <a:off x="2446825" y="3688431"/>
+                <a:ext cx="433908" cy="307777"/>
+              </a:xfrm>
+              <a:prstGeom prst="rect">
+                <a:avLst/>
+              </a:prstGeom>
+              <a:blipFill>
+                <a:blip r:embed="rId6"/>
+                <a:stretch>
+                  <a:fillRect/>
+                </a:stretch>
+              </a:blipFill>
+            </p:spPr>
+            <p:txBody>
+              <a:bodyPr/>
+              <a:lstStyle/>
+              <a:p>
+                <a:r>
+                  <a:rPr lang="pt-BR">
+                    <a:noFill/>
+                  </a:rPr>
+                  <a:t> </a:t>
+                </a:r>
+              </a:p>
+            </p:txBody>
+          </p:sp>
+        </mc:Fallback>
+      </mc:AlternateContent>
+      <p:grpSp>
+        <p:nvGrpSpPr>
+          <p:cNvPr id="90" name="Group 89">
+            <a:extLst>
+              <a:ext uri="{FF2B5EF4-FFF2-40B4-BE49-F238E27FC236}">
+                <a16:creationId xmlns:a16="http://schemas.microsoft.com/office/drawing/2014/main" id="{1B6B3968-4734-41B9-A079-617BCAD4A776}"/>
+              </a:ext>
+            </a:extLst>
+          </p:cNvPr>
+          <p:cNvGrpSpPr/>
+          <p:nvPr/>
+        </p:nvGrpSpPr>
+        <p:grpSpPr>
+          <a:xfrm>
+            <a:off x="3185834" y="3399915"/>
+            <a:ext cx="2239110" cy="1667713"/>
+            <a:chOff x="3504742" y="3835152"/>
+            <a:chExt cx="2239110" cy="1667713"/>
+          </a:xfrm>
+        </p:grpSpPr>
+        <p:sp>
+          <p:nvSpPr>
+            <p:cNvPr id="85" name="Rectangle: Rounded Corners 84">
+              <a:extLst>
+                <a:ext uri="{FF2B5EF4-FFF2-40B4-BE49-F238E27FC236}">
+                  <a16:creationId xmlns:a16="http://schemas.microsoft.com/office/drawing/2014/main" id="{D1D73B41-ED06-4923-9632-F0B6F1F6C2BC}"/>
+                </a:ext>
+              </a:extLst>
+            </p:cNvPr>
+            <p:cNvSpPr/>
+            <p:nvPr/>
+          </p:nvSpPr>
+          <p:spPr>
+            <a:xfrm>
+              <a:off x="3504742" y="3835152"/>
+              <a:ext cx="2239110" cy="1667713"/>
+            </a:xfrm>
+            <a:prstGeom prst="roundRect">
+              <a:avLst>
+                <a:gd name="adj" fmla="val 10182"/>
+              </a:avLst>
+            </a:prstGeom>
+            <a:solidFill>
+              <a:schemeClr val="accent6">
+                <a:lumMod val="20000"/>
+                <a:lumOff val="80000"/>
+                <a:alpha val="30196"/>
+              </a:schemeClr>
+            </a:solidFill>
+          </p:spPr>
+          <p:style>
+            <a:lnRef idx="2">
+              <a:schemeClr val="accent5">
+                <a:shade val="50000"/>
+              </a:schemeClr>
+            </a:lnRef>
+            <a:fillRef idx="1">
+              <a:schemeClr val="accent5"/>
+            </a:fillRef>
+            <a:effectRef idx="0">
+              <a:schemeClr val="accent5"/>
+            </a:effectRef>
+            <a:fontRef idx="minor">
+              <a:schemeClr val="lt1"/>
+            </a:fontRef>
+          </p:style>
+          <p:txBody>
+            <a:bodyPr rtlCol="0" anchor="ctr"/>
+            <a:lstStyle/>
+            <a:p>
+              <a:pPr algn="ctr"/>
+              <a:endParaRPr lang="pt-BR" dirty="0"/>
+            </a:p>
+          </p:txBody>
+        </p:sp>
+        <p:pic>
+          <p:nvPicPr>
+            <p:cNvPr id="89" name="Picture 88">
+              <a:extLst>
+                <a:ext uri="{FF2B5EF4-FFF2-40B4-BE49-F238E27FC236}">
+                  <a16:creationId xmlns:a16="http://schemas.microsoft.com/office/drawing/2014/main" id="{E7690689-3C99-4F25-853A-8205B174520E}"/>
+                </a:ext>
+              </a:extLst>
+            </p:cNvPr>
+            <p:cNvPicPr>
+              <a:picLocks noChangeAspect="1"/>
+            </p:cNvPicPr>
+            <p:nvPr/>
+          </p:nvPicPr>
+          <p:blipFill>
+            <a:blip r:embed="rId7">
+              <a:clrChange>
+                <a:clrFrom>
+                  <a:srgbClr val="FFFFFF"/>
+                </a:clrFrom>
+                <a:clrTo>
+                  <a:srgbClr val="FFFFFF">
+                    <a:alpha val="0"/>
+                  </a:srgbClr>
+                </a:clrTo>
+              </a:clrChange>
+            </a:blip>
+            <a:stretch>
+              <a:fillRect/>
+            </a:stretch>
+          </p:blipFill>
+          <p:spPr>
+            <a:xfrm>
+              <a:off x="3558376" y="3972387"/>
+              <a:ext cx="2133600" cy="1447800"/>
+            </a:xfrm>
+            <a:prstGeom prst="rect">
+              <a:avLst/>
+            </a:prstGeom>
+          </p:spPr>
+        </p:pic>
+      </p:grpSp>
+      <p:sp>
+        <p:nvSpPr>
+          <p:cNvPr id="91" name="Rectangle: Rounded Corners 90">
+            <a:extLst>
+              <a:ext uri="{FF2B5EF4-FFF2-40B4-BE49-F238E27FC236}">
+                <a16:creationId xmlns:a16="http://schemas.microsoft.com/office/drawing/2014/main" id="{2E4C2016-D200-4084-8E1E-E06AA5756DA3}"/>
+              </a:ext>
+            </a:extLst>
+          </p:cNvPr>
+          <p:cNvSpPr/>
+          <p:nvPr/>
+        </p:nvSpPr>
+        <p:spPr>
+          <a:xfrm>
+            <a:off x="4856088" y="3455392"/>
+            <a:ext cx="411238" cy="389890"/>
+          </a:xfrm>
+          <a:prstGeom prst="roundRect">
+            <a:avLst>
+              <a:gd name="adj" fmla="val 28319"/>
+            </a:avLst>
+          </a:prstGeom>
+          <a:noFill/>
+          <a:ln>
+            <a:solidFill>
+              <a:schemeClr val="accent6">
+                <a:lumMod val="75000"/>
+              </a:schemeClr>
+            </a:solidFill>
+          </a:ln>
+        </p:spPr>
+        <p:style>
+          <a:lnRef idx="2">
+            <a:schemeClr val="accent5">
+              <a:shade val="50000"/>
+            </a:schemeClr>
+          </a:lnRef>
+          <a:fillRef idx="1">
+            <a:schemeClr val="accent5"/>
+          </a:fillRef>
+          <a:effectRef idx="0">
+            <a:schemeClr val="accent5"/>
+          </a:effectRef>
+          <a:fontRef idx="minor">
+            <a:schemeClr val="lt1"/>
+          </a:fontRef>
+        </p:style>
+        <p:txBody>
+          <a:bodyPr rtlCol="0" anchor="ctr"/>
+          <a:lstStyle/>
+          <a:p>
+            <a:pPr algn="ctr"/>
+            <a:endParaRPr lang="pt-BR"/>
+          </a:p>
+        </p:txBody>
+      </p:sp>
+      <p:cxnSp>
+        <p:nvCxnSpPr>
+          <p:cNvPr id="93" name="Connector: Elbow 92">
+            <a:extLst>
+              <a:ext uri="{FF2B5EF4-FFF2-40B4-BE49-F238E27FC236}">
+                <a16:creationId xmlns:a16="http://schemas.microsoft.com/office/drawing/2014/main" id="{23AEF3DF-4C0E-4C8A-88BE-8F066541A59A}"/>
+              </a:ext>
+            </a:extLst>
+          </p:cNvPr>
+          <p:cNvCxnSpPr>
+            <a:cxnSpLocks/>
+            <a:stCxn id="26" idx="0"/>
+            <a:endCxn id="91" idx="0"/>
+          </p:cNvCxnSpPr>
+          <p:nvPr/>
+        </p:nvCxnSpPr>
+        <p:spPr>
+          <a:xfrm rot="16200000" flipH="1">
+            <a:off x="3462327" y="1856013"/>
+            <a:ext cx="542826" cy="2655933"/>
+          </a:xfrm>
+          <a:prstGeom prst="bentConnector3">
+            <a:avLst>
+              <a:gd name="adj1" fmla="val -15946"/>
+            </a:avLst>
+          </a:prstGeom>
+          <a:ln w="28575">
+            <a:solidFill>
+              <a:schemeClr val="accent6">
+                <a:lumMod val="75000"/>
+              </a:schemeClr>
+            </a:solidFill>
+            <a:tailEnd type="triangle"/>
+          </a:ln>
+        </p:spPr>
+        <p:style>
+          <a:lnRef idx="1">
+            <a:schemeClr val="accent1"/>
+          </a:lnRef>
+          <a:fillRef idx="0">
+            <a:schemeClr val="accent1"/>
+          </a:fillRef>
+          <a:effectRef idx="0">
+            <a:schemeClr val="accent1"/>
+          </a:effectRef>
+          <a:fontRef idx="minor">
+            <a:schemeClr val="tx1"/>
+          </a:fontRef>
+        </p:style>
+      </p:cxnSp>
+      <p:sp>
+        <p:nvSpPr>
+          <p:cNvPr id="94" name="Equals 93">
+            <a:extLst>
+              <a:ext uri="{FF2B5EF4-FFF2-40B4-BE49-F238E27FC236}">
+                <a16:creationId xmlns:a16="http://schemas.microsoft.com/office/drawing/2014/main" id="{6E9B4BEE-FD53-466E-BD06-AA1F16B95D06}"/>
+              </a:ext>
+            </a:extLst>
+          </p:cNvPr>
+          <p:cNvSpPr/>
+          <p:nvPr/>
+        </p:nvSpPr>
+        <p:spPr>
+          <a:xfrm>
+            <a:off x="5428595" y="3848546"/>
+            <a:ext cx="908482" cy="790112"/>
+          </a:xfrm>
+          <a:prstGeom prst="mathEqual">
+            <a:avLst/>
+          </a:prstGeom>
+        </p:spPr>
+        <p:style>
+          <a:lnRef idx="2">
+            <a:schemeClr val="dk1">
+              <a:shade val="50000"/>
+            </a:schemeClr>
+          </a:lnRef>
+          <a:fillRef idx="1">
+            <a:schemeClr val="dk1"/>
+          </a:fillRef>
+          <a:effectRef idx="0">
+            <a:schemeClr val="dk1"/>
+          </a:effectRef>
+          <a:fontRef idx="minor">
+            <a:schemeClr val="lt1"/>
+          </a:fontRef>
+        </p:style>
+        <p:txBody>
+          <a:bodyPr rtlCol="0" anchor="ctr"/>
+          <a:lstStyle/>
+          <a:p>
+            <a:pPr algn="ctr"/>
+            <a:endParaRPr lang="pt-BR">
+              <a:solidFill>
+                <a:schemeClr val="tx1"/>
+              </a:solidFill>
+            </a:endParaRPr>
+          </a:p>
+        </p:txBody>
+      </p:sp>
+      <p:sp>
+        <p:nvSpPr>
+          <p:cNvPr id="95" name="Rectangle: Rounded Corners 94">
+            <a:extLst>
+              <a:ext uri="{FF2B5EF4-FFF2-40B4-BE49-F238E27FC236}">
+                <a16:creationId xmlns:a16="http://schemas.microsoft.com/office/drawing/2014/main" id="{EB214C94-E8FF-4AAF-9E3C-F46B9B12EAD4}"/>
+              </a:ext>
+            </a:extLst>
+          </p:cNvPr>
+          <p:cNvSpPr/>
+          <p:nvPr/>
+        </p:nvSpPr>
+        <p:spPr>
+          <a:xfrm>
+            <a:off x="1831619" y="4565296"/>
+            <a:ext cx="1139669" cy="1048404"/>
+          </a:xfrm>
+          <a:prstGeom prst="roundRect">
+            <a:avLst>
+              <a:gd name="adj" fmla="val 28319"/>
+            </a:avLst>
+          </a:prstGeom>
+          <a:solidFill>
+            <a:srgbClr val="00B050">
+              <a:alpha val="30196"/>
+            </a:srgbClr>
+          </a:solidFill>
+          <a:ln>
+            <a:solidFill>
+              <a:schemeClr val="accent6">
+                <a:lumMod val="75000"/>
+              </a:schemeClr>
+            </a:solidFill>
+          </a:ln>
+        </p:spPr>
+        <p:style>
+          <a:lnRef idx="2">
+            <a:schemeClr val="accent5">
+              <a:shade val="50000"/>
+            </a:schemeClr>
+          </a:lnRef>
+          <a:fillRef idx="1">
+            <a:schemeClr val="accent5"/>
+          </a:fillRef>
+          <a:effectRef idx="0">
+            <a:schemeClr val="accent5"/>
+          </a:effectRef>
+          <a:fontRef idx="minor">
+            <a:schemeClr val="lt1"/>
+          </a:fontRef>
+        </p:style>
+        <p:txBody>
+          <a:bodyPr rtlCol="0" anchor="ctr"/>
+          <a:lstStyle/>
+          <a:p>
+            <a:pPr algn="ctr"/>
+            <a:endParaRPr lang="pt-BR"/>
+          </a:p>
+        </p:txBody>
+      </p:sp>
+      <p:sp>
+        <p:nvSpPr>
+          <p:cNvPr id="96" name="Rectangle: Rounded Corners 95">
+            <a:extLst>
+              <a:ext uri="{FF2B5EF4-FFF2-40B4-BE49-F238E27FC236}">
+                <a16:creationId xmlns:a16="http://schemas.microsoft.com/office/drawing/2014/main" id="{C9879E3D-B60A-4491-ACD7-7A88370EEB9F}"/>
+              </a:ext>
+            </a:extLst>
+          </p:cNvPr>
+          <p:cNvSpPr/>
+          <p:nvPr/>
+        </p:nvSpPr>
+        <p:spPr>
+          <a:xfrm>
+            <a:off x="4915728" y="4595060"/>
+            <a:ext cx="411238" cy="389890"/>
+          </a:xfrm>
+          <a:prstGeom prst="roundRect">
+            <a:avLst>
+              <a:gd name="adj" fmla="val 28319"/>
+            </a:avLst>
+          </a:prstGeom>
+          <a:noFill/>
+          <a:ln>
+            <a:solidFill>
+              <a:schemeClr val="accent6">
+                <a:lumMod val="75000"/>
+              </a:schemeClr>
+            </a:solidFill>
+          </a:ln>
+        </p:spPr>
+        <p:style>
+          <a:lnRef idx="2">
+            <a:schemeClr val="accent5">
+              <a:shade val="50000"/>
+            </a:schemeClr>
+          </a:lnRef>
+          <a:fillRef idx="1">
+            <a:schemeClr val="accent5"/>
+          </a:fillRef>
+          <a:effectRef idx="0">
+            <a:schemeClr val="accent5"/>
+          </a:effectRef>
+          <a:fontRef idx="minor">
+            <a:schemeClr val="lt1"/>
+          </a:fontRef>
+        </p:style>
+        <p:txBody>
+          <a:bodyPr rtlCol="0" anchor="ctr"/>
+          <a:lstStyle/>
+          <a:p>
+            <a:pPr algn="ctr"/>
+            <a:endParaRPr lang="pt-BR"/>
+          </a:p>
+        </p:txBody>
+      </p:sp>
+      <p:cxnSp>
+        <p:nvCxnSpPr>
+          <p:cNvPr id="99" name="Connector: Elbow 98">
+            <a:extLst>
+              <a:ext uri="{FF2B5EF4-FFF2-40B4-BE49-F238E27FC236}">
+                <a16:creationId xmlns:a16="http://schemas.microsoft.com/office/drawing/2014/main" id="{B50A380A-7EA7-4FCA-8855-DDB3B8241395}"/>
+              </a:ext>
+            </a:extLst>
+          </p:cNvPr>
+          <p:cNvCxnSpPr>
+            <a:cxnSpLocks/>
+            <a:stCxn id="95" idx="2"/>
+            <a:endCxn id="96" idx="2"/>
+          </p:cNvCxnSpPr>
+          <p:nvPr/>
+        </p:nvCxnSpPr>
+        <p:spPr>
+          <a:xfrm rot="5400000" flipH="1" flipV="1">
+            <a:off x="3447025" y="3939378"/>
+            <a:ext cx="628750" cy="2719893"/>
+          </a:xfrm>
+          <a:prstGeom prst="bentConnector3">
+            <a:avLst>
+              <a:gd name="adj1" fmla="val -10943"/>
+            </a:avLst>
+          </a:prstGeom>
+          <a:ln w="28575">
+            <a:solidFill>
+              <a:schemeClr val="accent6">
+                <a:lumMod val="75000"/>
+              </a:schemeClr>
+            </a:solidFill>
+            <a:tailEnd type="triangle"/>
+          </a:ln>
+        </p:spPr>
+        <p:style>
+          <a:lnRef idx="1">
+            <a:schemeClr val="accent1"/>
+          </a:lnRef>
+          <a:fillRef idx="0">
+            <a:schemeClr val="accent1"/>
+          </a:fillRef>
+          <a:effectRef idx="0">
+            <a:schemeClr val="accent1"/>
+          </a:effectRef>
+          <a:fontRef idx="minor">
+            <a:schemeClr val="tx1"/>
+          </a:fontRef>
+        </p:style>
+      </p:cxnSp>
+      <mc:AlternateContent xmlns:mc="http://schemas.openxmlformats.org/markup-compatibility/2006">
+        <mc:Choice xmlns:a14="http://schemas.microsoft.com/office/drawing/2010/main" Requires="a14">
+          <p:sp>
+            <p:nvSpPr>
+              <p:cNvPr id="100" name="TextBox 99">
+                <a:extLst>
+                  <a:ext uri="{FF2B5EF4-FFF2-40B4-BE49-F238E27FC236}">
+                    <a16:creationId xmlns:a16="http://schemas.microsoft.com/office/drawing/2014/main" id="{E018FD19-EC3D-4E60-A119-949AA2A1C94E}"/>
+                  </a:ext>
+                </a:extLst>
+              </p:cNvPr>
+              <p:cNvSpPr txBox="1"/>
+              <p:nvPr/>
+            </p:nvSpPr>
+            <p:spPr>
+              <a:xfrm>
+                <a:off x="1929248" y="4743534"/>
+                <a:ext cx="433908" cy="307777"/>
+              </a:xfrm>
+              <a:prstGeom prst="rect">
+                <a:avLst/>
+              </a:prstGeom>
+              <a:noFill/>
+            </p:spPr>
+            <p:txBody>
+              <a:bodyPr wrap="square" rtlCol="0">
+                <a:spAutoFit/>
+              </a:bodyPr>
+              <a:lstStyle/>
+              <a:p>
+                <a14:m>
+                  <m:oMathPara xmlns:m="http://schemas.openxmlformats.org/officeDocument/2006/math">
+                    <m:oMathParaPr>
+                      <m:jc m:val="centerGroup"/>
+                    </m:oMathParaPr>
+                    <m:oMath xmlns:m="http://schemas.openxmlformats.org/officeDocument/2006/math">
+                      <m:sSub>
+                        <m:sSubPr>
+                          <m:ctrlPr>
+                            <a:rPr lang="pt-BR" sz="1400" b="0" i="1" smtClean="0">
+                              <a:solidFill>
+                                <a:schemeClr val="accent4">
+                                  <a:lumMod val="20000"/>
+                                  <a:lumOff val="80000"/>
+                                </a:schemeClr>
+                              </a:solidFill>
+                              <a:latin typeface="Cambria Math" panose="02040503050406030204" pitchFamily="18" charset="0"/>
+                            </a:rPr>
+                          </m:ctrlPr>
+                        </m:sSubPr>
+                        <m:e>
+                          <m:r>
+                            <a:rPr lang="pt-BR" sz="1400" b="0" i="1" smtClean="0">
+                              <a:solidFill>
+                                <a:schemeClr val="accent4">
+                                  <a:lumMod val="20000"/>
+                                  <a:lumOff val="80000"/>
+                                </a:schemeClr>
+                              </a:solidFill>
+                              <a:latin typeface="Cambria Math" panose="02040503050406030204" pitchFamily="18" charset="0"/>
+                            </a:rPr>
+                            <m:t>𝑤</m:t>
+                          </m:r>
+                        </m:e>
+                        <m:sub>
+                          <m:r>
+                            <a:rPr lang="pt-BR" sz="1400" b="0" i="1" smtClean="0">
+                              <a:solidFill>
+                                <a:schemeClr val="accent4">
+                                  <a:lumMod val="20000"/>
+                                  <a:lumOff val="80000"/>
+                                </a:schemeClr>
+                              </a:solidFill>
+                              <a:latin typeface="Cambria Math" panose="02040503050406030204" pitchFamily="18" charset="0"/>
+                            </a:rPr>
+                            <m:t>1</m:t>
+                          </m:r>
+                        </m:sub>
+                      </m:sSub>
+                    </m:oMath>
+                  </m:oMathPara>
+                </a14:m>
+                <a:endParaRPr lang="pt-BR" dirty="0">
+                  <a:solidFill>
+                    <a:schemeClr val="accent4">
+                      <a:lumMod val="20000"/>
+                      <a:lumOff val="80000"/>
+                    </a:schemeClr>
+                  </a:solidFill>
+                </a:endParaRPr>
+              </a:p>
+            </p:txBody>
+          </p:sp>
+        </mc:Choice>
+        <mc:Fallback>
+          <p:sp>
+            <p:nvSpPr>
+              <p:cNvPr id="100" name="TextBox 99">
+                <a:extLst>
+                  <a:ext uri="{FF2B5EF4-FFF2-40B4-BE49-F238E27FC236}">
+                    <a16:creationId xmlns:a16="http://schemas.microsoft.com/office/drawing/2014/main" id="{E018FD19-EC3D-4E60-A119-949AA2A1C94E}"/>
+                  </a:ext>
+                </a:extLst>
+              </p:cNvPr>
+              <p:cNvSpPr txBox="1">
+                <a:spLocks noRot="1" noChangeAspect="1" noMove="1" noResize="1" noEditPoints="1" noAdjustHandles="1" noChangeArrowheads="1" noChangeShapeType="1" noTextEdit="1"/>
+              </p:cNvSpPr>
+              <p:nvPr/>
+            </p:nvSpPr>
+            <p:spPr>
+              <a:xfrm>
+                <a:off x="1929248" y="4743534"/>
+                <a:ext cx="433908" cy="307777"/>
+              </a:xfrm>
+              <a:prstGeom prst="rect">
+                <a:avLst/>
+              </a:prstGeom>
+              <a:blipFill>
+                <a:blip r:embed="rId8"/>
+                <a:stretch>
+                  <a:fillRect/>
+                </a:stretch>
+              </a:blipFill>
+            </p:spPr>
+            <p:txBody>
+              <a:bodyPr/>
+              <a:lstStyle/>
+              <a:p>
+                <a:r>
+                  <a:rPr lang="pt-BR">
+                    <a:noFill/>
+                  </a:rPr>
+                  <a:t> </a:t>
+                </a:r>
+              </a:p>
+            </p:txBody>
+          </p:sp>
+        </mc:Fallback>
+      </mc:AlternateContent>
+      <mc:AlternateContent xmlns:mc="http://schemas.openxmlformats.org/markup-compatibility/2006">
+        <mc:Choice xmlns:a14="http://schemas.microsoft.com/office/drawing/2010/main" Requires="a14">
+          <p:sp>
+            <p:nvSpPr>
+              <p:cNvPr id="101" name="TextBox 100">
+                <a:extLst>
+                  <a:ext uri="{FF2B5EF4-FFF2-40B4-BE49-F238E27FC236}">
+                    <a16:creationId xmlns:a16="http://schemas.microsoft.com/office/drawing/2014/main" id="{1C07FEA0-43AF-46E9-A3EC-059119091AFE}"/>
+                  </a:ext>
+                </a:extLst>
+              </p:cNvPr>
+              <p:cNvSpPr txBox="1"/>
+              <p:nvPr/>
+            </p:nvSpPr>
+            <p:spPr>
+              <a:xfrm>
+                <a:off x="2489588" y="4755157"/>
+                <a:ext cx="433908" cy="307777"/>
+              </a:xfrm>
+              <a:prstGeom prst="rect">
+                <a:avLst/>
+              </a:prstGeom>
+              <a:noFill/>
+            </p:spPr>
+            <p:txBody>
+              <a:bodyPr wrap="square" rtlCol="0">
+                <a:spAutoFit/>
+              </a:bodyPr>
+              <a:lstStyle/>
+              <a:p>
+                <a14:m>
+                  <m:oMathPara xmlns:m="http://schemas.openxmlformats.org/officeDocument/2006/math">
+                    <m:oMathParaPr>
+                      <m:jc m:val="centerGroup"/>
+                    </m:oMathParaPr>
+                    <m:oMath xmlns:m="http://schemas.openxmlformats.org/officeDocument/2006/math">
+                      <m:sSub>
+                        <m:sSubPr>
+                          <m:ctrlPr>
+                            <a:rPr lang="pt-BR" sz="1400" b="0" i="1" smtClean="0">
+                              <a:solidFill>
+                                <a:schemeClr val="accent4">
+                                  <a:lumMod val="20000"/>
+                                  <a:lumOff val="80000"/>
+                                </a:schemeClr>
+                              </a:solidFill>
+                              <a:latin typeface="Cambria Math" panose="02040503050406030204" pitchFamily="18" charset="0"/>
+                            </a:rPr>
+                          </m:ctrlPr>
+                        </m:sSubPr>
+                        <m:e>
+                          <m:r>
+                            <a:rPr lang="pt-BR" sz="1400" b="0" i="1" smtClean="0">
+                              <a:solidFill>
+                                <a:schemeClr val="accent4">
+                                  <a:lumMod val="20000"/>
+                                  <a:lumOff val="80000"/>
+                                </a:schemeClr>
+                              </a:solidFill>
+                              <a:latin typeface="Cambria Math" panose="02040503050406030204" pitchFamily="18" charset="0"/>
+                            </a:rPr>
+                            <m:t>𝑤</m:t>
+                          </m:r>
+                        </m:e>
+                        <m:sub>
+                          <m:r>
+                            <a:rPr lang="pt-BR" sz="1400" b="0" i="1" smtClean="0">
+                              <a:solidFill>
+                                <a:schemeClr val="accent4">
+                                  <a:lumMod val="20000"/>
+                                  <a:lumOff val="80000"/>
+                                </a:schemeClr>
+                              </a:solidFill>
+                              <a:latin typeface="Cambria Math" panose="02040503050406030204" pitchFamily="18" charset="0"/>
+                            </a:rPr>
+                            <m:t>2</m:t>
+                          </m:r>
+                        </m:sub>
+                      </m:sSub>
+                    </m:oMath>
+                  </m:oMathPara>
+                </a14:m>
+                <a:endParaRPr lang="pt-BR" dirty="0">
+                  <a:solidFill>
+                    <a:schemeClr val="accent4">
+                      <a:lumMod val="20000"/>
+                      <a:lumOff val="80000"/>
+                    </a:schemeClr>
+                  </a:solidFill>
+                </a:endParaRPr>
+              </a:p>
+            </p:txBody>
+          </p:sp>
+        </mc:Choice>
+        <mc:Fallback>
+          <p:sp>
+            <p:nvSpPr>
+              <p:cNvPr id="101" name="TextBox 100">
+                <a:extLst>
+                  <a:ext uri="{FF2B5EF4-FFF2-40B4-BE49-F238E27FC236}">
+                    <a16:creationId xmlns:a16="http://schemas.microsoft.com/office/drawing/2014/main" id="{1C07FEA0-43AF-46E9-A3EC-059119091AFE}"/>
+                  </a:ext>
+                </a:extLst>
+              </p:cNvPr>
+              <p:cNvSpPr txBox="1">
+                <a:spLocks noRot="1" noChangeAspect="1" noMove="1" noResize="1" noEditPoints="1" noAdjustHandles="1" noChangeArrowheads="1" noChangeShapeType="1" noTextEdit="1"/>
+              </p:cNvSpPr>
+              <p:nvPr/>
+            </p:nvSpPr>
+            <p:spPr>
+              <a:xfrm>
+                <a:off x="2489588" y="4755157"/>
+                <a:ext cx="433908" cy="307777"/>
+              </a:xfrm>
+              <a:prstGeom prst="rect">
+                <a:avLst/>
+              </a:prstGeom>
+              <a:blipFill>
+                <a:blip r:embed="rId9"/>
+                <a:stretch>
+                  <a:fillRect/>
+                </a:stretch>
+              </a:blipFill>
+            </p:spPr>
+            <p:txBody>
+              <a:bodyPr/>
+              <a:lstStyle/>
+              <a:p>
+                <a:r>
+                  <a:rPr lang="pt-BR">
+                    <a:noFill/>
+                  </a:rPr>
+                  <a:t> </a:t>
+                </a:r>
+              </a:p>
+            </p:txBody>
+          </p:sp>
+        </mc:Fallback>
+      </mc:AlternateContent>
+      <mc:AlternateContent xmlns:mc="http://schemas.openxmlformats.org/markup-compatibility/2006">
+        <mc:Choice xmlns:a14="http://schemas.microsoft.com/office/drawing/2010/main" Requires="a14">
+          <p:sp>
+            <p:nvSpPr>
+              <p:cNvPr id="102" name="TextBox 101">
+                <a:extLst>
+                  <a:ext uri="{FF2B5EF4-FFF2-40B4-BE49-F238E27FC236}">
+                    <a16:creationId xmlns:a16="http://schemas.microsoft.com/office/drawing/2014/main" id="{4BA4DFA8-5941-465C-B6CC-2B42CE1EF428}"/>
+                  </a:ext>
+                </a:extLst>
+              </p:cNvPr>
+              <p:cNvSpPr txBox="1"/>
+              <p:nvPr/>
+            </p:nvSpPr>
+            <p:spPr>
+              <a:xfrm>
+                <a:off x="1912501" y="5191920"/>
+                <a:ext cx="433908" cy="307777"/>
+              </a:xfrm>
+              <a:prstGeom prst="rect">
+                <a:avLst/>
+              </a:prstGeom>
+              <a:noFill/>
+            </p:spPr>
+            <p:txBody>
+              <a:bodyPr wrap="square" rtlCol="0">
+                <a:spAutoFit/>
+              </a:bodyPr>
+              <a:lstStyle/>
+              <a:p>
+                <a14:m>
+                  <m:oMathPara xmlns:m="http://schemas.openxmlformats.org/officeDocument/2006/math">
+                    <m:oMathParaPr>
+                      <m:jc m:val="centerGroup"/>
+                    </m:oMathParaPr>
+                    <m:oMath xmlns:m="http://schemas.openxmlformats.org/officeDocument/2006/math">
+                      <m:sSub>
+                        <m:sSubPr>
+                          <m:ctrlPr>
+                            <a:rPr lang="pt-BR" sz="1400" b="0" i="1" smtClean="0">
+                              <a:solidFill>
+                                <a:schemeClr val="accent4">
+                                  <a:lumMod val="20000"/>
+                                  <a:lumOff val="80000"/>
+                                </a:schemeClr>
+                              </a:solidFill>
+                              <a:latin typeface="Cambria Math" panose="02040503050406030204" pitchFamily="18" charset="0"/>
+                            </a:rPr>
+                          </m:ctrlPr>
+                        </m:sSubPr>
+                        <m:e>
+                          <m:r>
+                            <a:rPr lang="pt-BR" sz="1400" b="0" i="1" smtClean="0">
+                              <a:solidFill>
+                                <a:schemeClr val="accent4">
+                                  <a:lumMod val="20000"/>
+                                  <a:lumOff val="80000"/>
+                                </a:schemeClr>
+                              </a:solidFill>
+                              <a:latin typeface="Cambria Math" panose="02040503050406030204" pitchFamily="18" charset="0"/>
+                            </a:rPr>
+                            <m:t>𝑤</m:t>
+                          </m:r>
+                        </m:e>
+                        <m:sub>
+                          <m:r>
+                            <a:rPr lang="pt-BR" sz="1400" b="0" i="1" smtClean="0">
+                              <a:solidFill>
+                                <a:schemeClr val="accent4">
+                                  <a:lumMod val="20000"/>
+                                  <a:lumOff val="80000"/>
+                                </a:schemeClr>
+                              </a:solidFill>
+                              <a:latin typeface="Cambria Math" panose="02040503050406030204" pitchFamily="18" charset="0"/>
+                            </a:rPr>
+                            <m:t>3</m:t>
+                          </m:r>
+                        </m:sub>
+                      </m:sSub>
+                    </m:oMath>
+                  </m:oMathPara>
+                </a14:m>
+                <a:endParaRPr lang="pt-BR" dirty="0">
+                  <a:solidFill>
+                    <a:schemeClr val="accent4">
+                      <a:lumMod val="20000"/>
+                      <a:lumOff val="80000"/>
+                    </a:schemeClr>
+                  </a:solidFill>
+                </a:endParaRPr>
+              </a:p>
+            </p:txBody>
+          </p:sp>
+        </mc:Choice>
+        <mc:Fallback>
+          <p:sp>
+            <p:nvSpPr>
+              <p:cNvPr id="102" name="TextBox 101">
+                <a:extLst>
+                  <a:ext uri="{FF2B5EF4-FFF2-40B4-BE49-F238E27FC236}">
+                    <a16:creationId xmlns:a16="http://schemas.microsoft.com/office/drawing/2014/main" id="{4BA4DFA8-5941-465C-B6CC-2B42CE1EF428}"/>
+                  </a:ext>
+                </a:extLst>
+              </p:cNvPr>
+              <p:cNvSpPr txBox="1">
+                <a:spLocks noRot="1" noChangeAspect="1" noMove="1" noResize="1" noEditPoints="1" noAdjustHandles="1" noChangeArrowheads="1" noChangeShapeType="1" noTextEdit="1"/>
+              </p:cNvSpPr>
+              <p:nvPr/>
+            </p:nvSpPr>
+            <p:spPr>
+              <a:xfrm>
+                <a:off x="1912501" y="5191920"/>
+                <a:ext cx="433908" cy="307777"/>
+              </a:xfrm>
+              <a:prstGeom prst="rect">
+                <a:avLst/>
+              </a:prstGeom>
+              <a:blipFill>
+                <a:blip r:embed="rId10"/>
+                <a:stretch>
+                  <a:fillRect/>
+                </a:stretch>
+              </a:blipFill>
+            </p:spPr>
+            <p:txBody>
+              <a:bodyPr/>
+              <a:lstStyle/>
+              <a:p>
+                <a:r>
+                  <a:rPr lang="pt-BR">
+                    <a:noFill/>
+                  </a:rPr>
+                  <a:t> </a:t>
+                </a:r>
+              </a:p>
+            </p:txBody>
+          </p:sp>
+        </mc:Fallback>
+      </mc:AlternateContent>
+      <mc:AlternateContent xmlns:mc="http://schemas.openxmlformats.org/markup-compatibility/2006">
+        <mc:Choice xmlns:a14="http://schemas.microsoft.com/office/drawing/2010/main" Requires="a14">
+          <p:sp>
+            <p:nvSpPr>
+              <p:cNvPr id="103" name="TextBox 102">
+                <a:extLst>
+                  <a:ext uri="{FF2B5EF4-FFF2-40B4-BE49-F238E27FC236}">
+                    <a16:creationId xmlns:a16="http://schemas.microsoft.com/office/drawing/2014/main" id="{DA5EF54A-A070-4561-8DB1-61F794D13476}"/>
+                  </a:ext>
+                </a:extLst>
+              </p:cNvPr>
+              <p:cNvSpPr txBox="1"/>
+              <p:nvPr/>
+            </p:nvSpPr>
+            <p:spPr>
+              <a:xfrm>
+                <a:off x="2478245" y="5227158"/>
+                <a:ext cx="433908" cy="307777"/>
+              </a:xfrm>
+              <a:prstGeom prst="rect">
+                <a:avLst/>
+              </a:prstGeom>
+              <a:noFill/>
+            </p:spPr>
+            <p:txBody>
+              <a:bodyPr wrap="square" rtlCol="0">
+                <a:spAutoFit/>
+              </a:bodyPr>
+              <a:lstStyle/>
+              <a:p>
+                <a14:m>
+                  <m:oMathPara xmlns:m="http://schemas.openxmlformats.org/officeDocument/2006/math">
+                    <m:oMathParaPr>
+                      <m:jc m:val="centerGroup"/>
+                    </m:oMathParaPr>
+                    <m:oMath xmlns:m="http://schemas.openxmlformats.org/officeDocument/2006/math">
+                      <m:sSub>
+                        <m:sSubPr>
+                          <m:ctrlPr>
+                            <a:rPr lang="pt-BR" sz="1400" b="0" i="1" smtClean="0">
+                              <a:solidFill>
+                                <a:schemeClr val="accent4">
+                                  <a:lumMod val="20000"/>
+                                  <a:lumOff val="80000"/>
+                                </a:schemeClr>
+                              </a:solidFill>
+                              <a:latin typeface="Cambria Math" panose="02040503050406030204" pitchFamily="18" charset="0"/>
+                            </a:rPr>
+                          </m:ctrlPr>
+                        </m:sSubPr>
+                        <m:e>
+                          <m:r>
+                            <a:rPr lang="pt-BR" sz="1400" b="0" i="1" smtClean="0">
+                              <a:solidFill>
+                                <a:schemeClr val="accent4">
+                                  <a:lumMod val="20000"/>
+                                  <a:lumOff val="80000"/>
+                                </a:schemeClr>
+                              </a:solidFill>
+                              <a:latin typeface="Cambria Math" panose="02040503050406030204" pitchFamily="18" charset="0"/>
+                            </a:rPr>
+                            <m:t>𝑤</m:t>
+                          </m:r>
+                        </m:e>
+                        <m:sub>
+                          <m:r>
+                            <a:rPr lang="pt-BR" sz="1400" b="0" i="1" smtClean="0">
+                              <a:solidFill>
+                                <a:schemeClr val="accent4">
+                                  <a:lumMod val="20000"/>
+                                  <a:lumOff val="80000"/>
+                                </a:schemeClr>
+                              </a:solidFill>
+                              <a:latin typeface="Cambria Math" panose="02040503050406030204" pitchFamily="18" charset="0"/>
+                            </a:rPr>
+                            <m:t>4</m:t>
+                          </m:r>
+                        </m:sub>
+                      </m:sSub>
+                    </m:oMath>
+                  </m:oMathPara>
+                </a14:m>
+                <a:endParaRPr lang="pt-BR" dirty="0">
+                  <a:solidFill>
+                    <a:schemeClr val="accent4">
+                      <a:lumMod val="20000"/>
+                      <a:lumOff val="80000"/>
+                    </a:schemeClr>
+                  </a:solidFill>
+                </a:endParaRPr>
+              </a:p>
+            </p:txBody>
+          </p:sp>
+        </mc:Choice>
+        <mc:Fallback>
+          <p:sp>
+            <p:nvSpPr>
+              <p:cNvPr id="103" name="TextBox 102">
+                <a:extLst>
+                  <a:ext uri="{FF2B5EF4-FFF2-40B4-BE49-F238E27FC236}">
+                    <a16:creationId xmlns:a16="http://schemas.microsoft.com/office/drawing/2014/main" id="{DA5EF54A-A070-4561-8DB1-61F794D13476}"/>
+                  </a:ext>
+                </a:extLst>
+              </p:cNvPr>
+              <p:cNvSpPr txBox="1">
+                <a:spLocks noRot="1" noChangeAspect="1" noMove="1" noResize="1" noEditPoints="1" noAdjustHandles="1" noChangeArrowheads="1" noChangeShapeType="1" noTextEdit="1"/>
+              </p:cNvSpPr>
+              <p:nvPr/>
+            </p:nvSpPr>
+            <p:spPr>
+              <a:xfrm>
+                <a:off x="2478245" y="5227158"/>
+                <a:ext cx="433908" cy="307777"/>
+              </a:xfrm>
+              <a:prstGeom prst="rect">
+                <a:avLst/>
+              </a:prstGeom>
+              <a:blipFill>
+                <a:blip r:embed="rId11"/>
+                <a:stretch>
+                  <a:fillRect/>
+                </a:stretch>
+              </a:blipFill>
+            </p:spPr>
+            <p:txBody>
+              <a:bodyPr/>
+              <a:lstStyle/>
+              <a:p>
+                <a:r>
+                  <a:rPr lang="pt-BR">
+                    <a:noFill/>
+                  </a:rPr>
+                  <a:t> </a:t>
+                </a:r>
+              </a:p>
+            </p:txBody>
+          </p:sp>
+        </mc:Fallback>
+      </mc:AlternateContent>
+      <p:sp>
+        <p:nvSpPr>
+          <p:cNvPr id="132" name="Rectangle 131">
+            <a:extLst>
+              <a:ext uri="{FF2B5EF4-FFF2-40B4-BE49-F238E27FC236}">
+                <a16:creationId xmlns:a16="http://schemas.microsoft.com/office/drawing/2014/main" id="{472D1D18-A801-4195-B6A0-9E167B48C612}"/>
+              </a:ext>
+            </a:extLst>
+          </p:cNvPr>
+          <p:cNvSpPr/>
+          <p:nvPr/>
+        </p:nvSpPr>
+        <p:spPr>
+          <a:xfrm>
+            <a:off x="6539790" y="5415759"/>
+            <a:ext cx="235963" cy="830997"/>
+          </a:xfrm>
+          <a:prstGeom prst="rect">
+            <a:avLst/>
+          </a:prstGeom>
+          <a:noFill/>
+        </p:spPr>
+        <p:txBody>
+          <a:bodyPr wrap="none" lIns="91440" tIns="45720" rIns="91440" bIns="45720">
+            <a:spAutoFit/>
+          </a:bodyPr>
+          <a:lstStyle/>
+          <a:p>
+            <a:pPr algn="ctr"/>
+            <a:r>
+              <a:rPr lang="en-US" sz="1600" dirty="0">
+                <a:ln w="0"/>
+                <a:effectLst>
+                  <a:outerShdw blurRad="38100" dist="38100" dir="2700000" algn="tl">
+                    <a:srgbClr val="000000">
+                      <a:alpha val="43137"/>
+                    </a:srgbClr>
+                  </a:outerShdw>
+                </a:effectLst>
+              </a:rPr>
+              <a:t>.</a:t>
+            </a:r>
+          </a:p>
+          <a:p>
+            <a:pPr algn="ctr"/>
+            <a:r>
+              <a:rPr lang="en-US" sz="1600" b="0" cap="none" spc="0" dirty="0">
+                <a:ln w="0"/>
+                <a:solidFill>
+                  <a:schemeClr val="tx1"/>
+                </a:solidFill>
+                <a:effectLst>
+                  <a:outerShdw blurRad="38100" dist="38100" dir="2700000" algn="tl">
+                    <a:srgbClr val="000000">
+                      <a:alpha val="43137"/>
+                    </a:srgbClr>
+                  </a:outerShdw>
+                </a:effectLst>
+              </a:rPr>
+              <a:t>.</a:t>
+            </a:r>
+          </a:p>
+          <a:p>
+            <a:pPr algn="ctr"/>
+            <a:r>
+              <a:rPr lang="en-US" sz="1600" dirty="0">
+                <a:ln w="0"/>
+                <a:effectLst>
+                  <a:outerShdw blurRad="38100" dist="38100" dir="2700000" algn="tl">
+                    <a:srgbClr val="000000">
+                      <a:alpha val="43137"/>
+                    </a:srgbClr>
+                  </a:outerShdw>
+                </a:effectLst>
+              </a:rPr>
+              <a:t>.</a:t>
+            </a:r>
+            <a:endParaRPr lang="en-US" dirty="0">
+              <a:ln w="0"/>
+              <a:effectLst>
+                <a:outerShdw blurRad="38100" dist="38100" dir="2700000" algn="tl">
+                  <a:srgbClr val="000000">
+                    <a:alpha val="43137"/>
+                  </a:srgbClr>
+                </a:outerShdw>
+              </a:effectLst>
+            </a:endParaRPr>
+          </a:p>
+        </p:txBody>
+      </p:sp>
+      <mc:AlternateContent xmlns:mc="http://schemas.openxmlformats.org/markup-compatibility/2006">
+        <mc:Choice xmlns:a14="http://schemas.microsoft.com/office/drawing/2010/main" Requires="a14">
+          <p:sp>
+            <p:nvSpPr>
+              <p:cNvPr id="134" name="TextBox 133">
+                <a:extLst>
+                  <a:ext uri="{FF2B5EF4-FFF2-40B4-BE49-F238E27FC236}">
+                    <a16:creationId xmlns:a16="http://schemas.microsoft.com/office/drawing/2014/main" id="{ADD47155-2F31-4B81-81AE-07156462B273}"/>
+                  </a:ext>
+                </a:extLst>
+              </p:cNvPr>
+              <p:cNvSpPr txBox="1"/>
+              <p:nvPr/>
+            </p:nvSpPr>
+            <p:spPr>
+              <a:xfrm>
+                <a:off x="6262157" y="2720379"/>
+                <a:ext cx="383319" cy="307777"/>
+              </a:xfrm>
+              <a:prstGeom prst="rect">
+                <a:avLst/>
+              </a:prstGeom>
+              <a:noFill/>
+            </p:spPr>
+            <p:txBody>
+              <a:bodyPr wrap="square" rtlCol="0">
+                <a:spAutoFit/>
+              </a:bodyPr>
+              <a:lstStyle/>
+              <a:p>
+                <a14:m>
+                  <m:oMathPara xmlns:m="http://schemas.openxmlformats.org/officeDocument/2006/math">
+                    <m:oMathParaPr>
+                      <m:jc m:val="centerGroup"/>
+                    </m:oMathParaPr>
+                    <m:oMath xmlns:m="http://schemas.openxmlformats.org/officeDocument/2006/math">
+                      <m:sSub>
+                        <m:sSubPr>
+                          <m:ctrlPr>
+                            <a:rPr lang="pt-BR" sz="1400" b="0" i="1" smtClean="0">
+                              <a:latin typeface="Cambria Math" panose="02040503050406030204" pitchFamily="18" charset="0"/>
+                            </a:rPr>
+                          </m:ctrlPr>
+                        </m:sSubPr>
+                        <m:e>
+                          <m:r>
+                            <a:rPr lang="pt-BR" sz="1400" b="0" i="1" smtClean="0">
+                              <a:latin typeface="Cambria Math" panose="02040503050406030204" pitchFamily="18" charset="0"/>
+                            </a:rPr>
+                            <m:t>𝑥</m:t>
+                          </m:r>
+                        </m:e>
+                        <m:sub>
+                          <m:r>
+                            <a:rPr lang="pt-BR" sz="1400" b="0" i="1" smtClean="0">
+                              <a:latin typeface="Cambria Math" panose="02040503050406030204" pitchFamily="18" charset="0"/>
+                            </a:rPr>
+                            <m:t>1</m:t>
+                          </m:r>
+                        </m:sub>
+                      </m:sSub>
+                    </m:oMath>
+                  </m:oMathPara>
+                </a14:m>
+                <a:endParaRPr lang="pt-BR" sz="1400" dirty="0"/>
+              </a:p>
+            </p:txBody>
+          </p:sp>
+        </mc:Choice>
+        <mc:Fallback>
+          <p:sp>
+            <p:nvSpPr>
+              <p:cNvPr id="134" name="TextBox 133">
+                <a:extLst>
+                  <a:ext uri="{FF2B5EF4-FFF2-40B4-BE49-F238E27FC236}">
+                    <a16:creationId xmlns:a16="http://schemas.microsoft.com/office/drawing/2014/main" id="{ADD47155-2F31-4B81-81AE-07156462B273}"/>
+                  </a:ext>
+                </a:extLst>
+              </p:cNvPr>
+              <p:cNvSpPr txBox="1">
+                <a:spLocks noRot="1" noChangeAspect="1" noMove="1" noResize="1" noEditPoints="1" noAdjustHandles="1" noChangeArrowheads="1" noChangeShapeType="1" noTextEdit="1"/>
+              </p:cNvSpPr>
+              <p:nvPr/>
+            </p:nvSpPr>
+            <p:spPr>
+              <a:xfrm>
+                <a:off x="6262157" y="2720379"/>
+                <a:ext cx="383319" cy="307777"/>
+              </a:xfrm>
+              <a:prstGeom prst="rect">
+                <a:avLst/>
+              </a:prstGeom>
+              <a:blipFill>
+                <a:blip r:embed="rId12"/>
+                <a:stretch>
+                  <a:fillRect/>
+                </a:stretch>
+              </a:blipFill>
+            </p:spPr>
+            <p:txBody>
+              <a:bodyPr/>
+              <a:lstStyle/>
+              <a:p>
+                <a:r>
+                  <a:rPr lang="pt-BR">
+                    <a:noFill/>
+                  </a:rPr>
+                  <a:t> </a:t>
+                </a:r>
+              </a:p>
+            </p:txBody>
+          </p:sp>
+        </mc:Fallback>
+      </mc:AlternateContent>
+      <mc:AlternateContent xmlns:mc="http://schemas.openxmlformats.org/markup-compatibility/2006">
+        <mc:Choice xmlns:a14="http://schemas.microsoft.com/office/drawing/2010/main" Requires="a14">
+          <p:sp>
+            <p:nvSpPr>
+              <p:cNvPr id="135" name="TextBox 134">
+                <a:extLst>
+                  <a:ext uri="{FF2B5EF4-FFF2-40B4-BE49-F238E27FC236}">
+                    <a16:creationId xmlns:a16="http://schemas.microsoft.com/office/drawing/2014/main" id="{A7514906-F1E0-415D-A4B7-DFB7634E0CFA}"/>
+                  </a:ext>
+                </a:extLst>
+              </p:cNvPr>
+              <p:cNvSpPr txBox="1"/>
+              <p:nvPr/>
+            </p:nvSpPr>
+            <p:spPr>
+              <a:xfrm>
+                <a:off x="6262156" y="2932592"/>
+                <a:ext cx="383319" cy="307777"/>
+              </a:xfrm>
+              <a:prstGeom prst="rect">
+                <a:avLst/>
+              </a:prstGeom>
+              <a:noFill/>
+            </p:spPr>
+            <p:txBody>
+              <a:bodyPr wrap="square" rtlCol="0">
+                <a:spAutoFit/>
+              </a:bodyPr>
+              <a:lstStyle/>
+              <a:p>
+                <a14:m>
+                  <m:oMathPara xmlns:m="http://schemas.openxmlformats.org/officeDocument/2006/math">
+                    <m:oMathParaPr>
+                      <m:jc m:val="centerGroup"/>
+                    </m:oMathParaPr>
+                    <m:oMath xmlns:m="http://schemas.openxmlformats.org/officeDocument/2006/math">
+                      <m:sSub>
+                        <m:sSubPr>
+                          <m:ctrlPr>
+                            <a:rPr lang="pt-BR" sz="1400" b="0" i="1" smtClean="0">
+                              <a:latin typeface="Cambria Math" panose="02040503050406030204" pitchFamily="18" charset="0"/>
+                            </a:rPr>
+                          </m:ctrlPr>
+                        </m:sSubPr>
+                        <m:e>
+                          <m:r>
+                            <a:rPr lang="pt-BR" sz="1400" b="0" i="1" smtClean="0">
+                              <a:latin typeface="Cambria Math" panose="02040503050406030204" pitchFamily="18" charset="0"/>
+                            </a:rPr>
+                            <m:t>𝑥</m:t>
+                          </m:r>
+                        </m:e>
+                        <m:sub>
+                          <m:r>
+                            <a:rPr lang="pt-BR" sz="1400" b="0" i="1" smtClean="0">
+                              <a:latin typeface="Cambria Math" panose="02040503050406030204" pitchFamily="18" charset="0"/>
+                            </a:rPr>
+                            <m:t>2</m:t>
+                          </m:r>
+                        </m:sub>
+                      </m:sSub>
+                    </m:oMath>
+                  </m:oMathPara>
+                </a14:m>
+                <a:endParaRPr lang="pt-BR" sz="1400" dirty="0"/>
+              </a:p>
+            </p:txBody>
+          </p:sp>
+        </mc:Choice>
+        <mc:Fallback>
+          <p:sp>
+            <p:nvSpPr>
+              <p:cNvPr id="135" name="TextBox 134">
+                <a:extLst>
+                  <a:ext uri="{FF2B5EF4-FFF2-40B4-BE49-F238E27FC236}">
+                    <a16:creationId xmlns:a16="http://schemas.microsoft.com/office/drawing/2014/main" id="{A7514906-F1E0-415D-A4B7-DFB7634E0CFA}"/>
+                  </a:ext>
+                </a:extLst>
+              </p:cNvPr>
+              <p:cNvSpPr txBox="1">
+                <a:spLocks noRot="1" noChangeAspect="1" noMove="1" noResize="1" noEditPoints="1" noAdjustHandles="1" noChangeArrowheads="1" noChangeShapeType="1" noTextEdit="1"/>
+              </p:cNvSpPr>
+              <p:nvPr/>
+            </p:nvSpPr>
+            <p:spPr>
+              <a:xfrm>
+                <a:off x="6262156" y="2932592"/>
+                <a:ext cx="383319" cy="307777"/>
+              </a:xfrm>
+              <a:prstGeom prst="rect">
+                <a:avLst/>
+              </a:prstGeom>
+              <a:blipFill>
+                <a:blip r:embed="rId13"/>
+                <a:stretch>
+                  <a:fillRect/>
+                </a:stretch>
+              </a:blipFill>
+            </p:spPr>
+            <p:txBody>
+              <a:bodyPr/>
+              <a:lstStyle/>
+              <a:p>
+                <a:r>
+                  <a:rPr lang="pt-BR">
+                    <a:noFill/>
+                  </a:rPr>
+                  <a:t> </a:t>
+                </a:r>
+              </a:p>
+            </p:txBody>
+          </p:sp>
+        </mc:Fallback>
+      </mc:AlternateContent>
+      <mc:AlternateContent xmlns:mc="http://schemas.openxmlformats.org/markup-compatibility/2006">
+        <mc:Choice xmlns:a14="http://schemas.microsoft.com/office/drawing/2010/main" Requires="a14">
+          <p:sp>
+            <p:nvSpPr>
+              <p:cNvPr id="136" name="TextBox 135">
+                <a:extLst>
+                  <a:ext uri="{FF2B5EF4-FFF2-40B4-BE49-F238E27FC236}">
+                    <a16:creationId xmlns:a16="http://schemas.microsoft.com/office/drawing/2014/main" id="{07D2008E-E5CB-4C61-BDBA-43A846F26580}"/>
+                  </a:ext>
+                </a:extLst>
+              </p:cNvPr>
+              <p:cNvSpPr txBox="1"/>
+              <p:nvPr/>
+            </p:nvSpPr>
+            <p:spPr>
+              <a:xfrm>
+                <a:off x="6262156" y="3147472"/>
+                <a:ext cx="383319" cy="307777"/>
+              </a:xfrm>
+              <a:prstGeom prst="rect">
+                <a:avLst/>
+              </a:prstGeom>
+              <a:noFill/>
+            </p:spPr>
+            <p:txBody>
+              <a:bodyPr wrap="square" rtlCol="0">
+                <a:spAutoFit/>
+              </a:bodyPr>
+              <a:lstStyle/>
+              <a:p>
+                <a14:m>
+                  <m:oMathPara xmlns:m="http://schemas.openxmlformats.org/officeDocument/2006/math">
+                    <m:oMathParaPr>
+                      <m:jc m:val="centerGroup"/>
+                    </m:oMathParaPr>
+                    <m:oMath xmlns:m="http://schemas.openxmlformats.org/officeDocument/2006/math">
+                      <m:sSub>
+                        <m:sSubPr>
+                          <m:ctrlPr>
+                            <a:rPr lang="pt-BR" sz="1400" b="0" i="1" smtClean="0">
+                              <a:latin typeface="Cambria Math" panose="02040503050406030204" pitchFamily="18" charset="0"/>
+                            </a:rPr>
+                          </m:ctrlPr>
+                        </m:sSubPr>
+                        <m:e>
+                          <m:r>
+                            <a:rPr lang="pt-BR" sz="1400" b="0" i="1" smtClean="0">
+                              <a:latin typeface="Cambria Math" panose="02040503050406030204" pitchFamily="18" charset="0"/>
+                            </a:rPr>
+                            <m:t>𝑥</m:t>
+                          </m:r>
+                        </m:e>
+                        <m:sub>
+                          <m:r>
+                            <a:rPr lang="pt-BR" sz="1400" b="0" i="1" smtClean="0">
+                              <a:latin typeface="Cambria Math" panose="02040503050406030204" pitchFamily="18" charset="0"/>
+                            </a:rPr>
+                            <m:t>3</m:t>
+                          </m:r>
+                        </m:sub>
+                      </m:sSub>
+                    </m:oMath>
+                  </m:oMathPara>
+                </a14:m>
+                <a:endParaRPr lang="pt-BR" sz="1400" dirty="0"/>
+              </a:p>
+            </p:txBody>
+          </p:sp>
+        </mc:Choice>
+        <mc:Fallback>
+          <p:sp>
+            <p:nvSpPr>
+              <p:cNvPr id="136" name="TextBox 135">
+                <a:extLst>
+                  <a:ext uri="{FF2B5EF4-FFF2-40B4-BE49-F238E27FC236}">
+                    <a16:creationId xmlns:a16="http://schemas.microsoft.com/office/drawing/2014/main" id="{07D2008E-E5CB-4C61-BDBA-43A846F26580}"/>
+                  </a:ext>
+                </a:extLst>
+              </p:cNvPr>
+              <p:cNvSpPr txBox="1">
+                <a:spLocks noRot="1" noChangeAspect="1" noMove="1" noResize="1" noEditPoints="1" noAdjustHandles="1" noChangeArrowheads="1" noChangeShapeType="1" noTextEdit="1"/>
+              </p:cNvSpPr>
+              <p:nvPr/>
+            </p:nvSpPr>
+            <p:spPr>
+              <a:xfrm>
+                <a:off x="6262156" y="3147472"/>
+                <a:ext cx="383319" cy="307777"/>
+              </a:xfrm>
+              <a:prstGeom prst="rect">
+                <a:avLst/>
+              </a:prstGeom>
+              <a:blipFill>
+                <a:blip r:embed="rId14"/>
+                <a:stretch>
+                  <a:fillRect/>
+                </a:stretch>
+              </a:blipFill>
+            </p:spPr>
+            <p:txBody>
+              <a:bodyPr/>
+              <a:lstStyle/>
+              <a:p>
+                <a:r>
+                  <a:rPr lang="pt-BR">
+                    <a:noFill/>
+                  </a:rPr>
+                  <a:t> </a:t>
+                </a:r>
+              </a:p>
+            </p:txBody>
+          </p:sp>
+        </mc:Fallback>
+      </mc:AlternateContent>
+      <mc:AlternateContent xmlns:mc="http://schemas.openxmlformats.org/markup-compatibility/2006">
+        <mc:Choice xmlns:a14="http://schemas.microsoft.com/office/drawing/2010/main" Requires="a14">
+          <p:sp>
+            <p:nvSpPr>
+              <p:cNvPr id="137" name="TextBox 136">
+                <a:extLst>
+                  <a:ext uri="{FF2B5EF4-FFF2-40B4-BE49-F238E27FC236}">
+                    <a16:creationId xmlns:a16="http://schemas.microsoft.com/office/drawing/2014/main" id="{99E54CEE-AED8-467F-91A0-47DA00FF5B83}"/>
+                  </a:ext>
+                </a:extLst>
+              </p:cNvPr>
+              <p:cNvSpPr txBox="1"/>
+              <p:nvPr/>
+            </p:nvSpPr>
+            <p:spPr>
+              <a:xfrm>
+                <a:off x="6259149" y="3377969"/>
+                <a:ext cx="383319" cy="307777"/>
+              </a:xfrm>
+              <a:prstGeom prst="rect">
+                <a:avLst/>
+              </a:prstGeom>
+              <a:noFill/>
+            </p:spPr>
+            <p:txBody>
+              <a:bodyPr wrap="square" rtlCol="0">
+                <a:spAutoFit/>
+              </a:bodyPr>
+              <a:lstStyle/>
+              <a:p>
+                <a14:m>
+                  <m:oMathPara xmlns:m="http://schemas.openxmlformats.org/officeDocument/2006/math">
+                    <m:oMathParaPr>
+                      <m:jc m:val="centerGroup"/>
+                    </m:oMathParaPr>
+                    <m:oMath xmlns:m="http://schemas.openxmlformats.org/officeDocument/2006/math">
+                      <m:sSub>
+                        <m:sSubPr>
+                          <m:ctrlPr>
+                            <a:rPr lang="pt-BR" sz="1400" b="0" i="1" smtClean="0">
+                              <a:latin typeface="Cambria Math" panose="02040503050406030204" pitchFamily="18" charset="0"/>
+                            </a:rPr>
+                          </m:ctrlPr>
+                        </m:sSubPr>
+                        <m:e>
+                          <m:r>
+                            <a:rPr lang="pt-BR" sz="1400" b="0" i="1" smtClean="0">
+                              <a:latin typeface="Cambria Math" panose="02040503050406030204" pitchFamily="18" charset="0"/>
+                            </a:rPr>
+                            <m:t>𝑥</m:t>
+                          </m:r>
+                        </m:e>
+                        <m:sub>
+                          <m:r>
+                            <a:rPr lang="pt-BR" sz="1400" b="0" i="1" smtClean="0">
+                              <a:latin typeface="Cambria Math" panose="02040503050406030204" pitchFamily="18" charset="0"/>
+                            </a:rPr>
+                            <m:t>4</m:t>
+                          </m:r>
+                        </m:sub>
+                      </m:sSub>
+                    </m:oMath>
+                  </m:oMathPara>
+                </a14:m>
+                <a:endParaRPr lang="pt-BR" sz="1400" dirty="0"/>
+              </a:p>
+            </p:txBody>
+          </p:sp>
+        </mc:Choice>
+        <mc:Fallback>
+          <p:sp>
+            <p:nvSpPr>
+              <p:cNvPr id="137" name="TextBox 136">
+                <a:extLst>
+                  <a:ext uri="{FF2B5EF4-FFF2-40B4-BE49-F238E27FC236}">
+                    <a16:creationId xmlns:a16="http://schemas.microsoft.com/office/drawing/2014/main" id="{99E54CEE-AED8-467F-91A0-47DA00FF5B83}"/>
+                  </a:ext>
+                </a:extLst>
+              </p:cNvPr>
+              <p:cNvSpPr txBox="1">
+                <a:spLocks noRot="1" noChangeAspect="1" noMove="1" noResize="1" noEditPoints="1" noAdjustHandles="1" noChangeArrowheads="1" noChangeShapeType="1" noTextEdit="1"/>
+              </p:cNvSpPr>
+              <p:nvPr/>
+            </p:nvSpPr>
+            <p:spPr>
+              <a:xfrm>
+                <a:off x="6259149" y="3377969"/>
+                <a:ext cx="383319" cy="307777"/>
+              </a:xfrm>
+              <a:prstGeom prst="rect">
+                <a:avLst/>
+              </a:prstGeom>
+              <a:blipFill>
+                <a:blip r:embed="rId15"/>
+                <a:stretch>
+                  <a:fillRect/>
+                </a:stretch>
+              </a:blipFill>
+            </p:spPr>
+            <p:txBody>
+              <a:bodyPr/>
+              <a:lstStyle/>
+              <a:p>
+                <a:r>
+                  <a:rPr lang="pt-BR">
+                    <a:noFill/>
+                  </a:rPr>
+                  <a:t> </a:t>
+                </a:r>
+              </a:p>
+            </p:txBody>
+          </p:sp>
+        </mc:Fallback>
+      </mc:AlternateContent>
+      <p:grpSp>
+        <p:nvGrpSpPr>
+          <p:cNvPr id="143" name="Group 142">
+            <a:extLst>
+              <a:ext uri="{FF2B5EF4-FFF2-40B4-BE49-F238E27FC236}">
+                <a16:creationId xmlns:a16="http://schemas.microsoft.com/office/drawing/2014/main" id="{CB6A4F62-0481-46E2-BDE7-0A5D5F31BAFE}"/>
+              </a:ext>
+            </a:extLst>
+          </p:cNvPr>
+          <p:cNvGrpSpPr/>
+          <p:nvPr/>
+        </p:nvGrpSpPr>
+        <p:grpSpPr>
+          <a:xfrm>
+            <a:off x="6603980" y="3763959"/>
+            <a:ext cx="171773" cy="839839"/>
+            <a:chOff x="2734490" y="1193074"/>
+            <a:chExt cx="687978" cy="3363687"/>
+          </a:xfrm>
+        </p:grpSpPr>
+        <p:sp>
+          <p:nvSpPr>
+            <p:cNvPr id="144" name="Oval 143">
+              <a:extLst>
+                <a:ext uri="{FF2B5EF4-FFF2-40B4-BE49-F238E27FC236}">
+                  <a16:creationId xmlns:a16="http://schemas.microsoft.com/office/drawing/2014/main" id="{FBA156B4-CAE0-4612-A7CF-481C689D2851}"/>
+                </a:ext>
+              </a:extLst>
+            </p:cNvPr>
+            <p:cNvSpPr/>
+            <p:nvPr/>
+          </p:nvSpPr>
+          <p:spPr>
+            <a:xfrm>
+              <a:off x="2734490" y="1193074"/>
+              <a:ext cx="687977" cy="687977"/>
+            </a:xfrm>
+            <a:prstGeom prst="ellipse">
+              <a:avLst/>
+            </a:prstGeom>
+          </p:spPr>
+          <p:style>
+            <a:lnRef idx="2">
+              <a:schemeClr val="accent1">
+                <a:shade val="50000"/>
+              </a:schemeClr>
+            </a:lnRef>
+            <a:fillRef idx="1">
+              <a:schemeClr val="accent1"/>
+            </a:fillRef>
+            <a:effectRef idx="0">
+              <a:schemeClr val="accent1"/>
+            </a:effectRef>
+            <a:fontRef idx="minor">
+              <a:schemeClr val="lt1"/>
+            </a:fontRef>
+          </p:style>
+          <p:txBody>
+            <a:bodyPr rtlCol="0" anchor="ctr"/>
+            <a:lstStyle/>
+            <a:p>
+              <a:pPr algn="ctr"/>
+              <a:endParaRPr lang="pt-BR"/>
+            </a:p>
+          </p:txBody>
+        </p:sp>
+        <p:sp>
+          <p:nvSpPr>
+            <p:cNvPr id="145" name="Oval 144">
+              <a:extLst>
+                <a:ext uri="{FF2B5EF4-FFF2-40B4-BE49-F238E27FC236}">
+                  <a16:creationId xmlns:a16="http://schemas.microsoft.com/office/drawing/2014/main" id="{774C7452-A545-46B4-B1C2-9E3BEAFFF02F}"/>
+                </a:ext>
+              </a:extLst>
+            </p:cNvPr>
+            <p:cNvSpPr/>
+            <p:nvPr/>
+          </p:nvSpPr>
+          <p:spPr>
+            <a:xfrm>
+              <a:off x="2734491" y="2084977"/>
+              <a:ext cx="687977" cy="687977"/>
+            </a:xfrm>
+            <a:prstGeom prst="ellipse">
+              <a:avLst/>
+            </a:prstGeom>
+          </p:spPr>
+          <p:style>
+            <a:lnRef idx="2">
+              <a:schemeClr val="accent1">
+                <a:shade val="50000"/>
+              </a:schemeClr>
+            </a:lnRef>
+            <a:fillRef idx="1">
+              <a:schemeClr val="accent1"/>
+            </a:fillRef>
+            <a:effectRef idx="0">
+              <a:schemeClr val="accent1"/>
+            </a:effectRef>
+            <a:fontRef idx="minor">
+              <a:schemeClr val="lt1"/>
+            </a:fontRef>
+          </p:style>
+          <p:txBody>
+            <a:bodyPr rtlCol="0" anchor="ctr"/>
+            <a:lstStyle/>
+            <a:p>
+              <a:pPr algn="ctr"/>
+              <a:endParaRPr lang="pt-BR"/>
+            </a:p>
+          </p:txBody>
+        </p:sp>
+        <p:sp>
+          <p:nvSpPr>
+            <p:cNvPr id="146" name="Oval 145">
+              <a:extLst>
+                <a:ext uri="{FF2B5EF4-FFF2-40B4-BE49-F238E27FC236}">
+                  <a16:creationId xmlns:a16="http://schemas.microsoft.com/office/drawing/2014/main" id="{7A4C0793-2A5F-4620-B39F-8D7128A8878D}"/>
+                </a:ext>
+              </a:extLst>
+            </p:cNvPr>
+            <p:cNvSpPr/>
+            <p:nvPr/>
+          </p:nvSpPr>
+          <p:spPr>
+            <a:xfrm>
+              <a:off x="2734491" y="2976880"/>
+              <a:ext cx="687977" cy="687977"/>
+            </a:xfrm>
+            <a:prstGeom prst="ellipse">
+              <a:avLst/>
+            </a:prstGeom>
+          </p:spPr>
+          <p:style>
+            <a:lnRef idx="2">
+              <a:schemeClr val="accent1">
+                <a:shade val="50000"/>
+              </a:schemeClr>
+            </a:lnRef>
+            <a:fillRef idx="1">
+              <a:schemeClr val="accent1"/>
+            </a:fillRef>
+            <a:effectRef idx="0">
+              <a:schemeClr val="accent1"/>
+            </a:effectRef>
+            <a:fontRef idx="minor">
+              <a:schemeClr val="lt1"/>
+            </a:fontRef>
+          </p:style>
+          <p:txBody>
+            <a:bodyPr rtlCol="0" anchor="ctr"/>
+            <a:lstStyle/>
+            <a:p>
+              <a:pPr algn="ctr"/>
+              <a:endParaRPr lang="pt-BR"/>
+            </a:p>
+          </p:txBody>
+        </p:sp>
+        <p:sp>
+          <p:nvSpPr>
+            <p:cNvPr id="147" name="Oval 146">
+              <a:extLst>
+                <a:ext uri="{FF2B5EF4-FFF2-40B4-BE49-F238E27FC236}">
+                  <a16:creationId xmlns:a16="http://schemas.microsoft.com/office/drawing/2014/main" id="{5AA86FBD-EFFC-4F43-84D6-0A5C965C5BA5}"/>
+                </a:ext>
+              </a:extLst>
+            </p:cNvPr>
+            <p:cNvSpPr/>
+            <p:nvPr/>
+          </p:nvSpPr>
+          <p:spPr>
+            <a:xfrm>
+              <a:off x="2734491" y="3868784"/>
+              <a:ext cx="687977" cy="687977"/>
+            </a:xfrm>
+            <a:prstGeom prst="ellipse">
+              <a:avLst/>
+            </a:prstGeom>
+          </p:spPr>
+          <p:style>
+            <a:lnRef idx="2">
+              <a:schemeClr val="accent1">
+                <a:shade val="50000"/>
+              </a:schemeClr>
+            </a:lnRef>
+            <a:fillRef idx="1">
+              <a:schemeClr val="accent1"/>
+            </a:fillRef>
+            <a:effectRef idx="0">
+              <a:schemeClr val="accent1"/>
+            </a:effectRef>
+            <a:fontRef idx="minor">
+              <a:schemeClr val="lt1"/>
+            </a:fontRef>
+          </p:style>
+          <p:txBody>
+            <a:bodyPr rtlCol="0" anchor="ctr"/>
+            <a:lstStyle/>
+            <a:p>
+              <a:pPr algn="ctr"/>
+              <a:endParaRPr lang="pt-BR"/>
+            </a:p>
+          </p:txBody>
+        </p:sp>
+      </p:grpSp>
+      <mc:AlternateContent xmlns:mc="http://schemas.openxmlformats.org/markup-compatibility/2006">
+        <mc:Choice xmlns:a14="http://schemas.microsoft.com/office/drawing/2010/main" Requires="a14">
+          <p:sp>
+            <p:nvSpPr>
+              <p:cNvPr id="148" name="TextBox 147">
+                <a:extLst>
+                  <a:ext uri="{FF2B5EF4-FFF2-40B4-BE49-F238E27FC236}">
+                    <a16:creationId xmlns:a16="http://schemas.microsoft.com/office/drawing/2014/main" id="{A310EE5B-D7DD-4663-BBCB-F3610124B025}"/>
+                  </a:ext>
+                </a:extLst>
+              </p:cNvPr>
+              <p:cNvSpPr txBox="1"/>
+              <p:nvPr/>
+            </p:nvSpPr>
+            <p:spPr>
+              <a:xfrm>
+                <a:off x="6262157" y="3617660"/>
+                <a:ext cx="383319" cy="307777"/>
+              </a:xfrm>
+              <a:prstGeom prst="rect">
+                <a:avLst/>
+              </a:prstGeom>
+              <a:noFill/>
+            </p:spPr>
+            <p:txBody>
+              <a:bodyPr wrap="square" rtlCol="0">
+                <a:spAutoFit/>
+              </a:bodyPr>
+              <a:lstStyle/>
+              <a:p>
+                <a14:m>
+                  <m:oMathPara xmlns:m="http://schemas.openxmlformats.org/officeDocument/2006/math">
+                    <m:oMathParaPr>
+                      <m:jc m:val="centerGroup"/>
+                    </m:oMathParaPr>
+                    <m:oMath xmlns:m="http://schemas.openxmlformats.org/officeDocument/2006/math">
+                      <m:sSub>
+                        <m:sSubPr>
+                          <m:ctrlPr>
+                            <a:rPr lang="pt-BR" sz="1400" b="0" i="1" smtClean="0">
+                              <a:latin typeface="Cambria Math" panose="02040503050406030204" pitchFamily="18" charset="0"/>
+                            </a:rPr>
+                          </m:ctrlPr>
+                        </m:sSubPr>
+                        <m:e>
+                          <m:r>
+                            <a:rPr lang="pt-BR" sz="1400" b="0" i="1" smtClean="0">
+                              <a:latin typeface="Cambria Math" panose="02040503050406030204" pitchFamily="18" charset="0"/>
+                            </a:rPr>
+                            <m:t>𝑥</m:t>
+                          </m:r>
+                        </m:e>
+                        <m:sub>
+                          <m:r>
+                            <a:rPr lang="pt-BR" sz="1400" b="0" i="1" smtClean="0">
+                              <a:latin typeface="Cambria Math" panose="02040503050406030204" pitchFamily="18" charset="0"/>
+                            </a:rPr>
+                            <m:t>5</m:t>
+                          </m:r>
+                        </m:sub>
+                      </m:sSub>
+                    </m:oMath>
+                  </m:oMathPara>
+                </a14:m>
+                <a:endParaRPr lang="pt-BR" sz="1400" dirty="0"/>
+              </a:p>
+            </p:txBody>
+          </p:sp>
+        </mc:Choice>
+        <mc:Fallback>
+          <p:sp>
+            <p:nvSpPr>
+              <p:cNvPr id="148" name="TextBox 147">
+                <a:extLst>
+                  <a:ext uri="{FF2B5EF4-FFF2-40B4-BE49-F238E27FC236}">
+                    <a16:creationId xmlns:a16="http://schemas.microsoft.com/office/drawing/2014/main" id="{A310EE5B-D7DD-4663-BBCB-F3610124B025}"/>
+                  </a:ext>
+                </a:extLst>
+              </p:cNvPr>
+              <p:cNvSpPr txBox="1">
+                <a:spLocks noRot="1" noChangeAspect="1" noMove="1" noResize="1" noEditPoints="1" noAdjustHandles="1" noChangeArrowheads="1" noChangeShapeType="1" noTextEdit="1"/>
+              </p:cNvSpPr>
+              <p:nvPr/>
+            </p:nvSpPr>
+            <p:spPr>
+              <a:xfrm>
+                <a:off x="6262157" y="3617660"/>
+                <a:ext cx="383319" cy="307777"/>
+              </a:xfrm>
+              <a:prstGeom prst="rect">
+                <a:avLst/>
+              </a:prstGeom>
+              <a:blipFill>
+                <a:blip r:embed="rId16"/>
+                <a:stretch>
+                  <a:fillRect/>
+                </a:stretch>
+              </a:blipFill>
+            </p:spPr>
+            <p:txBody>
+              <a:bodyPr/>
+              <a:lstStyle/>
+              <a:p>
+                <a:r>
+                  <a:rPr lang="pt-BR">
+                    <a:noFill/>
+                  </a:rPr>
+                  <a:t> </a:t>
+                </a:r>
+              </a:p>
+            </p:txBody>
+          </p:sp>
+        </mc:Fallback>
+      </mc:AlternateContent>
+      <mc:AlternateContent xmlns:mc="http://schemas.openxmlformats.org/markup-compatibility/2006">
+        <mc:Choice xmlns:a14="http://schemas.microsoft.com/office/drawing/2010/main" Requires="a14">
+          <p:sp>
+            <p:nvSpPr>
+              <p:cNvPr id="149" name="TextBox 148">
+                <a:extLst>
+                  <a:ext uri="{FF2B5EF4-FFF2-40B4-BE49-F238E27FC236}">
+                    <a16:creationId xmlns:a16="http://schemas.microsoft.com/office/drawing/2014/main" id="{199AE4F2-89B5-4D93-A485-A5849B148528}"/>
+                  </a:ext>
+                </a:extLst>
+              </p:cNvPr>
+              <p:cNvSpPr txBox="1"/>
+              <p:nvPr/>
+            </p:nvSpPr>
+            <p:spPr>
+              <a:xfrm>
+                <a:off x="6262156" y="3829873"/>
+                <a:ext cx="383319" cy="307777"/>
+              </a:xfrm>
+              <a:prstGeom prst="rect">
+                <a:avLst/>
+              </a:prstGeom>
+              <a:noFill/>
+            </p:spPr>
+            <p:txBody>
+              <a:bodyPr wrap="square" rtlCol="0">
+                <a:spAutoFit/>
+              </a:bodyPr>
+              <a:lstStyle/>
+              <a:p>
+                <a14:m>
+                  <m:oMathPara xmlns:m="http://schemas.openxmlformats.org/officeDocument/2006/math">
+                    <m:oMathParaPr>
+                      <m:jc m:val="centerGroup"/>
+                    </m:oMathParaPr>
+                    <m:oMath xmlns:m="http://schemas.openxmlformats.org/officeDocument/2006/math">
+                      <m:sSub>
+                        <m:sSubPr>
+                          <m:ctrlPr>
+                            <a:rPr lang="pt-BR" sz="1400" b="0" i="1" smtClean="0">
+                              <a:latin typeface="Cambria Math" panose="02040503050406030204" pitchFamily="18" charset="0"/>
+                            </a:rPr>
+                          </m:ctrlPr>
+                        </m:sSubPr>
+                        <m:e>
+                          <m:r>
+                            <a:rPr lang="pt-BR" sz="1400" b="0" i="1" smtClean="0">
+                              <a:latin typeface="Cambria Math" panose="02040503050406030204" pitchFamily="18" charset="0"/>
+                            </a:rPr>
+                            <m:t>𝑥</m:t>
+                          </m:r>
+                        </m:e>
+                        <m:sub>
+                          <m:r>
+                            <a:rPr lang="pt-BR" sz="1400" b="0" i="1" smtClean="0">
+                              <a:latin typeface="Cambria Math" panose="02040503050406030204" pitchFamily="18" charset="0"/>
+                            </a:rPr>
+                            <m:t>6</m:t>
+                          </m:r>
+                        </m:sub>
+                      </m:sSub>
+                    </m:oMath>
+                  </m:oMathPara>
+                </a14:m>
+                <a:endParaRPr lang="pt-BR" sz="1400" dirty="0"/>
+              </a:p>
+            </p:txBody>
+          </p:sp>
+        </mc:Choice>
+        <mc:Fallback>
+          <p:sp>
+            <p:nvSpPr>
+              <p:cNvPr id="149" name="TextBox 148">
+                <a:extLst>
+                  <a:ext uri="{FF2B5EF4-FFF2-40B4-BE49-F238E27FC236}">
+                    <a16:creationId xmlns:a16="http://schemas.microsoft.com/office/drawing/2014/main" id="{199AE4F2-89B5-4D93-A485-A5849B148528}"/>
+                  </a:ext>
+                </a:extLst>
+              </p:cNvPr>
+              <p:cNvSpPr txBox="1">
+                <a:spLocks noRot="1" noChangeAspect="1" noMove="1" noResize="1" noEditPoints="1" noAdjustHandles="1" noChangeArrowheads="1" noChangeShapeType="1" noTextEdit="1"/>
+              </p:cNvSpPr>
+              <p:nvPr/>
+            </p:nvSpPr>
+            <p:spPr>
+              <a:xfrm>
+                <a:off x="6262156" y="3829873"/>
+                <a:ext cx="383319" cy="307777"/>
+              </a:xfrm>
+              <a:prstGeom prst="rect">
+                <a:avLst/>
+              </a:prstGeom>
+              <a:blipFill>
+                <a:blip r:embed="rId17"/>
+                <a:stretch>
+                  <a:fillRect/>
+                </a:stretch>
+              </a:blipFill>
+            </p:spPr>
+            <p:txBody>
+              <a:bodyPr/>
+              <a:lstStyle/>
+              <a:p>
+                <a:r>
+                  <a:rPr lang="pt-BR">
+                    <a:noFill/>
+                  </a:rPr>
+                  <a:t> </a:t>
+                </a:r>
+              </a:p>
+            </p:txBody>
+          </p:sp>
+        </mc:Fallback>
+      </mc:AlternateContent>
+      <mc:AlternateContent xmlns:mc="http://schemas.openxmlformats.org/markup-compatibility/2006">
+        <mc:Choice xmlns:a14="http://schemas.microsoft.com/office/drawing/2010/main" Requires="a14">
+          <p:sp>
+            <p:nvSpPr>
+              <p:cNvPr id="150" name="TextBox 149">
+                <a:extLst>
+                  <a:ext uri="{FF2B5EF4-FFF2-40B4-BE49-F238E27FC236}">
+                    <a16:creationId xmlns:a16="http://schemas.microsoft.com/office/drawing/2014/main" id="{DA6802D8-6F74-424F-86DB-542004574171}"/>
+                  </a:ext>
+                </a:extLst>
+              </p:cNvPr>
+              <p:cNvSpPr txBox="1"/>
+              <p:nvPr/>
+            </p:nvSpPr>
+            <p:spPr>
+              <a:xfrm>
+                <a:off x="6262156" y="4044753"/>
+                <a:ext cx="383319" cy="307777"/>
+              </a:xfrm>
+              <a:prstGeom prst="rect">
+                <a:avLst/>
+              </a:prstGeom>
+              <a:noFill/>
+            </p:spPr>
+            <p:txBody>
+              <a:bodyPr wrap="square" rtlCol="0">
+                <a:spAutoFit/>
+              </a:bodyPr>
+              <a:lstStyle/>
+              <a:p>
+                <a14:m>
+                  <m:oMathPara xmlns:m="http://schemas.openxmlformats.org/officeDocument/2006/math">
+                    <m:oMathParaPr>
+                      <m:jc m:val="centerGroup"/>
+                    </m:oMathParaPr>
+                    <m:oMath xmlns:m="http://schemas.openxmlformats.org/officeDocument/2006/math">
+                      <m:sSub>
+                        <m:sSubPr>
+                          <m:ctrlPr>
+                            <a:rPr lang="pt-BR" sz="1400" b="0" i="1" smtClean="0">
+                              <a:latin typeface="Cambria Math" panose="02040503050406030204" pitchFamily="18" charset="0"/>
+                            </a:rPr>
+                          </m:ctrlPr>
+                        </m:sSubPr>
+                        <m:e>
+                          <m:r>
+                            <a:rPr lang="pt-BR" sz="1400" b="0" i="1" smtClean="0">
+                              <a:latin typeface="Cambria Math" panose="02040503050406030204" pitchFamily="18" charset="0"/>
+                            </a:rPr>
+                            <m:t>𝑥</m:t>
+                          </m:r>
+                        </m:e>
+                        <m:sub>
+                          <m:r>
+                            <a:rPr lang="pt-BR" sz="1400" b="0" i="1" smtClean="0">
+                              <a:latin typeface="Cambria Math" panose="02040503050406030204" pitchFamily="18" charset="0"/>
+                            </a:rPr>
+                            <m:t>7</m:t>
+                          </m:r>
+                        </m:sub>
+                      </m:sSub>
+                    </m:oMath>
+                  </m:oMathPara>
+                </a14:m>
+                <a:endParaRPr lang="pt-BR" sz="1400" dirty="0"/>
+              </a:p>
+            </p:txBody>
+          </p:sp>
+        </mc:Choice>
+        <mc:Fallback>
+          <p:sp>
+            <p:nvSpPr>
+              <p:cNvPr id="150" name="TextBox 149">
+                <a:extLst>
+                  <a:ext uri="{FF2B5EF4-FFF2-40B4-BE49-F238E27FC236}">
+                    <a16:creationId xmlns:a16="http://schemas.microsoft.com/office/drawing/2014/main" id="{DA6802D8-6F74-424F-86DB-542004574171}"/>
+                  </a:ext>
+                </a:extLst>
+              </p:cNvPr>
+              <p:cNvSpPr txBox="1">
+                <a:spLocks noRot="1" noChangeAspect="1" noMove="1" noResize="1" noEditPoints="1" noAdjustHandles="1" noChangeArrowheads="1" noChangeShapeType="1" noTextEdit="1"/>
+              </p:cNvSpPr>
+              <p:nvPr/>
+            </p:nvSpPr>
+            <p:spPr>
+              <a:xfrm>
+                <a:off x="6262156" y="4044753"/>
+                <a:ext cx="383319" cy="307777"/>
+              </a:xfrm>
+              <a:prstGeom prst="rect">
+                <a:avLst/>
+              </a:prstGeom>
+              <a:blipFill>
+                <a:blip r:embed="rId18"/>
+                <a:stretch>
+                  <a:fillRect/>
+                </a:stretch>
+              </a:blipFill>
+            </p:spPr>
+            <p:txBody>
+              <a:bodyPr/>
+              <a:lstStyle/>
+              <a:p>
+                <a:r>
+                  <a:rPr lang="pt-BR">
+                    <a:noFill/>
+                  </a:rPr>
+                  <a:t> </a:t>
+                </a:r>
+              </a:p>
+            </p:txBody>
+          </p:sp>
+        </mc:Fallback>
+      </mc:AlternateContent>
+      <mc:AlternateContent xmlns:mc="http://schemas.openxmlformats.org/markup-compatibility/2006">
+        <mc:Choice xmlns:a14="http://schemas.microsoft.com/office/drawing/2010/main" Requires="a14">
+          <p:sp>
+            <p:nvSpPr>
+              <p:cNvPr id="151" name="TextBox 150">
+                <a:extLst>
+                  <a:ext uri="{FF2B5EF4-FFF2-40B4-BE49-F238E27FC236}">
+                    <a16:creationId xmlns:a16="http://schemas.microsoft.com/office/drawing/2014/main" id="{20F7CD04-3AE8-42F5-9608-D15970F5119D}"/>
+                  </a:ext>
+                </a:extLst>
+              </p:cNvPr>
+              <p:cNvSpPr txBox="1"/>
+              <p:nvPr/>
+            </p:nvSpPr>
+            <p:spPr>
+              <a:xfrm>
+                <a:off x="6259149" y="4275250"/>
+                <a:ext cx="383319" cy="307777"/>
+              </a:xfrm>
+              <a:prstGeom prst="rect">
+                <a:avLst/>
+              </a:prstGeom>
+              <a:noFill/>
+            </p:spPr>
+            <p:txBody>
+              <a:bodyPr wrap="square" rtlCol="0">
+                <a:spAutoFit/>
+              </a:bodyPr>
+              <a:lstStyle/>
+              <a:p>
+                <a14:m>
+                  <m:oMathPara xmlns:m="http://schemas.openxmlformats.org/officeDocument/2006/math">
+                    <m:oMathParaPr>
+                      <m:jc m:val="centerGroup"/>
+                    </m:oMathParaPr>
+                    <m:oMath xmlns:m="http://schemas.openxmlformats.org/officeDocument/2006/math">
+                      <m:sSub>
+                        <m:sSubPr>
+                          <m:ctrlPr>
+                            <a:rPr lang="pt-BR" sz="1400" b="0" i="1" smtClean="0">
+                              <a:latin typeface="Cambria Math" panose="02040503050406030204" pitchFamily="18" charset="0"/>
+                            </a:rPr>
+                          </m:ctrlPr>
+                        </m:sSubPr>
+                        <m:e>
+                          <m:r>
+                            <a:rPr lang="pt-BR" sz="1400" b="0" i="1" smtClean="0">
+                              <a:latin typeface="Cambria Math" panose="02040503050406030204" pitchFamily="18" charset="0"/>
+                            </a:rPr>
+                            <m:t>𝑥</m:t>
+                          </m:r>
+                        </m:e>
+                        <m:sub>
+                          <m:r>
+                            <a:rPr lang="pt-BR" sz="1400" b="0" i="1" smtClean="0">
+                              <a:latin typeface="Cambria Math" panose="02040503050406030204" pitchFamily="18" charset="0"/>
+                            </a:rPr>
+                            <m:t>8</m:t>
+                          </m:r>
+                        </m:sub>
+                      </m:sSub>
+                    </m:oMath>
+                  </m:oMathPara>
+                </a14:m>
+                <a:endParaRPr lang="pt-BR" sz="1400" dirty="0"/>
+              </a:p>
+            </p:txBody>
+          </p:sp>
+        </mc:Choice>
+        <mc:Fallback>
+          <p:sp>
+            <p:nvSpPr>
+              <p:cNvPr id="151" name="TextBox 150">
+                <a:extLst>
+                  <a:ext uri="{FF2B5EF4-FFF2-40B4-BE49-F238E27FC236}">
+                    <a16:creationId xmlns:a16="http://schemas.microsoft.com/office/drawing/2014/main" id="{20F7CD04-3AE8-42F5-9608-D15970F5119D}"/>
+                  </a:ext>
+                </a:extLst>
+              </p:cNvPr>
+              <p:cNvSpPr txBox="1">
+                <a:spLocks noRot="1" noChangeAspect="1" noMove="1" noResize="1" noEditPoints="1" noAdjustHandles="1" noChangeArrowheads="1" noChangeShapeType="1" noTextEdit="1"/>
+              </p:cNvSpPr>
+              <p:nvPr/>
+            </p:nvSpPr>
+            <p:spPr>
+              <a:xfrm>
+                <a:off x="6259149" y="4275250"/>
+                <a:ext cx="383319" cy="307777"/>
+              </a:xfrm>
+              <a:prstGeom prst="rect">
+                <a:avLst/>
+              </a:prstGeom>
+              <a:blipFill>
+                <a:blip r:embed="rId19"/>
+                <a:stretch>
+                  <a:fillRect/>
+                </a:stretch>
+              </a:blipFill>
+            </p:spPr>
+            <p:txBody>
+              <a:bodyPr/>
+              <a:lstStyle/>
+              <a:p>
+                <a:r>
+                  <a:rPr lang="pt-BR">
+                    <a:noFill/>
+                  </a:rPr>
+                  <a:t> </a:t>
+                </a:r>
+              </a:p>
+            </p:txBody>
+          </p:sp>
+        </mc:Fallback>
+      </mc:AlternateContent>
+      <p:grpSp>
+        <p:nvGrpSpPr>
+          <p:cNvPr id="152" name="Group 151">
+            <a:extLst>
+              <a:ext uri="{FF2B5EF4-FFF2-40B4-BE49-F238E27FC236}">
+                <a16:creationId xmlns:a16="http://schemas.microsoft.com/office/drawing/2014/main" id="{C610DFA8-1E3F-4906-9775-1EFE2E498514}"/>
+              </a:ext>
+            </a:extLst>
+          </p:cNvPr>
+          <p:cNvGrpSpPr/>
+          <p:nvPr/>
+        </p:nvGrpSpPr>
+        <p:grpSpPr>
+          <a:xfrm>
+            <a:off x="6592833" y="4671484"/>
+            <a:ext cx="171773" cy="839839"/>
+            <a:chOff x="2734490" y="1193074"/>
+            <a:chExt cx="687978" cy="3363687"/>
+          </a:xfrm>
+        </p:grpSpPr>
+        <p:sp>
+          <p:nvSpPr>
+            <p:cNvPr id="153" name="Oval 152">
+              <a:extLst>
+                <a:ext uri="{FF2B5EF4-FFF2-40B4-BE49-F238E27FC236}">
+                  <a16:creationId xmlns:a16="http://schemas.microsoft.com/office/drawing/2014/main" id="{C16D8994-906E-4213-88F4-1E538C0A66DF}"/>
+                </a:ext>
+              </a:extLst>
+            </p:cNvPr>
+            <p:cNvSpPr/>
+            <p:nvPr/>
+          </p:nvSpPr>
+          <p:spPr>
+            <a:xfrm>
+              <a:off x="2734490" y="1193074"/>
+              <a:ext cx="687977" cy="687977"/>
+            </a:xfrm>
+            <a:prstGeom prst="ellipse">
+              <a:avLst/>
+            </a:prstGeom>
+          </p:spPr>
+          <p:style>
+            <a:lnRef idx="2">
+              <a:schemeClr val="accent1">
+                <a:shade val="50000"/>
+              </a:schemeClr>
+            </a:lnRef>
+            <a:fillRef idx="1">
+              <a:schemeClr val="accent1"/>
+            </a:fillRef>
+            <a:effectRef idx="0">
+              <a:schemeClr val="accent1"/>
+            </a:effectRef>
+            <a:fontRef idx="minor">
+              <a:schemeClr val="lt1"/>
+            </a:fontRef>
+          </p:style>
+          <p:txBody>
+            <a:bodyPr rtlCol="0" anchor="ctr"/>
+            <a:lstStyle/>
+            <a:p>
+              <a:pPr algn="ctr"/>
+              <a:endParaRPr lang="pt-BR"/>
+            </a:p>
+          </p:txBody>
+        </p:sp>
+        <p:sp>
+          <p:nvSpPr>
+            <p:cNvPr id="154" name="Oval 153">
+              <a:extLst>
+                <a:ext uri="{FF2B5EF4-FFF2-40B4-BE49-F238E27FC236}">
+                  <a16:creationId xmlns:a16="http://schemas.microsoft.com/office/drawing/2014/main" id="{E82F7286-975D-4D30-9707-3E35F447241D}"/>
+                </a:ext>
+              </a:extLst>
+            </p:cNvPr>
+            <p:cNvSpPr/>
+            <p:nvPr/>
+          </p:nvSpPr>
+          <p:spPr>
+            <a:xfrm>
+              <a:off x="2734491" y="2084977"/>
+              <a:ext cx="687977" cy="687977"/>
+            </a:xfrm>
+            <a:prstGeom prst="ellipse">
+              <a:avLst/>
+            </a:prstGeom>
+          </p:spPr>
+          <p:style>
+            <a:lnRef idx="2">
+              <a:schemeClr val="accent1">
+                <a:shade val="50000"/>
+              </a:schemeClr>
+            </a:lnRef>
+            <a:fillRef idx="1">
+              <a:schemeClr val="accent1"/>
+            </a:fillRef>
+            <a:effectRef idx="0">
+              <a:schemeClr val="accent1"/>
+            </a:effectRef>
+            <a:fontRef idx="minor">
+              <a:schemeClr val="lt1"/>
+            </a:fontRef>
+          </p:style>
+          <p:txBody>
+            <a:bodyPr rtlCol="0" anchor="ctr"/>
+            <a:lstStyle/>
+            <a:p>
+              <a:pPr algn="ctr"/>
+              <a:endParaRPr lang="pt-BR"/>
+            </a:p>
+          </p:txBody>
+        </p:sp>
+        <p:sp>
+          <p:nvSpPr>
+            <p:cNvPr id="155" name="Oval 154">
+              <a:extLst>
+                <a:ext uri="{FF2B5EF4-FFF2-40B4-BE49-F238E27FC236}">
+                  <a16:creationId xmlns:a16="http://schemas.microsoft.com/office/drawing/2014/main" id="{D7AF26DE-EB1A-43AA-B687-CD68363538E9}"/>
+                </a:ext>
+              </a:extLst>
+            </p:cNvPr>
+            <p:cNvSpPr/>
+            <p:nvPr/>
+          </p:nvSpPr>
+          <p:spPr>
+            <a:xfrm>
+              <a:off x="2734491" y="2976880"/>
+              <a:ext cx="687977" cy="687977"/>
+            </a:xfrm>
+            <a:prstGeom prst="ellipse">
+              <a:avLst/>
+            </a:prstGeom>
+          </p:spPr>
+          <p:style>
+            <a:lnRef idx="2">
+              <a:schemeClr val="accent1">
+                <a:shade val="50000"/>
+              </a:schemeClr>
+            </a:lnRef>
+            <a:fillRef idx="1">
+              <a:schemeClr val="accent1"/>
+            </a:fillRef>
+            <a:effectRef idx="0">
+              <a:schemeClr val="accent1"/>
+            </a:effectRef>
+            <a:fontRef idx="minor">
+              <a:schemeClr val="lt1"/>
+            </a:fontRef>
+          </p:style>
+          <p:txBody>
+            <a:bodyPr rtlCol="0" anchor="ctr"/>
+            <a:lstStyle/>
+            <a:p>
+              <a:pPr algn="ctr"/>
+              <a:endParaRPr lang="pt-BR"/>
+            </a:p>
+          </p:txBody>
+        </p:sp>
+        <p:sp>
+          <p:nvSpPr>
+            <p:cNvPr id="156" name="Oval 155">
+              <a:extLst>
+                <a:ext uri="{FF2B5EF4-FFF2-40B4-BE49-F238E27FC236}">
+                  <a16:creationId xmlns:a16="http://schemas.microsoft.com/office/drawing/2014/main" id="{9A15C68F-3996-43C6-9C2E-9815F7E7EC3A}"/>
+                </a:ext>
+              </a:extLst>
+            </p:cNvPr>
+            <p:cNvSpPr/>
+            <p:nvPr/>
+          </p:nvSpPr>
+          <p:spPr>
+            <a:xfrm>
+              <a:off x="2734491" y="3868784"/>
+              <a:ext cx="687977" cy="687977"/>
+            </a:xfrm>
+            <a:prstGeom prst="ellipse">
+              <a:avLst/>
+            </a:prstGeom>
+          </p:spPr>
+          <p:style>
+            <a:lnRef idx="2">
+              <a:schemeClr val="accent1">
+                <a:shade val="50000"/>
+              </a:schemeClr>
+            </a:lnRef>
+            <a:fillRef idx="1">
+              <a:schemeClr val="accent1"/>
+            </a:fillRef>
+            <a:effectRef idx="0">
+              <a:schemeClr val="accent1"/>
+            </a:effectRef>
+            <a:fontRef idx="minor">
+              <a:schemeClr val="lt1"/>
+            </a:fontRef>
+          </p:style>
+          <p:txBody>
+            <a:bodyPr rtlCol="0" anchor="ctr"/>
+            <a:lstStyle/>
+            <a:p>
+              <a:pPr algn="ctr"/>
+              <a:endParaRPr lang="pt-BR"/>
+            </a:p>
+          </p:txBody>
+        </p:sp>
+      </p:grpSp>
+      <mc:AlternateContent xmlns:mc="http://schemas.openxmlformats.org/markup-compatibility/2006">
+        <mc:Choice xmlns:a14="http://schemas.microsoft.com/office/drawing/2010/main" Requires="a14">
+          <p:sp>
+            <p:nvSpPr>
+              <p:cNvPr id="157" name="TextBox 156">
+                <a:extLst>
+                  <a:ext uri="{FF2B5EF4-FFF2-40B4-BE49-F238E27FC236}">
+                    <a16:creationId xmlns:a16="http://schemas.microsoft.com/office/drawing/2014/main" id="{24FBDC5A-A535-4C0D-AEF7-4A9CC5F33788}"/>
+                  </a:ext>
+                </a:extLst>
+              </p:cNvPr>
+              <p:cNvSpPr txBox="1"/>
+              <p:nvPr/>
+            </p:nvSpPr>
+            <p:spPr>
+              <a:xfrm>
+                <a:off x="6251010" y="4525185"/>
+                <a:ext cx="383319" cy="307777"/>
+              </a:xfrm>
+              <a:prstGeom prst="rect">
+                <a:avLst/>
+              </a:prstGeom>
+              <a:noFill/>
+            </p:spPr>
+            <p:txBody>
+              <a:bodyPr wrap="square" rtlCol="0">
+                <a:spAutoFit/>
+              </a:bodyPr>
+              <a:lstStyle/>
+              <a:p>
+                <a14:m>
+                  <m:oMathPara xmlns:m="http://schemas.openxmlformats.org/officeDocument/2006/math">
+                    <m:oMathParaPr>
+                      <m:jc m:val="centerGroup"/>
+                    </m:oMathParaPr>
+                    <m:oMath xmlns:m="http://schemas.openxmlformats.org/officeDocument/2006/math">
+                      <m:sSub>
+                        <m:sSubPr>
+                          <m:ctrlPr>
+                            <a:rPr lang="pt-BR" sz="1400" b="0" i="1" smtClean="0">
+                              <a:latin typeface="Cambria Math" panose="02040503050406030204" pitchFamily="18" charset="0"/>
+                            </a:rPr>
+                          </m:ctrlPr>
+                        </m:sSubPr>
+                        <m:e>
+                          <m:r>
+                            <a:rPr lang="pt-BR" sz="1400" b="0" i="1" smtClean="0">
+                              <a:latin typeface="Cambria Math" panose="02040503050406030204" pitchFamily="18" charset="0"/>
+                            </a:rPr>
+                            <m:t>𝑥</m:t>
+                          </m:r>
+                        </m:e>
+                        <m:sub>
+                          <m:r>
+                            <a:rPr lang="pt-BR" sz="1400" b="0" i="1" smtClean="0">
+                              <a:latin typeface="Cambria Math" panose="02040503050406030204" pitchFamily="18" charset="0"/>
+                            </a:rPr>
+                            <m:t>9</m:t>
+                          </m:r>
+                        </m:sub>
+                      </m:sSub>
+                    </m:oMath>
+                  </m:oMathPara>
+                </a14:m>
+                <a:endParaRPr lang="pt-BR" sz="1400" dirty="0"/>
+              </a:p>
+            </p:txBody>
+          </p:sp>
+        </mc:Choice>
+        <mc:Fallback>
+          <p:sp>
+            <p:nvSpPr>
+              <p:cNvPr id="157" name="TextBox 156">
+                <a:extLst>
+                  <a:ext uri="{FF2B5EF4-FFF2-40B4-BE49-F238E27FC236}">
+                    <a16:creationId xmlns:a16="http://schemas.microsoft.com/office/drawing/2014/main" id="{24FBDC5A-A535-4C0D-AEF7-4A9CC5F33788}"/>
+                  </a:ext>
+                </a:extLst>
+              </p:cNvPr>
+              <p:cNvSpPr txBox="1">
+                <a:spLocks noRot="1" noChangeAspect="1" noMove="1" noResize="1" noEditPoints="1" noAdjustHandles="1" noChangeArrowheads="1" noChangeShapeType="1" noTextEdit="1"/>
+              </p:cNvSpPr>
+              <p:nvPr/>
+            </p:nvSpPr>
+            <p:spPr>
+              <a:xfrm>
+                <a:off x="6251010" y="4525185"/>
+                <a:ext cx="383319" cy="307777"/>
+              </a:xfrm>
+              <a:prstGeom prst="rect">
+                <a:avLst/>
+              </a:prstGeom>
+              <a:blipFill>
+                <a:blip r:embed="rId20"/>
+                <a:stretch>
+                  <a:fillRect/>
+                </a:stretch>
+              </a:blipFill>
+            </p:spPr>
+            <p:txBody>
+              <a:bodyPr/>
+              <a:lstStyle/>
+              <a:p>
+                <a:r>
+                  <a:rPr lang="pt-BR">
+                    <a:noFill/>
+                  </a:rPr>
+                  <a:t> </a:t>
+                </a:r>
+              </a:p>
+            </p:txBody>
+          </p:sp>
+        </mc:Fallback>
+      </mc:AlternateContent>
+      <mc:AlternateContent xmlns:mc="http://schemas.openxmlformats.org/markup-compatibility/2006">
+        <mc:Choice xmlns:a14="http://schemas.microsoft.com/office/drawing/2010/main" Requires="a14">
+          <p:sp>
+            <p:nvSpPr>
+              <p:cNvPr id="158" name="TextBox 157">
+                <a:extLst>
+                  <a:ext uri="{FF2B5EF4-FFF2-40B4-BE49-F238E27FC236}">
+                    <a16:creationId xmlns:a16="http://schemas.microsoft.com/office/drawing/2014/main" id="{9E72F510-2BF8-46C6-8D3D-2A09161774DE}"/>
+                  </a:ext>
+                </a:extLst>
+              </p:cNvPr>
+              <p:cNvSpPr txBox="1"/>
+              <p:nvPr/>
+            </p:nvSpPr>
+            <p:spPr>
+              <a:xfrm>
+                <a:off x="6251009" y="4737398"/>
+                <a:ext cx="383319" cy="307777"/>
+              </a:xfrm>
+              <a:prstGeom prst="rect">
+                <a:avLst/>
+              </a:prstGeom>
+              <a:noFill/>
+            </p:spPr>
+            <p:txBody>
+              <a:bodyPr wrap="square" rtlCol="0">
+                <a:spAutoFit/>
+              </a:bodyPr>
+              <a:lstStyle/>
+              <a:p>
+                <a14:m>
+                  <m:oMathPara xmlns:m="http://schemas.openxmlformats.org/officeDocument/2006/math">
+                    <m:oMathParaPr>
+                      <m:jc m:val="centerGroup"/>
+                    </m:oMathParaPr>
+                    <m:oMath xmlns:m="http://schemas.openxmlformats.org/officeDocument/2006/math">
+                      <m:sSub>
+                        <m:sSubPr>
+                          <m:ctrlPr>
+                            <a:rPr lang="pt-BR" sz="1400" b="0" i="1" smtClean="0">
+                              <a:latin typeface="Cambria Math" panose="02040503050406030204" pitchFamily="18" charset="0"/>
+                            </a:rPr>
+                          </m:ctrlPr>
+                        </m:sSubPr>
+                        <m:e>
+                          <m:r>
+                            <a:rPr lang="pt-BR" sz="1400" b="0" i="1" smtClean="0">
+                              <a:latin typeface="Cambria Math" panose="02040503050406030204" pitchFamily="18" charset="0"/>
+                            </a:rPr>
+                            <m:t>𝑥</m:t>
+                          </m:r>
+                        </m:e>
+                        <m:sub>
+                          <m:r>
+                            <a:rPr lang="pt-BR" sz="1400" b="0" i="1" smtClean="0">
+                              <a:latin typeface="Cambria Math" panose="02040503050406030204" pitchFamily="18" charset="0"/>
+                            </a:rPr>
+                            <m:t>10</m:t>
+                          </m:r>
+                        </m:sub>
+                      </m:sSub>
+                    </m:oMath>
+                  </m:oMathPara>
+                </a14:m>
+                <a:endParaRPr lang="pt-BR" sz="1400" dirty="0"/>
+              </a:p>
+            </p:txBody>
+          </p:sp>
+        </mc:Choice>
+        <mc:Fallback>
+          <p:sp>
+            <p:nvSpPr>
+              <p:cNvPr id="158" name="TextBox 157">
+                <a:extLst>
+                  <a:ext uri="{FF2B5EF4-FFF2-40B4-BE49-F238E27FC236}">
+                    <a16:creationId xmlns:a16="http://schemas.microsoft.com/office/drawing/2014/main" id="{9E72F510-2BF8-46C6-8D3D-2A09161774DE}"/>
+                  </a:ext>
+                </a:extLst>
+              </p:cNvPr>
+              <p:cNvSpPr txBox="1">
+                <a:spLocks noRot="1" noChangeAspect="1" noMove="1" noResize="1" noEditPoints="1" noAdjustHandles="1" noChangeArrowheads="1" noChangeShapeType="1" noTextEdit="1"/>
+              </p:cNvSpPr>
+              <p:nvPr/>
+            </p:nvSpPr>
+            <p:spPr>
+              <a:xfrm>
+                <a:off x="6251009" y="4737398"/>
+                <a:ext cx="383319" cy="307777"/>
+              </a:xfrm>
+              <a:prstGeom prst="rect">
+                <a:avLst/>
+              </a:prstGeom>
+              <a:blipFill>
+                <a:blip r:embed="rId21"/>
+                <a:stretch>
+                  <a:fillRect/>
+                </a:stretch>
+              </a:blipFill>
+            </p:spPr>
+            <p:txBody>
+              <a:bodyPr/>
+              <a:lstStyle/>
+              <a:p>
+                <a:r>
+                  <a:rPr lang="pt-BR">
+                    <a:noFill/>
+                  </a:rPr>
+                  <a:t> </a:t>
+                </a:r>
+              </a:p>
+            </p:txBody>
+          </p:sp>
+        </mc:Fallback>
+      </mc:AlternateContent>
+      <mc:AlternateContent xmlns:mc="http://schemas.openxmlformats.org/markup-compatibility/2006">
+        <mc:Choice xmlns:a14="http://schemas.microsoft.com/office/drawing/2010/main" Requires="a14">
+          <p:sp>
+            <p:nvSpPr>
+              <p:cNvPr id="159" name="TextBox 158">
+                <a:extLst>
+                  <a:ext uri="{FF2B5EF4-FFF2-40B4-BE49-F238E27FC236}">
+                    <a16:creationId xmlns:a16="http://schemas.microsoft.com/office/drawing/2014/main" id="{13BF3534-45F7-4F84-8CFB-147A60E7B716}"/>
+                  </a:ext>
+                </a:extLst>
+              </p:cNvPr>
+              <p:cNvSpPr txBox="1"/>
+              <p:nvPr/>
+            </p:nvSpPr>
+            <p:spPr>
+              <a:xfrm>
+                <a:off x="6251009" y="4952278"/>
+                <a:ext cx="383319" cy="307777"/>
+              </a:xfrm>
+              <a:prstGeom prst="rect">
+                <a:avLst/>
+              </a:prstGeom>
+              <a:noFill/>
+            </p:spPr>
+            <p:txBody>
+              <a:bodyPr wrap="square" rtlCol="0">
+                <a:spAutoFit/>
+              </a:bodyPr>
+              <a:lstStyle/>
+              <a:p>
+                <a14:m>
+                  <m:oMathPara xmlns:m="http://schemas.openxmlformats.org/officeDocument/2006/math">
+                    <m:oMathParaPr>
+                      <m:jc m:val="centerGroup"/>
+                    </m:oMathParaPr>
+                    <m:oMath xmlns:m="http://schemas.openxmlformats.org/officeDocument/2006/math">
+                      <m:sSub>
+                        <m:sSubPr>
+                          <m:ctrlPr>
+                            <a:rPr lang="pt-BR" sz="1400" b="0" i="1" smtClean="0">
+                              <a:latin typeface="Cambria Math" panose="02040503050406030204" pitchFamily="18" charset="0"/>
+                            </a:rPr>
+                          </m:ctrlPr>
+                        </m:sSubPr>
+                        <m:e>
+                          <m:r>
+                            <a:rPr lang="pt-BR" sz="1400" b="0" i="1" smtClean="0">
+                              <a:latin typeface="Cambria Math" panose="02040503050406030204" pitchFamily="18" charset="0"/>
+                            </a:rPr>
+                            <m:t>𝑥</m:t>
+                          </m:r>
+                        </m:e>
+                        <m:sub>
+                          <m:r>
+                            <a:rPr lang="pt-BR" sz="1400" b="0" i="1" smtClean="0">
+                              <a:latin typeface="Cambria Math" panose="02040503050406030204" pitchFamily="18" charset="0"/>
+                            </a:rPr>
+                            <m:t>11</m:t>
+                          </m:r>
+                        </m:sub>
+                      </m:sSub>
+                    </m:oMath>
+                  </m:oMathPara>
+                </a14:m>
+                <a:endParaRPr lang="pt-BR" sz="1400" dirty="0"/>
+              </a:p>
+            </p:txBody>
+          </p:sp>
+        </mc:Choice>
+        <mc:Fallback>
+          <p:sp>
+            <p:nvSpPr>
+              <p:cNvPr id="159" name="TextBox 158">
+                <a:extLst>
+                  <a:ext uri="{FF2B5EF4-FFF2-40B4-BE49-F238E27FC236}">
+                    <a16:creationId xmlns:a16="http://schemas.microsoft.com/office/drawing/2014/main" id="{13BF3534-45F7-4F84-8CFB-147A60E7B716}"/>
+                  </a:ext>
+                </a:extLst>
+              </p:cNvPr>
+              <p:cNvSpPr txBox="1">
+                <a:spLocks noRot="1" noChangeAspect="1" noMove="1" noResize="1" noEditPoints="1" noAdjustHandles="1" noChangeArrowheads="1" noChangeShapeType="1" noTextEdit="1"/>
+              </p:cNvSpPr>
+              <p:nvPr/>
+            </p:nvSpPr>
+            <p:spPr>
+              <a:xfrm>
+                <a:off x="6251009" y="4952278"/>
+                <a:ext cx="383319" cy="307777"/>
+              </a:xfrm>
+              <a:prstGeom prst="rect">
+                <a:avLst/>
+              </a:prstGeom>
+              <a:blipFill>
+                <a:blip r:embed="rId22"/>
+                <a:stretch>
+                  <a:fillRect/>
+                </a:stretch>
+              </a:blipFill>
+            </p:spPr>
+            <p:txBody>
+              <a:bodyPr/>
+              <a:lstStyle/>
+              <a:p>
+                <a:r>
+                  <a:rPr lang="pt-BR">
+                    <a:noFill/>
+                  </a:rPr>
+                  <a:t> </a:t>
+                </a:r>
+              </a:p>
+            </p:txBody>
+          </p:sp>
+        </mc:Fallback>
+      </mc:AlternateContent>
+      <mc:AlternateContent xmlns:mc="http://schemas.openxmlformats.org/markup-compatibility/2006">
+        <mc:Choice xmlns:a14="http://schemas.microsoft.com/office/drawing/2010/main" Requires="a14">
+          <p:sp>
+            <p:nvSpPr>
+              <p:cNvPr id="160" name="TextBox 159">
+                <a:extLst>
+                  <a:ext uri="{FF2B5EF4-FFF2-40B4-BE49-F238E27FC236}">
+                    <a16:creationId xmlns:a16="http://schemas.microsoft.com/office/drawing/2014/main" id="{5F46241A-1CD0-4450-B3DE-CA381CFAD175}"/>
+                  </a:ext>
+                </a:extLst>
+              </p:cNvPr>
+              <p:cNvSpPr txBox="1"/>
+              <p:nvPr/>
+            </p:nvSpPr>
+            <p:spPr>
+              <a:xfrm>
+                <a:off x="6248002" y="5182775"/>
+                <a:ext cx="383319" cy="307777"/>
+              </a:xfrm>
+              <a:prstGeom prst="rect">
+                <a:avLst/>
+              </a:prstGeom>
+              <a:noFill/>
+            </p:spPr>
+            <p:txBody>
+              <a:bodyPr wrap="square" rtlCol="0">
+                <a:spAutoFit/>
+              </a:bodyPr>
+              <a:lstStyle/>
+              <a:p>
+                <a14:m>
+                  <m:oMathPara xmlns:m="http://schemas.openxmlformats.org/officeDocument/2006/math">
+                    <m:oMathParaPr>
+                      <m:jc m:val="centerGroup"/>
+                    </m:oMathParaPr>
+                    <m:oMath xmlns:m="http://schemas.openxmlformats.org/officeDocument/2006/math">
+                      <m:sSub>
+                        <m:sSubPr>
+                          <m:ctrlPr>
+                            <a:rPr lang="pt-BR" sz="1400" b="0" i="1" smtClean="0">
+                              <a:latin typeface="Cambria Math" panose="02040503050406030204" pitchFamily="18" charset="0"/>
+                            </a:rPr>
+                          </m:ctrlPr>
+                        </m:sSubPr>
+                        <m:e>
+                          <m:r>
+                            <a:rPr lang="pt-BR" sz="1400" b="0" i="1" smtClean="0">
+                              <a:latin typeface="Cambria Math" panose="02040503050406030204" pitchFamily="18" charset="0"/>
+                            </a:rPr>
+                            <m:t>𝑥</m:t>
+                          </m:r>
+                        </m:e>
+                        <m:sub>
+                          <m:r>
+                            <a:rPr lang="pt-BR" sz="1400" b="0" i="1" smtClean="0">
+                              <a:latin typeface="Cambria Math" panose="02040503050406030204" pitchFamily="18" charset="0"/>
+                            </a:rPr>
+                            <m:t>12</m:t>
+                          </m:r>
+                        </m:sub>
+                      </m:sSub>
+                    </m:oMath>
+                  </m:oMathPara>
+                </a14:m>
+                <a:endParaRPr lang="pt-BR" sz="1400" dirty="0"/>
+              </a:p>
+            </p:txBody>
+          </p:sp>
+        </mc:Choice>
+        <mc:Fallback>
+          <p:sp>
+            <p:nvSpPr>
+              <p:cNvPr id="160" name="TextBox 159">
+                <a:extLst>
+                  <a:ext uri="{FF2B5EF4-FFF2-40B4-BE49-F238E27FC236}">
+                    <a16:creationId xmlns:a16="http://schemas.microsoft.com/office/drawing/2014/main" id="{5F46241A-1CD0-4450-B3DE-CA381CFAD175}"/>
+                  </a:ext>
+                </a:extLst>
+              </p:cNvPr>
+              <p:cNvSpPr txBox="1">
+                <a:spLocks noRot="1" noChangeAspect="1" noMove="1" noResize="1" noEditPoints="1" noAdjustHandles="1" noChangeArrowheads="1" noChangeShapeType="1" noTextEdit="1"/>
+              </p:cNvSpPr>
+              <p:nvPr/>
+            </p:nvSpPr>
+            <p:spPr>
+              <a:xfrm>
+                <a:off x="6248002" y="5182775"/>
+                <a:ext cx="383319" cy="307777"/>
+              </a:xfrm>
+              <a:prstGeom prst="rect">
+                <a:avLst/>
+              </a:prstGeom>
+              <a:blipFill>
+                <a:blip r:embed="rId23"/>
+                <a:stretch>
+                  <a:fillRect/>
+                </a:stretch>
+              </a:blipFill>
+            </p:spPr>
+            <p:txBody>
+              <a:bodyPr/>
+              <a:lstStyle/>
+              <a:p>
+                <a:r>
+                  <a:rPr lang="pt-BR">
+                    <a:noFill/>
+                  </a:rPr>
+                  <a:t> </a:t>
+                </a:r>
+              </a:p>
+            </p:txBody>
+          </p:sp>
+        </mc:Fallback>
+      </mc:AlternateContent>
+      <p:cxnSp>
+        <p:nvCxnSpPr>
+          <p:cNvPr id="171" name="Straight Arrow Connector 170">
+            <a:extLst>
+              <a:ext uri="{FF2B5EF4-FFF2-40B4-BE49-F238E27FC236}">
+                <a16:creationId xmlns:a16="http://schemas.microsoft.com/office/drawing/2014/main" id="{9C78E062-B29F-4259-B758-AB138E413992}"/>
+              </a:ext>
+            </a:extLst>
+          </p:cNvPr>
+          <p:cNvCxnSpPr>
+            <a:cxnSpLocks/>
+            <a:stCxn id="56" idx="6"/>
+            <a:endCxn id="61" idx="2"/>
+          </p:cNvCxnSpPr>
+          <p:nvPr/>
+        </p:nvCxnSpPr>
+        <p:spPr>
+          <a:xfrm>
+            <a:off x="6775753" y="2952565"/>
+            <a:ext cx="1118591" cy="231526"/>
+          </a:xfrm>
+          <a:prstGeom prst="straightConnector1">
+            <a:avLst/>
+          </a:prstGeom>
+          <a:ln>
+            <a:solidFill>
+              <a:schemeClr val="accent6">
+                <a:lumMod val="75000"/>
+              </a:schemeClr>
+            </a:solidFill>
+            <a:tailEnd type="triangle"/>
+          </a:ln>
+        </p:spPr>
+        <p:style>
+          <a:lnRef idx="1">
+            <a:schemeClr val="accent1"/>
+          </a:lnRef>
+          <a:fillRef idx="0">
+            <a:schemeClr val="accent1"/>
+          </a:fillRef>
+          <a:effectRef idx="0">
+            <a:schemeClr val="accent1"/>
+          </a:effectRef>
+          <a:fontRef idx="minor">
+            <a:schemeClr val="tx1"/>
+          </a:fontRef>
+        </p:style>
+      </p:cxnSp>
+      <p:cxnSp>
+        <p:nvCxnSpPr>
+          <p:cNvPr id="172" name="Straight Arrow Connector 171">
+            <a:extLst>
+              <a:ext uri="{FF2B5EF4-FFF2-40B4-BE49-F238E27FC236}">
+                <a16:creationId xmlns:a16="http://schemas.microsoft.com/office/drawing/2014/main" id="{39F82C7B-45B6-491D-BB25-169BCEFD28F8}"/>
+              </a:ext>
+            </a:extLst>
+          </p:cNvPr>
+          <p:cNvCxnSpPr>
+            <a:cxnSpLocks/>
+            <a:stCxn id="57" idx="6"/>
+            <a:endCxn id="61" idx="2"/>
+          </p:cNvCxnSpPr>
+          <p:nvPr/>
+        </p:nvCxnSpPr>
+        <p:spPr>
+          <a:xfrm>
+            <a:off x="6775753" y="3175254"/>
+            <a:ext cx="1118591" cy="8837"/>
+          </a:xfrm>
+          <a:prstGeom prst="straightConnector1">
+            <a:avLst/>
+          </a:prstGeom>
+          <a:ln>
+            <a:solidFill>
+              <a:schemeClr val="accent6">
+                <a:lumMod val="75000"/>
+              </a:schemeClr>
+            </a:solidFill>
+            <a:tailEnd type="triangle"/>
+          </a:ln>
+        </p:spPr>
+        <p:style>
+          <a:lnRef idx="1">
+            <a:schemeClr val="accent1"/>
+          </a:lnRef>
+          <a:fillRef idx="0">
+            <a:schemeClr val="accent1"/>
+          </a:fillRef>
+          <a:effectRef idx="0">
+            <a:schemeClr val="accent1"/>
+          </a:effectRef>
+          <a:fontRef idx="minor">
+            <a:schemeClr val="tx1"/>
+          </a:fontRef>
+        </p:style>
+      </p:cxnSp>
+      <p:cxnSp>
+        <p:nvCxnSpPr>
+          <p:cNvPr id="175" name="Straight Arrow Connector 174">
+            <a:extLst>
+              <a:ext uri="{FF2B5EF4-FFF2-40B4-BE49-F238E27FC236}">
+                <a16:creationId xmlns:a16="http://schemas.microsoft.com/office/drawing/2014/main" id="{DCBF26CD-36E3-4589-8F91-6E0839140943}"/>
+              </a:ext>
+            </a:extLst>
+          </p:cNvPr>
+          <p:cNvCxnSpPr>
+            <a:cxnSpLocks/>
+            <a:stCxn id="145" idx="6"/>
+            <a:endCxn id="61" idx="2"/>
+          </p:cNvCxnSpPr>
+          <p:nvPr/>
+        </p:nvCxnSpPr>
+        <p:spPr>
+          <a:xfrm flipV="1">
+            <a:off x="6775753" y="3184091"/>
+            <a:ext cx="1118591" cy="888444"/>
+          </a:xfrm>
+          <a:prstGeom prst="straightConnector1">
+            <a:avLst/>
+          </a:prstGeom>
+          <a:ln>
+            <a:solidFill>
+              <a:schemeClr val="accent6">
+                <a:lumMod val="75000"/>
+              </a:schemeClr>
+            </a:solidFill>
+            <a:tailEnd type="triangle"/>
+          </a:ln>
+        </p:spPr>
+        <p:style>
+          <a:lnRef idx="1">
+            <a:schemeClr val="accent1"/>
+          </a:lnRef>
+          <a:fillRef idx="0">
+            <a:schemeClr val="accent1"/>
+          </a:fillRef>
+          <a:effectRef idx="0">
+            <a:schemeClr val="accent1"/>
+          </a:effectRef>
+          <a:fontRef idx="minor">
+            <a:schemeClr val="tx1"/>
+          </a:fontRef>
+        </p:style>
+      </p:cxnSp>
+      <p:cxnSp>
+        <p:nvCxnSpPr>
+          <p:cNvPr id="178" name="Straight Arrow Connector 177">
+            <a:extLst>
+              <a:ext uri="{FF2B5EF4-FFF2-40B4-BE49-F238E27FC236}">
+                <a16:creationId xmlns:a16="http://schemas.microsoft.com/office/drawing/2014/main" id="{F69A84F0-D5EA-4C3E-89B8-D2E8517D2E33}"/>
+              </a:ext>
+            </a:extLst>
+          </p:cNvPr>
+          <p:cNvCxnSpPr>
+            <a:cxnSpLocks/>
+            <a:stCxn id="146" idx="6"/>
+            <a:endCxn id="61" idx="2"/>
+          </p:cNvCxnSpPr>
+          <p:nvPr/>
+        </p:nvCxnSpPr>
+        <p:spPr>
+          <a:xfrm flipV="1">
+            <a:off x="6775753" y="3184091"/>
+            <a:ext cx="1118591" cy="1111132"/>
+          </a:xfrm>
+          <a:prstGeom prst="straightConnector1">
+            <a:avLst/>
+          </a:prstGeom>
+          <a:ln>
+            <a:solidFill>
+              <a:schemeClr val="accent6">
+                <a:lumMod val="75000"/>
+              </a:schemeClr>
+            </a:solidFill>
+            <a:tailEnd type="triangle"/>
+          </a:ln>
+        </p:spPr>
+        <p:style>
+          <a:lnRef idx="1">
+            <a:schemeClr val="accent1"/>
+          </a:lnRef>
+          <a:fillRef idx="0">
+            <a:schemeClr val="accent1"/>
+          </a:fillRef>
+          <a:effectRef idx="0">
+            <a:schemeClr val="accent1"/>
+          </a:effectRef>
+          <a:fontRef idx="minor">
+            <a:schemeClr val="tx1"/>
+          </a:fontRef>
+        </p:style>
+      </p:cxnSp>
+      <p:sp>
+        <p:nvSpPr>
+          <p:cNvPr id="185" name="Oval 184">
+            <a:extLst>
+              <a:ext uri="{FF2B5EF4-FFF2-40B4-BE49-F238E27FC236}">
+                <a16:creationId xmlns:a16="http://schemas.microsoft.com/office/drawing/2014/main" id="{AC9B0321-8854-4DE6-A8F7-A73EEDA77A41}"/>
+              </a:ext>
+            </a:extLst>
+          </p:cNvPr>
+          <p:cNvSpPr/>
+          <p:nvPr/>
+        </p:nvSpPr>
+        <p:spPr>
+          <a:xfrm>
+            <a:off x="7894344" y="4235354"/>
+            <a:ext cx="311869" cy="311869"/>
+          </a:xfrm>
+          <a:prstGeom prst="ellipse">
+            <a:avLst/>
+          </a:prstGeom>
+        </p:spPr>
+        <p:style>
+          <a:lnRef idx="2">
+            <a:schemeClr val="accent6">
+              <a:shade val="50000"/>
+            </a:schemeClr>
+          </a:lnRef>
+          <a:fillRef idx="1">
+            <a:schemeClr val="accent6"/>
+          </a:fillRef>
+          <a:effectRef idx="0">
+            <a:schemeClr val="accent6"/>
+          </a:effectRef>
+          <a:fontRef idx="minor">
+            <a:schemeClr val="lt1"/>
+          </a:fontRef>
+        </p:style>
+        <p:txBody>
+          <a:bodyPr rtlCol="0" anchor="ctr"/>
+          <a:lstStyle/>
+          <a:p>
+            <a:pPr algn="ctr"/>
+            <a:endParaRPr lang="pt-BR"/>
+          </a:p>
+        </p:txBody>
+      </p:sp>
+      <p:sp>
+        <p:nvSpPr>
+          <p:cNvPr id="186" name="Oval 185">
+            <a:extLst>
+              <a:ext uri="{FF2B5EF4-FFF2-40B4-BE49-F238E27FC236}">
+                <a16:creationId xmlns:a16="http://schemas.microsoft.com/office/drawing/2014/main" id="{3A859616-DE93-49D9-B493-AE1DA93D4B48}"/>
+              </a:ext>
+            </a:extLst>
+          </p:cNvPr>
+          <p:cNvSpPr/>
+          <p:nvPr/>
+        </p:nvSpPr>
+        <p:spPr>
+          <a:xfrm>
+            <a:off x="7894344" y="3631755"/>
+            <a:ext cx="311869" cy="311869"/>
+          </a:xfrm>
+          <a:prstGeom prst="ellipse">
+            <a:avLst/>
+          </a:prstGeom>
+        </p:spPr>
+        <p:style>
+          <a:lnRef idx="2">
+            <a:schemeClr val="accent6">
+              <a:shade val="50000"/>
+            </a:schemeClr>
+          </a:lnRef>
+          <a:fillRef idx="1">
+            <a:schemeClr val="accent6"/>
+          </a:fillRef>
+          <a:effectRef idx="0">
+            <a:schemeClr val="accent6"/>
+          </a:effectRef>
+          <a:fontRef idx="minor">
+            <a:schemeClr val="lt1"/>
+          </a:fontRef>
+        </p:style>
+        <p:txBody>
+          <a:bodyPr rtlCol="0" anchor="ctr"/>
+          <a:lstStyle/>
+          <a:p>
+            <a:pPr algn="ctr"/>
+            <a:endParaRPr lang="pt-BR"/>
+          </a:p>
+        </p:txBody>
+      </p:sp>
+      <p:cxnSp>
+        <p:nvCxnSpPr>
+          <p:cNvPr id="187" name="Straight Arrow Connector 186">
+            <a:extLst>
+              <a:ext uri="{FF2B5EF4-FFF2-40B4-BE49-F238E27FC236}">
+                <a16:creationId xmlns:a16="http://schemas.microsoft.com/office/drawing/2014/main" id="{985A0128-7BE0-42ED-9EF6-FC18AAFB8AD3}"/>
+              </a:ext>
+            </a:extLst>
+          </p:cNvPr>
+          <p:cNvCxnSpPr>
+            <a:cxnSpLocks/>
+            <a:stCxn id="57" idx="6"/>
+            <a:endCxn id="186" idx="2"/>
+          </p:cNvCxnSpPr>
+          <p:nvPr/>
+        </p:nvCxnSpPr>
+        <p:spPr>
+          <a:xfrm>
+            <a:off x="6775753" y="3175254"/>
+            <a:ext cx="1118591" cy="612436"/>
+          </a:xfrm>
+          <a:prstGeom prst="straightConnector1">
+            <a:avLst/>
+          </a:prstGeom>
+          <a:ln>
+            <a:solidFill>
+              <a:schemeClr val="accent6">
+                <a:lumMod val="75000"/>
+              </a:schemeClr>
+            </a:solidFill>
+            <a:tailEnd type="triangle"/>
+          </a:ln>
+        </p:spPr>
+        <p:style>
+          <a:lnRef idx="1">
+            <a:schemeClr val="accent1"/>
+          </a:lnRef>
+          <a:fillRef idx="0">
+            <a:schemeClr val="accent1"/>
+          </a:fillRef>
+          <a:effectRef idx="0">
+            <a:schemeClr val="accent1"/>
+          </a:effectRef>
+          <a:fontRef idx="minor">
+            <a:schemeClr val="tx1"/>
+          </a:fontRef>
+        </p:style>
+      </p:cxnSp>
+      <p:cxnSp>
+        <p:nvCxnSpPr>
+          <p:cNvPr id="190" name="Straight Arrow Connector 189">
+            <a:extLst>
+              <a:ext uri="{FF2B5EF4-FFF2-40B4-BE49-F238E27FC236}">
+                <a16:creationId xmlns:a16="http://schemas.microsoft.com/office/drawing/2014/main" id="{0CC39CEA-1C75-42CF-AD53-448396E86E2B}"/>
+              </a:ext>
+            </a:extLst>
+          </p:cNvPr>
+          <p:cNvCxnSpPr>
+            <a:cxnSpLocks/>
+            <a:stCxn id="58" idx="6"/>
+            <a:endCxn id="186" idx="2"/>
+          </p:cNvCxnSpPr>
+          <p:nvPr/>
+        </p:nvCxnSpPr>
+        <p:spPr>
+          <a:xfrm>
+            <a:off x="6775753" y="3397942"/>
+            <a:ext cx="1118591" cy="389748"/>
+          </a:xfrm>
+          <a:prstGeom prst="straightConnector1">
+            <a:avLst/>
+          </a:prstGeom>
+          <a:ln>
+            <a:solidFill>
+              <a:schemeClr val="accent6">
+                <a:lumMod val="75000"/>
+              </a:schemeClr>
+            </a:solidFill>
+            <a:tailEnd type="triangle"/>
+          </a:ln>
+        </p:spPr>
+        <p:style>
+          <a:lnRef idx="1">
+            <a:schemeClr val="accent1"/>
+          </a:lnRef>
+          <a:fillRef idx="0">
+            <a:schemeClr val="accent1"/>
+          </a:fillRef>
+          <a:effectRef idx="0">
+            <a:schemeClr val="accent1"/>
+          </a:effectRef>
+          <a:fontRef idx="minor">
+            <a:schemeClr val="tx1"/>
+          </a:fontRef>
+        </p:style>
+      </p:cxnSp>
+      <p:cxnSp>
+        <p:nvCxnSpPr>
+          <p:cNvPr id="193" name="Straight Arrow Connector 192">
+            <a:extLst>
+              <a:ext uri="{FF2B5EF4-FFF2-40B4-BE49-F238E27FC236}">
+                <a16:creationId xmlns:a16="http://schemas.microsoft.com/office/drawing/2014/main" id="{01D5855E-ED5D-40AA-8F9D-10621121CA45}"/>
+              </a:ext>
+            </a:extLst>
+          </p:cNvPr>
+          <p:cNvCxnSpPr>
+            <a:cxnSpLocks/>
+            <a:stCxn id="146" idx="6"/>
+            <a:endCxn id="186" idx="2"/>
+          </p:cNvCxnSpPr>
+          <p:nvPr/>
+        </p:nvCxnSpPr>
+        <p:spPr>
+          <a:xfrm flipV="1">
+            <a:off x="6775753" y="3787690"/>
+            <a:ext cx="1118591" cy="507533"/>
+          </a:xfrm>
+          <a:prstGeom prst="straightConnector1">
+            <a:avLst/>
+          </a:prstGeom>
+          <a:ln>
+            <a:solidFill>
+              <a:schemeClr val="accent6">
+                <a:lumMod val="75000"/>
+              </a:schemeClr>
+            </a:solidFill>
+            <a:tailEnd type="triangle"/>
+          </a:ln>
+        </p:spPr>
+        <p:style>
+          <a:lnRef idx="1">
+            <a:schemeClr val="accent1"/>
+          </a:lnRef>
+          <a:fillRef idx="0">
+            <a:schemeClr val="accent1"/>
+          </a:fillRef>
+          <a:effectRef idx="0">
+            <a:schemeClr val="accent1"/>
+          </a:effectRef>
+          <a:fontRef idx="minor">
+            <a:schemeClr val="tx1"/>
+          </a:fontRef>
+        </p:style>
+      </p:cxnSp>
+      <p:cxnSp>
+        <p:nvCxnSpPr>
+          <p:cNvPr id="196" name="Straight Arrow Connector 195">
+            <a:extLst>
+              <a:ext uri="{FF2B5EF4-FFF2-40B4-BE49-F238E27FC236}">
+                <a16:creationId xmlns:a16="http://schemas.microsoft.com/office/drawing/2014/main" id="{89B0411F-5B51-40EB-8532-508108970AEB}"/>
+              </a:ext>
+            </a:extLst>
+          </p:cNvPr>
+          <p:cNvCxnSpPr>
+            <a:cxnSpLocks/>
+            <a:stCxn id="147" idx="6"/>
+            <a:endCxn id="186" idx="2"/>
+          </p:cNvCxnSpPr>
+          <p:nvPr/>
+        </p:nvCxnSpPr>
+        <p:spPr>
+          <a:xfrm flipV="1">
+            <a:off x="6775753" y="3787690"/>
+            <a:ext cx="1118591" cy="730222"/>
+          </a:xfrm>
+          <a:prstGeom prst="straightConnector1">
+            <a:avLst/>
+          </a:prstGeom>
+          <a:ln>
+            <a:solidFill>
+              <a:schemeClr val="accent6">
+                <a:lumMod val="75000"/>
+              </a:schemeClr>
+            </a:solidFill>
+            <a:tailEnd type="triangle"/>
+          </a:ln>
+        </p:spPr>
+        <p:style>
+          <a:lnRef idx="1">
+            <a:schemeClr val="accent1"/>
+          </a:lnRef>
+          <a:fillRef idx="0">
+            <a:schemeClr val="accent1"/>
+          </a:fillRef>
+          <a:effectRef idx="0">
+            <a:schemeClr val="accent1"/>
+          </a:effectRef>
+          <a:fontRef idx="minor">
+            <a:schemeClr val="tx1"/>
+          </a:fontRef>
+        </p:style>
+      </p:cxnSp>
+      <p:cxnSp>
+        <p:nvCxnSpPr>
+          <p:cNvPr id="200" name="Straight Arrow Connector 199">
+            <a:extLst>
+              <a:ext uri="{FF2B5EF4-FFF2-40B4-BE49-F238E27FC236}">
+                <a16:creationId xmlns:a16="http://schemas.microsoft.com/office/drawing/2014/main" id="{E6E4A884-285F-4AFA-B9AA-7B56618FA9E7}"/>
+              </a:ext>
+            </a:extLst>
+          </p:cNvPr>
+          <p:cNvCxnSpPr>
+            <a:cxnSpLocks/>
+            <a:stCxn id="58" idx="6"/>
+            <a:endCxn id="185" idx="2"/>
+          </p:cNvCxnSpPr>
+          <p:nvPr/>
+        </p:nvCxnSpPr>
+        <p:spPr>
+          <a:xfrm>
+            <a:off x="6775753" y="3397942"/>
+            <a:ext cx="1118591" cy="993347"/>
+          </a:xfrm>
+          <a:prstGeom prst="straightConnector1">
+            <a:avLst/>
+          </a:prstGeom>
+          <a:ln>
+            <a:solidFill>
+              <a:schemeClr val="accent6">
+                <a:lumMod val="75000"/>
+              </a:schemeClr>
+            </a:solidFill>
+            <a:tailEnd type="triangle"/>
+          </a:ln>
+        </p:spPr>
+        <p:style>
+          <a:lnRef idx="1">
+            <a:schemeClr val="accent1"/>
+          </a:lnRef>
+          <a:fillRef idx="0">
+            <a:schemeClr val="accent1"/>
+          </a:fillRef>
+          <a:effectRef idx="0">
+            <a:schemeClr val="accent1"/>
+          </a:effectRef>
+          <a:fontRef idx="minor">
+            <a:schemeClr val="tx1"/>
+          </a:fontRef>
+        </p:style>
+      </p:cxnSp>
+      <p:cxnSp>
+        <p:nvCxnSpPr>
+          <p:cNvPr id="203" name="Straight Arrow Connector 202">
+            <a:extLst>
+              <a:ext uri="{FF2B5EF4-FFF2-40B4-BE49-F238E27FC236}">
+                <a16:creationId xmlns:a16="http://schemas.microsoft.com/office/drawing/2014/main" id="{78E7B6FC-4DFC-4D56-8692-138F7A104766}"/>
+              </a:ext>
+            </a:extLst>
+          </p:cNvPr>
+          <p:cNvCxnSpPr>
+            <a:cxnSpLocks/>
+            <a:stCxn id="59" idx="6"/>
+            <a:endCxn id="185" idx="2"/>
+          </p:cNvCxnSpPr>
+          <p:nvPr/>
+        </p:nvCxnSpPr>
+        <p:spPr>
+          <a:xfrm>
+            <a:off x="6775753" y="3620631"/>
+            <a:ext cx="1118591" cy="770658"/>
+          </a:xfrm>
+          <a:prstGeom prst="straightConnector1">
+            <a:avLst/>
+          </a:prstGeom>
+          <a:ln>
+            <a:solidFill>
+              <a:schemeClr val="accent6">
+                <a:lumMod val="75000"/>
+              </a:schemeClr>
+            </a:solidFill>
+            <a:tailEnd type="triangle"/>
+          </a:ln>
+        </p:spPr>
+        <p:style>
+          <a:lnRef idx="1">
+            <a:schemeClr val="accent1"/>
+          </a:lnRef>
+          <a:fillRef idx="0">
+            <a:schemeClr val="accent1"/>
+          </a:fillRef>
+          <a:effectRef idx="0">
+            <a:schemeClr val="accent1"/>
+          </a:effectRef>
+          <a:fontRef idx="minor">
+            <a:schemeClr val="tx1"/>
+          </a:fontRef>
+        </p:style>
+      </p:cxnSp>
+      <p:cxnSp>
+        <p:nvCxnSpPr>
+          <p:cNvPr id="206" name="Straight Arrow Connector 205">
+            <a:extLst>
+              <a:ext uri="{FF2B5EF4-FFF2-40B4-BE49-F238E27FC236}">
+                <a16:creationId xmlns:a16="http://schemas.microsoft.com/office/drawing/2014/main" id="{8314D4B3-35B0-4EBC-9DBA-6E43E614606D}"/>
+              </a:ext>
+            </a:extLst>
+          </p:cNvPr>
+          <p:cNvCxnSpPr>
+            <a:cxnSpLocks/>
+            <a:stCxn id="147" idx="6"/>
+            <a:endCxn id="185" idx="2"/>
+          </p:cNvCxnSpPr>
+          <p:nvPr/>
+        </p:nvCxnSpPr>
+        <p:spPr>
+          <a:xfrm flipV="1">
+            <a:off x="6775753" y="4391289"/>
+            <a:ext cx="1118591" cy="126623"/>
+          </a:xfrm>
+          <a:prstGeom prst="straightConnector1">
+            <a:avLst/>
+          </a:prstGeom>
+          <a:ln>
+            <a:solidFill>
+              <a:schemeClr val="accent6">
+                <a:lumMod val="75000"/>
+              </a:schemeClr>
+            </a:solidFill>
+            <a:tailEnd type="triangle"/>
+          </a:ln>
+        </p:spPr>
+        <p:style>
+          <a:lnRef idx="1">
+            <a:schemeClr val="accent1"/>
+          </a:lnRef>
+          <a:fillRef idx="0">
+            <a:schemeClr val="accent1"/>
+          </a:fillRef>
+          <a:effectRef idx="0">
+            <a:schemeClr val="accent1"/>
+          </a:effectRef>
+          <a:fontRef idx="minor">
+            <a:schemeClr val="tx1"/>
+          </a:fontRef>
+        </p:style>
+      </p:cxnSp>
+      <p:cxnSp>
+        <p:nvCxnSpPr>
+          <p:cNvPr id="209" name="Straight Arrow Connector 208">
+            <a:extLst>
+              <a:ext uri="{FF2B5EF4-FFF2-40B4-BE49-F238E27FC236}">
+                <a16:creationId xmlns:a16="http://schemas.microsoft.com/office/drawing/2014/main" id="{CAF5555C-3581-430F-AD3F-303369A7EA55}"/>
+              </a:ext>
+            </a:extLst>
+          </p:cNvPr>
+          <p:cNvCxnSpPr>
+            <a:cxnSpLocks/>
+            <a:stCxn id="153" idx="6"/>
+            <a:endCxn id="185" idx="2"/>
+          </p:cNvCxnSpPr>
+          <p:nvPr/>
+        </p:nvCxnSpPr>
+        <p:spPr>
+          <a:xfrm flipV="1">
+            <a:off x="6764606" y="4391289"/>
+            <a:ext cx="1129738" cy="366082"/>
+          </a:xfrm>
+          <a:prstGeom prst="straightConnector1">
+            <a:avLst/>
+          </a:prstGeom>
+          <a:ln>
+            <a:solidFill>
+              <a:schemeClr val="accent6">
+                <a:lumMod val="75000"/>
+              </a:schemeClr>
+            </a:solidFill>
+            <a:tailEnd type="triangle"/>
+          </a:ln>
+        </p:spPr>
+        <p:style>
+          <a:lnRef idx="1">
+            <a:schemeClr val="accent1"/>
+          </a:lnRef>
+          <a:fillRef idx="0">
+            <a:schemeClr val="accent1"/>
+          </a:fillRef>
+          <a:effectRef idx="0">
+            <a:schemeClr val="accent1"/>
+          </a:effectRef>
+          <a:fontRef idx="minor">
+            <a:schemeClr val="tx1"/>
+          </a:fontRef>
+        </p:style>
+      </p:cxnSp>
+      <p:cxnSp>
+        <p:nvCxnSpPr>
+          <p:cNvPr id="212" name="Straight Arrow Connector 211">
+            <a:extLst>
+              <a:ext uri="{FF2B5EF4-FFF2-40B4-BE49-F238E27FC236}">
+                <a16:creationId xmlns:a16="http://schemas.microsoft.com/office/drawing/2014/main" id="{243D985D-070E-425F-9693-C9D308CB2F17}"/>
+              </a:ext>
+            </a:extLst>
+          </p:cNvPr>
+          <p:cNvCxnSpPr>
+            <a:cxnSpLocks/>
+            <a:stCxn id="59" idx="6"/>
+            <a:endCxn id="62" idx="2"/>
+          </p:cNvCxnSpPr>
+          <p:nvPr/>
+        </p:nvCxnSpPr>
+        <p:spPr>
+          <a:xfrm>
+            <a:off x="6775753" y="3620631"/>
+            <a:ext cx="1118591" cy="1374257"/>
+          </a:xfrm>
+          <a:prstGeom prst="straightConnector1">
+            <a:avLst/>
+          </a:prstGeom>
+          <a:ln>
+            <a:solidFill>
+              <a:schemeClr val="accent6">
+                <a:lumMod val="75000"/>
+              </a:schemeClr>
+            </a:solidFill>
+            <a:tailEnd type="triangle"/>
+          </a:ln>
+        </p:spPr>
+        <p:style>
+          <a:lnRef idx="1">
+            <a:schemeClr val="accent1"/>
+          </a:lnRef>
+          <a:fillRef idx="0">
+            <a:schemeClr val="accent1"/>
+          </a:fillRef>
+          <a:effectRef idx="0">
+            <a:schemeClr val="accent1"/>
+          </a:effectRef>
+          <a:fontRef idx="minor">
+            <a:schemeClr val="tx1"/>
+          </a:fontRef>
+        </p:style>
+      </p:cxnSp>
+      <p:cxnSp>
+        <p:nvCxnSpPr>
+          <p:cNvPr id="215" name="Straight Arrow Connector 214">
+            <a:extLst>
+              <a:ext uri="{FF2B5EF4-FFF2-40B4-BE49-F238E27FC236}">
+                <a16:creationId xmlns:a16="http://schemas.microsoft.com/office/drawing/2014/main" id="{34B77E27-5363-4629-A29B-685B5C70E140}"/>
+              </a:ext>
+            </a:extLst>
+          </p:cNvPr>
+          <p:cNvCxnSpPr>
+            <a:cxnSpLocks/>
+            <a:stCxn id="144" idx="6"/>
+            <a:endCxn id="62" idx="2"/>
+          </p:cNvCxnSpPr>
+          <p:nvPr/>
+        </p:nvCxnSpPr>
+        <p:spPr>
+          <a:xfrm>
+            <a:off x="6775753" y="3849846"/>
+            <a:ext cx="1118591" cy="1145042"/>
+          </a:xfrm>
+          <a:prstGeom prst="straightConnector1">
+            <a:avLst/>
+          </a:prstGeom>
+          <a:ln>
+            <a:solidFill>
+              <a:schemeClr val="accent6">
+                <a:lumMod val="75000"/>
+              </a:schemeClr>
+            </a:solidFill>
+            <a:tailEnd type="triangle"/>
+          </a:ln>
+        </p:spPr>
+        <p:style>
+          <a:lnRef idx="1">
+            <a:schemeClr val="accent1"/>
+          </a:lnRef>
+          <a:fillRef idx="0">
+            <a:schemeClr val="accent1"/>
+          </a:fillRef>
+          <a:effectRef idx="0">
+            <a:schemeClr val="accent1"/>
+          </a:effectRef>
+          <a:fontRef idx="minor">
+            <a:schemeClr val="tx1"/>
+          </a:fontRef>
+        </p:style>
+      </p:cxnSp>
+      <p:cxnSp>
+        <p:nvCxnSpPr>
+          <p:cNvPr id="218" name="Straight Arrow Connector 217">
+            <a:extLst>
+              <a:ext uri="{FF2B5EF4-FFF2-40B4-BE49-F238E27FC236}">
+                <a16:creationId xmlns:a16="http://schemas.microsoft.com/office/drawing/2014/main" id="{3C35D897-99DA-4EBC-87BB-676051F430F3}"/>
+              </a:ext>
+            </a:extLst>
+          </p:cNvPr>
+          <p:cNvCxnSpPr>
+            <a:cxnSpLocks/>
+            <a:stCxn id="153" idx="6"/>
+            <a:endCxn id="62" idx="2"/>
+          </p:cNvCxnSpPr>
+          <p:nvPr/>
+        </p:nvCxnSpPr>
+        <p:spPr>
+          <a:xfrm>
+            <a:off x="6764606" y="4757371"/>
+            <a:ext cx="1129738" cy="237517"/>
+          </a:xfrm>
+          <a:prstGeom prst="straightConnector1">
+            <a:avLst/>
+          </a:prstGeom>
+          <a:ln>
+            <a:solidFill>
+              <a:schemeClr val="accent6">
+                <a:lumMod val="75000"/>
+              </a:schemeClr>
+            </a:solidFill>
+            <a:tailEnd type="triangle"/>
+          </a:ln>
+        </p:spPr>
+        <p:style>
+          <a:lnRef idx="1">
+            <a:schemeClr val="accent1"/>
+          </a:lnRef>
+          <a:fillRef idx="0">
+            <a:schemeClr val="accent1"/>
+          </a:fillRef>
+          <a:effectRef idx="0">
+            <a:schemeClr val="accent1"/>
+          </a:effectRef>
+          <a:fontRef idx="minor">
+            <a:schemeClr val="tx1"/>
+          </a:fontRef>
+        </p:style>
+      </p:cxnSp>
+      <p:cxnSp>
+        <p:nvCxnSpPr>
+          <p:cNvPr id="221" name="Straight Arrow Connector 220">
+            <a:extLst>
+              <a:ext uri="{FF2B5EF4-FFF2-40B4-BE49-F238E27FC236}">
+                <a16:creationId xmlns:a16="http://schemas.microsoft.com/office/drawing/2014/main" id="{E8AB3DC2-2006-4D4B-B06F-DE936A42C036}"/>
+              </a:ext>
+            </a:extLst>
+          </p:cNvPr>
+          <p:cNvCxnSpPr>
+            <a:cxnSpLocks/>
+            <a:stCxn id="154" idx="6"/>
+            <a:endCxn id="62" idx="2"/>
+          </p:cNvCxnSpPr>
+          <p:nvPr/>
+        </p:nvCxnSpPr>
+        <p:spPr>
+          <a:xfrm>
+            <a:off x="6764606" y="4980060"/>
+            <a:ext cx="1129738" cy="14828"/>
+          </a:xfrm>
+          <a:prstGeom prst="straightConnector1">
+            <a:avLst/>
+          </a:prstGeom>
+          <a:ln>
+            <a:solidFill>
+              <a:schemeClr val="accent6">
+                <a:lumMod val="75000"/>
+              </a:schemeClr>
+            </a:solidFill>
+            <a:tailEnd type="triangle"/>
+          </a:ln>
+        </p:spPr>
+        <p:style>
+          <a:lnRef idx="1">
+            <a:schemeClr val="accent1"/>
+          </a:lnRef>
+          <a:fillRef idx="0">
+            <a:schemeClr val="accent1"/>
+          </a:fillRef>
+          <a:effectRef idx="0">
+            <a:schemeClr val="accent1"/>
+          </a:effectRef>
+          <a:fontRef idx="minor">
+            <a:schemeClr val="tx1"/>
+          </a:fontRef>
+        </p:style>
+      </p:cxnSp>
+      <p:cxnSp>
+        <p:nvCxnSpPr>
+          <p:cNvPr id="225" name="Straight Arrow Connector 224">
+            <a:extLst>
+              <a:ext uri="{FF2B5EF4-FFF2-40B4-BE49-F238E27FC236}">
+                <a16:creationId xmlns:a16="http://schemas.microsoft.com/office/drawing/2014/main" id="{CAAD0649-5B23-42E3-B555-7F83ACAA39C8}"/>
+              </a:ext>
+            </a:extLst>
+          </p:cNvPr>
+          <p:cNvCxnSpPr>
+            <a:cxnSpLocks/>
+            <a:stCxn id="61" idx="6"/>
+            <a:endCxn id="227" idx="1"/>
+          </p:cNvCxnSpPr>
+          <p:nvPr/>
+        </p:nvCxnSpPr>
+        <p:spPr>
+          <a:xfrm flipV="1">
+            <a:off x="8206213" y="3183552"/>
+            <a:ext cx="405387" cy="539"/>
+          </a:xfrm>
+          <a:prstGeom prst="straightConnector1">
+            <a:avLst/>
+          </a:prstGeom>
+          <a:ln>
+            <a:solidFill>
+              <a:schemeClr val="accent6">
+                <a:lumMod val="75000"/>
+              </a:schemeClr>
+            </a:solidFill>
+            <a:tailEnd type="triangle"/>
+          </a:ln>
+        </p:spPr>
+        <p:style>
+          <a:lnRef idx="1">
+            <a:schemeClr val="accent1"/>
+          </a:lnRef>
+          <a:fillRef idx="0">
+            <a:schemeClr val="accent1"/>
+          </a:fillRef>
+          <a:effectRef idx="0">
+            <a:schemeClr val="accent1"/>
+          </a:effectRef>
+          <a:fontRef idx="minor">
+            <a:schemeClr val="tx1"/>
+          </a:fontRef>
+        </p:style>
+      </p:cxnSp>
+      <mc:AlternateContent xmlns:mc="http://schemas.openxmlformats.org/markup-compatibility/2006">
+        <mc:Choice xmlns:a14="http://schemas.microsoft.com/office/drawing/2010/main" Requires="a14">
+          <p:sp>
+            <p:nvSpPr>
+              <p:cNvPr id="227" name="TextBox 226">
+                <a:extLst>
+                  <a:ext uri="{FF2B5EF4-FFF2-40B4-BE49-F238E27FC236}">
+                    <a16:creationId xmlns:a16="http://schemas.microsoft.com/office/drawing/2014/main" id="{658849FB-FF27-485C-A98B-B0AA18B3AA92}"/>
+                  </a:ext>
+                </a:extLst>
+              </p:cNvPr>
+              <p:cNvSpPr txBox="1"/>
+              <p:nvPr/>
+            </p:nvSpPr>
+            <p:spPr>
+              <a:xfrm>
+                <a:off x="8611600" y="2998886"/>
+                <a:ext cx="383319" cy="369332"/>
+              </a:xfrm>
+              <a:prstGeom prst="rect">
+                <a:avLst/>
+              </a:prstGeom>
+              <a:noFill/>
+            </p:spPr>
+            <p:txBody>
+              <a:bodyPr wrap="square" rtlCol="0" anchor="ctr">
+                <a:spAutoFit/>
+              </a:bodyPr>
+              <a:lstStyle/>
+              <a:p>
+                <a:pPr algn="ctr"/>
+                <a14:m>
+                  <m:oMathPara xmlns:m="http://schemas.openxmlformats.org/officeDocument/2006/math">
+                    <m:oMathParaPr>
+                      <m:jc m:val="centerGroup"/>
+                    </m:oMathParaPr>
+                    <m:oMath xmlns:m="http://schemas.openxmlformats.org/officeDocument/2006/math">
+                      <m:sSub>
+                        <m:sSubPr>
+                          <m:ctrlPr>
+                            <a:rPr lang="pt-BR" b="0" i="1" smtClean="0">
+                              <a:latin typeface="Cambria Math" panose="02040503050406030204" pitchFamily="18" charset="0"/>
+                            </a:rPr>
+                          </m:ctrlPr>
+                        </m:sSubPr>
+                        <m:e>
+                          <m:r>
+                            <a:rPr lang="pt-BR" b="0" i="1" smtClean="0">
+                              <a:latin typeface="Cambria Math" panose="02040503050406030204" pitchFamily="18" charset="0"/>
+                            </a:rPr>
+                            <m:t>𝑎</m:t>
+                          </m:r>
+                        </m:e>
+                        <m:sub>
+                          <m:r>
+                            <a:rPr lang="pt-BR" b="0" i="1" smtClean="0">
+                              <a:latin typeface="Cambria Math" panose="02040503050406030204" pitchFamily="18" charset="0"/>
+                            </a:rPr>
+                            <m:t>1</m:t>
+                          </m:r>
+                        </m:sub>
+                      </m:sSub>
+                    </m:oMath>
+                  </m:oMathPara>
+                </a14:m>
+                <a:endParaRPr lang="pt-BR" dirty="0"/>
+              </a:p>
+            </p:txBody>
+          </p:sp>
+        </mc:Choice>
+        <mc:Fallback>
+          <p:sp>
+            <p:nvSpPr>
+              <p:cNvPr id="227" name="TextBox 226">
+                <a:extLst>
+                  <a:ext uri="{FF2B5EF4-FFF2-40B4-BE49-F238E27FC236}">
+                    <a16:creationId xmlns:a16="http://schemas.microsoft.com/office/drawing/2014/main" id="{658849FB-FF27-485C-A98B-B0AA18B3AA92}"/>
+                  </a:ext>
+                </a:extLst>
+              </p:cNvPr>
+              <p:cNvSpPr txBox="1">
+                <a:spLocks noRot="1" noChangeAspect="1" noMove="1" noResize="1" noEditPoints="1" noAdjustHandles="1" noChangeArrowheads="1" noChangeShapeType="1" noTextEdit="1"/>
+              </p:cNvSpPr>
+              <p:nvPr/>
+            </p:nvSpPr>
+            <p:spPr>
+              <a:xfrm>
+                <a:off x="8611600" y="2998886"/>
+                <a:ext cx="383319" cy="369332"/>
+              </a:xfrm>
+              <a:prstGeom prst="rect">
+                <a:avLst/>
+              </a:prstGeom>
+              <a:blipFill>
+                <a:blip r:embed="rId24"/>
+                <a:stretch>
+                  <a:fillRect l="-3175"/>
+                </a:stretch>
+              </a:blipFill>
+            </p:spPr>
+            <p:txBody>
+              <a:bodyPr/>
+              <a:lstStyle/>
+              <a:p>
+                <a:r>
+                  <a:rPr lang="pt-BR">
+                    <a:noFill/>
+                  </a:rPr>
+                  <a:t> </a:t>
+                </a:r>
+              </a:p>
+            </p:txBody>
+          </p:sp>
+        </mc:Fallback>
+      </mc:AlternateContent>
+      <mc:AlternateContent xmlns:mc="http://schemas.openxmlformats.org/markup-compatibility/2006">
+        <mc:Choice xmlns:a14="http://schemas.microsoft.com/office/drawing/2010/main" Requires="a14">
+          <p:sp>
+            <p:nvSpPr>
+              <p:cNvPr id="228" name="TextBox 227">
+                <a:extLst>
+                  <a:ext uri="{FF2B5EF4-FFF2-40B4-BE49-F238E27FC236}">
+                    <a16:creationId xmlns:a16="http://schemas.microsoft.com/office/drawing/2014/main" id="{3F8E0855-20C2-4488-AF32-4F5F8B0BDA96}"/>
+                  </a:ext>
+                </a:extLst>
+              </p:cNvPr>
+              <p:cNvSpPr txBox="1"/>
+              <p:nvPr/>
+            </p:nvSpPr>
+            <p:spPr>
+              <a:xfrm>
+                <a:off x="8611600" y="3598288"/>
+                <a:ext cx="383319" cy="369332"/>
+              </a:xfrm>
+              <a:prstGeom prst="rect">
+                <a:avLst/>
+              </a:prstGeom>
+              <a:noFill/>
+            </p:spPr>
+            <p:txBody>
+              <a:bodyPr wrap="square" rtlCol="0" anchor="ctr">
+                <a:spAutoFit/>
+              </a:bodyPr>
+              <a:lstStyle/>
+              <a:p>
+                <a:pPr algn="ctr"/>
+                <a14:m>
+                  <m:oMathPara xmlns:m="http://schemas.openxmlformats.org/officeDocument/2006/math">
+                    <m:oMathParaPr>
+                      <m:jc m:val="centerGroup"/>
+                    </m:oMathParaPr>
+                    <m:oMath xmlns:m="http://schemas.openxmlformats.org/officeDocument/2006/math">
+                      <m:sSub>
+                        <m:sSubPr>
+                          <m:ctrlPr>
+                            <a:rPr lang="pt-BR" b="0" i="1" smtClean="0">
+                              <a:latin typeface="Cambria Math" panose="02040503050406030204" pitchFamily="18" charset="0"/>
+                            </a:rPr>
+                          </m:ctrlPr>
+                        </m:sSubPr>
+                        <m:e>
+                          <m:r>
+                            <a:rPr lang="pt-BR" b="0" i="1" smtClean="0">
+                              <a:latin typeface="Cambria Math" panose="02040503050406030204" pitchFamily="18" charset="0"/>
+                            </a:rPr>
+                            <m:t>𝑎</m:t>
+                          </m:r>
+                        </m:e>
+                        <m:sub>
+                          <m:r>
+                            <a:rPr lang="pt-BR" b="0" i="1" smtClean="0">
+                              <a:latin typeface="Cambria Math" panose="02040503050406030204" pitchFamily="18" charset="0"/>
+                            </a:rPr>
+                            <m:t>2</m:t>
+                          </m:r>
+                        </m:sub>
+                      </m:sSub>
+                    </m:oMath>
+                  </m:oMathPara>
+                </a14:m>
+                <a:endParaRPr lang="pt-BR" dirty="0"/>
+              </a:p>
+            </p:txBody>
+          </p:sp>
+        </mc:Choice>
+        <mc:Fallback>
+          <p:sp>
+            <p:nvSpPr>
+              <p:cNvPr id="228" name="TextBox 227">
+                <a:extLst>
+                  <a:ext uri="{FF2B5EF4-FFF2-40B4-BE49-F238E27FC236}">
+                    <a16:creationId xmlns:a16="http://schemas.microsoft.com/office/drawing/2014/main" id="{3F8E0855-20C2-4488-AF32-4F5F8B0BDA96}"/>
+                  </a:ext>
+                </a:extLst>
+              </p:cNvPr>
+              <p:cNvSpPr txBox="1">
+                <a:spLocks noRot="1" noChangeAspect="1" noMove="1" noResize="1" noEditPoints="1" noAdjustHandles="1" noChangeArrowheads="1" noChangeShapeType="1" noTextEdit="1"/>
+              </p:cNvSpPr>
+              <p:nvPr/>
+            </p:nvSpPr>
+            <p:spPr>
+              <a:xfrm>
+                <a:off x="8611600" y="3598288"/>
+                <a:ext cx="383319" cy="369332"/>
+              </a:xfrm>
+              <a:prstGeom prst="rect">
+                <a:avLst/>
+              </a:prstGeom>
+              <a:blipFill>
+                <a:blip r:embed="rId25"/>
+                <a:stretch>
+                  <a:fillRect l="-3175"/>
+                </a:stretch>
+              </a:blipFill>
+            </p:spPr>
+            <p:txBody>
+              <a:bodyPr/>
+              <a:lstStyle/>
+              <a:p>
+                <a:r>
+                  <a:rPr lang="pt-BR">
+                    <a:noFill/>
+                  </a:rPr>
+                  <a:t> </a:t>
+                </a:r>
+              </a:p>
+            </p:txBody>
+          </p:sp>
+        </mc:Fallback>
+      </mc:AlternateContent>
+      <mc:AlternateContent xmlns:mc="http://schemas.openxmlformats.org/markup-compatibility/2006">
+        <mc:Choice xmlns:a14="http://schemas.microsoft.com/office/drawing/2010/main" Requires="a14">
+          <p:sp>
+            <p:nvSpPr>
+              <p:cNvPr id="229" name="TextBox 228">
+                <a:extLst>
+                  <a:ext uri="{FF2B5EF4-FFF2-40B4-BE49-F238E27FC236}">
+                    <a16:creationId xmlns:a16="http://schemas.microsoft.com/office/drawing/2014/main" id="{6BABC5E7-9676-41BE-8891-EAE41311E4A0}"/>
+                  </a:ext>
+                </a:extLst>
+              </p:cNvPr>
+              <p:cNvSpPr txBox="1"/>
+              <p:nvPr/>
+            </p:nvSpPr>
+            <p:spPr>
+              <a:xfrm>
+                <a:off x="8611600" y="4197690"/>
+                <a:ext cx="383319" cy="369332"/>
+              </a:xfrm>
+              <a:prstGeom prst="rect">
+                <a:avLst/>
+              </a:prstGeom>
+              <a:noFill/>
+            </p:spPr>
+            <p:txBody>
+              <a:bodyPr wrap="square" rtlCol="0" anchor="ctr">
+                <a:spAutoFit/>
+              </a:bodyPr>
+              <a:lstStyle/>
+              <a:p>
+                <a:pPr algn="ctr"/>
+                <a14:m>
+                  <m:oMathPara xmlns:m="http://schemas.openxmlformats.org/officeDocument/2006/math">
+                    <m:oMathParaPr>
+                      <m:jc m:val="centerGroup"/>
+                    </m:oMathParaPr>
+                    <m:oMath xmlns:m="http://schemas.openxmlformats.org/officeDocument/2006/math">
+                      <m:sSub>
+                        <m:sSubPr>
+                          <m:ctrlPr>
+                            <a:rPr lang="pt-BR" b="0" i="1" smtClean="0">
+                              <a:latin typeface="Cambria Math" panose="02040503050406030204" pitchFamily="18" charset="0"/>
+                            </a:rPr>
+                          </m:ctrlPr>
+                        </m:sSubPr>
+                        <m:e>
+                          <m:r>
+                            <a:rPr lang="pt-BR" b="0" i="1" smtClean="0">
+                              <a:latin typeface="Cambria Math" panose="02040503050406030204" pitchFamily="18" charset="0"/>
+                            </a:rPr>
+                            <m:t>𝑎</m:t>
+                          </m:r>
+                        </m:e>
+                        <m:sub>
+                          <m:r>
+                            <a:rPr lang="pt-BR" b="0" i="1" smtClean="0">
+                              <a:latin typeface="Cambria Math" panose="02040503050406030204" pitchFamily="18" charset="0"/>
+                            </a:rPr>
+                            <m:t>3</m:t>
+                          </m:r>
+                        </m:sub>
+                      </m:sSub>
+                    </m:oMath>
+                  </m:oMathPara>
+                </a14:m>
+                <a:endParaRPr lang="pt-BR" dirty="0"/>
+              </a:p>
+            </p:txBody>
+          </p:sp>
+        </mc:Choice>
+        <mc:Fallback>
+          <p:sp>
+            <p:nvSpPr>
+              <p:cNvPr id="229" name="TextBox 228">
+                <a:extLst>
+                  <a:ext uri="{FF2B5EF4-FFF2-40B4-BE49-F238E27FC236}">
+                    <a16:creationId xmlns:a16="http://schemas.microsoft.com/office/drawing/2014/main" id="{6BABC5E7-9676-41BE-8891-EAE41311E4A0}"/>
+                  </a:ext>
+                </a:extLst>
+              </p:cNvPr>
+              <p:cNvSpPr txBox="1">
+                <a:spLocks noRot="1" noChangeAspect="1" noMove="1" noResize="1" noEditPoints="1" noAdjustHandles="1" noChangeArrowheads="1" noChangeShapeType="1" noTextEdit="1"/>
+              </p:cNvSpPr>
+              <p:nvPr/>
+            </p:nvSpPr>
+            <p:spPr>
+              <a:xfrm>
+                <a:off x="8611600" y="4197690"/>
+                <a:ext cx="383319" cy="369332"/>
+              </a:xfrm>
+              <a:prstGeom prst="rect">
+                <a:avLst/>
+              </a:prstGeom>
+              <a:blipFill>
+                <a:blip r:embed="rId26"/>
+                <a:stretch>
+                  <a:fillRect l="-3175"/>
+                </a:stretch>
+              </a:blipFill>
+            </p:spPr>
+            <p:txBody>
+              <a:bodyPr/>
+              <a:lstStyle/>
+              <a:p>
+                <a:r>
+                  <a:rPr lang="pt-BR">
+                    <a:noFill/>
+                  </a:rPr>
+                  <a:t> </a:t>
+                </a:r>
+              </a:p>
+            </p:txBody>
+          </p:sp>
+        </mc:Fallback>
+      </mc:AlternateContent>
+      <mc:AlternateContent xmlns:mc="http://schemas.openxmlformats.org/markup-compatibility/2006">
+        <mc:Choice xmlns:a14="http://schemas.microsoft.com/office/drawing/2010/main" Requires="a14">
+          <p:sp>
+            <p:nvSpPr>
+              <p:cNvPr id="230" name="TextBox 229">
+                <a:extLst>
+                  <a:ext uri="{FF2B5EF4-FFF2-40B4-BE49-F238E27FC236}">
+                    <a16:creationId xmlns:a16="http://schemas.microsoft.com/office/drawing/2014/main" id="{A47B1838-F853-416A-91CA-FA177FCDF4C1}"/>
+                  </a:ext>
+                </a:extLst>
+              </p:cNvPr>
+              <p:cNvSpPr txBox="1"/>
+              <p:nvPr/>
+            </p:nvSpPr>
+            <p:spPr>
+              <a:xfrm>
+                <a:off x="8611600" y="4797093"/>
+                <a:ext cx="383319" cy="369332"/>
+              </a:xfrm>
+              <a:prstGeom prst="rect">
+                <a:avLst/>
+              </a:prstGeom>
+              <a:noFill/>
+            </p:spPr>
+            <p:txBody>
+              <a:bodyPr wrap="square" rtlCol="0" anchor="ctr">
+                <a:spAutoFit/>
+              </a:bodyPr>
+              <a:lstStyle/>
+              <a:p>
+                <a:pPr algn="ctr"/>
+                <a14:m>
+                  <m:oMathPara xmlns:m="http://schemas.openxmlformats.org/officeDocument/2006/math">
+                    <m:oMathParaPr>
+                      <m:jc m:val="centerGroup"/>
+                    </m:oMathParaPr>
+                    <m:oMath xmlns:m="http://schemas.openxmlformats.org/officeDocument/2006/math">
+                      <m:sSub>
+                        <m:sSubPr>
+                          <m:ctrlPr>
+                            <a:rPr lang="pt-BR" b="0" i="1" smtClean="0">
+                              <a:latin typeface="Cambria Math" panose="02040503050406030204" pitchFamily="18" charset="0"/>
+                            </a:rPr>
+                          </m:ctrlPr>
+                        </m:sSubPr>
+                        <m:e>
+                          <m:r>
+                            <a:rPr lang="pt-BR" b="0" i="1" smtClean="0">
+                              <a:latin typeface="Cambria Math" panose="02040503050406030204" pitchFamily="18" charset="0"/>
+                            </a:rPr>
+                            <m:t>𝑎</m:t>
+                          </m:r>
+                        </m:e>
+                        <m:sub>
+                          <m:r>
+                            <a:rPr lang="pt-BR" b="0" i="1" smtClean="0">
+                              <a:latin typeface="Cambria Math" panose="02040503050406030204" pitchFamily="18" charset="0"/>
+                            </a:rPr>
+                            <m:t>4</m:t>
+                          </m:r>
+                        </m:sub>
+                      </m:sSub>
+                    </m:oMath>
+                  </m:oMathPara>
+                </a14:m>
+                <a:endParaRPr lang="pt-BR" dirty="0"/>
+              </a:p>
+            </p:txBody>
+          </p:sp>
+        </mc:Choice>
+        <mc:Fallback>
+          <p:sp>
+            <p:nvSpPr>
+              <p:cNvPr id="230" name="TextBox 229">
+                <a:extLst>
+                  <a:ext uri="{FF2B5EF4-FFF2-40B4-BE49-F238E27FC236}">
+                    <a16:creationId xmlns:a16="http://schemas.microsoft.com/office/drawing/2014/main" id="{A47B1838-F853-416A-91CA-FA177FCDF4C1}"/>
+                  </a:ext>
+                </a:extLst>
+              </p:cNvPr>
+              <p:cNvSpPr txBox="1">
+                <a:spLocks noRot="1" noChangeAspect="1" noMove="1" noResize="1" noEditPoints="1" noAdjustHandles="1" noChangeArrowheads="1" noChangeShapeType="1" noTextEdit="1"/>
+              </p:cNvSpPr>
+              <p:nvPr/>
+            </p:nvSpPr>
+            <p:spPr>
+              <a:xfrm>
+                <a:off x="8611600" y="4797093"/>
+                <a:ext cx="383319" cy="369332"/>
+              </a:xfrm>
+              <a:prstGeom prst="rect">
+                <a:avLst/>
+              </a:prstGeom>
+              <a:blipFill>
+                <a:blip r:embed="rId27"/>
+                <a:stretch>
+                  <a:fillRect l="-3175"/>
+                </a:stretch>
+              </a:blipFill>
+            </p:spPr>
+            <p:txBody>
+              <a:bodyPr/>
+              <a:lstStyle/>
+              <a:p>
+                <a:r>
+                  <a:rPr lang="pt-BR">
+                    <a:noFill/>
+                  </a:rPr>
+                  <a:t> </a:t>
+                </a:r>
+              </a:p>
+            </p:txBody>
+          </p:sp>
+        </mc:Fallback>
+      </mc:AlternateContent>
+      <p:cxnSp>
+        <p:nvCxnSpPr>
+          <p:cNvPr id="231" name="Straight Arrow Connector 230">
+            <a:extLst>
+              <a:ext uri="{FF2B5EF4-FFF2-40B4-BE49-F238E27FC236}">
+                <a16:creationId xmlns:a16="http://schemas.microsoft.com/office/drawing/2014/main" id="{6F930BCD-149D-49B2-BEAF-EA2F2FD7AE02}"/>
+              </a:ext>
+            </a:extLst>
+          </p:cNvPr>
+          <p:cNvCxnSpPr>
+            <a:cxnSpLocks/>
+            <a:stCxn id="186" idx="6"/>
+            <a:endCxn id="228" idx="1"/>
+          </p:cNvCxnSpPr>
+          <p:nvPr/>
+        </p:nvCxnSpPr>
+        <p:spPr>
+          <a:xfrm flipV="1">
+            <a:off x="8206213" y="3782954"/>
+            <a:ext cx="405387" cy="4736"/>
+          </a:xfrm>
+          <a:prstGeom prst="straightConnector1">
+            <a:avLst/>
+          </a:prstGeom>
+          <a:ln>
+            <a:solidFill>
+              <a:schemeClr val="accent6">
+                <a:lumMod val="75000"/>
+              </a:schemeClr>
+            </a:solidFill>
+            <a:tailEnd type="triangle"/>
+          </a:ln>
+        </p:spPr>
+        <p:style>
+          <a:lnRef idx="1">
+            <a:schemeClr val="accent1"/>
+          </a:lnRef>
+          <a:fillRef idx="0">
+            <a:schemeClr val="accent1"/>
+          </a:fillRef>
+          <a:effectRef idx="0">
+            <a:schemeClr val="accent1"/>
+          </a:effectRef>
+          <a:fontRef idx="minor">
+            <a:schemeClr val="tx1"/>
+          </a:fontRef>
+        </p:style>
+      </p:cxnSp>
+      <p:cxnSp>
+        <p:nvCxnSpPr>
+          <p:cNvPr id="235" name="Straight Arrow Connector 234">
+            <a:extLst>
+              <a:ext uri="{FF2B5EF4-FFF2-40B4-BE49-F238E27FC236}">
+                <a16:creationId xmlns:a16="http://schemas.microsoft.com/office/drawing/2014/main" id="{D4E8D7F8-E987-4CB6-B9CD-B087D915B633}"/>
+              </a:ext>
+            </a:extLst>
+          </p:cNvPr>
+          <p:cNvCxnSpPr>
+            <a:cxnSpLocks/>
+            <a:stCxn id="185" idx="6"/>
+            <a:endCxn id="229" idx="1"/>
+          </p:cNvCxnSpPr>
+          <p:nvPr/>
+        </p:nvCxnSpPr>
+        <p:spPr>
+          <a:xfrm flipV="1">
+            <a:off x="8206213" y="4382356"/>
+            <a:ext cx="405387" cy="8933"/>
+          </a:xfrm>
+          <a:prstGeom prst="straightConnector1">
+            <a:avLst/>
+          </a:prstGeom>
+          <a:ln>
+            <a:solidFill>
+              <a:schemeClr val="accent6">
+                <a:lumMod val="75000"/>
+              </a:schemeClr>
+            </a:solidFill>
+            <a:tailEnd type="triangle"/>
+          </a:ln>
+        </p:spPr>
+        <p:style>
+          <a:lnRef idx="1">
+            <a:schemeClr val="accent1"/>
+          </a:lnRef>
+          <a:fillRef idx="0">
+            <a:schemeClr val="accent1"/>
+          </a:fillRef>
+          <a:effectRef idx="0">
+            <a:schemeClr val="accent1"/>
+          </a:effectRef>
+          <a:fontRef idx="minor">
+            <a:schemeClr val="tx1"/>
+          </a:fontRef>
+        </p:style>
+      </p:cxnSp>
+      <p:cxnSp>
+        <p:nvCxnSpPr>
+          <p:cNvPr id="245" name="Straight Arrow Connector 244">
+            <a:extLst>
+              <a:ext uri="{FF2B5EF4-FFF2-40B4-BE49-F238E27FC236}">
+                <a16:creationId xmlns:a16="http://schemas.microsoft.com/office/drawing/2014/main" id="{4FDC2F91-12FB-4988-85F9-217D1DF6DE49}"/>
+              </a:ext>
+            </a:extLst>
+          </p:cNvPr>
+          <p:cNvCxnSpPr>
+            <a:cxnSpLocks/>
+            <a:stCxn id="62" idx="6"/>
+            <a:endCxn id="230" idx="1"/>
+          </p:cNvCxnSpPr>
+          <p:nvPr/>
+        </p:nvCxnSpPr>
+        <p:spPr>
+          <a:xfrm flipV="1">
+            <a:off x="8206213" y="4981759"/>
+            <a:ext cx="405387" cy="13129"/>
+          </a:xfrm>
+          <a:prstGeom prst="straightConnector1">
+            <a:avLst/>
+          </a:prstGeom>
+          <a:ln>
+            <a:solidFill>
+              <a:schemeClr val="accent6">
+                <a:lumMod val="75000"/>
+              </a:schemeClr>
+            </a:solidFill>
+            <a:tailEnd type="triangle"/>
+          </a:ln>
+        </p:spPr>
+        <p:style>
+          <a:lnRef idx="1">
+            <a:schemeClr val="accent1"/>
+          </a:lnRef>
+          <a:fillRef idx="0">
+            <a:schemeClr val="accent1"/>
+          </a:fillRef>
+          <a:effectRef idx="0">
+            <a:schemeClr val="accent1"/>
+          </a:effectRef>
+          <a:fontRef idx="minor">
+            <a:schemeClr val="tx1"/>
+          </a:fontRef>
+        </p:style>
+      </p:cxnSp>
+      <p:sp>
+        <p:nvSpPr>
+          <p:cNvPr id="248" name="TextBox 247">
+            <a:extLst>
+              <a:ext uri="{FF2B5EF4-FFF2-40B4-BE49-F238E27FC236}">
+                <a16:creationId xmlns:a16="http://schemas.microsoft.com/office/drawing/2014/main" id="{407068F1-27E1-44A6-98AB-EE102A13CD64}"/>
+              </a:ext>
+            </a:extLst>
+          </p:cNvPr>
+          <p:cNvSpPr txBox="1"/>
+          <p:nvPr/>
+        </p:nvSpPr>
+        <p:spPr>
+          <a:xfrm>
+            <a:off x="8023905" y="2972816"/>
+            <a:ext cx="717256" cy="261610"/>
+          </a:xfrm>
+          <a:prstGeom prst="rect">
+            <a:avLst/>
+          </a:prstGeom>
+          <a:noFill/>
+        </p:spPr>
+        <p:txBody>
+          <a:bodyPr wrap="square" rtlCol="0" anchor="ctr">
+            <a:spAutoFit/>
+          </a:bodyPr>
+          <a:lstStyle/>
+          <a:p>
+            <a:pPr algn="ctr"/>
+            <a:r>
+              <a:rPr lang="pt-BR" sz="1100" dirty="0" err="1"/>
+              <a:t>ReLu</a:t>
+            </a:r>
+            <a:endParaRPr lang="pt-BR" sz="1100" dirty="0"/>
+          </a:p>
+        </p:txBody>
+      </p:sp>
+      <p:sp>
+        <p:nvSpPr>
+          <p:cNvPr id="249" name="TextBox 248">
+            <a:extLst>
+              <a:ext uri="{FF2B5EF4-FFF2-40B4-BE49-F238E27FC236}">
+                <a16:creationId xmlns:a16="http://schemas.microsoft.com/office/drawing/2014/main" id="{7373CB9D-D2F8-4678-8114-E27739A54FFF}"/>
+              </a:ext>
+            </a:extLst>
+          </p:cNvPr>
+          <p:cNvSpPr txBox="1"/>
+          <p:nvPr/>
+        </p:nvSpPr>
+        <p:spPr>
+          <a:xfrm>
+            <a:off x="8015027" y="3572164"/>
+            <a:ext cx="717256" cy="261610"/>
+          </a:xfrm>
+          <a:prstGeom prst="rect">
+            <a:avLst/>
+          </a:prstGeom>
+          <a:noFill/>
+        </p:spPr>
+        <p:txBody>
+          <a:bodyPr wrap="square" rtlCol="0" anchor="ctr">
+            <a:spAutoFit/>
+          </a:bodyPr>
+          <a:lstStyle/>
+          <a:p>
+            <a:pPr algn="ctr"/>
+            <a:r>
+              <a:rPr lang="pt-BR" sz="1100" dirty="0" err="1"/>
+              <a:t>ReLu</a:t>
+            </a:r>
+            <a:endParaRPr lang="pt-BR" sz="1100" dirty="0"/>
+          </a:p>
+        </p:txBody>
+      </p:sp>
+      <p:sp>
+        <p:nvSpPr>
+          <p:cNvPr id="250" name="TextBox 249">
+            <a:extLst>
+              <a:ext uri="{FF2B5EF4-FFF2-40B4-BE49-F238E27FC236}">
+                <a16:creationId xmlns:a16="http://schemas.microsoft.com/office/drawing/2014/main" id="{DEA7221B-333F-4823-AC96-B8C4B8E10BB6}"/>
+              </a:ext>
+            </a:extLst>
+          </p:cNvPr>
+          <p:cNvSpPr txBox="1"/>
+          <p:nvPr/>
+        </p:nvSpPr>
+        <p:spPr>
+          <a:xfrm>
+            <a:off x="8015027" y="4171512"/>
+            <a:ext cx="717256" cy="261610"/>
+          </a:xfrm>
+          <a:prstGeom prst="rect">
+            <a:avLst/>
+          </a:prstGeom>
+          <a:noFill/>
+        </p:spPr>
+        <p:txBody>
+          <a:bodyPr wrap="square" rtlCol="0" anchor="ctr">
+            <a:spAutoFit/>
+          </a:bodyPr>
+          <a:lstStyle/>
+          <a:p>
+            <a:pPr algn="ctr"/>
+            <a:r>
+              <a:rPr lang="pt-BR" sz="1100" dirty="0" err="1"/>
+              <a:t>ReLu</a:t>
+            </a:r>
+            <a:endParaRPr lang="pt-BR" sz="1100" dirty="0"/>
+          </a:p>
+        </p:txBody>
+      </p:sp>
+      <p:sp>
+        <p:nvSpPr>
+          <p:cNvPr id="251" name="TextBox 250">
+            <a:extLst>
+              <a:ext uri="{FF2B5EF4-FFF2-40B4-BE49-F238E27FC236}">
+                <a16:creationId xmlns:a16="http://schemas.microsoft.com/office/drawing/2014/main" id="{76E37B54-D4FA-4E84-BECD-2836A58469F2}"/>
+              </a:ext>
+            </a:extLst>
+          </p:cNvPr>
+          <p:cNvSpPr txBox="1"/>
+          <p:nvPr/>
+        </p:nvSpPr>
+        <p:spPr>
+          <a:xfrm>
+            <a:off x="8015027" y="4777294"/>
+            <a:ext cx="717256" cy="261610"/>
+          </a:xfrm>
+          <a:prstGeom prst="rect">
+            <a:avLst/>
+          </a:prstGeom>
+          <a:noFill/>
+        </p:spPr>
+        <p:txBody>
+          <a:bodyPr wrap="square" rtlCol="0" anchor="ctr">
+            <a:spAutoFit/>
+          </a:bodyPr>
+          <a:lstStyle/>
+          <a:p>
+            <a:pPr algn="ctr"/>
+            <a:r>
+              <a:rPr lang="pt-BR" sz="1100" dirty="0" err="1"/>
+              <a:t>ReLu</a:t>
+            </a:r>
+            <a:endParaRPr lang="pt-BR" sz="1100" dirty="0"/>
+          </a:p>
+        </p:txBody>
+      </p:sp>
     </p:spTree>
     <p:extLst>
       <p:ext uri="{BB962C8B-B14F-4D97-AF65-F5344CB8AC3E}">

--- a/Figuras/Figuras.pptx
+++ b/Figuras/Figuras.pptx
@@ -12,6 +12,7 @@
     <p:sldId id="260" r:id="rId6"/>
     <p:sldId id="261" r:id="rId7"/>
     <p:sldId id="262" r:id="rId8"/>
+    <p:sldId id="263" r:id="rId9"/>
   </p:sldIdLst>
   <p:sldSz cx="12192000" cy="6858000"/>
   <p:notesSz cx="6858000" cy="9144000"/>
@@ -267,7 +268,7 @@
           <a:p>
             <a:fld id="{E7765948-A934-4EF0-95A9-A39F9FAF0FC6}" type="datetimeFigureOut">
               <a:rPr lang="pt-BR" smtClean="0"/>
-              <a:t>27/11/2021</a:t>
+              <a:t>28/11/2021</a:t>
             </a:fld>
             <a:endParaRPr lang="pt-BR"/>
           </a:p>
@@ -467,7 +468,7 @@
           <a:p>
             <a:fld id="{E7765948-A934-4EF0-95A9-A39F9FAF0FC6}" type="datetimeFigureOut">
               <a:rPr lang="pt-BR" smtClean="0"/>
-              <a:t>27/11/2021</a:t>
+              <a:t>28/11/2021</a:t>
             </a:fld>
             <a:endParaRPr lang="pt-BR"/>
           </a:p>
@@ -677,7 +678,7 @@
           <a:p>
             <a:fld id="{E7765948-A934-4EF0-95A9-A39F9FAF0FC6}" type="datetimeFigureOut">
               <a:rPr lang="pt-BR" smtClean="0"/>
-              <a:t>27/11/2021</a:t>
+              <a:t>28/11/2021</a:t>
             </a:fld>
             <a:endParaRPr lang="pt-BR"/>
           </a:p>
@@ -877,7 +878,7 @@
           <a:p>
             <a:fld id="{E7765948-A934-4EF0-95A9-A39F9FAF0FC6}" type="datetimeFigureOut">
               <a:rPr lang="pt-BR" smtClean="0"/>
-              <a:t>27/11/2021</a:t>
+              <a:t>28/11/2021</a:t>
             </a:fld>
             <a:endParaRPr lang="pt-BR"/>
           </a:p>
@@ -1153,7 +1154,7 @@
           <a:p>
             <a:fld id="{E7765948-A934-4EF0-95A9-A39F9FAF0FC6}" type="datetimeFigureOut">
               <a:rPr lang="pt-BR" smtClean="0"/>
-              <a:t>27/11/2021</a:t>
+              <a:t>28/11/2021</a:t>
             </a:fld>
             <a:endParaRPr lang="pt-BR"/>
           </a:p>
@@ -1421,7 +1422,7 @@
           <a:p>
             <a:fld id="{E7765948-A934-4EF0-95A9-A39F9FAF0FC6}" type="datetimeFigureOut">
               <a:rPr lang="pt-BR" smtClean="0"/>
-              <a:t>27/11/2021</a:t>
+              <a:t>28/11/2021</a:t>
             </a:fld>
             <a:endParaRPr lang="pt-BR"/>
           </a:p>
@@ -1836,7 +1837,7 @@
           <a:p>
             <a:fld id="{E7765948-A934-4EF0-95A9-A39F9FAF0FC6}" type="datetimeFigureOut">
               <a:rPr lang="pt-BR" smtClean="0"/>
-              <a:t>27/11/2021</a:t>
+              <a:t>28/11/2021</a:t>
             </a:fld>
             <a:endParaRPr lang="pt-BR"/>
           </a:p>
@@ -1978,7 +1979,7 @@
           <a:p>
             <a:fld id="{E7765948-A934-4EF0-95A9-A39F9FAF0FC6}" type="datetimeFigureOut">
               <a:rPr lang="pt-BR" smtClean="0"/>
-              <a:t>27/11/2021</a:t>
+              <a:t>28/11/2021</a:t>
             </a:fld>
             <a:endParaRPr lang="pt-BR"/>
           </a:p>
@@ -2091,7 +2092,7 @@
           <a:p>
             <a:fld id="{E7765948-A934-4EF0-95A9-A39F9FAF0FC6}" type="datetimeFigureOut">
               <a:rPr lang="pt-BR" smtClean="0"/>
-              <a:t>27/11/2021</a:t>
+              <a:t>28/11/2021</a:t>
             </a:fld>
             <a:endParaRPr lang="pt-BR"/>
           </a:p>
@@ -2404,7 +2405,7 @@
           <a:p>
             <a:fld id="{E7765948-A934-4EF0-95A9-A39F9FAF0FC6}" type="datetimeFigureOut">
               <a:rPr lang="pt-BR" smtClean="0"/>
-              <a:t>27/11/2021</a:t>
+              <a:t>28/11/2021</a:t>
             </a:fld>
             <a:endParaRPr lang="pt-BR"/>
           </a:p>
@@ -2693,7 +2694,7 @@
           <a:p>
             <a:fld id="{E7765948-A934-4EF0-95A9-A39F9FAF0FC6}" type="datetimeFigureOut">
               <a:rPr lang="pt-BR" smtClean="0"/>
-              <a:t>27/11/2021</a:t>
+              <a:t>28/11/2021</a:t>
             </a:fld>
             <a:endParaRPr lang="pt-BR"/>
           </a:p>
@@ -2936,7 +2937,7 @@
           <a:p>
             <a:fld id="{E7765948-A934-4EF0-95A9-A39F9FAF0FC6}" type="datetimeFigureOut">
               <a:rPr lang="pt-BR" smtClean="0"/>
-              <a:t>27/11/2021</a:t>
+              <a:t>28/11/2021</a:t>
             </a:fld>
             <a:endParaRPr lang="pt-BR"/>
           </a:p>
@@ -36141,8 +36142,8 @@
           </a:p>
         </p:txBody>
       </p:sp>
-      <mc:AlternateContent xmlns:mc="http://schemas.openxmlformats.org/markup-compatibility/2006">
-        <mc:Choice xmlns:a14="http://schemas.microsoft.com/office/drawing/2010/main" Requires="a14">
+      <mc:AlternateContent xmlns:mc="http://schemas.openxmlformats.org/markup-compatibility/2006" xmlns:a14="http://schemas.microsoft.com/office/drawing/2010/main">
+        <mc:Choice Requires="a14">
           <p:sp>
             <p:nvSpPr>
               <p:cNvPr id="81" name="TextBox 80">
@@ -36171,6 +36172,7 @@
               </a:bodyPr>
               <a:lstStyle/>
               <a:p>
+                <a:pPr/>
                 <a14:m>
                   <m:oMathPara xmlns:m="http://schemas.openxmlformats.org/officeDocument/2006/math">
                     <m:oMathParaPr>
@@ -36235,7 +36237,7 @@
             </p:txBody>
           </p:sp>
         </mc:Choice>
-        <mc:Fallback>
+        <mc:Fallback xmlns="">
           <p:sp>
             <p:nvSpPr>
               <p:cNvPr id="81" name="TextBox 80">
@@ -36280,8 +36282,8 @@
           </p:sp>
         </mc:Fallback>
       </mc:AlternateContent>
-      <mc:AlternateContent xmlns:mc="http://schemas.openxmlformats.org/markup-compatibility/2006">
-        <mc:Choice xmlns:a14="http://schemas.microsoft.com/office/drawing/2010/main" Requires="a14">
+      <mc:AlternateContent xmlns:mc="http://schemas.openxmlformats.org/markup-compatibility/2006" xmlns:a14="http://schemas.microsoft.com/office/drawing/2010/main">
+        <mc:Choice Requires="a14">
           <p:sp>
             <p:nvSpPr>
               <p:cNvPr id="82" name="TextBox 81">
@@ -36310,6 +36312,7 @@
               </a:bodyPr>
               <a:lstStyle/>
               <a:p>
+                <a:pPr/>
                 <a14:m>
                   <m:oMathPara xmlns:m="http://schemas.openxmlformats.org/officeDocument/2006/math">
                     <m:oMathParaPr>
@@ -36374,7 +36377,7 @@
             </p:txBody>
           </p:sp>
         </mc:Choice>
-        <mc:Fallback>
+        <mc:Fallback xmlns="">
           <p:sp>
             <p:nvSpPr>
               <p:cNvPr id="82" name="TextBox 81">
@@ -36419,8 +36422,8 @@
           </p:sp>
         </mc:Fallback>
       </mc:AlternateContent>
-      <mc:AlternateContent xmlns:mc="http://schemas.openxmlformats.org/markup-compatibility/2006">
-        <mc:Choice xmlns:a14="http://schemas.microsoft.com/office/drawing/2010/main" Requires="a14">
+      <mc:AlternateContent xmlns:mc="http://schemas.openxmlformats.org/markup-compatibility/2006" xmlns:a14="http://schemas.microsoft.com/office/drawing/2010/main">
+        <mc:Choice Requires="a14">
           <p:sp>
             <p:nvSpPr>
               <p:cNvPr id="83" name="TextBox 82">
@@ -36449,6 +36452,7 @@
               </a:bodyPr>
               <a:lstStyle/>
               <a:p>
+                <a:pPr/>
                 <a14:m>
                   <m:oMathPara xmlns:m="http://schemas.openxmlformats.org/officeDocument/2006/math">
                     <m:oMathParaPr>
@@ -36513,7 +36517,7 @@
             </p:txBody>
           </p:sp>
         </mc:Choice>
-        <mc:Fallback>
+        <mc:Fallback xmlns="">
           <p:sp>
             <p:nvSpPr>
               <p:cNvPr id="83" name="TextBox 82">
@@ -36558,8 +36562,8 @@
           </p:sp>
         </mc:Fallback>
       </mc:AlternateContent>
-      <mc:AlternateContent xmlns:mc="http://schemas.openxmlformats.org/markup-compatibility/2006">
-        <mc:Choice xmlns:a14="http://schemas.microsoft.com/office/drawing/2010/main" Requires="a14">
+      <mc:AlternateContent xmlns:mc="http://schemas.openxmlformats.org/markup-compatibility/2006" xmlns:a14="http://schemas.microsoft.com/office/drawing/2010/main">
+        <mc:Choice Requires="a14">
           <p:sp>
             <p:nvSpPr>
               <p:cNvPr id="84" name="TextBox 83">
@@ -36588,6 +36592,7 @@
               </a:bodyPr>
               <a:lstStyle/>
               <a:p>
+                <a:pPr/>
                 <a14:m>
                   <m:oMathPara xmlns:m="http://schemas.openxmlformats.org/officeDocument/2006/math">
                     <m:oMathParaPr>
@@ -36652,7 +36657,7 @@
             </p:txBody>
           </p:sp>
         </mc:Choice>
-        <mc:Fallback>
+        <mc:Fallback xmlns="">
           <p:sp>
             <p:nvSpPr>
               <p:cNvPr id="84" name="TextBox 83">
@@ -37136,8 +37141,8 @@
           </a:fontRef>
         </p:style>
       </p:cxnSp>
-      <mc:AlternateContent xmlns:mc="http://schemas.openxmlformats.org/markup-compatibility/2006">
-        <mc:Choice xmlns:a14="http://schemas.microsoft.com/office/drawing/2010/main" Requires="a14">
+      <mc:AlternateContent xmlns:mc="http://schemas.openxmlformats.org/markup-compatibility/2006" xmlns:a14="http://schemas.microsoft.com/office/drawing/2010/main">
+        <mc:Choice Requires="a14">
           <p:sp>
             <p:nvSpPr>
               <p:cNvPr id="100" name="TextBox 99">
@@ -37166,6 +37171,7 @@
               </a:bodyPr>
               <a:lstStyle/>
               <a:p>
+                <a:pPr/>
                 <a14:m>
                   <m:oMathPara xmlns:m="http://schemas.openxmlformats.org/officeDocument/2006/math">
                     <m:oMathParaPr>
@@ -37230,7 +37236,7 @@
             </p:txBody>
           </p:sp>
         </mc:Choice>
-        <mc:Fallback>
+        <mc:Fallback xmlns="">
           <p:sp>
             <p:nvSpPr>
               <p:cNvPr id="100" name="TextBox 99">
@@ -37275,8 +37281,8 @@
           </p:sp>
         </mc:Fallback>
       </mc:AlternateContent>
-      <mc:AlternateContent xmlns:mc="http://schemas.openxmlformats.org/markup-compatibility/2006">
-        <mc:Choice xmlns:a14="http://schemas.microsoft.com/office/drawing/2010/main" Requires="a14">
+      <mc:AlternateContent xmlns:mc="http://schemas.openxmlformats.org/markup-compatibility/2006" xmlns:a14="http://schemas.microsoft.com/office/drawing/2010/main">
+        <mc:Choice Requires="a14">
           <p:sp>
             <p:nvSpPr>
               <p:cNvPr id="101" name="TextBox 100">
@@ -37305,6 +37311,7 @@
               </a:bodyPr>
               <a:lstStyle/>
               <a:p>
+                <a:pPr/>
                 <a14:m>
                   <m:oMathPara xmlns:m="http://schemas.openxmlformats.org/officeDocument/2006/math">
                     <m:oMathParaPr>
@@ -37369,7 +37376,7 @@
             </p:txBody>
           </p:sp>
         </mc:Choice>
-        <mc:Fallback>
+        <mc:Fallback xmlns="">
           <p:sp>
             <p:nvSpPr>
               <p:cNvPr id="101" name="TextBox 100">
@@ -37414,8 +37421,8 @@
           </p:sp>
         </mc:Fallback>
       </mc:AlternateContent>
-      <mc:AlternateContent xmlns:mc="http://schemas.openxmlformats.org/markup-compatibility/2006">
-        <mc:Choice xmlns:a14="http://schemas.microsoft.com/office/drawing/2010/main" Requires="a14">
+      <mc:AlternateContent xmlns:mc="http://schemas.openxmlformats.org/markup-compatibility/2006" xmlns:a14="http://schemas.microsoft.com/office/drawing/2010/main">
+        <mc:Choice Requires="a14">
           <p:sp>
             <p:nvSpPr>
               <p:cNvPr id="102" name="TextBox 101">
@@ -37444,6 +37451,7 @@
               </a:bodyPr>
               <a:lstStyle/>
               <a:p>
+                <a:pPr/>
                 <a14:m>
                   <m:oMathPara xmlns:m="http://schemas.openxmlformats.org/officeDocument/2006/math">
                     <m:oMathParaPr>
@@ -37508,7 +37516,7 @@
             </p:txBody>
           </p:sp>
         </mc:Choice>
-        <mc:Fallback>
+        <mc:Fallback xmlns="">
           <p:sp>
             <p:nvSpPr>
               <p:cNvPr id="102" name="TextBox 101">
@@ -37553,8 +37561,8 @@
           </p:sp>
         </mc:Fallback>
       </mc:AlternateContent>
-      <mc:AlternateContent xmlns:mc="http://schemas.openxmlformats.org/markup-compatibility/2006">
-        <mc:Choice xmlns:a14="http://schemas.microsoft.com/office/drawing/2010/main" Requires="a14">
+      <mc:AlternateContent xmlns:mc="http://schemas.openxmlformats.org/markup-compatibility/2006" xmlns:a14="http://schemas.microsoft.com/office/drawing/2010/main">
+        <mc:Choice Requires="a14">
           <p:sp>
             <p:nvSpPr>
               <p:cNvPr id="103" name="TextBox 102">
@@ -37583,6 +37591,7 @@
               </a:bodyPr>
               <a:lstStyle/>
               <a:p>
+                <a:pPr/>
                 <a14:m>
                   <m:oMathPara xmlns:m="http://schemas.openxmlformats.org/officeDocument/2006/math">
                     <m:oMathParaPr>
@@ -37647,7 +37656,7 @@
             </p:txBody>
           </p:sp>
         </mc:Choice>
-        <mc:Fallback>
+        <mc:Fallback xmlns="">
           <p:sp>
             <p:nvSpPr>
               <p:cNvPr id="103" name="TextBox 102">
@@ -37782,8 +37791,8 @@
           </a:p>
         </p:txBody>
       </p:sp>
-      <mc:AlternateContent xmlns:mc="http://schemas.openxmlformats.org/markup-compatibility/2006">
-        <mc:Choice xmlns:a14="http://schemas.microsoft.com/office/drawing/2010/main" Requires="a14">
+      <mc:AlternateContent xmlns:mc="http://schemas.openxmlformats.org/markup-compatibility/2006" xmlns:a14="http://schemas.microsoft.com/office/drawing/2010/main">
+        <mc:Choice Requires="a14">
           <p:sp>
             <p:nvSpPr>
               <p:cNvPr id="134" name="TextBox 133">
@@ -37812,6 +37821,7 @@
               </a:bodyPr>
               <a:lstStyle/>
               <a:p>
+                <a:pPr/>
                 <a14:m>
                   <m:oMathPara xmlns:m="http://schemas.openxmlformats.org/officeDocument/2006/math">
                     <m:oMathParaPr>
@@ -37851,7 +37861,7 @@
             </p:txBody>
           </p:sp>
         </mc:Choice>
-        <mc:Fallback>
+        <mc:Fallback xmlns="">
           <p:sp>
             <p:nvSpPr>
               <p:cNvPr id="134" name="TextBox 133">
@@ -37896,8 +37906,8 @@
           </p:sp>
         </mc:Fallback>
       </mc:AlternateContent>
-      <mc:AlternateContent xmlns:mc="http://schemas.openxmlformats.org/markup-compatibility/2006">
-        <mc:Choice xmlns:a14="http://schemas.microsoft.com/office/drawing/2010/main" Requires="a14">
+      <mc:AlternateContent xmlns:mc="http://schemas.openxmlformats.org/markup-compatibility/2006" xmlns:a14="http://schemas.microsoft.com/office/drawing/2010/main">
+        <mc:Choice Requires="a14">
           <p:sp>
             <p:nvSpPr>
               <p:cNvPr id="135" name="TextBox 134">
@@ -37926,6 +37936,7 @@
               </a:bodyPr>
               <a:lstStyle/>
               <a:p>
+                <a:pPr/>
                 <a14:m>
                   <m:oMathPara xmlns:m="http://schemas.openxmlformats.org/officeDocument/2006/math">
                     <m:oMathParaPr>
@@ -37965,7 +37976,7 @@
             </p:txBody>
           </p:sp>
         </mc:Choice>
-        <mc:Fallback>
+        <mc:Fallback xmlns="">
           <p:sp>
             <p:nvSpPr>
               <p:cNvPr id="135" name="TextBox 134">
@@ -38010,8 +38021,8 @@
           </p:sp>
         </mc:Fallback>
       </mc:AlternateContent>
-      <mc:AlternateContent xmlns:mc="http://schemas.openxmlformats.org/markup-compatibility/2006">
-        <mc:Choice xmlns:a14="http://schemas.microsoft.com/office/drawing/2010/main" Requires="a14">
+      <mc:AlternateContent xmlns:mc="http://schemas.openxmlformats.org/markup-compatibility/2006" xmlns:a14="http://schemas.microsoft.com/office/drawing/2010/main">
+        <mc:Choice Requires="a14">
           <p:sp>
             <p:nvSpPr>
               <p:cNvPr id="136" name="TextBox 135">
@@ -38040,6 +38051,7 @@
               </a:bodyPr>
               <a:lstStyle/>
               <a:p>
+                <a:pPr/>
                 <a14:m>
                   <m:oMathPara xmlns:m="http://schemas.openxmlformats.org/officeDocument/2006/math">
                     <m:oMathParaPr>
@@ -38079,7 +38091,7 @@
             </p:txBody>
           </p:sp>
         </mc:Choice>
-        <mc:Fallback>
+        <mc:Fallback xmlns="">
           <p:sp>
             <p:nvSpPr>
               <p:cNvPr id="136" name="TextBox 135">
@@ -38124,8 +38136,8 @@
           </p:sp>
         </mc:Fallback>
       </mc:AlternateContent>
-      <mc:AlternateContent xmlns:mc="http://schemas.openxmlformats.org/markup-compatibility/2006">
-        <mc:Choice xmlns:a14="http://schemas.microsoft.com/office/drawing/2010/main" Requires="a14">
+      <mc:AlternateContent xmlns:mc="http://schemas.openxmlformats.org/markup-compatibility/2006" xmlns:a14="http://schemas.microsoft.com/office/drawing/2010/main">
+        <mc:Choice Requires="a14">
           <p:sp>
             <p:nvSpPr>
               <p:cNvPr id="137" name="TextBox 136">
@@ -38154,6 +38166,7 @@
               </a:bodyPr>
               <a:lstStyle/>
               <a:p>
+                <a:pPr/>
                 <a14:m>
                   <m:oMathPara xmlns:m="http://schemas.openxmlformats.org/officeDocument/2006/math">
                     <m:oMathParaPr>
@@ -38193,7 +38206,7 @@
             </p:txBody>
           </p:sp>
         </mc:Choice>
-        <mc:Fallback>
+        <mc:Fallback xmlns="">
           <p:sp>
             <p:nvSpPr>
               <p:cNvPr id="137" name="TextBox 136">
@@ -38443,8 +38456,8 @@
           </p:txBody>
         </p:sp>
       </p:grpSp>
-      <mc:AlternateContent xmlns:mc="http://schemas.openxmlformats.org/markup-compatibility/2006">
-        <mc:Choice xmlns:a14="http://schemas.microsoft.com/office/drawing/2010/main" Requires="a14">
+      <mc:AlternateContent xmlns:mc="http://schemas.openxmlformats.org/markup-compatibility/2006" xmlns:a14="http://schemas.microsoft.com/office/drawing/2010/main">
+        <mc:Choice Requires="a14">
           <p:sp>
             <p:nvSpPr>
               <p:cNvPr id="148" name="TextBox 147">
@@ -38473,6 +38486,7 @@
               </a:bodyPr>
               <a:lstStyle/>
               <a:p>
+                <a:pPr/>
                 <a14:m>
                   <m:oMathPara xmlns:m="http://schemas.openxmlformats.org/officeDocument/2006/math">
                     <m:oMathParaPr>
@@ -38512,7 +38526,7 @@
             </p:txBody>
           </p:sp>
         </mc:Choice>
-        <mc:Fallback>
+        <mc:Fallback xmlns="">
           <p:sp>
             <p:nvSpPr>
               <p:cNvPr id="148" name="TextBox 147">
@@ -38557,8 +38571,8 @@
           </p:sp>
         </mc:Fallback>
       </mc:AlternateContent>
-      <mc:AlternateContent xmlns:mc="http://schemas.openxmlformats.org/markup-compatibility/2006">
-        <mc:Choice xmlns:a14="http://schemas.microsoft.com/office/drawing/2010/main" Requires="a14">
+      <mc:AlternateContent xmlns:mc="http://schemas.openxmlformats.org/markup-compatibility/2006" xmlns:a14="http://schemas.microsoft.com/office/drawing/2010/main">
+        <mc:Choice Requires="a14">
           <p:sp>
             <p:nvSpPr>
               <p:cNvPr id="149" name="TextBox 148">
@@ -38587,6 +38601,7 @@
               </a:bodyPr>
               <a:lstStyle/>
               <a:p>
+                <a:pPr/>
                 <a14:m>
                   <m:oMathPara xmlns:m="http://schemas.openxmlformats.org/officeDocument/2006/math">
                     <m:oMathParaPr>
@@ -38626,7 +38641,7 @@
             </p:txBody>
           </p:sp>
         </mc:Choice>
-        <mc:Fallback>
+        <mc:Fallback xmlns="">
           <p:sp>
             <p:nvSpPr>
               <p:cNvPr id="149" name="TextBox 148">
@@ -38671,8 +38686,8 @@
           </p:sp>
         </mc:Fallback>
       </mc:AlternateContent>
-      <mc:AlternateContent xmlns:mc="http://schemas.openxmlformats.org/markup-compatibility/2006">
-        <mc:Choice xmlns:a14="http://schemas.microsoft.com/office/drawing/2010/main" Requires="a14">
+      <mc:AlternateContent xmlns:mc="http://schemas.openxmlformats.org/markup-compatibility/2006" xmlns:a14="http://schemas.microsoft.com/office/drawing/2010/main">
+        <mc:Choice Requires="a14">
           <p:sp>
             <p:nvSpPr>
               <p:cNvPr id="150" name="TextBox 149">
@@ -38701,6 +38716,7 @@
               </a:bodyPr>
               <a:lstStyle/>
               <a:p>
+                <a:pPr/>
                 <a14:m>
                   <m:oMathPara xmlns:m="http://schemas.openxmlformats.org/officeDocument/2006/math">
                     <m:oMathParaPr>
@@ -38740,7 +38756,7 @@
             </p:txBody>
           </p:sp>
         </mc:Choice>
-        <mc:Fallback>
+        <mc:Fallback xmlns="">
           <p:sp>
             <p:nvSpPr>
               <p:cNvPr id="150" name="TextBox 149">
@@ -38785,8 +38801,8 @@
           </p:sp>
         </mc:Fallback>
       </mc:AlternateContent>
-      <mc:AlternateContent xmlns:mc="http://schemas.openxmlformats.org/markup-compatibility/2006">
-        <mc:Choice xmlns:a14="http://schemas.microsoft.com/office/drawing/2010/main" Requires="a14">
+      <mc:AlternateContent xmlns:mc="http://schemas.openxmlformats.org/markup-compatibility/2006" xmlns:a14="http://schemas.microsoft.com/office/drawing/2010/main">
+        <mc:Choice Requires="a14">
           <p:sp>
             <p:nvSpPr>
               <p:cNvPr id="151" name="TextBox 150">
@@ -38815,6 +38831,7 @@
               </a:bodyPr>
               <a:lstStyle/>
               <a:p>
+                <a:pPr/>
                 <a14:m>
                   <m:oMathPara xmlns:m="http://schemas.openxmlformats.org/officeDocument/2006/math">
                     <m:oMathParaPr>
@@ -38854,7 +38871,7 @@
             </p:txBody>
           </p:sp>
         </mc:Choice>
-        <mc:Fallback>
+        <mc:Fallback xmlns="">
           <p:sp>
             <p:nvSpPr>
               <p:cNvPr id="151" name="TextBox 150">
@@ -39104,8 +39121,8 @@
           </p:txBody>
         </p:sp>
       </p:grpSp>
-      <mc:AlternateContent xmlns:mc="http://schemas.openxmlformats.org/markup-compatibility/2006">
-        <mc:Choice xmlns:a14="http://schemas.microsoft.com/office/drawing/2010/main" Requires="a14">
+      <mc:AlternateContent xmlns:mc="http://schemas.openxmlformats.org/markup-compatibility/2006" xmlns:a14="http://schemas.microsoft.com/office/drawing/2010/main">
+        <mc:Choice Requires="a14">
           <p:sp>
             <p:nvSpPr>
               <p:cNvPr id="157" name="TextBox 156">
@@ -39134,6 +39151,7 @@
               </a:bodyPr>
               <a:lstStyle/>
               <a:p>
+                <a:pPr/>
                 <a14:m>
                   <m:oMathPara xmlns:m="http://schemas.openxmlformats.org/officeDocument/2006/math">
                     <m:oMathParaPr>
@@ -39173,7 +39191,7 @@
             </p:txBody>
           </p:sp>
         </mc:Choice>
-        <mc:Fallback>
+        <mc:Fallback xmlns="">
           <p:sp>
             <p:nvSpPr>
               <p:cNvPr id="157" name="TextBox 156">
@@ -39218,8 +39236,8 @@
           </p:sp>
         </mc:Fallback>
       </mc:AlternateContent>
-      <mc:AlternateContent xmlns:mc="http://schemas.openxmlformats.org/markup-compatibility/2006">
-        <mc:Choice xmlns:a14="http://schemas.microsoft.com/office/drawing/2010/main" Requires="a14">
+      <mc:AlternateContent xmlns:mc="http://schemas.openxmlformats.org/markup-compatibility/2006" xmlns:a14="http://schemas.microsoft.com/office/drawing/2010/main">
+        <mc:Choice Requires="a14">
           <p:sp>
             <p:nvSpPr>
               <p:cNvPr id="158" name="TextBox 157">
@@ -39248,6 +39266,7 @@
               </a:bodyPr>
               <a:lstStyle/>
               <a:p>
+                <a:pPr/>
                 <a14:m>
                   <m:oMathPara xmlns:m="http://schemas.openxmlformats.org/officeDocument/2006/math">
                     <m:oMathParaPr>
@@ -39287,7 +39306,7 @@
             </p:txBody>
           </p:sp>
         </mc:Choice>
-        <mc:Fallback>
+        <mc:Fallback xmlns="">
           <p:sp>
             <p:nvSpPr>
               <p:cNvPr id="158" name="TextBox 157">
@@ -39332,8 +39351,8 @@
           </p:sp>
         </mc:Fallback>
       </mc:AlternateContent>
-      <mc:AlternateContent xmlns:mc="http://schemas.openxmlformats.org/markup-compatibility/2006">
-        <mc:Choice xmlns:a14="http://schemas.microsoft.com/office/drawing/2010/main" Requires="a14">
+      <mc:AlternateContent xmlns:mc="http://schemas.openxmlformats.org/markup-compatibility/2006" xmlns:a14="http://schemas.microsoft.com/office/drawing/2010/main">
+        <mc:Choice Requires="a14">
           <p:sp>
             <p:nvSpPr>
               <p:cNvPr id="159" name="TextBox 158">
@@ -39362,6 +39381,7 @@
               </a:bodyPr>
               <a:lstStyle/>
               <a:p>
+                <a:pPr/>
                 <a14:m>
                   <m:oMathPara xmlns:m="http://schemas.openxmlformats.org/officeDocument/2006/math">
                     <m:oMathParaPr>
@@ -39401,7 +39421,7 @@
             </p:txBody>
           </p:sp>
         </mc:Choice>
-        <mc:Fallback>
+        <mc:Fallback xmlns="">
           <p:sp>
             <p:nvSpPr>
               <p:cNvPr id="159" name="TextBox 158">
@@ -39446,8 +39466,8 @@
           </p:sp>
         </mc:Fallback>
       </mc:AlternateContent>
-      <mc:AlternateContent xmlns:mc="http://schemas.openxmlformats.org/markup-compatibility/2006">
-        <mc:Choice xmlns:a14="http://schemas.microsoft.com/office/drawing/2010/main" Requires="a14">
+      <mc:AlternateContent xmlns:mc="http://schemas.openxmlformats.org/markup-compatibility/2006" xmlns:a14="http://schemas.microsoft.com/office/drawing/2010/main">
+        <mc:Choice Requires="a14">
           <p:sp>
             <p:nvSpPr>
               <p:cNvPr id="160" name="TextBox 159">
@@ -39476,6 +39496,7 @@
               </a:bodyPr>
               <a:lstStyle/>
               <a:p>
+                <a:pPr/>
                 <a14:m>
                   <m:oMathPara xmlns:m="http://schemas.openxmlformats.org/officeDocument/2006/math">
                     <m:oMathParaPr>
@@ -39515,7 +39536,7 @@
             </p:txBody>
           </p:sp>
         </mc:Choice>
-        <mc:Fallback>
+        <mc:Fallback xmlns="">
           <p:sp>
             <p:nvSpPr>
               <p:cNvPr id="160" name="TextBox 159">
@@ -40468,8 +40489,8 @@
           </a:fontRef>
         </p:style>
       </p:cxnSp>
-      <mc:AlternateContent xmlns:mc="http://schemas.openxmlformats.org/markup-compatibility/2006">
-        <mc:Choice xmlns:a14="http://schemas.microsoft.com/office/drawing/2010/main" Requires="a14">
+      <mc:AlternateContent xmlns:mc="http://schemas.openxmlformats.org/markup-compatibility/2006" xmlns:a14="http://schemas.microsoft.com/office/drawing/2010/main">
+        <mc:Choice Requires="a14">
           <p:sp>
             <p:nvSpPr>
               <p:cNvPr id="227" name="TextBox 226">
@@ -40538,7 +40559,7 @@
             </p:txBody>
           </p:sp>
         </mc:Choice>
-        <mc:Fallback>
+        <mc:Fallback xmlns="">
           <p:sp>
             <p:nvSpPr>
               <p:cNvPr id="227" name="TextBox 226">
@@ -40583,8 +40604,8 @@
           </p:sp>
         </mc:Fallback>
       </mc:AlternateContent>
-      <mc:AlternateContent xmlns:mc="http://schemas.openxmlformats.org/markup-compatibility/2006">
-        <mc:Choice xmlns:a14="http://schemas.microsoft.com/office/drawing/2010/main" Requires="a14">
+      <mc:AlternateContent xmlns:mc="http://schemas.openxmlformats.org/markup-compatibility/2006" xmlns:a14="http://schemas.microsoft.com/office/drawing/2010/main">
+        <mc:Choice Requires="a14">
           <p:sp>
             <p:nvSpPr>
               <p:cNvPr id="228" name="TextBox 227">
@@ -40653,7 +40674,7 @@
             </p:txBody>
           </p:sp>
         </mc:Choice>
-        <mc:Fallback>
+        <mc:Fallback xmlns="">
           <p:sp>
             <p:nvSpPr>
               <p:cNvPr id="228" name="TextBox 227">
@@ -40698,8 +40719,8 @@
           </p:sp>
         </mc:Fallback>
       </mc:AlternateContent>
-      <mc:AlternateContent xmlns:mc="http://schemas.openxmlformats.org/markup-compatibility/2006">
-        <mc:Choice xmlns:a14="http://schemas.microsoft.com/office/drawing/2010/main" Requires="a14">
+      <mc:AlternateContent xmlns:mc="http://schemas.openxmlformats.org/markup-compatibility/2006" xmlns:a14="http://schemas.microsoft.com/office/drawing/2010/main">
+        <mc:Choice Requires="a14">
           <p:sp>
             <p:nvSpPr>
               <p:cNvPr id="229" name="TextBox 228">
@@ -40768,7 +40789,7 @@
             </p:txBody>
           </p:sp>
         </mc:Choice>
-        <mc:Fallback>
+        <mc:Fallback xmlns="">
           <p:sp>
             <p:nvSpPr>
               <p:cNvPr id="229" name="TextBox 228">
@@ -40813,8 +40834,8 @@
           </p:sp>
         </mc:Fallback>
       </mc:AlternateContent>
-      <mc:AlternateContent xmlns:mc="http://schemas.openxmlformats.org/markup-compatibility/2006">
-        <mc:Choice xmlns:a14="http://schemas.microsoft.com/office/drawing/2010/main" Requires="a14">
+      <mc:AlternateContent xmlns:mc="http://schemas.openxmlformats.org/markup-compatibility/2006" xmlns:a14="http://schemas.microsoft.com/office/drawing/2010/main">
+        <mc:Choice Requires="a14">
           <p:sp>
             <p:nvSpPr>
               <p:cNvPr id="230" name="TextBox 229">
@@ -40883,7 +40904,7 @@
             </p:txBody>
           </p:sp>
         </mc:Choice>
-        <mc:Fallback>
+        <mc:Fallback xmlns="">
           <p:sp>
             <p:nvSpPr>
               <p:cNvPr id="230" name="TextBox 229">
@@ -41224,6 +41245,3871 @@
     <p:extLst>
       <p:ext uri="{BB962C8B-B14F-4D97-AF65-F5344CB8AC3E}">
         <p14:creationId xmlns:p14="http://schemas.microsoft.com/office/powerpoint/2010/main" val="2728571870"/>
+      </p:ext>
+    </p:extLst>
+  </p:cSld>
+  <p:clrMapOvr>
+    <a:masterClrMapping/>
+  </p:clrMapOvr>
+</p:sld>
+</file>
+
+<file path=ppt/slides/slide8.xml><?xml version="1.0" encoding="utf-8"?>
+<p:sld xmlns:a="http://schemas.openxmlformats.org/drawingml/2006/main" xmlns:r="http://schemas.openxmlformats.org/officeDocument/2006/relationships" xmlns:p="http://schemas.openxmlformats.org/presentationml/2006/main">
+  <p:cSld>
+    <p:spTree>
+      <p:nvGrpSpPr>
+        <p:cNvPr id="1" name=""/>
+        <p:cNvGrpSpPr/>
+        <p:nvPr/>
+      </p:nvGrpSpPr>
+      <p:grpSpPr>
+        <a:xfrm>
+          <a:off x="0" y="0"/>
+          <a:ext cx="0" cy="0"/>
+          <a:chOff x="0" y="0"/>
+          <a:chExt cx="0" cy="0"/>
+        </a:xfrm>
+      </p:grpSpPr>
+      <p:grpSp>
+        <p:nvGrpSpPr>
+          <p:cNvPr id="121" name="Group 120">
+            <a:extLst>
+              <a:ext uri="{FF2B5EF4-FFF2-40B4-BE49-F238E27FC236}">
+                <a16:creationId xmlns:a16="http://schemas.microsoft.com/office/drawing/2014/main" id="{C1ED85AF-95E3-46BF-91D9-35528CE65172}"/>
+              </a:ext>
+            </a:extLst>
+          </p:cNvPr>
+          <p:cNvGrpSpPr/>
+          <p:nvPr/>
+        </p:nvGrpSpPr>
+        <p:grpSpPr>
+          <a:xfrm>
+            <a:off x="363175" y="1268999"/>
+            <a:ext cx="2160001" cy="2160001"/>
+            <a:chOff x="381282" y="258142"/>
+            <a:chExt cx="2160001" cy="2160001"/>
+          </a:xfrm>
+        </p:grpSpPr>
+        <p:sp>
+          <p:nvSpPr>
+            <p:cNvPr id="5" name="Rectangle: Rounded Corners 4">
+              <a:extLst>
+                <a:ext uri="{FF2B5EF4-FFF2-40B4-BE49-F238E27FC236}">
+                  <a16:creationId xmlns:a16="http://schemas.microsoft.com/office/drawing/2014/main" id="{6D6169A2-99B1-4955-9888-0E6F3483738D}"/>
+                </a:ext>
+              </a:extLst>
+            </p:cNvPr>
+            <p:cNvSpPr/>
+            <p:nvPr/>
+          </p:nvSpPr>
+          <p:spPr>
+            <a:xfrm>
+              <a:off x="381283" y="258143"/>
+              <a:ext cx="2160000" cy="2160000"/>
+            </a:xfrm>
+            <a:prstGeom prst="roundRect">
+              <a:avLst>
+                <a:gd name="adj" fmla="val 0"/>
+              </a:avLst>
+            </a:prstGeom>
+            <a:solidFill>
+              <a:srgbClr val="5B9BD5">
+                <a:alpha val="30196"/>
+              </a:srgbClr>
+            </a:solidFill>
+          </p:spPr>
+          <p:style>
+            <a:lnRef idx="2">
+              <a:schemeClr val="accent5">
+                <a:shade val="50000"/>
+              </a:schemeClr>
+            </a:lnRef>
+            <a:fillRef idx="1">
+              <a:schemeClr val="accent5"/>
+            </a:fillRef>
+            <a:effectRef idx="0">
+              <a:schemeClr val="accent5"/>
+            </a:effectRef>
+            <a:fontRef idx="minor">
+              <a:schemeClr val="lt1"/>
+            </a:fontRef>
+          </p:style>
+          <p:txBody>
+            <a:bodyPr rtlCol="0" anchor="ctr"/>
+            <a:lstStyle/>
+            <a:p>
+              <a:pPr algn="ctr"/>
+              <a:endParaRPr lang="pt-BR"/>
+            </a:p>
+          </p:txBody>
+        </p:sp>
+        <p:grpSp>
+          <p:nvGrpSpPr>
+            <p:cNvPr id="23" name="Group 22">
+              <a:extLst>
+                <a:ext uri="{FF2B5EF4-FFF2-40B4-BE49-F238E27FC236}">
+                  <a16:creationId xmlns:a16="http://schemas.microsoft.com/office/drawing/2014/main" id="{C0F2E27E-1000-42E7-BA11-4C36F94BB377}"/>
+                </a:ext>
+              </a:extLst>
+            </p:cNvPr>
+            <p:cNvGrpSpPr/>
+            <p:nvPr/>
+          </p:nvGrpSpPr>
+          <p:grpSpPr>
+            <a:xfrm>
+              <a:off x="585926" y="258143"/>
+              <a:ext cx="1734108" cy="2160000"/>
+              <a:chOff x="585926" y="258143"/>
+              <a:chExt cx="1734108" cy="2160000"/>
+            </a:xfrm>
+          </p:grpSpPr>
+          <p:cxnSp>
+            <p:nvCxnSpPr>
+              <p:cNvPr id="12" name="Straight Connector 11">
+                <a:extLst>
+                  <a:ext uri="{FF2B5EF4-FFF2-40B4-BE49-F238E27FC236}">
+                    <a16:creationId xmlns:a16="http://schemas.microsoft.com/office/drawing/2014/main" id="{3BD1C856-D163-4801-85D7-17DC502CD8AB}"/>
+                  </a:ext>
+                </a:extLst>
+              </p:cNvPr>
+              <p:cNvCxnSpPr>
+                <a:cxnSpLocks/>
+              </p:cNvCxnSpPr>
+              <p:nvPr/>
+            </p:nvCxnSpPr>
+            <p:spPr>
+              <a:xfrm flipV="1">
+                <a:off x="585926" y="258144"/>
+                <a:ext cx="0" cy="2159999"/>
+              </a:xfrm>
+              <a:prstGeom prst="line">
+                <a:avLst/>
+              </a:prstGeom>
+            </p:spPr>
+            <p:style>
+              <a:lnRef idx="1">
+                <a:schemeClr val="accent1"/>
+              </a:lnRef>
+              <a:fillRef idx="0">
+                <a:schemeClr val="accent1"/>
+              </a:fillRef>
+              <a:effectRef idx="0">
+                <a:schemeClr val="accent1"/>
+              </a:effectRef>
+              <a:fontRef idx="minor">
+                <a:schemeClr val="tx1"/>
+              </a:fontRef>
+            </p:style>
+          </p:cxnSp>
+          <p:cxnSp>
+            <p:nvCxnSpPr>
+              <p:cNvPr id="14" name="Straight Connector 13">
+                <a:extLst>
+                  <a:ext uri="{FF2B5EF4-FFF2-40B4-BE49-F238E27FC236}">
+                    <a16:creationId xmlns:a16="http://schemas.microsoft.com/office/drawing/2014/main" id="{23073075-F048-4541-A889-817E5B24D343}"/>
+                  </a:ext>
+                </a:extLst>
+              </p:cNvPr>
+              <p:cNvCxnSpPr>
+                <a:cxnSpLocks/>
+              </p:cNvCxnSpPr>
+              <p:nvPr/>
+            </p:nvCxnSpPr>
+            <p:spPr>
+              <a:xfrm flipV="1">
+                <a:off x="778605" y="258143"/>
+                <a:ext cx="0" cy="2159999"/>
+              </a:xfrm>
+              <a:prstGeom prst="line">
+                <a:avLst/>
+              </a:prstGeom>
+            </p:spPr>
+            <p:style>
+              <a:lnRef idx="1">
+                <a:schemeClr val="accent1"/>
+              </a:lnRef>
+              <a:fillRef idx="0">
+                <a:schemeClr val="accent1"/>
+              </a:fillRef>
+              <a:effectRef idx="0">
+                <a:schemeClr val="accent1"/>
+              </a:effectRef>
+              <a:fontRef idx="minor">
+                <a:schemeClr val="tx1"/>
+              </a:fontRef>
+            </p:style>
+          </p:cxnSp>
+          <p:cxnSp>
+            <p:nvCxnSpPr>
+              <p:cNvPr id="15" name="Straight Connector 14">
+                <a:extLst>
+                  <a:ext uri="{FF2B5EF4-FFF2-40B4-BE49-F238E27FC236}">
+                    <a16:creationId xmlns:a16="http://schemas.microsoft.com/office/drawing/2014/main" id="{BA79E75D-04C1-4311-ADCA-7ACBB16B3382}"/>
+                  </a:ext>
+                </a:extLst>
+              </p:cNvPr>
+              <p:cNvCxnSpPr>
+                <a:cxnSpLocks/>
+              </p:cNvCxnSpPr>
+              <p:nvPr/>
+            </p:nvCxnSpPr>
+            <p:spPr>
+              <a:xfrm flipV="1">
+                <a:off x="971284" y="258143"/>
+                <a:ext cx="0" cy="2159999"/>
+              </a:xfrm>
+              <a:prstGeom prst="line">
+                <a:avLst/>
+              </a:prstGeom>
+            </p:spPr>
+            <p:style>
+              <a:lnRef idx="1">
+                <a:schemeClr val="accent1"/>
+              </a:lnRef>
+              <a:fillRef idx="0">
+                <a:schemeClr val="accent1"/>
+              </a:fillRef>
+              <a:effectRef idx="0">
+                <a:schemeClr val="accent1"/>
+              </a:effectRef>
+              <a:fontRef idx="minor">
+                <a:schemeClr val="tx1"/>
+              </a:fontRef>
+            </p:style>
+          </p:cxnSp>
+          <p:cxnSp>
+            <p:nvCxnSpPr>
+              <p:cNvPr id="16" name="Straight Connector 15">
+                <a:extLst>
+                  <a:ext uri="{FF2B5EF4-FFF2-40B4-BE49-F238E27FC236}">
+                    <a16:creationId xmlns:a16="http://schemas.microsoft.com/office/drawing/2014/main" id="{83BF4031-0663-4120-8FE5-DB9857D1181A}"/>
+                  </a:ext>
+                </a:extLst>
+              </p:cNvPr>
+              <p:cNvCxnSpPr>
+                <a:cxnSpLocks/>
+              </p:cNvCxnSpPr>
+              <p:nvPr/>
+            </p:nvCxnSpPr>
+            <p:spPr>
+              <a:xfrm flipV="1">
+                <a:off x="1163963" y="258143"/>
+                <a:ext cx="0" cy="2159999"/>
+              </a:xfrm>
+              <a:prstGeom prst="line">
+                <a:avLst/>
+              </a:prstGeom>
+            </p:spPr>
+            <p:style>
+              <a:lnRef idx="1">
+                <a:schemeClr val="accent1"/>
+              </a:lnRef>
+              <a:fillRef idx="0">
+                <a:schemeClr val="accent1"/>
+              </a:fillRef>
+              <a:effectRef idx="0">
+                <a:schemeClr val="accent1"/>
+              </a:effectRef>
+              <a:fontRef idx="minor">
+                <a:schemeClr val="tx1"/>
+              </a:fontRef>
+            </p:style>
+          </p:cxnSp>
+          <p:cxnSp>
+            <p:nvCxnSpPr>
+              <p:cNvPr id="17" name="Straight Connector 16">
+                <a:extLst>
+                  <a:ext uri="{FF2B5EF4-FFF2-40B4-BE49-F238E27FC236}">
+                    <a16:creationId xmlns:a16="http://schemas.microsoft.com/office/drawing/2014/main" id="{AFB180C6-13F3-4FF9-A2A9-F10A26BD5C02}"/>
+                  </a:ext>
+                </a:extLst>
+              </p:cNvPr>
+              <p:cNvCxnSpPr>
+                <a:cxnSpLocks/>
+              </p:cNvCxnSpPr>
+              <p:nvPr/>
+            </p:nvCxnSpPr>
+            <p:spPr>
+              <a:xfrm flipV="1">
+                <a:off x="1356642" y="258143"/>
+                <a:ext cx="0" cy="2159999"/>
+              </a:xfrm>
+              <a:prstGeom prst="line">
+                <a:avLst/>
+              </a:prstGeom>
+            </p:spPr>
+            <p:style>
+              <a:lnRef idx="1">
+                <a:schemeClr val="accent1"/>
+              </a:lnRef>
+              <a:fillRef idx="0">
+                <a:schemeClr val="accent1"/>
+              </a:fillRef>
+              <a:effectRef idx="0">
+                <a:schemeClr val="accent1"/>
+              </a:effectRef>
+              <a:fontRef idx="minor">
+                <a:schemeClr val="tx1"/>
+              </a:fontRef>
+            </p:style>
+          </p:cxnSp>
+          <p:cxnSp>
+            <p:nvCxnSpPr>
+              <p:cNvPr id="18" name="Straight Connector 17">
+                <a:extLst>
+                  <a:ext uri="{FF2B5EF4-FFF2-40B4-BE49-F238E27FC236}">
+                    <a16:creationId xmlns:a16="http://schemas.microsoft.com/office/drawing/2014/main" id="{B5BCB6ED-7D93-4242-9FC4-2D8C836A669F}"/>
+                  </a:ext>
+                </a:extLst>
+              </p:cNvPr>
+              <p:cNvCxnSpPr>
+                <a:cxnSpLocks/>
+              </p:cNvCxnSpPr>
+              <p:nvPr/>
+            </p:nvCxnSpPr>
+            <p:spPr>
+              <a:xfrm flipV="1">
+                <a:off x="1549321" y="258143"/>
+                <a:ext cx="0" cy="2159999"/>
+              </a:xfrm>
+              <a:prstGeom prst="line">
+                <a:avLst/>
+              </a:prstGeom>
+            </p:spPr>
+            <p:style>
+              <a:lnRef idx="1">
+                <a:schemeClr val="accent1"/>
+              </a:lnRef>
+              <a:fillRef idx="0">
+                <a:schemeClr val="accent1"/>
+              </a:fillRef>
+              <a:effectRef idx="0">
+                <a:schemeClr val="accent1"/>
+              </a:effectRef>
+              <a:fontRef idx="minor">
+                <a:schemeClr val="tx1"/>
+              </a:fontRef>
+            </p:style>
+          </p:cxnSp>
+          <p:cxnSp>
+            <p:nvCxnSpPr>
+              <p:cNvPr id="19" name="Straight Connector 18">
+                <a:extLst>
+                  <a:ext uri="{FF2B5EF4-FFF2-40B4-BE49-F238E27FC236}">
+                    <a16:creationId xmlns:a16="http://schemas.microsoft.com/office/drawing/2014/main" id="{D7D6FED5-D3E4-47BA-87BE-C61CA3B004CF}"/>
+                  </a:ext>
+                </a:extLst>
+              </p:cNvPr>
+              <p:cNvCxnSpPr>
+                <a:cxnSpLocks/>
+              </p:cNvCxnSpPr>
+              <p:nvPr/>
+            </p:nvCxnSpPr>
+            <p:spPr>
+              <a:xfrm flipV="1">
+                <a:off x="1742000" y="258143"/>
+                <a:ext cx="0" cy="2159999"/>
+              </a:xfrm>
+              <a:prstGeom prst="line">
+                <a:avLst/>
+              </a:prstGeom>
+            </p:spPr>
+            <p:style>
+              <a:lnRef idx="1">
+                <a:schemeClr val="accent1"/>
+              </a:lnRef>
+              <a:fillRef idx="0">
+                <a:schemeClr val="accent1"/>
+              </a:fillRef>
+              <a:effectRef idx="0">
+                <a:schemeClr val="accent1"/>
+              </a:effectRef>
+              <a:fontRef idx="minor">
+                <a:schemeClr val="tx1"/>
+              </a:fontRef>
+            </p:style>
+          </p:cxnSp>
+          <p:cxnSp>
+            <p:nvCxnSpPr>
+              <p:cNvPr id="20" name="Straight Connector 19">
+                <a:extLst>
+                  <a:ext uri="{FF2B5EF4-FFF2-40B4-BE49-F238E27FC236}">
+                    <a16:creationId xmlns:a16="http://schemas.microsoft.com/office/drawing/2014/main" id="{8BAB3825-7DCD-478B-8A9F-B4044FB1CE23}"/>
+                  </a:ext>
+                </a:extLst>
+              </p:cNvPr>
+              <p:cNvCxnSpPr>
+                <a:cxnSpLocks/>
+              </p:cNvCxnSpPr>
+              <p:nvPr/>
+            </p:nvCxnSpPr>
+            <p:spPr>
+              <a:xfrm flipV="1">
+                <a:off x="1934679" y="258143"/>
+                <a:ext cx="0" cy="2159999"/>
+              </a:xfrm>
+              <a:prstGeom prst="line">
+                <a:avLst/>
+              </a:prstGeom>
+            </p:spPr>
+            <p:style>
+              <a:lnRef idx="1">
+                <a:schemeClr val="accent1"/>
+              </a:lnRef>
+              <a:fillRef idx="0">
+                <a:schemeClr val="accent1"/>
+              </a:fillRef>
+              <a:effectRef idx="0">
+                <a:schemeClr val="accent1"/>
+              </a:effectRef>
+              <a:fontRef idx="minor">
+                <a:schemeClr val="tx1"/>
+              </a:fontRef>
+            </p:style>
+          </p:cxnSp>
+          <p:cxnSp>
+            <p:nvCxnSpPr>
+              <p:cNvPr id="21" name="Straight Connector 20">
+                <a:extLst>
+                  <a:ext uri="{FF2B5EF4-FFF2-40B4-BE49-F238E27FC236}">
+                    <a16:creationId xmlns:a16="http://schemas.microsoft.com/office/drawing/2014/main" id="{C78129C4-67CD-4066-A43F-253D52BFFAB3}"/>
+                  </a:ext>
+                </a:extLst>
+              </p:cNvPr>
+              <p:cNvCxnSpPr>
+                <a:cxnSpLocks/>
+              </p:cNvCxnSpPr>
+              <p:nvPr/>
+            </p:nvCxnSpPr>
+            <p:spPr>
+              <a:xfrm flipV="1">
+                <a:off x="2127358" y="258143"/>
+                <a:ext cx="0" cy="2159999"/>
+              </a:xfrm>
+              <a:prstGeom prst="line">
+                <a:avLst/>
+              </a:prstGeom>
+            </p:spPr>
+            <p:style>
+              <a:lnRef idx="1">
+                <a:schemeClr val="accent1"/>
+              </a:lnRef>
+              <a:fillRef idx="0">
+                <a:schemeClr val="accent1"/>
+              </a:fillRef>
+              <a:effectRef idx="0">
+                <a:schemeClr val="accent1"/>
+              </a:effectRef>
+              <a:fontRef idx="minor">
+                <a:schemeClr val="tx1"/>
+              </a:fontRef>
+            </p:style>
+          </p:cxnSp>
+          <p:cxnSp>
+            <p:nvCxnSpPr>
+              <p:cNvPr id="22" name="Straight Connector 21">
+                <a:extLst>
+                  <a:ext uri="{FF2B5EF4-FFF2-40B4-BE49-F238E27FC236}">
+                    <a16:creationId xmlns:a16="http://schemas.microsoft.com/office/drawing/2014/main" id="{F7FAB8F7-CA3D-42B6-8350-9B7C43EB1615}"/>
+                  </a:ext>
+                </a:extLst>
+              </p:cNvPr>
+              <p:cNvCxnSpPr>
+                <a:cxnSpLocks/>
+              </p:cNvCxnSpPr>
+              <p:nvPr/>
+            </p:nvCxnSpPr>
+            <p:spPr>
+              <a:xfrm flipV="1">
+                <a:off x="2320034" y="258143"/>
+                <a:ext cx="0" cy="2159999"/>
+              </a:xfrm>
+              <a:prstGeom prst="line">
+                <a:avLst/>
+              </a:prstGeom>
+            </p:spPr>
+            <p:style>
+              <a:lnRef idx="1">
+                <a:schemeClr val="accent1"/>
+              </a:lnRef>
+              <a:fillRef idx="0">
+                <a:schemeClr val="accent1"/>
+              </a:fillRef>
+              <a:effectRef idx="0">
+                <a:schemeClr val="accent1"/>
+              </a:effectRef>
+              <a:fontRef idx="minor">
+                <a:schemeClr val="tx1"/>
+              </a:fontRef>
+            </p:style>
+          </p:cxnSp>
+        </p:grpSp>
+        <p:grpSp>
+          <p:nvGrpSpPr>
+            <p:cNvPr id="24" name="Group 23">
+              <a:extLst>
+                <a:ext uri="{FF2B5EF4-FFF2-40B4-BE49-F238E27FC236}">
+                  <a16:creationId xmlns:a16="http://schemas.microsoft.com/office/drawing/2014/main" id="{ACD404AB-2A24-4BA2-83D7-4AAFC31D9B6F}"/>
+                </a:ext>
+              </a:extLst>
+            </p:cNvPr>
+            <p:cNvGrpSpPr/>
+            <p:nvPr/>
+          </p:nvGrpSpPr>
+          <p:grpSpPr>
+            <a:xfrm rot="16200000">
+              <a:off x="594229" y="291089"/>
+              <a:ext cx="1734108" cy="2160000"/>
+              <a:chOff x="585926" y="258143"/>
+              <a:chExt cx="1734108" cy="2160000"/>
+            </a:xfrm>
+          </p:grpSpPr>
+          <p:cxnSp>
+            <p:nvCxnSpPr>
+              <p:cNvPr id="25" name="Straight Connector 24">
+                <a:extLst>
+                  <a:ext uri="{FF2B5EF4-FFF2-40B4-BE49-F238E27FC236}">
+                    <a16:creationId xmlns:a16="http://schemas.microsoft.com/office/drawing/2014/main" id="{C174747C-C83C-4AFA-9887-C8CBC49EA194}"/>
+                  </a:ext>
+                </a:extLst>
+              </p:cNvPr>
+              <p:cNvCxnSpPr>
+                <a:cxnSpLocks/>
+              </p:cNvCxnSpPr>
+              <p:nvPr/>
+            </p:nvCxnSpPr>
+            <p:spPr>
+              <a:xfrm flipV="1">
+                <a:off x="585926" y="258144"/>
+                <a:ext cx="0" cy="2159999"/>
+              </a:xfrm>
+              <a:prstGeom prst="line">
+                <a:avLst/>
+              </a:prstGeom>
+            </p:spPr>
+            <p:style>
+              <a:lnRef idx="1">
+                <a:schemeClr val="accent1"/>
+              </a:lnRef>
+              <a:fillRef idx="0">
+                <a:schemeClr val="accent1"/>
+              </a:fillRef>
+              <a:effectRef idx="0">
+                <a:schemeClr val="accent1"/>
+              </a:effectRef>
+              <a:fontRef idx="minor">
+                <a:schemeClr val="tx1"/>
+              </a:fontRef>
+            </p:style>
+          </p:cxnSp>
+          <p:cxnSp>
+            <p:nvCxnSpPr>
+              <p:cNvPr id="26" name="Straight Connector 25">
+                <a:extLst>
+                  <a:ext uri="{FF2B5EF4-FFF2-40B4-BE49-F238E27FC236}">
+                    <a16:creationId xmlns:a16="http://schemas.microsoft.com/office/drawing/2014/main" id="{5A7F8885-D75A-4A51-9F8C-DFAB52DC24E6}"/>
+                  </a:ext>
+                </a:extLst>
+              </p:cNvPr>
+              <p:cNvCxnSpPr>
+                <a:cxnSpLocks/>
+              </p:cNvCxnSpPr>
+              <p:nvPr/>
+            </p:nvCxnSpPr>
+            <p:spPr>
+              <a:xfrm flipV="1">
+                <a:off x="778605" y="258143"/>
+                <a:ext cx="0" cy="2159999"/>
+              </a:xfrm>
+              <a:prstGeom prst="line">
+                <a:avLst/>
+              </a:prstGeom>
+            </p:spPr>
+            <p:style>
+              <a:lnRef idx="1">
+                <a:schemeClr val="accent1"/>
+              </a:lnRef>
+              <a:fillRef idx="0">
+                <a:schemeClr val="accent1"/>
+              </a:fillRef>
+              <a:effectRef idx="0">
+                <a:schemeClr val="accent1"/>
+              </a:effectRef>
+              <a:fontRef idx="minor">
+                <a:schemeClr val="tx1"/>
+              </a:fontRef>
+            </p:style>
+          </p:cxnSp>
+          <p:cxnSp>
+            <p:nvCxnSpPr>
+              <p:cNvPr id="27" name="Straight Connector 26">
+                <a:extLst>
+                  <a:ext uri="{FF2B5EF4-FFF2-40B4-BE49-F238E27FC236}">
+                    <a16:creationId xmlns:a16="http://schemas.microsoft.com/office/drawing/2014/main" id="{9D8DA5B8-01F1-49DC-9191-62A776C26D26}"/>
+                  </a:ext>
+                </a:extLst>
+              </p:cNvPr>
+              <p:cNvCxnSpPr>
+                <a:cxnSpLocks/>
+              </p:cNvCxnSpPr>
+              <p:nvPr/>
+            </p:nvCxnSpPr>
+            <p:spPr>
+              <a:xfrm flipV="1">
+                <a:off x="971284" y="258143"/>
+                <a:ext cx="0" cy="2159999"/>
+              </a:xfrm>
+              <a:prstGeom prst="line">
+                <a:avLst/>
+              </a:prstGeom>
+            </p:spPr>
+            <p:style>
+              <a:lnRef idx="1">
+                <a:schemeClr val="accent1"/>
+              </a:lnRef>
+              <a:fillRef idx="0">
+                <a:schemeClr val="accent1"/>
+              </a:fillRef>
+              <a:effectRef idx="0">
+                <a:schemeClr val="accent1"/>
+              </a:effectRef>
+              <a:fontRef idx="minor">
+                <a:schemeClr val="tx1"/>
+              </a:fontRef>
+            </p:style>
+          </p:cxnSp>
+          <p:cxnSp>
+            <p:nvCxnSpPr>
+              <p:cNvPr id="28" name="Straight Connector 27">
+                <a:extLst>
+                  <a:ext uri="{FF2B5EF4-FFF2-40B4-BE49-F238E27FC236}">
+                    <a16:creationId xmlns:a16="http://schemas.microsoft.com/office/drawing/2014/main" id="{0768B47C-9FC1-490D-A2D6-98DBFBE80F49}"/>
+                  </a:ext>
+                </a:extLst>
+              </p:cNvPr>
+              <p:cNvCxnSpPr>
+                <a:cxnSpLocks/>
+              </p:cNvCxnSpPr>
+              <p:nvPr/>
+            </p:nvCxnSpPr>
+            <p:spPr>
+              <a:xfrm flipV="1">
+                <a:off x="1163963" y="258143"/>
+                <a:ext cx="0" cy="2159999"/>
+              </a:xfrm>
+              <a:prstGeom prst="line">
+                <a:avLst/>
+              </a:prstGeom>
+            </p:spPr>
+            <p:style>
+              <a:lnRef idx="1">
+                <a:schemeClr val="accent1"/>
+              </a:lnRef>
+              <a:fillRef idx="0">
+                <a:schemeClr val="accent1"/>
+              </a:fillRef>
+              <a:effectRef idx="0">
+                <a:schemeClr val="accent1"/>
+              </a:effectRef>
+              <a:fontRef idx="minor">
+                <a:schemeClr val="tx1"/>
+              </a:fontRef>
+            </p:style>
+          </p:cxnSp>
+          <p:cxnSp>
+            <p:nvCxnSpPr>
+              <p:cNvPr id="29" name="Straight Connector 28">
+                <a:extLst>
+                  <a:ext uri="{FF2B5EF4-FFF2-40B4-BE49-F238E27FC236}">
+                    <a16:creationId xmlns:a16="http://schemas.microsoft.com/office/drawing/2014/main" id="{852C377C-2B38-43B9-A82F-CC63A005204C}"/>
+                  </a:ext>
+                </a:extLst>
+              </p:cNvPr>
+              <p:cNvCxnSpPr>
+                <a:cxnSpLocks/>
+              </p:cNvCxnSpPr>
+              <p:nvPr/>
+            </p:nvCxnSpPr>
+            <p:spPr>
+              <a:xfrm flipV="1">
+                <a:off x="1356642" y="258143"/>
+                <a:ext cx="0" cy="2159999"/>
+              </a:xfrm>
+              <a:prstGeom prst="line">
+                <a:avLst/>
+              </a:prstGeom>
+            </p:spPr>
+            <p:style>
+              <a:lnRef idx="1">
+                <a:schemeClr val="accent1"/>
+              </a:lnRef>
+              <a:fillRef idx="0">
+                <a:schemeClr val="accent1"/>
+              </a:fillRef>
+              <a:effectRef idx="0">
+                <a:schemeClr val="accent1"/>
+              </a:effectRef>
+              <a:fontRef idx="minor">
+                <a:schemeClr val="tx1"/>
+              </a:fontRef>
+            </p:style>
+          </p:cxnSp>
+          <p:cxnSp>
+            <p:nvCxnSpPr>
+              <p:cNvPr id="30" name="Straight Connector 29">
+                <a:extLst>
+                  <a:ext uri="{FF2B5EF4-FFF2-40B4-BE49-F238E27FC236}">
+                    <a16:creationId xmlns:a16="http://schemas.microsoft.com/office/drawing/2014/main" id="{026ED9D0-9AD0-489A-8489-525F5F9D771D}"/>
+                  </a:ext>
+                </a:extLst>
+              </p:cNvPr>
+              <p:cNvCxnSpPr>
+                <a:cxnSpLocks/>
+              </p:cNvCxnSpPr>
+              <p:nvPr/>
+            </p:nvCxnSpPr>
+            <p:spPr>
+              <a:xfrm flipV="1">
+                <a:off x="1549321" y="258143"/>
+                <a:ext cx="0" cy="2159999"/>
+              </a:xfrm>
+              <a:prstGeom prst="line">
+                <a:avLst/>
+              </a:prstGeom>
+            </p:spPr>
+            <p:style>
+              <a:lnRef idx="1">
+                <a:schemeClr val="accent1"/>
+              </a:lnRef>
+              <a:fillRef idx="0">
+                <a:schemeClr val="accent1"/>
+              </a:fillRef>
+              <a:effectRef idx="0">
+                <a:schemeClr val="accent1"/>
+              </a:effectRef>
+              <a:fontRef idx="minor">
+                <a:schemeClr val="tx1"/>
+              </a:fontRef>
+            </p:style>
+          </p:cxnSp>
+          <p:cxnSp>
+            <p:nvCxnSpPr>
+              <p:cNvPr id="31" name="Straight Connector 30">
+                <a:extLst>
+                  <a:ext uri="{FF2B5EF4-FFF2-40B4-BE49-F238E27FC236}">
+                    <a16:creationId xmlns:a16="http://schemas.microsoft.com/office/drawing/2014/main" id="{683E962C-96EA-4946-B276-F8A01C043AA0}"/>
+                  </a:ext>
+                </a:extLst>
+              </p:cNvPr>
+              <p:cNvCxnSpPr>
+                <a:cxnSpLocks/>
+              </p:cNvCxnSpPr>
+              <p:nvPr/>
+            </p:nvCxnSpPr>
+            <p:spPr>
+              <a:xfrm flipV="1">
+                <a:off x="1742000" y="258143"/>
+                <a:ext cx="0" cy="2159999"/>
+              </a:xfrm>
+              <a:prstGeom prst="line">
+                <a:avLst/>
+              </a:prstGeom>
+            </p:spPr>
+            <p:style>
+              <a:lnRef idx="1">
+                <a:schemeClr val="accent1"/>
+              </a:lnRef>
+              <a:fillRef idx="0">
+                <a:schemeClr val="accent1"/>
+              </a:fillRef>
+              <a:effectRef idx="0">
+                <a:schemeClr val="accent1"/>
+              </a:effectRef>
+              <a:fontRef idx="minor">
+                <a:schemeClr val="tx1"/>
+              </a:fontRef>
+            </p:style>
+          </p:cxnSp>
+          <p:cxnSp>
+            <p:nvCxnSpPr>
+              <p:cNvPr id="32" name="Straight Connector 31">
+                <a:extLst>
+                  <a:ext uri="{FF2B5EF4-FFF2-40B4-BE49-F238E27FC236}">
+                    <a16:creationId xmlns:a16="http://schemas.microsoft.com/office/drawing/2014/main" id="{F4D20967-7D77-4544-B2F9-2927500EB375}"/>
+                  </a:ext>
+                </a:extLst>
+              </p:cNvPr>
+              <p:cNvCxnSpPr>
+                <a:cxnSpLocks/>
+              </p:cNvCxnSpPr>
+              <p:nvPr/>
+            </p:nvCxnSpPr>
+            <p:spPr>
+              <a:xfrm flipV="1">
+                <a:off x="1934679" y="258143"/>
+                <a:ext cx="0" cy="2159999"/>
+              </a:xfrm>
+              <a:prstGeom prst="line">
+                <a:avLst/>
+              </a:prstGeom>
+            </p:spPr>
+            <p:style>
+              <a:lnRef idx="1">
+                <a:schemeClr val="accent1"/>
+              </a:lnRef>
+              <a:fillRef idx="0">
+                <a:schemeClr val="accent1"/>
+              </a:fillRef>
+              <a:effectRef idx="0">
+                <a:schemeClr val="accent1"/>
+              </a:effectRef>
+              <a:fontRef idx="minor">
+                <a:schemeClr val="tx1"/>
+              </a:fontRef>
+            </p:style>
+          </p:cxnSp>
+          <p:cxnSp>
+            <p:nvCxnSpPr>
+              <p:cNvPr id="33" name="Straight Connector 32">
+                <a:extLst>
+                  <a:ext uri="{FF2B5EF4-FFF2-40B4-BE49-F238E27FC236}">
+                    <a16:creationId xmlns:a16="http://schemas.microsoft.com/office/drawing/2014/main" id="{C0969634-580E-419D-9700-58772930CBE1}"/>
+                  </a:ext>
+                </a:extLst>
+              </p:cNvPr>
+              <p:cNvCxnSpPr>
+                <a:cxnSpLocks/>
+              </p:cNvCxnSpPr>
+              <p:nvPr/>
+            </p:nvCxnSpPr>
+            <p:spPr>
+              <a:xfrm flipV="1">
+                <a:off x="2127358" y="258143"/>
+                <a:ext cx="0" cy="2159999"/>
+              </a:xfrm>
+              <a:prstGeom prst="line">
+                <a:avLst/>
+              </a:prstGeom>
+            </p:spPr>
+            <p:style>
+              <a:lnRef idx="1">
+                <a:schemeClr val="accent1"/>
+              </a:lnRef>
+              <a:fillRef idx="0">
+                <a:schemeClr val="accent1"/>
+              </a:fillRef>
+              <a:effectRef idx="0">
+                <a:schemeClr val="accent1"/>
+              </a:effectRef>
+              <a:fontRef idx="minor">
+                <a:schemeClr val="tx1"/>
+              </a:fontRef>
+            </p:style>
+          </p:cxnSp>
+          <p:cxnSp>
+            <p:nvCxnSpPr>
+              <p:cNvPr id="34" name="Straight Connector 33">
+                <a:extLst>
+                  <a:ext uri="{FF2B5EF4-FFF2-40B4-BE49-F238E27FC236}">
+                    <a16:creationId xmlns:a16="http://schemas.microsoft.com/office/drawing/2014/main" id="{063FF90E-4D88-4AF5-8FE9-572E045CF7F4}"/>
+                  </a:ext>
+                </a:extLst>
+              </p:cNvPr>
+              <p:cNvCxnSpPr>
+                <a:cxnSpLocks/>
+              </p:cNvCxnSpPr>
+              <p:nvPr/>
+            </p:nvCxnSpPr>
+            <p:spPr>
+              <a:xfrm flipV="1">
+                <a:off x="2320034" y="258143"/>
+                <a:ext cx="0" cy="2159999"/>
+              </a:xfrm>
+              <a:prstGeom prst="line">
+                <a:avLst/>
+              </a:prstGeom>
+            </p:spPr>
+            <p:style>
+              <a:lnRef idx="1">
+                <a:schemeClr val="accent1"/>
+              </a:lnRef>
+              <a:fillRef idx="0">
+                <a:schemeClr val="accent1"/>
+              </a:fillRef>
+              <a:effectRef idx="0">
+                <a:schemeClr val="accent1"/>
+              </a:effectRef>
+              <a:fontRef idx="minor">
+                <a:schemeClr val="tx1"/>
+              </a:fontRef>
+            </p:style>
+          </p:cxnSp>
+        </p:grpSp>
+        <p:sp>
+          <p:nvSpPr>
+            <p:cNvPr id="98" name="Rectangle 97">
+              <a:extLst>
+                <a:ext uri="{FF2B5EF4-FFF2-40B4-BE49-F238E27FC236}">
+                  <a16:creationId xmlns:a16="http://schemas.microsoft.com/office/drawing/2014/main" id="{D406BB97-7495-4A05-BF95-503CFC827697}"/>
+                </a:ext>
+              </a:extLst>
+            </p:cNvPr>
+            <p:cNvSpPr/>
+            <p:nvPr/>
+          </p:nvSpPr>
+          <p:spPr>
+            <a:xfrm>
+              <a:off x="381282" y="258142"/>
+              <a:ext cx="1749951" cy="1787319"/>
+            </a:xfrm>
+            <a:prstGeom prst="rect">
+              <a:avLst/>
+            </a:prstGeom>
+            <a:solidFill>
+              <a:srgbClr val="FF0000">
+                <a:alpha val="30196"/>
+              </a:srgbClr>
+            </a:solidFill>
+            <a:ln>
+              <a:noFill/>
+            </a:ln>
+          </p:spPr>
+          <p:style>
+            <a:lnRef idx="2">
+              <a:schemeClr val="accent1">
+                <a:shade val="50000"/>
+              </a:schemeClr>
+            </a:lnRef>
+            <a:fillRef idx="1">
+              <a:schemeClr val="accent1"/>
+            </a:fillRef>
+            <a:effectRef idx="0">
+              <a:schemeClr val="accent1"/>
+            </a:effectRef>
+            <a:fontRef idx="minor">
+              <a:schemeClr val="lt1"/>
+            </a:fontRef>
+          </p:style>
+          <p:txBody>
+            <a:bodyPr rtlCol="0" anchor="ctr"/>
+            <a:lstStyle/>
+            <a:p>
+              <a:pPr algn="ctr"/>
+              <a:endParaRPr lang="pt-BR"/>
+            </a:p>
+          </p:txBody>
+        </p:sp>
+      </p:grpSp>
+      <p:grpSp>
+        <p:nvGrpSpPr>
+          <p:cNvPr id="120" name="Group 119">
+            <a:extLst>
+              <a:ext uri="{FF2B5EF4-FFF2-40B4-BE49-F238E27FC236}">
+                <a16:creationId xmlns:a16="http://schemas.microsoft.com/office/drawing/2014/main" id="{D44BADF2-FC20-4F48-9B44-7B8C48EB2A1F}"/>
+              </a:ext>
+            </a:extLst>
+          </p:cNvPr>
+          <p:cNvGrpSpPr/>
+          <p:nvPr/>
+        </p:nvGrpSpPr>
+        <p:grpSpPr>
+          <a:xfrm>
+            <a:off x="3094877" y="1447260"/>
+            <a:ext cx="1803879" cy="1803479"/>
+            <a:chOff x="3087372" y="434664"/>
+            <a:chExt cx="1803879" cy="1803479"/>
+          </a:xfrm>
+        </p:grpSpPr>
+        <p:sp>
+          <p:nvSpPr>
+            <p:cNvPr id="7" name="Rectangle: Rounded Corners 6">
+              <a:extLst>
+                <a:ext uri="{FF2B5EF4-FFF2-40B4-BE49-F238E27FC236}">
+                  <a16:creationId xmlns:a16="http://schemas.microsoft.com/office/drawing/2014/main" id="{E2E615A4-132C-4818-BC83-01F5A1A42490}"/>
+                </a:ext>
+              </a:extLst>
+            </p:cNvPr>
+            <p:cNvSpPr/>
+            <p:nvPr/>
+          </p:nvSpPr>
+          <p:spPr>
+            <a:xfrm>
+              <a:off x="3091251" y="438143"/>
+              <a:ext cx="1800000" cy="1800000"/>
+            </a:xfrm>
+            <a:prstGeom prst="roundRect">
+              <a:avLst>
+                <a:gd name="adj" fmla="val 0"/>
+              </a:avLst>
+            </a:prstGeom>
+            <a:solidFill>
+              <a:srgbClr val="5B9BD5">
+                <a:alpha val="30196"/>
+              </a:srgbClr>
+            </a:solidFill>
+          </p:spPr>
+          <p:style>
+            <a:lnRef idx="2">
+              <a:schemeClr val="accent5">
+                <a:shade val="50000"/>
+              </a:schemeClr>
+            </a:lnRef>
+            <a:fillRef idx="1">
+              <a:schemeClr val="accent5"/>
+            </a:fillRef>
+            <a:effectRef idx="0">
+              <a:schemeClr val="accent5"/>
+            </a:effectRef>
+            <a:fontRef idx="minor">
+              <a:schemeClr val="lt1"/>
+            </a:fontRef>
+          </p:style>
+          <p:txBody>
+            <a:bodyPr rtlCol="0" anchor="ctr"/>
+            <a:lstStyle/>
+            <a:p>
+              <a:pPr algn="ctr"/>
+              <a:endParaRPr lang="pt-BR"/>
+            </a:p>
+          </p:txBody>
+        </p:sp>
+        <p:grpSp>
+          <p:nvGrpSpPr>
+            <p:cNvPr id="55" name="Group 54">
+              <a:extLst>
+                <a:ext uri="{FF2B5EF4-FFF2-40B4-BE49-F238E27FC236}">
+                  <a16:creationId xmlns:a16="http://schemas.microsoft.com/office/drawing/2014/main" id="{33BD2A92-1B60-409D-8DCC-F9208B9675C2}"/>
+                </a:ext>
+              </a:extLst>
+            </p:cNvPr>
+            <p:cNvGrpSpPr/>
+            <p:nvPr/>
+          </p:nvGrpSpPr>
+          <p:grpSpPr>
+            <a:xfrm>
+              <a:off x="3234413" y="436403"/>
+              <a:ext cx="1541429" cy="1800001"/>
+              <a:chOff x="3234413" y="436403"/>
+              <a:chExt cx="1541429" cy="2159999"/>
+            </a:xfrm>
+          </p:grpSpPr>
+          <p:cxnSp>
+            <p:nvCxnSpPr>
+              <p:cNvPr id="37" name="Straight Connector 36">
+                <a:extLst>
+                  <a:ext uri="{FF2B5EF4-FFF2-40B4-BE49-F238E27FC236}">
+                    <a16:creationId xmlns:a16="http://schemas.microsoft.com/office/drawing/2014/main" id="{5168450D-642F-4EFF-94DB-474892217C06}"/>
+                  </a:ext>
+                </a:extLst>
+              </p:cNvPr>
+              <p:cNvCxnSpPr>
+                <a:cxnSpLocks/>
+              </p:cNvCxnSpPr>
+              <p:nvPr/>
+            </p:nvCxnSpPr>
+            <p:spPr>
+              <a:xfrm flipV="1">
+                <a:off x="3234413" y="436403"/>
+                <a:ext cx="0" cy="2159999"/>
+              </a:xfrm>
+              <a:prstGeom prst="line">
+                <a:avLst/>
+              </a:prstGeom>
+            </p:spPr>
+            <p:style>
+              <a:lnRef idx="1">
+                <a:schemeClr val="accent1"/>
+              </a:lnRef>
+              <a:fillRef idx="0">
+                <a:schemeClr val="accent1"/>
+              </a:fillRef>
+              <a:effectRef idx="0">
+                <a:schemeClr val="accent1"/>
+              </a:effectRef>
+              <a:fontRef idx="minor">
+                <a:schemeClr val="tx1"/>
+              </a:fontRef>
+            </p:style>
+          </p:cxnSp>
+          <p:cxnSp>
+            <p:nvCxnSpPr>
+              <p:cNvPr id="38" name="Straight Connector 37">
+                <a:extLst>
+                  <a:ext uri="{FF2B5EF4-FFF2-40B4-BE49-F238E27FC236}">
+                    <a16:creationId xmlns:a16="http://schemas.microsoft.com/office/drawing/2014/main" id="{3AE2ADB7-BB86-46B3-8BF2-3C42394047F7}"/>
+                  </a:ext>
+                </a:extLst>
+              </p:cNvPr>
+              <p:cNvCxnSpPr>
+                <a:cxnSpLocks/>
+              </p:cNvCxnSpPr>
+              <p:nvPr/>
+            </p:nvCxnSpPr>
+            <p:spPr>
+              <a:xfrm flipV="1">
+                <a:off x="3427092" y="436403"/>
+                <a:ext cx="0" cy="2159999"/>
+              </a:xfrm>
+              <a:prstGeom prst="line">
+                <a:avLst/>
+              </a:prstGeom>
+            </p:spPr>
+            <p:style>
+              <a:lnRef idx="1">
+                <a:schemeClr val="accent1"/>
+              </a:lnRef>
+              <a:fillRef idx="0">
+                <a:schemeClr val="accent1"/>
+              </a:fillRef>
+              <a:effectRef idx="0">
+                <a:schemeClr val="accent1"/>
+              </a:effectRef>
+              <a:fontRef idx="minor">
+                <a:schemeClr val="tx1"/>
+              </a:fontRef>
+            </p:style>
+          </p:cxnSp>
+          <p:cxnSp>
+            <p:nvCxnSpPr>
+              <p:cNvPr id="39" name="Straight Connector 38">
+                <a:extLst>
+                  <a:ext uri="{FF2B5EF4-FFF2-40B4-BE49-F238E27FC236}">
+                    <a16:creationId xmlns:a16="http://schemas.microsoft.com/office/drawing/2014/main" id="{E926DC3F-2F66-48E3-A302-E5DB32250EB7}"/>
+                  </a:ext>
+                </a:extLst>
+              </p:cNvPr>
+              <p:cNvCxnSpPr>
+                <a:cxnSpLocks/>
+              </p:cNvCxnSpPr>
+              <p:nvPr/>
+            </p:nvCxnSpPr>
+            <p:spPr>
+              <a:xfrm flipV="1">
+                <a:off x="3619771" y="436403"/>
+                <a:ext cx="0" cy="2159999"/>
+              </a:xfrm>
+              <a:prstGeom prst="line">
+                <a:avLst/>
+              </a:prstGeom>
+            </p:spPr>
+            <p:style>
+              <a:lnRef idx="1">
+                <a:schemeClr val="accent1"/>
+              </a:lnRef>
+              <a:fillRef idx="0">
+                <a:schemeClr val="accent1"/>
+              </a:fillRef>
+              <a:effectRef idx="0">
+                <a:schemeClr val="accent1"/>
+              </a:effectRef>
+              <a:fontRef idx="minor">
+                <a:schemeClr val="tx1"/>
+              </a:fontRef>
+            </p:style>
+          </p:cxnSp>
+          <p:cxnSp>
+            <p:nvCxnSpPr>
+              <p:cNvPr id="40" name="Straight Connector 39">
+                <a:extLst>
+                  <a:ext uri="{FF2B5EF4-FFF2-40B4-BE49-F238E27FC236}">
+                    <a16:creationId xmlns:a16="http://schemas.microsoft.com/office/drawing/2014/main" id="{6543D14C-DB1D-4A75-A558-B65FCD883726}"/>
+                  </a:ext>
+                </a:extLst>
+              </p:cNvPr>
+              <p:cNvCxnSpPr>
+                <a:cxnSpLocks/>
+              </p:cNvCxnSpPr>
+              <p:nvPr/>
+            </p:nvCxnSpPr>
+            <p:spPr>
+              <a:xfrm flipV="1">
+                <a:off x="3812450" y="436403"/>
+                <a:ext cx="0" cy="2159999"/>
+              </a:xfrm>
+              <a:prstGeom prst="line">
+                <a:avLst/>
+              </a:prstGeom>
+            </p:spPr>
+            <p:style>
+              <a:lnRef idx="1">
+                <a:schemeClr val="accent1"/>
+              </a:lnRef>
+              <a:fillRef idx="0">
+                <a:schemeClr val="accent1"/>
+              </a:fillRef>
+              <a:effectRef idx="0">
+                <a:schemeClr val="accent1"/>
+              </a:effectRef>
+              <a:fontRef idx="minor">
+                <a:schemeClr val="tx1"/>
+              </a:fontRef>
+            </p:style>
+          </p:cxnSp>
+          <p:cxnSp>
+            <p:nvCxnSpPr>
+              <p:cNvPr id="41" name="Straight Connector 40">
+                <a:extLst>
+                  <a:ext uri="{FF2B5EF4-FFF2-40B4-BE49-F238E27FC236}">
+                    <a16:creationId xmlns:a16="http://schemas.microsoft.com/office/drawing/2014/main" id="{66EAABF2-1E51-4ED0-BFE1-68F3585CEB85}"/>
+                  </a:ext>
+                </a:extLst>
+              </p:cNvPr>
+              <p:cNvCxnSpPr>
+                <a:cxnSpLocks/>
+              </p:cNvCxnSpPr>
+              <p:nvPr/>
+            </p:nvCxnSpPr>
+            <p:spPr>
+              <a:xfrm flipV="1">
+                <a:off x="4005129" y="436403"/>
+                <a:ext cx="0" cy="2159999"/>
+              </a:xfrm>
+              <a:prstGeom prst="line">
+                <a:avLst/>
+              </a:prstGeom>
+            </p:spPr>
+            <p:style>
+              <a:lnRef idx="1">
+                <a:schemeClr val="accent1"/>
+              </a:lnRef>
+              <a:fillRef idx="0">
+                <a:schemeClr val="accent1"/>
+              </a:fillRef>
+              <a:effectRef idx="0">
+                <a:schemeClr val="accent1"/>
+              </a:effectRef>
+              <a:fontRef idx="minor">
+                <a:schemeClr val="tx1"/>
+              </a:fontRef>
+            </p:style>
+          </p:cxnSp>
+          <p:cxnSp>
+            <p:nvCxnSpPr>
+              <p:cNvPr id="42" name="Straight Connector 41">
+                <a:extLst>
+                  <a:ext uri="{FF2B5EF4-FFF2-40B4-BE49-F238E27FC236}">
+                    <a16:creationId xmlns:a16="http://schemas.microsoft.com/office/drawing/2014/main" id="{BDC8EE11-1655-46C9-8C9E-5003443132D1}"/>
+                  </a:ext>
+                </a:extLst>
+              </p:cNvPr>
+              <p:cNvCxnSpPr>
+                <a:cxnSpLocks/>
+              </p:cNvCxnSpPr>
+              <p:nvPr/>
+            </p:nvCxnSpPr>
+            <p:spPr>
+              <a:xfrm flipV="1">
+                <a:off x="4197808" y="436403"/>
+                <a:ext cx="0" cy="2159999"/>
+              </a:xfrm>
+              <a:prstGeom prst="line">
+                <a:avLst/>
+              </a:prstGeom>
+            </p:spPr>
+            <p:style>
+              <a:lnRef idx="1">
+                <a:schemeClr val="accent1"/>
+              </a:lnRef>
+              <a:fillRef idx="0">
+                <a:schemeClr val="accent1"/>
+              </a:fillRef>
+              <a:effectRef idx="0">
+                <a:schemeClr val="accent1"/>
+              </a:effectRef>
+              <a:fontRef idx="minor">
+                <a:schemeClr val="tx1"/>
+              </a:fontRef>
+            </p:style>
+          </p:cxnSp>
+          <p:cxnSp>
+            <p:nvCxnSpPr>
+              <p:cNvPr id="43" name="Straight Connector 42">
+                <a:extLst>
+                  <a:ext uri="{FF2B5EF4-FFF2-40B4-BE49-F238E27FC236}">
+                    <a16:creationId xmlns:a16="http://schemas.microsoft.com/office/drawing/2014/main" id="{E55D7E7A-FD6C-454A-9B44-0489E030ACBC}"/>
+                  </a:ext>
+                </a:extLst>
+              </p:cNvPr>
+              <p:cNvCxnSpPr>
+                <a:cxnSpLocks/>
+              </p:cNvCxnSpPr>
+              <p:nvPr/>
+            </p:nvCxnSpPr>
+            <p:spPr>
+              <a:xfrm flipV="1">
+                <a:off x="4390487" y="436403"/>
+                <a:ext cx="0" cy="2159999"/>
+              </a:xfrm>
+              <a:prstGeom prst="line">
+                <a:avLst/>
+              </a:prstGeom>
+            </p:spPr>
+            <p:style>
+              <a:lnRef idx="1">
+                <a:schemeClr val="accent1"/>
+              </a:lnRef>
+              <a:fillRef idx="0">
+                <a:schemeClr val="accent1"/>
+              </a:fillRef>
+              <a:effectRef idx="0">
+                <a:schemeClr val="accent1"/>
+              </a:effectRef>
+              <a:fontRef idx="minor">
+                <a:schemeClr val="tx1"/>
+              </a:fontRef>
+            </p:style>
+          </p:cxnSp>
+          <p:cxnSp>
+            <p:nvCxnSpPr>
+              <p:cNvPr id="44" name="Straight Connector 43">
+                <a:extLst>
+                  <a:ext uri="{FF2B5EF4-FFF2-40B4-BE49-F238E27FC236}">
+                    <a16:creationId xmlns:a16="http://schemas.microsoft.com/office/drawing/2014/main" id="{20A44C40-9A7B-4922-8D8D-86EEB2F1807F}"/>
+                  </a:ext>
+                </a:extLst>
+              </p:cNvPr>
+              <p:cNvCxnSpPr>
+                <a:cxnSpLocks/>
+              </p:cNvCxnSpPr>
+              <p:nvPr/>
+            </p:nvCxnSpPr>
+            <p:spPr>
+              <a:xfrm flipV="1">
+                <a:off x="4583166" y="436403"/>
+                <a:ext cx="0" cy="2159999"/>
+              </a:xfrm>
+              <a:prstGeom prst="line">
+                <a:avLst/>
+              </a:prstGeom>
+            </p:spPr>
+            <p:style>
+              <a:lnRef idx="1">
+                <a:schemeClr val="accent1"/>
+              </a:lnRef>
+              <a:fillRef idx="0">
+                <a:schemeClr val="accent1"/>
+              </a:fillRef>
+              <a:effectRef idx="0">
+                <a:schemeClr val="accent1"/>
+              </a:effectRef>
+              <a:fontRef idx="minor">
+                <a:schemeClr val="tx1"/>
+              </a:fontRef>
+            </p:style>
+          </p:cxnSp>
+          <p:cxnSp>
+            <p:nvCxnSpPr>
+              <p:cNvPr id="45" name="Straight Connector 44">
+                <a:extLst>
+                  <a:ext uri="{FF2B5EF4-FFF2-40B4-BE49-F238E27FC236}">
+                    <a16:creationId xmlns:a16="http://schemas.microsoft.com/office/drawing/2014/main" id="{B72A1CD8-A362-4EE4-992C-59F7EF044C1B}"/>
+                  </a:ext>
+                </a:extLst>
+              </p:cNvPr>
+              <p:cNvCxnSpPr>
+                <a:cxnSpLocks/>
+              </p:cNvCxnSpPr>
+              <p:nvPr/>
+            </p:nvCxnSpPr>
+            <p:spPr>
+              <a:xfrm flipV="1">
+                <a:off x="4775842" y="436403"/>
+                <a:ext cx="0" cy="2159999"/>
+              </a:xfrm>
+              <a:prstGeom prst="line">
+                <a:avLst/>
+              </a:prstGeom>
+            </p:spPr>
+            <p:style>
+              <a:lnRef idx="1">
+                <a:schemeClr val="accent1"/>
+              </a:lnRef>
+              <a:fillRef idx="0">
+                <a:schemeClr val="accent1"/>
+              </a:fillRef>
+              <a:effectRef idx="0">
+                <a:schemeClr val="accent1"/>
+              </a:effectRef>
+              <a:fontRef idx="minor">
+                <a:schemeClr val="tx1"/>
+              </a:fontRef>
+            </p:style>
+          </p:cxnSp>
+        </p:grpSp>
+        <p:grpSp>
+          <p:nvGrpSpPr>
+            <p:cNvPr id="56" name="Group 55">
+              <a:extLst>
+                <a:ext uri="{FF2B5EF4-FFF2-40B4-BE49-F238E27FC236}">
+                  <a16:creationId xmlns:a16="http://schemas.microsoft.com/office/drawing/2014/main" id="{737F8795-540B-4DAE-9C2E-758A45DDC994}"/>
+                </a:ext>
+              </a:extLst>
+            </p:cNvPr>
+            <p:cNvGrpSpPr/>
+            <p:nvPr/>
+          </p:nvGrpSpPr>
+          <p:grpSpPr>
+            <a:xfrm rot="16200000">
+              <a:off x="3216658" y="436402"/>
+              <a:ext cx="1541429" cy="1800001"/>
+              <a:chOff x="3234413" y="436403"/>
+              <a:chExt cx="1541429" cy="2159999"/>
+            </a:xfrm>
+          </p:grpSpPr>
+          <p:cxnSp>
+            <p:nvCxnSpPr>
+              <p:cNvPr id="57" name="Straight Connector 56">
+                <a:extLst>
+                  <a:ext uri="{FF2B5EF4-FFF2-40B4-BE49-F238E27FC236}">
+                    <a16:creationId xmlns:a16="http://schemas.microsoft.com/office/drawing/2014/main" id="{81FD78FE-4439-4868-BE02-EA50D1A91396}"/>
+                  </a:ext>
+                </a:extLst>
+              </p:cNvPr>
+              <p:cNvCxnSpPr>
+                <a:cxnSpLocks/>
+              </p:cNvCxnSpPr>
+              <p:nvPr/>
+            </p:nvCxnSpPr>
+            <p:spPr>
+              <a:xfrm flipV="1">
+                <a:off x="3234413" y="436403"/>
+                <a:ext cx="0" cy="2159999"/>
+              </a:xfrm>
+              <a:prstGeom prst="line">
+                <a:avLst/>
+              </a:prstGeom>
+            </p:spPr>
+            <p:style>
+              <a:lnRef idx="1">
+                <a:schemeClr val="accent1"/>
+              </a:lnRef>
+              <a:fillRef idx="0">
+                <a:schemeClr val="accent1"/>
+              </a:fillRef>
+              <a:effectRef idx="0">
+                <a:schemeClr val="accent1"/>
+              </a:effectRef>
+              <a:fontRef idx="minor">
+                <a:schemeClr val="tx1"/>
+              </a:fontRef>
+            </p:style>
+          </p:cxnSp>
+          <p:cxnSp>
+            <p:nvCxnSpPr>
+              <p:cNvPr id="58" name="Straight Connector 57">
+                <a:extLst>
+                  <a:ext uri="{FF2B5EF4-FFF2-40B4-BE49-F238E27FC236}">
+                    <a16:creationId xmlns:a16="http://schemas.microsoft.com/office/drawing/2014/main" id="{334C80B0-69E8-427F-AC78-878D883D953B}"/>
+                  </a:ext>
+                </a:extLst>
+              </p:cNvPr>
+              <p:cNvCxnSpPr>
+                <a:cxnSpLocks/>
+              </p:cNvCxnSpPr>
+              <p:nvPr/>
+            </p:nvCxnSpPr>
+            <p:spPr>
+              <a:xfrm flipV="1">
+                <a:off x="3427092" y="436403"/>
+                <a:ext cx="0" cy="2159999"/>
+              </a:xfrm>
+              <a:prstGeom prst="line">
+                <a:avLst/>
+              </a:prstGeom>
+            </p:spPr>
+            <p:style>
+              <a:lnRef idx="1">
+                <a:schemeClr val="accent1"/>
+              </a:lnRef>
+              <a:fillRef idx="0">
+                <a:schemeClr val="accent1"/>
+              </a:fillRef>
+              <a:effectRef idx="0">
+                <a:schemeClr val="accent1"/>
+              </a:effectRef>
+              <a:fontRef idx="minor">
+                <a:schemeClr val="tx1"/>
+              </a:fontRef>
+            </p:style>
+          </p:cxnSp>
+          <p:cxnSp>
+            <p:nvCxnSpPr>
+              <p:cNvPr id="59" name="Straight Connector 58">
+                <a:extLst>
+                  <a:ext uri="{FF2B5EF4-FFF2-40B4-BE49-F238E27FC236}">
+                    <a16:creationId xmlns:a16="http://schemas.microsoft.com/office/drawing/2014/main" id="{D9CCB7B4-CAE5-451C-9955-8C73AD509702}"/>
+                  </a:ext>
+                </a:extLst>
+              </p:cNvPr>
+              <p:cNvCxnSpPr>
+                <a:cxnSpLocks/>
+              </p:cNvCxnSpPr>
+              <p:nvPr/>
+            </p:nvCxnSpPr>
+            <p:spPr>
+              <a:xfrm flipV="1">
+                <a:off x="3619771" y="436403"/>
+                <a:ext cx="0" cy="2159999"/>
+              </a:xfrm>
+              <a:prstGeom prst="line">
+                <a:avLst/>
+              </a:prstGeom>
+            </p:spPr>
+            <p:style>
+              <a:lnRef idx="1">
+                <a:schemeClr val="accent1"/>
+              </a:lnRef>
+              <a:fillRef idx="0">
+                <a:schemeClr val="accent1"/>
+              </a:fillRef>
+              <a:effectRef idx="0">
+                <a:schemeClr val="accent1"/>
+              </a:effectRef>
+              <a:fontRef idx="minor">
+                <a:schemeClr val="tx1"/>
+              </a:fontRef>
+            </p:style>
+          </p:cxnSp>
+          <p:cxnSp>
+            <p:nvCxnSpPr>
+              <p:cNvPr id="60" name="Straight Connector 59">
+                <a:extLst>
+                  <a:ext uri="{FF2B5EF4-FFF2-40B4-BE49-F238E27FC236}">
+                    <a16:creationId xmlns:a16="http://schemas.microsoft.com/office/drawing/2014/main" id="{AB189CAF-FCD5-4731-9437-752B9A5DE549}"/>
+                  </a:ext>
+                </a:extLst>
+              </p:cNvPr>
+              <p:cNvCxnSpPr>
+                <a:cxnSpLocks/>
+              </p:cNvCxnSpPr>
+              <p:nvPr/>
+            </p:nvCxnSpPr>
+            <p:spPr>
+              <a:xfrm flipV="1">
+                <a:off x="3812450" y="436403"/>
+                <a:ext cx="0" cy="2159999"/>
+              </a:xfrm>
+              <a:prstGeom prst="line">
+                <a:avLst/>
+              </a:prstGeom>
+            </p:spPr>
+            <p:style>
+              <a:lnRef idx="1">
+                <a:schemeClr val="accent1"/>
+              </a:lnRef>
+              <a:fillRef idx="0">
+                <a:schemeClr val="accent1"/>
+              </a:fillRef>
+              <a:effectRef idx="0">
+                <a:schemeClr val="accent1"/>
+              </a:effectRef>
+              <a:fontRef idx="minor">
+                <a:schemeClr val="tx1"/>
+              </a:fontRef>
+            </p:style>
+          </p:cxnSp>
+          <p:cxnSp>
+            <p:nvCxnSpPr>
+              <p:cNvPr id="61" name="Straight Connector 60">
+                <a:extLst>
+                  <a:ext uri="{FF2B5EF4-FFF2-40B4-BE49-F238E27FC236}">
+                    <a16:creationId xmlns:a16="http://schemas.microsoft.com/office/drawing/2014/main" id="{740F7330-DFFD-4D5A-BE36-970A3340BD22}"/>
+                  </a:ext>
+                </a:extLst>
+              </p:cNvPr>
+              <p:cNvCxnSpPr>
+                <a:cxnSpLocks/>
+              </p:cNvCxnSpPr>
+              <p:nvPr/>
+            </p:nvCxnSpPr>
+            <p:spPr>
+              <a:xfrm flipV="1">
+                <a:off x="4005129" y="436403"/>
+                <a:ext cx="0" cy="2159999"/>
+              </a:xfrm>
+              <a:prstGeom prst="line">
+                <a:avLst/>
+              </a:prstGeom>
+            </p:spPr>
+            <p:style>
+              <a:lnRef idx="1">
+                <a:schemeClr val="accent1"/>
+              </a:lnRef>
+              <a:fillRef idx="0">
+                <a:schemeClr val="accent1"/>
+              </a:fillRef>
+              <a:effectRef idx="0">
+                <a:schemeClr val="accent1"/>
+              </a:effectRef>
+              <a:fontRef idx="minor">
+                <a:schemeClr val="tx1"/>
+              </a:fontRef>
+            </p:style>
+          </p:cxnSp>
+          <p:cxnSp>
+            <p:nvCxnSpPr>
+              <p:cNvPr id="62" name="Straight Connector 61">
+                <a:extLst>
+                  <a:ext uri="{FF2B5EF4-FFF2-40B4-BE49-F238E27FC236}">
+                    <a16:creationId xmlns:a16="http://schemas.microsoft.com/office/drawing/2014/main" id="{FEF60066-DEA6-4FB7-9FFC-4FDEA61107B9}"/>
+                  </a:ext>
+                </a:extLst>
+              </p:cNvPr>
+              <p:cNvCxnSpPr>
+                <a:cxnSpLocks/>
+              </p:cNvCxnSpPr>
+              <p:nvPr/>
+            </p:nvCxnSpPr>
+            <p:spPr>
+              <a:xfrm flipV="1">
+                <a:off x="4197808" y="436403"/>
+                <a:ext cx="0" cy="2159999"/>
+              </a:xfrm>
+              <a:prstGeom prst="line">
+                <a:avLst/>
+              </a:prstGeom>
+            </p:spPr>
+            <p:style>
+              <a:lnRef idx="1">
+                <a:schemeClr val="accent1"/>
+              </a:lnRef>
+              <a:fillRef idx="0">
+                <a:schemeClr val="accent1"/>
+              </a:fillRef>
+              <a:effectRef idx="0">
+                <a:schemeClr val="accent1"/>
+              </a:effectRef>
+              <a:fontRef idx="minor">
+                <a:schemeClr val="tx1"/>
+              </a:fontRef>
+            </p:style>
+          </p:cxnSp>
+          <p:cxnSp>
+            <p:nvCxnSpPr>
+              <p:cNvPr id="63" name="Straight Connector 62">
+                <a:extLst>
+                  <a:ext uri="{FF2B5EF4-FFF2-40B4-BE49-F238E27FC236}">
+                    <a16:creationId xmlns:a16="http://schemas.microsoft.com/office/drawing/2014/main" id="{CEB92F40-FCF9-4477-BBDF-8C101F13F376}"/>
+                  </a:ext>
+                </a:extLst>
+              </p:cNvPr>
+              <p:cNvCxnSpPr>
+                <a:cxnSpLocks/>
+              </p:cNvCxnSpPr>
+              <p:nvPr/>
+            </p:nvCxnSpPr>
+            <p:spPr>
+              <a:xfrm flipV="1">
+                <a:off x="4390487" y="436403"/>
+                <a:ext cx="0" cy="2159999"/>
+              </a:xfrm>
+              <a:prstGeom prst="line">
+                <a:avLst/>
+              </a:prstGeom>
+            </p:spPr>
+            <p:style>
+              <a:lnRef idx="1">
+                <a:schemeClr val="accent1"/>
+              </a:lnRef>
+              <a:fillRef idx="0">
+                <a:schemeClr val="accent1"/>
+              </a:fillRef>
+              <a:effectRef idx="0">
+                <a:schemeClr val="accent1"/>
+              </a:effectRef>
+              <a:fontRef idx="minor">
+                <a:schemeClr val="tx1"/>
+              </a:fontRef>
+            </p:style>
+          </p:cxnSp>
+          <p:cxnSp>
+            <p:nvCxnSpPr>
+              <p:cNvPr id="64" name="Straight Connector 63">
+                <a:extLst>
+                  <a:ext uri="{FF2B5EF4-FFF2-40B4-BE49-F238E27FC236}">
+                    <a16:creationId xmlns:a16="http://schemas.microsoft.com/office/drawing/2014/main" id="{B82D3D89-52F4-4437-A698-236BE0795E4A}"/>
+                  </a:ext>
+                </a:extLst>
+              </p:cNvPr>
+              <p:cNvCxnSpPr>
+                <a:cxnSpLocks/>
+              </p:cNvCxnSpPr>
+              <p:nvPr/>
+            </p:nvCxnSpPr>
+            <p:spPr>
+              <a:xfrm flipV="1">
+                <a:off x="4583166" y="436403"/>
+                <a:ext cx="0" cy="2159999"/>
+              </a:xfrm>
+              <a:prstGeom prst="line">
+                <a:avLst/>
+              </a:prstGeom>
+            </p:spPr>
+            <p:style>
+              <a:lnRef idx="1">
+                <a:schemeClr val="accent1"/>
+              </a:lnRef>
+              <a:fillRef idx="0">
+                <a:schemeClr val="accent1"/>
+              </a:fillRef>
+              <a:effectRef idx="0">
+                <a:schemeClr val="accent1"/>
+              </a:effectRef>
+              <a:fontRef idx="minor">
+                <a:schemeClr val="tx1"/>
+              </a:fontRef>
+            </p:style>
+          </p:cxnSp>
+          <p:cxnSp>
+            <p:nvCxnSpPr>
+              <p:cNvPr id="65" name="Straight Connector 64">
+                <a:extLst>
+                  <a:ext uri="{FF2B5EF4-FFF2-40B4-BE49-F238E27FC236}">
+                    <a16:creationId xmlns:a16="http://schemas.microsoft.com/office/drawing/2014/main" id="{22288765-CD5C-4FA4-ADBD-212CA85A6890}"/>
+                  </a:ext>
+                </a:extLst>
+              </p:cNvPr>
+              <p:cNvCxnSpPr>
+                <a:cxnSpLocks/>
+              </p:cNvCxnSpPr>
+              <p:nvPr/>
+            </p:nvCxnSpPr>
+            <p:spPr>
+              <a:xfrm flipV="1">
+                <a:off x="4775842" y="436403"/>
+                <a:ext cx="0" cy="2159999"/>
+              </a:xfrm>
+              <a:prstGeom prst="line">
+                <a:avLst/>
+              </a:prstGeom>
+            </p:spPr>
+            <p:style>
+              <a:lnRef idx="1">
+                <a:schemeClr val="accent1"/>
+              </a:lnRef>
+              <a:fillRef idx="0">
+                <a:schemeClr val="accent1"/>
+              </a:fillRef>
+              <a:effectRef idx="0">
+                <a:schemeClr val="accent1"/>
+              </a:effectRef>
+              <a:fontRef idx="minor">
+                <a:schemeClr val="tx1"/>
+              </a:fontRef>
+            </p:style>
+          </p:cxnSp>
+        </p:grpSp>
+        <p:sp>
+          <p:nvSpPr>
+            <p:cNvPr id="99" name="Rectangle 98">
+              <a:extLst>
+                <a:ext uri="{FF2B5EF4-FFF2-40B4-BE49-F238E27FC236}">
+                  <a16:creationId xmlns:a16="http://schemas.microsoft.com/office/drawing/2014/main" id="{46AB7462-8ABC-431D-A446-171D48852480}"/>
+                </a:ext>
+              </a:extLst>
+            </p:cNvPr>
+            <p:cNvSpPr/>
+            <p:nvPr/>
+          </p:nvSpPr>
+          <p:spPr>
+            <a:xfrm>
+              <a:off x="3089910" y="434664"/>
+              <a:ext cx="1300570" cy="1092673"/>
+            </a:xfrm>
+            <a:prstGeom prst="rect">
+              <a:avLst/>
+            </a:prstGeom>
+            <a:solidFill>
+              <a:srgbClr val="FF0000">
+                <a:alpha val="30196"/>
+              </a:srgbClr>
+            </a:solidFill>
+            <a:ln>
+              <a:noFill/>
+            </a:ln>
+          </p:spPr>
+          <p:style>
+            <a:lnRef idx="2">
+              <a:schemeClr val="accent1">
+                <a:shade val="50000"/>
+              </a:schemeClr>
+            </a:lnRef>
+            <a:fillRef idx="1">
+              <a:schemeClr val="accent1"/>
+            </a:fillRef>
+            <a:effectRef idx="0">
+              <a:schemeClr val="accent1"/>
+            </a:effectRef>
+            <a:fontRef idx="minor">
+              <a:schemeClr val="lt1"/>
+            </a:fontRef>
+          </p:style>
+          <p:txBody>
+            <a:bodyPr rtlCol="0" anchor="ctr"/>
+            <a:lstStyle/>
+            <a:p>
+              <a:pPr algn="ctr"/>
+              <a:endParaRPr lang="pt-BR"/>
+            </a:p>
+          </p:txBody>
+        </p:sp>
+      </p:grpSp>
+      <p:grpSp>
+        <p:nvGrpSpPr>
+          <p:cNvPr id="119" name="Group 118">
+            <a:extLst>
+              <a:ext uri="{FF2B5EF4-FFF2-40B4-BE49-F238E27FC236}">
+                <a16:creationId xmlns:a16="http://schemas.microsoft.com/office/drawing/2014/main" id="{C0981AAA-ABA2-4E1F-8FA2-ABBE31E1F445}"/>
+              </a:ext>
+            </a:extLst>
+          </p:cNvPr>
+          <p:cNvGrpSpPr/>
+          <p:nvPr/>
+        </p:nvGrpSpPr>
+        <p:grpSpPr>
+          <a:xfrm>
+            <a:off x="5470457" y="1628998"/>
+            <a:ext cx="1440002" cy="1440003"/>
+            <a:chOff x="5441217" y="618141"/>
+            <a:chExt cx="1440002" cy="1440003"/>
+          </a:xfrm>
+        </p:grpSpPr>
+        <p:sp>
+          <p:nvSpPr>
+            <p:cNvPr id="6" name="Rectangle: Rounded Corners 5">
+              <a:extLst>
+                <a:ext uri="{FF2B5EF4-FFF2-40B4-BE49-F238E27FC236}">
+                  <a16:creationId xmlns:a16="http://schemas.microsoft.com/office/drawing/2014/main" id="{D03A2BFB-86A8-416B-B409-EF69D23D6D0E}"/>
+                </a:ext>
+              </a:extLst>
+            </p:cNvPr>
+            <p:cNvSpPr/>
+            <p:nvPr/>
+          </p:nvSpPr>
+          <p:spPr>
+            <a:xfrm>
+              <a:off x="5441219" y="618143"/>
+              <a:ext cx="1440000" cy="1440000"/>
+            </a:xfrm>
+            <a:prstGeom prst="roundRect">
+              <a:avLst>
+                <a:gd name="adj" fmla="val 0"/>
+              </a:avLst>
+            </a:prstGeom>
+            <a:solidFill>
+              <a:srgbClr val="5B9BD5">
+                <a:alpha val="30196"/>
+              </a:srgbClr>
+            </a:solidFill>
+          </p:spPr>
+          <p:style>
+            <a:lnRef idx="2">
+              <a:schemeClr val="accent5">
+                <a:shade val="50000"/>
+              </a:schemeClr>
+            </a:lnRef>
+            <a:fillRef idx="1">
+              <a:schemeClr val="accent5"/>
+            </a:fillRef>
+            <a:effectRef idx="0">
+              <a:schemeClr val="accent5"/>
+            </a:effectRef>
+            <a:fontRef idx="minor">
+              <a:schemeClr val="lt1"/>
+            </a:fontRef>
+          </p:style>
+          <p:txBody>
+            <a:bodyPr rtlCol="0" anchor="ctr"/>
+            <a:lstStyle/>
+            <a:p>
+              <a:pPr algn="ctr"/>
+              <a:endParaRPr lang="pt-BR"/>
+            </a:p>
+          </p:txBody>
+        </p:sp>
+        <p:grpSp>
+          <p:nvGrpSpPr>
+            <p:cNvPr id="66" name="Group 65">
+              <a:extLst>
+                <a:ext uri="{FF2B5EF4-FFF2-40B4-BE49-F238E27FC236}">
+                  <a16:creationId xmlns:a16="http://schemas.microsoft.com/office/drawing/2014/main" id="{6CC9E348-4D56-43AB-8CC2-3B34A623B97F}"/>
+                </a:ext>
+              </a:extLst>
+            </p:cNvPr>
+            <p:cNvGrpSpPr/>
+            <p:nvPr/>
+          </p:nvGrpSpPr>
+          <p:grpSpPr>
+            <a:xfrm>
+              <a:off x="5577757" y="629080"/>
+              <a:ext cx="1156074" cy="1429064"/>
+              <a:chOff x="3427092" y="436403"/>
+              <a:chExt cx="1156074" cy="2159999"/>
+            </a:xfrm>
+          </p:grpSpPr>
+          <p:cxnSp>
+            <p:nvCxnSpPr>
+              <p:cNvPr id="68" name="Straight Connector 67">
+                <a:extLst>
+                  <a:ext uri="{FF2B5EF4-FFF2-40B4-BE49-F238E27FC236}">
+                    <a16:creationId xmlns:a16="http://schemas.microsoft.com/office/drawing/2014/main" id="{CC688800-CD97-47E4-845B-02CC548E5456}"/>
+                  </a:ext>
+                </a:extLst>
+              </p:cNvPr>
+              <p:cNvCxnSpPr>
+                <a:cxnSpLocks/>
+              </p:cNvCxnSpPr>
+              <p:nvPr/>
+            </p:nvCxnSpPr>
+            <p:spPr>
+              <a:xfrm flipV="1">
+                <a:off x="3427092" y="436403"/>
+                <a:ext cx="0" cy="2159999"/>
+              </a:xfrm>
+              <a:prstGeom prst="line">
+                <a:avLst/>
+              </a:prstGeom>
+            </p:spPr>
+            <p:style>
+              <a:lnRef idx="1">
+                <a:schemeClr val="accent1"/>
+              </a:lnRef>
+              <a:fillRef idx="0">
+                <a:schemeClr val="accent1"/>
+              </a:fillRef>
+              <a:effectRef idx="0">
+                <a:schemeClr val="accent1"/>
+              </a:effectRef>
+              <a:fontRef idx="minor">
+                <a:schemeClr val="tx1"/>
+              </a:fontRef>
+            </p:style>
+          </p:cxnSp>
+          <p:cxnSp>
+            <p:nvCxnSpPr>
+              <p:cNvPr id="69" name="Straight Connector 68">
+                <a:extLst>
+                  <a:ext uri="{FF2B5EF4-FFF2-40B4-BE49-F238E27FC236}">
+                    <a16:creationId xmlns:a16="http://schemas.microsoft.com/office/drawing/2014/main" id="{22015670-C153-4C2B-B596-1DA287AEC48E}"/>
+                  </a:ext>
+                </a:extLst>
+              </p:cNvPr>
+              <p:cNvCxnSpPr>
+                <a:cxnSpLocks/>
+              </p:cNvCxnSpPr>
+              <p:nvPr/>
+            </p:nvCxnSpPr>
+            <p:spPr>
+              <a:xfrm flipV="1">
+                <a:off x="3619771" y="436403"/>
+                <a:ext cx="0" cy="2159999"/>
+              </a:xfrm>
+              <a:prstGeom prst="line">
+                <a:avLst/>
+              </a:prstGeom>
+            </p:spPr>
+            <p:style>
+              <a:lnRef idx="1">
+                <a:schemeClr val="accent1"/>
+              </a:lnRef>
+              <a:fillRef idx="0">
+                <a:schemeClr val="accent1"/>
+              </a:fillRef>
+              <a:effectRef idx="0">
+                <a:schemeClr val="accent1"/>
+              </a:effectRef>
+              <a:fontRef idx="minor">
+                <a:schemeClr val="tx1"/>
+              </a:fontRef>
+            </p:style>
+          </p:cxnSp>
+          <p:cxnSp>
+            <p:nvCxnSpPr>
+              <p:cNvPr id="70" name="Straight Connector 69">
+                <a:extLst>
+                  <a:ext uri="{FF2B5EF4-FFF2-40B4-BE49-F238E27FC236}">
+                    <a16:creationId xmlns:a16="http://schemas.microsoft.com/office/drawing/2014/main" id="{F52A07D7-466F-45FC-826A-B95AAB024290}"/>
+                  </a:ext>
+                </a:extLst>
+              </p:cNvPr>
+              <p:cNvCxnSpPr>
+                <a:cxnSpLocks/>
+              </p:cNvCxnSpPr>
+              <p:nvPr/>
+            </p:nvCxnSpPr>
+            <p:spPr>
+              <a:xfrm flipV="1">
+                <a:off x="3812450" y="436403"/>
+                <a:ext cx="0" cy="2159999"/>
+              </a:xfrm>
+              <a:prstGeom prst="line">
+                <a:avLst/>
+              </a:prstGeom>
+            </p:spPr>
+            <p:style>
+              <a:lnRef idx="1">
+                <a:schemeClr val="accent1"/>
+              </a:lnRef>
+              <a:fillRef idx="0">
+                <a:schemeClr val="accent1"/>
+              </a:fillRef>
+              <a:effectRef idx="0">
+                <a:schemeClr val="accent1"/>
+              </a:effectRef>
+              <a:fontRef idx="minor">
+                <a:schemeClr val="tx1"/>
+              </a:fontRef>
+            </p:style>
+          </p:cxnSp>
+          <p:cxnSp>
+            <p:nvCxnSpPr>
+              <p:cNvPr id="71" name="Straight Connector 70">
+                <a:extLst>
+                  <a:ext uri="{FF2B5EF4-FFF2-40B4-BE49-F238E27FC236}">
+                    <a16:creationId xmlns:a16="http://schemas.microsoft.com/office/drawing/2014/main" id="{84B12FCF-504C-4534-A2DC-F413DB09ED95}"/>
+                  </a:ext>
+                </a:extLst>
+              </p:cNvPr>
+              <p:cNvCxnSpPr>
+                <a:cxnSpLocks/>
+              </p:cNvCxnSpPr>
+              <p:nvPr/>
+            </p:nvCxnSpPr>
+            <p:spPr>
+              <a:xfrm flipV="1">
+                <a:off x="4005129" y="436403"/>
+                <a:ext cx="0" cy="2159999"/>
+              </a:xfrm>
+              <a:prstGeom prst="line">
+                <a:avLst/>
+              </a:prstGeom>
+            </p:spPr>
+            <p:style>
+              <a:lnRef idx="1">
+                <a:schemeClr val="accent1"/>
+              </a:lnRef>
+              <a:fillRef idx="0">
+                <a:schemeClr val="accent1"/>
+              </a:fillRef>
+              <a:effectRef idx="0">
+                <a:schemeClr val="accent1"/>
+              </a:effectRef>
+              <a:fontRef idx="minor">
+                <a:schemeClr val="tx1"/>
+              </a:fontRef>
+            </p:style>
+          </p:cxnSp>
+          <p:cxnSp>
+            <p:nvCxnSpPr>
+              <p:cNvPr id="72" name="Straight Connector 71">
+                <a:extLst>
+                  <a:ext uri="{FF2B5EF4-FFF2-40B4-BE49-F238E27FC236}">
+                    <a16:creationId xmlns:a16="http://schemas.microsoft.com/office/drawing/2014/main" id="{27F595F8-604A-41FC-93A4-DF58164398D0}"/>
+                  </a:ext>
+                </a:extLst>
+              </p:cNvPr>
+              <p:cNvCxnSpPr>
+                <a:cxnSpLocks/>
+              </p:cNvCxnSpPr>
+              <p:nvPr/>
+            </p:nvCxnSpPr>
+            <p:spPr>
+              <a:xfrm flipV="1">
+                <a:off x="4197808" y="436403"/>
+                <a:ext cx="0" cy="2159999"/>
+              </a:xfrm>
+              <a:prstGeom prst="line">
+                <a:avLst/>
+              </a:prstGeom>
+            </p:spPr>
+            <p:style>
+              <a:lnRef idx="1">
+                <a:schemeClr val="accent1"/>
+              </a:lnRef>
+              <a:fillRef idx="0">
+                <a:schemeClr val="accent1"/>
+              </a:fillRef>
+              <a:effectRef idx="0">
+                <a:schemeClr val="accent1"/>
+              </a:effectRef>
+              <a:fontRef idx="minor">
+                <a:schemeClr val="tx1"/>
+              </a:fontRef>
+            </p:style>
+          </p:cxnSp>
+          <p:cxnSp>
+            <p:nvCxnSpPr>
+              <p:cNvPr id="73" name="Straight Connector 72">
+                <a:extLst>
+                  <a:ext uri="{FF2B5EF4-FFF2-40B4-BE49-F238E27FC236}">
+                    <a16:creationId xmlns:a16="http://schemas.microsoft.com/office/drawing/2014/main" id="{1A82202F-F5DA-4ACE-BB0D-7B55E0244205}"/>
+                  </a:ext>
+                </a:extLst>
+              </p:cNvPr>
+              <p:cNvCxnSpPr>
+                <a:cxnSpLocks/>
+              </p:cNvCxnSpPr>
+              <p:nvPr/>
+            </p:nvCxnSpPr>
+            <p:spPr>
+              <a:xfrm flipV="1">
+                <a:off x="4390487" y="436403"/>
+                <a:ext cx="0" cy="2159999"/>
+              </a:xfrm>
+              <a:prstGeom prst="line">
+                <a:avLst/>
+              </a:prstGeom>
+            </p:spPr>
+            <p:style>
+              <a:lnRef idx="1">
+                <a:schemeClr val="accent1"/>
+              </a:lnRef>
+              <a:fillRef idx="0">
+                <a:schemeClr val="accent1"/>
+              </a:fillRef>
+              <a:effectRef idx="0">
+                <a:schemeClr val="accent1"/>
+              </a:effectRef>
+              <a:fontRef idx="minor">
+                <a:schemeClr val="tx1"/>
+              </a:fontRef>
+            </p:style>
+          </p:cxnSp>
+          <p:cxnSp>
+            <p:nvCxnSpPr>
+              <p:cNvPr id="74" name="Straight Connector 73">
+                <a:extLst>
+                  <a:ext uri="{FF2B5EF4-FFF2-40B4-BE49-F238E27FC236}">
+                    <a16:creationId xmlns:a16="http://schemas.microsoft.com/office/drawing/2014/main" id="{839C1F47-02E0-4871-9F80-586C2A827862}"/>
+                  </a:ext>
+                </a:extLst>
+              </p:cNvPr>
+              <p:cNvCxnSpPr>
+                <a:cxnSpLocks/>
+              </p:cNvCxnSpPr>
+              <p:nvPr/>
+            </p:nvCxnSpPr>
+            <p:spPr>
+              <a:xfrm flipV="1">
+                <a:off x="4583166" y="436403"/>
+                <a:ext cx="0" cy="2159999"/>
+              </a:xfrm>
+              <a:prstGeom prst="line">
+                <a:avLst/>
+              </a:prstGeom>
+            </p:spPr>
+            <p:style>
+              <a:lnRef idx="1">
+                <a:schemeClr val="accent1"/>
+              </a:lnRef>
+              <a:fillRef idx="0">
+                <a:schemeClr val="accent1"/>
+              </a:fillRef>
+              <a:effectRef idx="0">
+                <a:schemeClr val="accent1"/>
+              </a:effectRef>
+              <a:fontRef idx="minor">
+                <a:schemeClr val="tx1"/>
+              </a:fontRef>
+            </p:style>
+          </p:cxnSp>
+        </p:grpSp>
+        <p:grpSp>
+          <p:nvGrpSpPr>
+            <p:cNvPr id="90" name="Group 89">
+              <a:extLst>
+                <a:ext uri="{FF2B5EF4-FFF2-40B4-BE49-F238E27FC236}">
+                  <a16:creationId xmlns:a16="http://schemas.microsoft.com/office/drawing/2014/main" id="{77488A8F-9214-4A63-BDC7-5A8613B14A2D}"/>
+                </a:ext>
+              </a:extLst>
+            </p:cNvPr>
+            <p:cNvGrpSpPr/>
+            <p:nvPr/>
+          </p:nvGrpSpPr>
+          <p:grpSpPr>
+            <a:xfrm rot="16200000">
+              <a:off x="5588650" y="621868"/>
+              <a:ext cx="1156074" cy="1429064"/>
+              <a:chOff x="3427092" y="436403"/>
+              <a:chExt cx="1156074" cy="2159999"/>
+            </a:xfrm>
+          </p:grpSpPr>
+          <p:cxnSp>
+            <p:nvCxnSpPr>
+              <p:cNvPr id="91" name="Straight Connector 90">
+                <a:extLst>
+                  <a:ext uri="{FF2B5EF4-FFF2-40B4-BE49-F238E27FC236}">
+                    <a16:creationId xmlns:a16="http://schemas.microsoft.com/office/drawing/2014/main" id="{0D7673B7-8F55-4D43-A90D-770CD291C6ED}"/>
+                  </a:ext>
+                </a:extLst>
+              </p:cNvPr>
+              <p:cNvCxnSpPr>
+                <a:cxnSpLocks/>
+              </p:cNvCxnSpPr>
+              <p:nvPr/>
+            </p:nvCxnSpPr>
+            <p:spPr>
+              <a:xfrm flipV="1">
+                <a:off x="3427092" y="436403"/>
+                <a:ext cx="0" cy="2159999"/>
+              </a:xfrm>
+              <a:prstGeom prst="line">
+                <a:avLst/>
+              </a:prstGeom>
+            </p:spPr>
+            <p:style>
+              <a:lnRef idx="1">
+                <a:schemeClr val="accent1"/>
+              </a:lnRef>
+              <a:fillRef idx="0">
+                <a:schemeClr val="accent1"/>
+              </a:fillRef>
+              <a:effectRef idx="0">
+                <a:schemeClr val="accent1"/>
+              </a:effectRef>
+              <a:fontRef idx="minor">
+                <a:schemeClr val="tx1"/>
+              </a:fontRef>
+            </p:style>
+          </p:cxnSp>
+          <p:cxnSp>
+            <p:nvCxnSpPr>
+              <p:cNvPr id="92" name="Straight Connector 91">
+                <a:extLst>
+                  <a:ext uri="{FF2B5EF4-FFF2-40B4-BE49-F238E27FC236}">
+                    <a16:creationId xmlns:a16="http://schemas.microsoft.com/office/drawing/2014/main" id="{D87AEE73-78C3-4588-9766-44898101AE86}"/>
+                  </a:ext>
+                </a:extLst>
+              </p:cNvPr>
+              <p:cNvCxnSpPr>
+                <a:cxnSpLocks/>
+              </p:cNvCxnSpPr>
+              <p:nvPr/>
+            </p:nvCxnSpPr>
+            <p:spPr>
+              <a:xfrm flipV="1">
+                <a:off x="3619771" y="436403"/>
+                <a:ext cx="0" cy="2159999"/>
+              </a:xfrm>
+              <a:prstGeom prst="line">
+                <a:avLst/>
+              </a:prstGeom>
+            </p:spPr>
+            <p:style>
+              <a:lnRef idx="1">
+                <a:schemeClr val="accent1"/>
+              </a:lnRef>
+              <a:fillRef idx="0">
+                <a:schemeClr val="accent1"/>
+              </a:fillRef>
+              <a:effectRef idx="0">
+                <a:schemeClr val="accent1"/>
+              </a:effectRef>
+              <a:fontRef idx="minor">
+                <a:schemeClr val="tx1"/>
+              </a:fontRef>
+            </p:style>
+          </p:cxnSp>
+          <p:cxnSp>
+            <p:nvCxnSpPr>
+              <p:cNvPr id="93" name="Straight Connector 92">
+                <a:extLst>
+                  <a:ext uri="{FF2B5EF4-FFF2-40B4-BE49-F238E27FC236}">
+                    <a16:creationId xmlns:a16="http://schemas.microsoft.com/office/drawing/2014/main" id="{18F9C6EB-C059-4BF2-9562-B26217A749D0}"/>
+                  </a:ext>
+                </a:extLst>
+              </p:cNvPr>
+              <p:cNvCxnSpPr>
+                <a:cxnSpLocks/>
+              </p:cNvCxnSpPr>
+              <p:nvPr/>
+            </p:nvCxnSpPr>
+            <p:spPr>
+              <a:xfrm flipV="1">
+                <a:off x="3812450" y="436403"/>
+                <a:ext cx="0" cy="2159999"/>
+              </a:xfrm>
+              <a:prstGeom prst="line">
+                <a:avLst/>
+              </a:prstGeom>
+            </p:spPr>
+            <p:style>
+              <a:lnRef idx="1">
+                <a:schemeClr val="accent1"/>
+              </a:lnRef>
+              <a:fillRef idx="0">
+                <a:schemeClr val="accent1"/>
+              </a:fillRef>
+              <a:effectRef idx="0">
+                <a:schemeClr val="accent1"/>
+              </a:effectRef>
+              <a:fontRef idx="minor">
+                <a:schemeClr val="tx1"/>
+              </a:fontRef>
+            </p:style>
+          </p:cxnSp>
+          <p:cxnSp>
+            <p:nvCxnSpPr>
+              <p:cNvPr id="94" name="Straight Connector 93">
+                <a:extLst>
+                  <a:ext uri="{FF2B5EF4-FFF2-40B4-BE49-F238E27FC236}">
+                    <a16:creationId xmlns:a16="http://schemas.microsoft.com/office/drawing/2014/main" id="{423E4488-0B19-4669-BC5B-B057C61192A8}"/>
+                  </a:ext>
+                </a:extLst>
+              </p:cNvPr>
+              <p:cNvCxnSpPr>
+                <a:cxnSpLocks/>
+              </p:cNvCxnSpPr>
+              <p:nvPr/>
+            </p:nvCxnSpPr>
+            <p:spPr>
+              <a:xfrm flipV="1">
+                <a:off x="4005129" y="436403"/>
+                <a:ext cx="0" cy="2159999"/>
+              </a:xfrm>
+              <a:prstGeom prst="line">
+                <a:avLst/>
+              </a:prstGeom>
+            </p:spPr>
+            <p:style>
+              <a:lnRef idx="1">
+                <a:schemeClr val="accent1"/>
+              </a:lnRef>
+              <a:fillRef idx="0">
+                <a:schemeClr val="accent1"/>
+              </a:fillRef>
+              <a:effectRef idx="0">
+                <a:schemeClr val="accent1"/>
+              </a:effectRef>
+              <a:fontRef idx="minor">
+                <a:schemeClr val="tx1"/>
+              </a:fontRef>
+            </p:style>
+          </p:cxnSp>
+          <p:cxnSp>
+            <p:nvCxnSpPr>
+              <p:cNvPr id="95" name="Straight Connector 94">
+                <a:extLst>
+                  <a:ext uri="{FF2B5EF4-FFF2-40B4-BE49-F238E27FC236}">
+                    <a16:creationId xmlns:a16="http://schemas.microsoft.com/office/drawing/2014/main" id="{F8DBCF83-6650-4F2D-98C1-8969AE21DA64}"/>
+                  </a:ext>
+                </a:extLst>
+              </p:cNvPr>
+              <p:cNvCxnSpPr>
+                <a:cxnSpLocks/>
+              </p:cNvCxnSpPr>
+              <p:nvPr/>
+            </p:nvCxnSpPr>
+            <p:spPr>
+              <a:xfrm flipV="1">
+                <a:off x="4197808" y="436403"/>
+                <a:ext cx="0" cy="2159999"/>
+              </a:xfrm>
+              <a:prstGeom prst="line">
+                <a:avLst/>
+              </a:prstGeom>
+            </p:spPr>
+            <p:style>
+              <a:lnRef idx="1">
+                <a:schemeClr val="accent1"/>
+              </a:lnRef>
+              <a:fillRef idx="0">
+                <a:schemeClr val="accent1"/>
+              </a:fillRef>
+              <a:effectRef idx="0">
+                <a:schemeClr val="accent1"/>
+              </a:effectRef>
+              <a:fontRef idx="minor">
+                <a:schemeClr val="tx1"/>
+              </a:fontRef>
+            </p:style>
+          </p:cxnSp>
+          <p:cxnSp>
+            <p:nvCxnSpPr>
+              <p:cNvPr id="96" name="Straight Connector 95">
+                <a:extLst>
+                  <a:ext uri="{FF2B5EF4-FFF2-40B4-BE49-F238E27FC236}">
+                    <a16:creationId xmlns:a16="http://schemas.microsoft.com/office/drawing/2014/main" id="{149C7148-F9AE-40FC-97D2-29343C6F288E}"/>
+                  </a:ext>
+                </a:extLst>
+              </p:cNvPr>
+              <p:cNvCxnSpPr>
+                <a:cxnSpLocks/>
+              </p:cNvCxnSpPr>
+              <p:nvPr/>
+            </p:nvCxnSpPr>
+            <p:spPr>
+              <a:xfrm flipV="1">
+                <a:off x="4390487" y="436403"/>
+                <a:ext cx="0" cy="2159999"/>
+              </a:xfrm>
+              <a:prstGeom prst="line">
+                <a:avLst/>
+              </a:prstGeom>
+            </p:spPr>
+            <p:style>
+              <a:lnRef idx="1">
+                <a:schemeClr val="accent1"/>
+              </a:lnRef>
+              <a:fillRef idx="0">
+                <a:schemeClr val="accent1"/>
+              </a:fillRef>
+              <a:effectRef idx="0">
+                <a:schemeClr val="accent1"/>
+              </a:effectRef>
+              <a:fontRef idx="minor">
+                <a:schemeClr val="tx1"/>
+              </a:fontRef>
+            </p:style>
+          </p:cxnSp>
+          <p:cxnSp>
+            <p:nvCxnSpPr>
+              <p:cNvPr id="97" name="Straight Connector 96">
+                <a:extLst>
+                  <a:ext uri="{FF2B5EF4-FFF2-40B4-BE49-F238E27FC236}">
+                    <a16:creationId xmlns:a16="http://schemas.microsoft.com/office/drawing/2014/main" id="{3DFA5C6D-B157-4D68-929A-E458D8736AD8}"/>
+                  </a:ext>
+                </a:extLst>
+              </p:cNvPr>
+              <p:cNvCxnSpPr>
+                <a:cxnSpLocks/>
+              </p:cNvCxnSpPr>
+              <p:nvPr/>
+            </p:nvCxnSpPr>
+            <p:spPr>
+              <a:xfrm flipV="1">
+                <a:off x="4583166" y="436403"/>
+                <a:ext cx="0" cy="2159999"/>
+              </a:xfrm>
+              <a:prstGeom prst="line">
+                <a:avLst/>
+              </a:prstGeom>
+            </p:spPr>
+            <p:style>
+              <a:lnRef idx="1">
+                <a:schemeClr val="accent1"/>
+              </a:lnRef>
+              <a:fillRef idx="0">
+                <a:schemeClr val="accent1"/>
+              </a:fillRef>
+              <a:effectRef idx="0">
+                <a:schemeClr val="accent1"/>
+              </a:effectRef>
+              <a:fontRef idx="minor">
+                <a:schemeClr val="tx1"/>
+              </a:fontRef>
+            </p:style>
+          </p:cxnSp>
+        </p:grpSp>
+        <p:sp>
+          <p:nvSpPr>
+            <p:cNvPr id="100" name="Rectangle 99">
+              <a:extLst>
+                <a:ext uri="{FF2B5EF4-FFF2-40B4-BE49-F238E27FC236}">
+                  <a16:creationId xmlns:a16="http://schemas.microsoft.com/office/drawing/2014/main" id="{E9D1505C-EAB5-4AC6-886B-983013ACA14C}"/>
+                </a:ext>
+              </a:extLst>
+            </p:cNvPr>
+            <p:cNvSpPr/>
+            <p:nvPr/>
+          </p:nvSpPr>
+          <p:spPr>
+            <a:xfrm>
+              <a:off x="5441217" y="618141"/>
+              <a:ext cx="907252" cy="910935"/>
+            </a:xfrm>
+            <a:prstGeom prst="rect">
+              <a:avLst/>
+            </a:prstGeom>
+            <a:solidFill>
+              <a:srgbClr val="FF0000">
+                <a:alpha val="30196"/>
+              </a:srgbClr>
+            </a:solidFill>
+            <a:ln>
+              <a:noFill/>
+            </a:ln>
+          </p:spPr>
+          <p:style>
+            <a:lnRef idx="2">
+              <a:schemeClr val="accent1">
+                <a:shade val="50000"/>
+              </a:schemeClr>
+            </a:lnRef>
+            <a:fillRef idx="1">
+              <a:schemeClr val="accent1"/>
+            </a:fillRef>
+            <a:effectRef idx="0">
+              <a:schemeClr val="accent1"/>
+            </a:effectRef>
+            <a:fontRef idx="minor">
+              <a:schemeClr val="lt1"/>
+            </a:fontRef>
+          </p:style>
+          <p:txBody>
+            <a:bodyPr rtlCol="0" anchor="ctr"/>
+            <a:lstStyle/>
+            <a:p>
+              <a:pPr algn="ctr"/>
+              <a:endParaRPr lang="pt-BR"/>
+            </a:p>
+          </p:txBody>
+        </p:sp>
+      </p:grpSp>
+      <p:grpSp>
+        <p:nvGrpSpPr>
+          <p:cNvPr id="118" name="Group 117">
+            <a:extLst>
+              <a:ext uri="{FF2B5EF4-FFF2-40B4-BE49-F238E27FC236}">
+                <a16:creationId xmlns:a16="http://schemas.microsoft.com/office/drawing/2014/main" id="{866BDE3C-CDE3-4381-A4D5-26B9890AB98D}"/>
+              </a:ext>
+            </a:extLst>
+          </p:cNvPr>
+          <p:cNvGrpSpPr/>
+          <p:nvPr/>
+        </p:nvGrpSpPr>
+        <p:grpSpPr>
+          <a:xfrm>
+            <a:off x="7482160" y="1808999"/>
+            <a:ext cx="1080000" cy="1080000"/>
+            <a:chOff x="7431187" y="798143"/>
+            <a:chExt cx="1080000" cy="1080000"/>
+          </a:xfrm>
+        </p:grpSpPr>
+        <p:sp>
+          <p:nvSpPr>
+            <p:cNvPr id="8" name="Rectangle: Rounded Corners 7">
+              <a:extLst>
+                <a:ext uri="{FF2B5EF4-FFF2-40B4-BE49-F238E27FC236}">
+                  <a16:creationId xmlns:a16="http://schemas.microsoft.com/office/drawing/2014/main" id="{F60F896E-0AE8-49D7-9874-C09B420D3C3A}"/>
+                </a:ext>
+              </a:extLst>
+            </p:cNvPr>
+            <p:cNvSpPr/>
+            <p:nvPr/>
+          </p:nvSpPr>
+          <p:spPr>
+            <a:xfrm>
+              <a:off x="7431187" y="798143"/>
+              <a:ext cx="1080000" cy="1080000"/>
+            </a:xfrm>
+            <a:prstGeom prst="roundRect">
+              <a:avLst>
+                <a:gd name="adj" fmla="val 0"/>
+              </a:avLst>
+            </a:prstGeom>
+            <a:solidFill>
+              <a:srgbClr val="5B9BD5">
+                <a:alpha val="30196"/>
+              </a:srgbClr>
+            </a:solidFill>
+          </p:spPr>
+          <p:style>
+            <a:lnRef idx="2">
+              <a:schemeClr val="accent5">
+                <a:shade val="50000"/>
+              </a:schemeClr>
+            </a:lnRef>
+            <a:fillRef idx="1">
+              <a:schemeClr val="accent5"/>
+            </a:fillRef>
+            <a:effectRef idx="0">
+              <a:schemeClr val="accent5"/>
+            </a:effectRef>
+            <a:fontRef idx="minor">
+              <a:schemeClr val="lt1"/>
+            </a:fontRef>
+          </p:style>
+          <p:txBody>
+            <a:bodyPr rtlCol="0" anchor="ctr"/>
+            <a:lstStyle/>
+            <a:p>
+              <a:pPr algn="ctr"/>
+              <a:endParaRPr lang="pt-BR"/>
+            </a:p>
+          </p:txBody>
+        </p:sp>
+        <p:grpSp>
+          <p:nvGrpSpPr>
+            <p:cNvPr id="76" name="Group 75">
+              <a:extLst>
+                <a:ext uri="{FF2B5EF4-FFF2-40B4-BE49-F238E27FC236}">
+                  <a16:creationId xmlns:a16="http://schemas.microsoft.com/office/drawing/2014/main" id="{B3E1E5B2-54D2-4DBF-8FE9-016C86E09FA6}"/>
+                </a:ext>
+              </a:extLst>
+            </p:cNvPr>
+            <p:cNvGrpSpPr/>
+            <p:nvPr/>
+          </p:nvGrpSpPr>
+          <p:grpSpPr>
+            <a:xfrm>
+              <a:off x="7585829" y="814548"/>
+              <a:ext cx="770716" cy="1063595"/>
+              <a:chOff x="3619771" y="436403"/>
+              <a:chExt cx="770716" cy="2159999"/>
+            </a:xfrm>
+          </p:grpSpPr>
+          <p:cxnSp>
+            <p:nvCxnSpPr>
+              <p:cNvPr id="78" name="Straight Connector 77">
+                <a:extLst>
+                  <a:ext uri="{FF2B5EF4-FFF2-40B4-BE49-F238E27FC236}">
+                    <a16:creationId xmlns:a16="http://schemas.microsoft.com/office/drawing/2014/main" id="{80CC6243-779A-41E4-90F0-C631847542C6}"/>
+                  </a:ext>
+                </a:extLst>
+              </p:cNvPr>
+              <p:cNvCxnSpPr>
+                <a:cxnSpLocks/>
+              </p:cNvCxnSpPr>
+              <p:nvPr/>
+            </p:nvCxnSpPr>
+            <p:spPr>
+              <a:xfrm flipV="1">
+                <a:off x="3619771" y="436403"/>
+                <a:ext cx="0" cy="2159999"/>
+              </a:xfrm>
+              <a:prstGeom prst="line">
+                <a:avLst/>
+              </a:prstGeom>
+            </p:spPr>
+            <p:style>
+              <a:lnRef idx="1">
+                <a:schemeClr val="accent1"/>
+              </a:lnRef>
+              <a:fillRef idx="0">
+                <a:schemeClr val="accent1"/>
+              </a:fillRef>
+              <a:effectRef idx="0">
+                <a:schemeClr val="accent1"/>
+              </a:effectRef>
+              <a:fontRef idx="minor">
+                <a:schemeClr val="tx1"/>
+              </a:fontRef>
+            </p:style>
+          </p:cxnSp>
+          <p:cxnSp>
+            <p:nvCxnSpPr>
+              <p:cNvPr id="79" name="Straight Connector 78">
+                <a:extLst>
+                  <a:ext uri="{FF2B5EF4-FFF2-40B4-BE49-F238E27FC236}">
+                    <a16:creationId xmlns:a16="http://schemas.microsoft.com/office/drawing/2014/main" id="{561F2317-3225-4B8C-AE6F-AA0817112175}"/>
+                  </a:ext>
+                </a:extLst>
+              </p:cNvPr>
+              <p:cNvCxnSpPr>
+                <a:cxnSpLocks/>
+              </p:cNvCxnSpPr>
+              <p:nvPr/>
+            </p:nvCxnSpPr>
+            <p:spPr>
+              <a:xfrm flipV="1">
+                <a:off x="3812450" y="436403"/>
+                <a:ext cx="0" cy="2159999"/>
+              </a:xfrm>
+              <a:prstGeom prst="line">
+                <a:avLst/>
+              </a:prstGeom>
+            </p:spPr>
+            <p:style>
+              <a:lnRef idx="1">
+                <a:schemeClr val="accent1"/>
+              </a:lnRef>
+              <a:fillRef idx="0">
+                <a:schemeClr val="accent1"/>
+              </a:fillRef>
+              <a:effectRef idx="0">
+                <a:schemeClr val="accent1"/>
+              </a:effectRef>
+              <a:fontRef idx="minor">
+                <a:schemeClr val="tx1"/>
+              </a:fontRef>
+            </p:style>
+          </p:cxnSp>
+          <p:cxnSp>
+            <p:nvCxnSpPr>
+              <p:cNvPr id="80" name="Straight Connector 79">
+                <a:extLst>
+                  <a:ext uri="{FF2B5EF4-FFF2-40B4-BE49-F238E27FC236}">
+                    <a16:creationId xmlns:a16="http://schemas.microsoft.com/office/drawing/2014/main" id="{99B6337A-807F-4F1C-BADB-40F29B305CFA}"/>
+                  </a:ext>
+                </a:extLst>
+              </p:cNvPr>
+              <p:cNvCxnSpPr>
+                <a:cxnSpLocks/>
+              </p:cNvCxnSpPr>
+              <p:nvPr/>
+            </p:nvCxnSpPr>
+            <p:spPr>
+              <a:xfrm flipV="1">
+                <a:off x="4005129" y="436403"/>
+                <a:ext cx="0" cy="2159999"/>
+              </a:xfrm>
+              <a:prstGeom prst="line">
+                <a:avLst/>
+              </a:prstGeom>
+            </p:spPr>
+            <p:style>
+              <a:lnRef idx="1">
+                <a:schemeClr val="accent1"/>
+              </a:lnRef>
+              <a:fillRef idx="0">
+                <a:schemeClr val="accent1"/>
+              </a:fillRef>
+              <a:effectRef idx="0">
+                <a:schemeClr val="accent1"/>
+              </a:effectRef>
+              <a:fontRef idx="minor">
+                <a:schemeClr val="tx1"/>
+              </a:fontRef>
+            </p:style>
+          </p:cxnSp>
+          <p:cxnSp>
+            <p:nvCxnSpPr>
+              <p:cNvPr id="81" name="Straight Connector 80">
+                <a:extLst>
+                  <a:ext uri="{FF2B5EF4-FFF2-40B4-BE49-F238E27FC236}">
+                    <a16:creationId xmlns:a16="http://schemas.microsoft.com/office/drawing/2014/main" id="{83EECD5F-0467-43D3-9B01-C300FD11CEFB}"/>
+                  </a:ext>
+                </a:extLst>
+              </p:cNvPr>
+              <p:cNvCxnSpPr>
+                <a:cxnSpLocks/>
+              </p:cNvCxnSpPr>
+              <p:nvPr/>
+            </p:nvCxnSpPr>
+            <p:spPr>
+              <a:xfrm flipV="1">
+                <a:off x="4197808" y="436403"/>
+                <a:ext cx="0" cy="2159999"/>
+              </a:xfrm>
+              <a:prstGeom prst="line">
+                <a:avLst/>
+              </a:prstGeom>
+            </p:spPr>
+            <p:style>
+              <a:lnRef idx="1">
+                <a:schemeClr val="accent1"/>
+              </a:lnRef>
+              <a:fillRef idx="0">
+                <a:schemeClr val="accent1"/>
+              </a:fillRef>
+              <a:effectRef idx="0">
+                <a:schemeClr val="accent1"/>
+              </a:effectRef>
+              <a:fontRef idx="minor">
+                <a:schemeClr val="tx1"/>
+              </a:fontRef>
+            </p:style>
+          </p:cxnSp>
+          <p:cxnSp>
+            <p:nvCxnSpPr>
+              <p:cNvPr id="82" name="Straight Connector 81">
+                <a:extLst>
+                  <a:ext uri="{FF2B5EF4-FFF2-40B4-BE49-F238E27FC236}">
+                    <a16:creationId xmlns:a16="http://schemas.microsoft.com/office/drawing/2014/main" id="{44644253-7F5F-4D44-89AB-B65BAA271B8F}"/>
+                  </a:ext>
+                </a:extLst>
+              </p:cNvPr>
+              <p:cNvCxnSpPr>
+                <a:cxnSpLocks/>
+              </p:cNvCxnSpPr>
+              <p:nvPr/>
+            </p:nvCxnSpPr>
+            <p:spPr>
+              <a:xfrm flipV="1">
+                <a:off x="4390487" y="436403"/>
+                <a:ext cx="0" cy="2159999"/>
+              </a:xfrm>
+              <a:prstGeom prst="line">
+                <a:avLst/>
+              </a:prstGeom>
+            </p:spPr>
+            <p:style>
+              <a:lnRef idx="1">
+                <a:schemeClr val="accent1"/>
+              </a:lnRef>
+              <a:fillRef idx="0">
+                <a:schemeClr val="accent1"/>
+              </a:fillRef>
+              <a:effectRef idx="0">
+                <a:schemeClr val="accent1"/>
+              </a:effectRef>
+              <a:fontRef idx="minor">
+                <a:schemeClr val="tx1"/>
+              </a:fontRef>
+            </p:style>
+          </p:cxnSp>
+        </p:grpSp>
+        <p:grpSp>
+          <p:nvGrpSpPr>
+            <p:cNvPr id="84" name="Group 83">
+              <a:extLst>
+                <a:ext uri="{FF2B5EF4-FFF2-40B4-BE49-F238E27FC236}">
+                  <a16:creationId xmlns:a16="http://schemas.microsoft.com/office/drawing/2014/main" id="{47CD5BE7-2343-4475-8BA1-83669EAF4486}"/>
+                </a:ext>
+              </a:extLst>
+            </p:cNvPr>
+            <p:cNvGrpSpPr/>
+            <p:nvPr/>
+          </p:nvGrpSpPr>
+          <p:grpSpPr>
+            <a:xfrm rot="16200000">
+              <a:off x="7585829" y="796401"/>
+              <a:ext cx="770716" cy="1080000"/>
+              <a:chOff x="3619771" y="436403"/>
+              <a:chExt cx="770716" cy="2159999"/>
+            </a:xfrm>
+          </p:grpSpPr>
+          <p:cxnSp>
+            <p:nvCxnSpPr>
+              <p:cNvPr id="85" name="Straight Connector 84">
+                <a:extLst>
+                  <a:ext uri="{FF2B5EF4-FFF2-40B4-BE49-F238E27FC236}">
+                    <a16:creationId xmlns:a16="http://schemas.microsoft.com/office/drawing/2014/main" id="{21A56238-D47E-4096-A1C1-C31DF7553F4F}"/>
+                  </a:ext>
+                </a:extLst>
+              </p:cNvPr>
+              <p:cNvCxnSpPr>
+                <a:cxnSpLocks/>
+              </p:cNvCxnSpPr>
+              <p:nvPr/>
+            </p:nvCxnSpPr>
+            <p:spPr>
+              <a:xfrm flipV="1">
+                <a:off x="3619771" y="436403"/>
+                <a:ext cx="0" cy="2159999"/>
+              </a:xfrm>
+              <a:prstGeom prst="line">
+                <a:avLst/>
+              </a:prstGeom>
+            </p:spPr>
+            <p:style>
+              <a:lnRef idx="1">
+                <a:schemeClr val="accent1"/>
+              </a:lnRef>
+              <a:fillRef idx="0">
+                <a:schemeClr val="accent1"/>
+              </a:fillRef>
+              <a:effectRef idx="0">
+                <a:schemeClr val="accent1"/>
+              </a:effectRef>
+              <a:fontRef idx="minor">
+                <a:schemeClr val="tx1"/>
+              </a:fontRef>
+            </p:style>
+          </p:cxnSp>
+          <p:cxnSp>
+            <p:nvCxnSpPr>
+              <p:cNvPr id="86" name="Straight Connector 85">
+                <a:extLst>
+                  <a:ext uri="{FF2B5EF4-FFF2-40B4-BE49-F238E27FC236}">
+                    <a16:creationId xmlns:a16="http://schemas.microsoft.com/office/drawing/2014/main" id="{6EC189B5-D6D8-41CB-92B2-F7A7CDFDD18A}"/>
+                  </a:ext>
+                </a:extLst>
+              </p:cNvPr>
+              <p:cNvCxnSpPr>
+                <a:cxnSpLocks/>
+              </p:cNvCxnSpPr>
+              <p:nvPr/>
+            </p:nvCxnSpPr>
+            <p:spPr>
+              <a:xfrm flipV="1">
+                <a:off x="3812450" y="436403"/>
+                <a:ext cx="0" cy="2159999"/>
+              </a:xfrm>
+              <a:prstGeom prst="line">
+                <a:avLst/>
+              </a:prstGeom>
+            </p:spPr>
+            <p:style>
+              <a:lnRef idx="1">
+                <a:schemeClr val="accent1"/>
+              </a:lnRef>
+              <a:fillRef idx="0">
+                <a:schemeClr val="accent1"/>
+              </a:fillRef>
+              <a:effectRef idx="0">
+                <a:schemeClr val="accent1"/>
+              </a:effectRef>
+              <a:fontRef idx="minor">
+                <a:schemeClr val="tx1"/>
+              </a:fontRef>
+            </p:style>
+          </p:cxnSp>
+          <p:cxnSp>
+            <p:nvCxnSpPr>
+              <p:cNvPr id="87" name="Straight Connector 86">
+                <a:extLst>
+                  <a:ext uri="{FF2B5EF4-FFF2-40B4-BE49-F238E27FC236}">
+                    <a16:creationId xmlns:a16="http://schemas.microsoft.com/office/drawing/2014/main" id="{D550C18F-70B0-4E31-9C32-358A5D053F4C}"/>
+                  </a:ext>
+                </a:extLst>
+              </p:cNvPr>
+              <p:cNvCxnSpPr>
+                <a:cxnSpLocks/>
+              </p:cNvCxnSpPr>
+              <p:nvPr/>
+            </p:nvCxnSpPr>
+            <p:spPr>
+              <a:xfrm flipV="1">
+                <a:off x="4005129" y="436403"/>
+                <a:ext cx="0" cy="2159999"/>
+              </a:xfrm>
+              <a:prstGeom prst="line">
+                <a:avLst/>
+              </a:prstGeom>
+            </p:spPr>
+            <p:style>
+              <a:lnRef idx="1">
+                <a:schemeClr val="accent1"/>
+              </a:lnRef>
+              <a:fillRef idx="0">
+                <a:schemeClr val="accent1"/>
+              </a:fillRef>
+              <a:effectRef idx="0">
+                <a:schemeClr val="accent1"/>
+              </a:effectRef>
+              <a:fontRef idx="minor">
+                <a:schemeClr val="tx1"/>
+              </a:fontRef>
+            </p:style>
+          </p:cxnSp>
+          <p:cxnSp>
+            <p:nvCxnSpPr>
+              <p:cNvPr id="88" name="Straight Connector 87">
+                <a:extLst>
+                  <a:ext uri="{FF2B5EF4-FFF2-40B4-BE49-F238E27FC236}">
+                    <a16:creationId xmlns:a16="http://schemas.microsoft.com/office/drawing/2014/main" id="{EF853777-75D5-467F-BB70-3E01C6E43DC1}"/>
+                  </a:ext>
+                </a:extLst>
+              </p:cNvPr>
+              <p:cNvCxnSpPr>
+                <a:cxnSpLocks/>
+              </p:cNvCxnSpPr>
+              <p:nvPr/>
+            </p:nvCxnSpPr>
+            <p:spPr>
+              <a:xfrm flipV="1">
+                <a:off x="4197808" y="436403"/>
+                <a:ext cx="0" cy="2159999"/>
+              </a:xfrm>
+              <a:prstGeom prst="line">
+                <a:avLst/>
+              </a:prstGeom>
+            </p:spPr>
+            <p:style>
+              <a:lnRef idx="1">
+                <a:schemeClr val="accent1"/>
+              </a:lnRef>
+              <a:fillRef idx="0">
+                <a:schemeClr val="accent1"/>
+              </a:fillRef>
+              <a:effectRef idx="0">
+                <a:schemeClr val="accent1"/>
+              </a:effectRef>
+              <a:fontRef idx="minor">
+                <a:schemeClr val="tx1"/>
+              </a:fontRef>
+            </p:style>
+          </p:cxnSp>
+          <p:cxnSp>
+            <p:nvCxnSpPr>
+              <p:cNvPr id="89" name="Straight Connector 88">
+                <a:extLst>
+                  <a:ext uri="{FF2B5EF4-FFF2-40B4-BE49-F238E27FC236}">
+                    <a16:creationId xmlns:a16="http://schemas.microsoft.com/office/drawing/2014/main" id="{B9E8E402-E3AC-45C2-B4A5-25D831A8BDDA}"/>
+                  </a:ext>
+                </a:extLst>
+              </p:cNvPr>
+              <p:cNvCxnSpPr>
+                <a:cxnSpLocks/>
+              </p:cNvCxnSpPr>
+              <p:nvPr/>
+            </p:nvCxnSpPr>
+            <p:spPr>
+              <a:xfrm flipV="1">
+                <a:off x="4390487" y="436403"/>
+                <a:ext cx="0" cy="2159999"/>
+              </a:xfrm>
+              <a:prstGeom prst="line">
+                <a:avLst/>
+              </a:prstGeom>
+            </p:spPr>
+            <p:style>
+              <a:lnRef idx="1">
+                <a:schemeClr val="accent1"/>
+              </a:lnRef>
+              <a:fillRef idx="0">
+                <a:schemeClr val="accent1"/>
+              </a:fillRef>
+              <a:effectRef idx="0">
+                <a:schemeClr val="accent1"/>
+              </a:effectRef>
+              <a:fontRef idx="minor">
+                <a:schemeClr val="tx1"/>
+              </a:fontRef>
+            </p:style>
+          </p:cxnSp>
+        </p:grpSp>
+        <p:sp>
+          <p:nvSpPr>
+            <p:cNvPr id="101" name="Rectangle 100">
+              <a:extLst>
+                <a:ext uri="{FF2B5EF4-FFF2-40B4-BE49-F238E27FC236}">
+                  <a16:creationId xmlns:a16="http://schemas.microsoft.com/office/drawing/2014/main" id="{F04EB6A9-0EB1-4BB9-827D-65923F2B23CF}"/>
+                </a:ext>
+              </a:extLst>
+            </p:cNvPr>
+            <p:cNvSpPr/>
+            <p:nvPr/>
+          </p:nvSpPr>
+          <p:spPr>
+            <a:xfrm>
+              <a:off x="7431187" y="811821"/>
+              <a:ext cx="539998" cy="524578"/>
+            </a:xfrm>
+            <a:prstGeom prst="rect">
+              <a:avLst/>
+            </a:prstGeom>
+            <a:solidFill>
+              <a:srgbClr val="FF0000">
+                <a:alpha val="30196"/>
+              </a:srgbClr>
+            </a:solidFill>
+            <a:ln>
+              <a:noFill/>
+            </a:ln>
+          </p:spPr>
+          <p:style>
+            <a:lnRef idx="2">
+              <a:schemeClr val="accent1">
+                <a:shade val="50000"/>
+              </a:schemeClr>
+            </a:lnRef>
+            <a:fillRef idx="1">
+              <a:schemeClr val="accent1"/>
+            </a:fillRef>
+            <a:effectRef idx="0">
+              <a:schemeClr val="accent1"/>
+            </a:effectRef>
+            <a:fontRef idx="minor">
+              <a:schemeClr val="lt1"/>
+            </a:fontRef>
+          </p:style>
+          <p:txBody>
+            <a:bodyPr rtlCol="0" anchor="ctr"/>
+            <a:lstStyle/>
+            <a:p>
+              <a:pPr algn="ctr"/>
+              <a:endParaRPr lang="pt-BR"/>
+            </a:p>
+          </p:txBody>
+        </p:sp>
+      </p:grpSp>
+      <p:grpSp>
+        <p:nvGrpSpPr>
+          <p:cNvPr id="117" name="Group 116">
+            <a:extLst>
+              <a:ext uri="{FF2B5EF4-FFF2-40B4-BE49-F238E27FC236}">
+                <a16:creationId xmlns:a16="http://schemas.microsoft.com/office/drawing/2014/main" id="{668338BF-0A9B-485B-8355-165A717C24B3}"/>
+              </a:ext>
+            </a:extLst>
+          </p:cNvPr>
+          <p:cNvGrpSpPr/>
+          <p:nvPr/>
+        </p:nvGrpSpPr>
+        <p:grpSpPr>
+          <a:xfrm>
+            <a:off x="9133859" y="1986720"/>
+            <a:ext cx="732680" cy="724559"/>
+            <a:chOff x="9151966" y="949215"/>
+            <a:chExt cx="732680" cy="724559"/>
+          </a:xfrm>
+        </p:grpSpPr>
+        <p:sp>
+          <p:nvSpPr>
+            <p:cNvPr id="102" name="Rectangle: Rounded Corners 101">
+              <a:extLst>
+                <a:ext uri="{FF2B5EF4-FFF2-40B4-BE49-F238E27FC236}">
+                  <a16:creationId xmlns:a16="http://schemas.microsoft.com/office/drawing/2014/main" id="{B09CC36A-88C5-4874-8259-ED3387E8A6B4}"/>
+                </a:ext>
+              </a:extLst>
+            </p:cNvPr>
+            <p:cNvSpPr/>
+            <p:nvPr/>
+          </p:nvSpPr>
+          <p:spPr>
+            <a:xfrm>
+              <a:off x="9151966" y="953774"/>
+              <a:ext cx="720000" cy="720000"/>
+            </a:xfrm>
+            <a:prstGeom prst="roundRect">
+              <a:avLst>
+                <a:gd name="adj" fmla="val 0"/>
+              </a:avLst>
+            </a:prstGeom>
+            <a:solidFill>
+              <a:srgbClr val="5B9BD5">
+                <a:alpha val="30196"/>
+              </a:srgbClr>
+            </a:solidFill>
+          </p:spPr>
+          <p:style>
+            <a:lnRef idx="2">
+              <a:schemeClr val="accent5">
+                <a:shade val="50000"/>
+              </a:schemeClr>
+            </a:lnRef>
+            <a:fillRef idx="1">
+              <a:schemeClr val="accent5"/>
+            </a:fillRef>
+            <a:effectRef idx="0">
+              <a:schemeClr val="accent5"/>
+            </a:effectRef>
+            <a:fontRef idx="minor">
+              <a:schemeClr val="lt1"/>
+            </a:fontRef>
+          </p:style>
+          <p:txBody>
+            <a:bodyPr rtlCol="0" anchor="ctr"/>
+            <a:lstStyle/>
+            <a:p>
+              <a:pPr algn="ctr"/>
+              <a:endParaRPr lang="pt-BR"/>
+            </a:p>
+          </p:txBody>
+        </p:sp>
+        <p:grpSp>
+          <p:nvGrpSpPr>
+            <p:cNvPr id="103" name="Group 102">
+              <a:extLst>
+                <a:ext uri="{FF2B5EF4-FFF2-40B4-BE49-F238E27FC236}">
+                  <a16:creationId xmlns:a16="http://schemas.microsoft.com/office/drawing/2014/main" id="{2CD03AF3-4764-456A-8308-5F2A6C604403}"/>
+                </a:ext>
+              </a:extLst>
+            </p:cNvPr>
+            <p:cNvGrpSpPr/>
+            <p:nvPr/>
+          </p:nvGrpSpPr>
+          <p:grpSpPr>
+            <a:xfrm>
+              <a:off x="9319287" y="949215"/>
+              <a:ext cx="385358" cy="720000"/>
+              <a:chOff x="3812450" y="436403"/>
+              <a:chExt cx="385358" cy="2159999"/>
+            </a:xfrm>
+          </p:grpSpPr>
+          <p:cxnSp>
+            <p:nvCxnSpPr>
+              <p:cNvPr id="105" name="Straight Connector 104">
+                <a:extLst>
+                  <a:ext uri="{FF2B5EF4-FFF2-40B4-BE49-F238E27FC236}">
+                    <a16:creationId xmlns:a16="http://schemas.microsoft.com/office/drawing/2014/main" id="{64B51B38-79B5-4BC7-AC0B-80BE9595894C}"/>
+                  </a:ext>
+                </a:extLst>
+              </p:cNvPr>
+              <p:cNvCxnSpPr>
+                <a:cxnSpLocks/>
+              </p:cNvCxnSpPr>
+              <p:nvPr/>
+            </p:nvCxnSpPr>
+            <p:spPr>
+              <a:xfrm flipV="1">
+                <a:off x="3812450" y="436403"/>
+                <a:ext cx="0" cy="2159999"/>
+              </a:xfrm>
+              <a:prstGeom prst="line">
+                <a:avLst/>
+              </a:prstGeom>
+            </p:spPr>
+            <p:style>
+              <a:lnRef idx="1">
+                <a:schemeClr val="accent1"/>
+              </a:lnRef>
+              <a:fillRef idx="0">
+                <a:schemeClr val="accent1"/>
+              </a:fillRef>
+              <a:effectRef idx="0">
+                <a:schemeClr val="accent1"/>
+              </a:effectRef>
+              <a:fontRef idx="minor">
+                <a:schemeClr val="tx1"/>
+              </a:fontRef>
+            </p:style>
+          </p:cxnSp>
+          <p:cxnSp>
+            <p:nvCxnSpPr>
+              <p:cNvPr id="106" name="Straight Connector 105">
+                <a:extLst>
+                  <a:ext uri="{FF2B5EF4-FFF2-40B4-BE49-F238E27FC236}">
+                    <a16:creationId xmlns:a16="http://schemas.microsoft.com/office/drawing/2014/main" id="{535F5236-E9BB-46FD-9EA2-433AD81A8A25}"/>
+                  </a:ext>
+                </a:extLst>
+              </p:cNvPr>
+              <p:cNvCxnSpPr>
+                <a:cxnSpLocks/>
+              </p:cNvCxnSpPr>
+              <p:nvPr/>
+            </p:nvCxnSpPr>
+            <p:spPr>
+              <a:xfrm flipV="1">
+                <a:off x="4005129" y="436403"/>
+                <a:ext cx="0" cy="2159999"/>
+              </a:xfrm>
+              <a:prstGeom prst="line">
+                <a:avLst/>
+              </a:prstGeom>
+            </p:spPr>
+            <p:style>
+              <a:lnRef idx="1">
+                <a:schemeClr val="accent1"/>
+              </a:lnRef>
+              <a:fillRef idx="0">
+                <a:schemeClr val="accent1"/>
+              </a:fillRef>
+              <a:effectRef idx="0">
+                <a:schemeClr val="accent1"/>
+              </a:effectRef>
+              <a:fontRef idx="minor">
+                <a:schemeClr val="tx1"/>
+              </a:fontRef>
+            </p:style>
+          </p:cxnSp>
+          <p:cxnSp>
+            <p:nvCxnSpPr>
+              <p:cNvPr id="107" name="Straight Connector 106">
+                <a:extLst>
+                  <a:ext uri="{FF2B5EF4-FFF2-40B4-BE49-F238E27FC236}">
+                    <a16:creationId xmlns:a16="http://schemas.microsoft.com/office/drawing/2014/main" id="{FD48C4E4-516F-4432-8E8A-46399B55AACA}"/>
+                  </a:ext>
+                </a:extLst>
+              </p:cNvPr>
+              <p:cNvCxnSpPr>
+                <a:cxnSpLocks/>
+              </p:cNvCxnSpPr>
+              <p:nvPr/>
+            </p:nvCxnSpPr>
+            <p:spPr>
+              <a:xfrm flipV="1">
+                <a:off x="4197808" y="436403"/>
+                <a:ext cx="0" cy="2159999"/>
+              </a:xfrm>
+              <a:prstGeom prst="line">
+                <a:avLst/>
+              </a:prstGeom>
+            </p:spPr>
+            <p:style>
+              <a:lnRef idx="1">
+                <a:schemeClr val="accent1"/>
+              </a:lnRef>
+              <a:fillRef idx="0">
+                <a:schemeClr val="accent1"/>
+              </a:fillRef>
+              <a:effectRef idx="0">
+                <a:schemeClr val="accent1"/>
+              </a:effectRef>
+              <a:fontRef idx="minor">
+                <a:schemeClr val="tx1"/>
+              </a:fontRef>
+            </p:style>
+          </p:cxnSp>
+        </p:grpSp>
+        <p:grpSp>
+          <p:nvGrpSpPr>
+            <p:cNvPr id="109" name="Group 108">
+              <a:extLst>
+                <a:ext uri="{FF2B5EF4-FFF2-40B4-BE49-F238E27FC236}">
+                  <a16:creationId xmlns:a16="http://schemas.microsoft.com/office/drawing/2014/main" id="{DBCD15EE-8473-4DAA-A888-F542009C2889}"/>
+                </a:ext>
+              </a:extLst>
+            </p:cNvPr>
+            <p:cNvGrpSpPr/>
+            <p:nvPr/>
+          </p:nvGrpSpPr>
+          <p:grpSpPr>
+            <a:xfrm rot="16200000">
+              <a:off x="9331967" y="953905"/>
+              <a:ext cx="385358" cy="720001"/>
+              <a:chOff x="3812450" y="436403"/>
+              <a:chExt cx="385358" cy="2159999"/>
+            </a:xfrm>
+          </p:grpSpPr>
+          <p:cxnSp>
+            <p:nvCxnSpPr>
+              <p:cNvPr id="111" name="Straight Connector 110">
+                <a:extLst>
+                  <a:ext uri="{FF2B5EF4-FFF2-40B4-BE49-F238E27FC236}">
+                    <a16:creationId xmlns:a16="http://schemas.microsoft.com/office/drawing/2014/main" id="{C4ADCCC2-8A13-404A-B426-47EB2C9D0FBB}"/>
+                  </a:ext>
+                </a:extLst>
+              </p:cNvPr>
+              <p:cNvCxnSpPr>
+                <a:cxnSpLocks/>
+              </p:cNvCxnSpPr>
+              <p:nvPr/>
+            </p:nvCxnSpPr>
+            <p:spPr>
+              <a:xfrm flipV="1">
+                <a:off x="3812450" y="436403"/>
+                <a:ext cx="0" cy="2159999"/>
+              </a:xfrm>
+              <a:prstGeom prst="line">
+                <a:avLst/>
+              </a:prstGeom>
+            </p:spPr>
+            <p:style>
+              <a:lnRef idx="1">
+                <a:schemeClr val="accent1"/>
+              </a:lnRef>
+              <a:fillRef idx="0">
+                <a:schemeClr val="accent1"/>
+              </a:fillRef>
+              <a:effectRef idx="0">
+                <a:schemeClr val="accent1"/>
+              </a:effectRef>
+              <a:fontRef idx="minor">
+                <a:schemeClr val="tx1"/>
+              </a:fontRef>
+            </p:style>
+          </p:cxnSp>
+          <p:cxnSp>
+            <p:nvCxnSpPr>
+              <p:cNvPr id="112" name="Straight Connector 111">
+                <a:extLst>
+                  <a:ext uri="{FF2B5EF4-FFF2-40B4-BE49-F238E27FC236}">
+                    <a16:creationId xmlns:a16="http://schemas.microsoft.com/office/drawing/2014/main" id="{E51C30CF-EB50-42FF-8944-9C26CC047ECC}"/>
+                  </a:ext>
+                </a:extLst>
+              </p:cNvPr>
+              <p:cNvCxnSpPr>
+                <a:cxnSpLocks/>
+              </p:cNvCxnSpPr>
+              <p:nvPr/>
+            </p:nvCxnSpPr>
+            <p:spPr>
+              <a:xfrm flipV="1">
+                <a:off x="4005129" y="436403"/>
+                <a:ext cx="0" cy="2159999"/>
+              </a:xfrm>
+              <a:prstGeom prst="line">
+                <a:avLst/>
+              </a:prstGeom>
+            </p:spPr>
+            <p:style>
+              <a:lnRef idx="1">
+                <a:schemeClr val="accent1"/>
+              </a:lnRef>
+              <a:fillRef idx="0">
+                <a:schemeClr val="accent1"/>
+              </a:fillRef>
+              <a:effectRef idx="0">
+                <a:schemeClr val="accent1"/>
+              </a:effectRef>
+              <a:fontRef idx="minor">
+                <a:schemeClr val="tx1"/>
+              </a:fontRef>
+            </p:style>
+          </p:cxnSp>
+          <p:cxnSp>
+            <p:nvCxnSpPr>
+              <p:cNvPr id="113" name="Straight Connector 112">
+                <a:extLst>
+                  <a:ext uri="{FF2B5EF4-FFF2-40B4-BE49-F238E27FC236}">
+                    <a16:creationId xmlns:a16="http://schemas.microsoft.com/office/drawing/2014/main" id="{1BE600F4-5355-407D-A8F4-1F6609C921F9}"/>
+                  </a:ext>
+                </a:extLst>
+              </p:cNvPr>
+              <p:cNvCxnSpPr>
+                <a:cxnSpLocks/>
+              </p:cNvCxnSpPr>
+              <p:nvPr/>
+            </p:nvCxnSpPr>
+            <p:spPr>
+              <a:xfrm flipV="1">
+                <a:off x="4197808" y="436403"/>
+                <a:ext cx="0" cy="2159999"/>
+              </a:xfrm>
+              <a:prstGeom prst="line">
+                <a:avLst/>
+              </a:prstGeom>
+            </p:spPr>
+            <p:style>
+              <a:lnRef idx="1">
+                <a:schemeClr val="accent1"/>
+              </a:lnRef>
+              <a:fillRef idx="0">
+                <a:schemeClr val="accent1"/>
+              </a:fillRef>
+              <a:effectRef idx="0">
+                <a:schemeClr val="accent1"/>
+              </a:effectRef>
+              <a:fontRef idx="minor">
+                <a:schemeClr val="tx1"/>
+              </a:fontRef>
+            </p:style>
+          </p:cxnSp>
+        </p:grpSp>
+        <p:sp>
+          <p:nvSpPr>
+            <p:cNvPr id="115" name="Rectangle 114">
+              <a:extLst>
+                <a:ext uri="{FF2B5EF4-FFF2-40B4-BE49-F238E27FC236}">
+                  <a16:creationId xmlns:a16="http://schemas.microsoft.com/office/drawing/2014/main" id="{8DA947E9-F448-4FC6-9943-C182721B60DF}"/>
+                </a:ext>
+              </a:extLst>
+            </p:cNvPr>
+            <p:cNvSpPr/>
+            <p:nvPr/>
+          </p:nvSpPr>
+          <p:spPr>
+            <a:xfrm>
+              <a:off x="9164648" y="951041"/>
+              <a:ext cx="154640" cy="170183"/>
+            </a:xfrm>
+            <a:prstGeom prst="rect">
+              <a:avLst/>
+            </a:prstGeom>
+            <a:solidFill>
+              <a:srgbClr val="FF0000">
+                <a:alpha val="30196"/>
+              </a:srgbClr>
+            </a:solidFill>
+            <a:ln>
+              <a:noFill/>
+            </a:ln>
+          </p:spPr>
+          <p:style>
+            <a:lnRef idx="2">
+              <a:schemeClr val="accent1">
+                <a:shade val="50000"/>
+              </a:schemeClr>
+            </a:lnRef>
+            <a:fillRef idx="1">
+              <a:schemeClr val="accent1"/>
+            </a:fillRef>
+            <a:effectRef idx="0">
+              <a:schemeClr val="accent1"/>
+            </a:effectRef>
+            <a:fontRef idx="minor">
+              <a:schemeClr val="lt1"/>
+            </a:fontRef>
+          </p:style>
+          <p:txBody>
+            <a:bodyPr rtlCol="0" anchor="ctr"/>
+            <a:lstStyle/>
+            <a:p>
+              <a:pPr algn="ctr"/>
+              <a:endParaRPr lang="pt-BR"/>
+            </a:p>
+          </p:txBody>
+        </p:sp>
+      </p:grpSp>
+      <p:cxnSp>
+        <p:nvCxnSpPr>
+          <p:cNvPr id="123" name="Connector: Curved 122">
+            <a:extLst>
+              <a:ext uri="{FF2B5EF4-FFF2-40B4-BE49-F238E27FC236}">
+                <a16:creationId xmlns:a16="http://schemas.microsoft.com/office/drawing/2014/main" id="{6C2696F7-BC25-4F8E-A210-C92B07F83F17}"/>
+              </a:ext>
+            </a:extLst>
+          </p:cNvPr>
+          <p:cNvCxnSpPr>
+            <a:stCxn id="98" idx="0"/>
+            <a:endCxn id="99" idx="0"/>
+          </p:cNvCxnSpPr>
+          <p:nvPr/>
+        </p:nvCxnSpPr>
+        <p:spPr>
+          <a:xfrm rot="16200000" flipH="1">
+            <a:off x="2403794" y="103355"/>
+            <a:ext cx="178261" cy="2509549"/>
+          </a:xfrm>
+          <a:prstGeom prst="curvedConnector3">
+            <a:avLst>
+              <a:gd name="adj1" fmla="val -128239"/>
+            </a:avLst>
+          </a:prstGeom>
+          <a:ln w="28575">
+            <a:solidFill>
+              <a:srgbClr val="DC9DA9"/>
+            </a:solidFill>
+            <a:headEnd type="triangle" w="med" len="med"/>
+            <a:tailEnd type="none" w="med" len="med"/>
+          </a:ln>
+        </p:spPr>
+        <p:style>
+          <a:lnRef idx="1">
+            <a:schemeClr val="accent1"/>
+          </a:lnRef>
+          <a:fillRef idx="0">
+            <a:schemeClr val="accent1"/>
+          </a:fillRef>
+          <a:effectRef idx="0">
+            <a:schemeClr val="accent1"/>
+          </a:effectRef>
+          <a:fontRef idx="minor">
+            <a:schemeClr val="tx1"/>
+          </a:fontRef>
+        </p:style>
+      </p:cxnSp>
+      <p:cxnSp>
+        <p:nvCxnSpPr>
+          <p:cNvPr id="124" name="Connector: Curved 123">
+            <a:extLst>
+              <a:ext uri="{FF2B5EF4-FFF2-40B4-BE49-F238E27FC236}">
+                <a16:creationId xmlns:a16="http://schemas.microsoft.com/office/drawing/2014/main" id="{06590952-53AB-4068-B5B3-0B77861E2EAF}"/>
+              </a:ext>
+            </a:extLst>
+          </p:cNvPr>
+          <p:cNvCxnSpPr>
+            <a:cxnSpLocks/>
+            <a:stCxn id="99" idx="0"/>
+            <a:endCxn id="100" idx="0"/>
+          </p:cNvCxnSpPr>
+          <p:nvPr/>
+        </p:nvCxnSpPr>
+        <p:spPr>
+          <a:xfrm rot="16200000" flipH="1">
+            <a:off x="4745022" y="449938"/>
+            <a:ext cx="181738" cy="2176383"/>
+          </a:xfrm>
+          <a:prstGeom prst="curvedConnector3">
+            <a:avLst>
+              <a:gd name="adj1" fmla="val -125785"/>
+            </a:avLst>
+          </a:prstGeom>
+          <a:ln w="28575">
+            <a:solidFill>
+              <a:srgbClr val="DC9DA9"/>
+            </a:solidFill>
+            <a:headEnd type="triangle" w="med" len="med"/>
+            <a:tailEnd type="none" w="med" len="med"/>
+          </a:ln>
+        </p:spPr>
+        <p:style>
+          <a:lnRef idx="1">
+            <a:schemeClr val="accent1"/>
+          </a:lnRef>
+          <a:fillRef idx="0">
+            <a:schemeClr val="accent1"/>
+          </a:fillRef>
+          <a:effectRef idx="0">
+            <a:schemeClr val="accent1"/>
+          </a:effectRef>
+          <a:fontRef idx="minor">
+            <a:schemeClr val="tx1"/>
+          </a:fontRef>
+        </p:style>
+      </p:cxnSp>
+      <p:cxnSp>
+        <p:nvCxnSpPr>
+          <p:cNvPr id="127" name="Connector: Curved 126">
+            <a:extLst>
+              <a:ext uri="{FF2B5EF4-FFF2-40B4-BE49-F238E27FC236}">
+                <a16:creationId xmlns:a16="http://schemas.microsoft.com/office/drawing/2014/main" id="{8D43A90B-E5AF-4E02-A98E-37FF71A9C035}"/>
+              </a:ext>
+            </a:extLst>
+          </p:cNvPr>
+          <p:cNvCxnSpPr>
+            <a:cxnSpLocks/>
+            <a:stCxn id="100" idx="0"/>
+            <a:endCxn id="101" idx="0"/>
+          </p:cNvCxnSpPr>
+          <p:nvPr/>
+        </p:nvCxnSpPr>
+        <p:spPr>
+          <a:xfrm rot="16200000" flipH="1">
+            <a:off x="6741281" y="811799"/>
+            <a:ext cx="193679" cy="1828076"/>
+          </a:xfrm>
+          <a:prstGeom prst="curvedConnector3">
+            <a:avLst>
+              <a:gd name="adj1" fmla="val -118030"/>
+            </a:avLst>
+          </a:prstGeom>
+          <a:ln w="28575">
+            <a:solidFill>
+              <a:srgbClr val="DC9DA9"/>
+            </a:solidFill>
+            <a:headEnd type="triangle" w="med" len="med"/>
+            <a:tailEnd type="none" w="med" len="med"/>
+          </a:ln>
+        </p:spPr>
+        <p:style>
+          <a:lnRef idx="1">
+            <a:schemeClr val="accent1"/>
+          </a:lnRef>
+          <a:fillRef idx="0">
+            <a:schemeClr val="accent1"/>
+          </a:fillRef>
+          <a:effectRef idx="0">
+            <a:schemeClr val="accent1"/>
+          </a:effectRef>
+          <a:fontRef idx="minor">
+            <a:schemeClr val="tx1"/>
+          </a:fontRef>
+        </p:style>
+      </p:cxnSp>
+      <p:cxnSp>
+        <p:nvCxnSpPr>
+          <p:cNvPr id="130" name="Connector: Curved 129">
+            <a:extLst>
+              <a:ext uri="{FF2B5EF4-FFF2-40B4-BE49-F238E27FC236}">
+                <a16:creationId xmlns:a16="http://schemas.microsoft.com/office/drawing/2014/main" id="{C527D6E9-9514-43B2-8DEE-30D62377AB07}"/>
+              </a:ext>
+            </a:extLst>
+          </p:cNvPr>
+          <p:cNvCxnSpPr>
+            <a:cxnSpLocks/>
+            <a:stCxn id="101" idx="0"/>
+            <a:endCxn id="115" idx="0"/>
+          </p:cNvCxnSpPr>
+          <p:nvPr/>
+        </p:nvCxnSpPr>
+        <p:spPr>
+          <a:xfrm rot="16200000" flipH="1">
+            <a:off x="8405075" y="1169760"/>
+            <a:ext cx="165869" cy="1471702"/>
+          </a:xfrm>
+          <a:prstGeom prst="curvedConnector3">
+            <a:avLst>
+              <a:gd name="adj1" fmla="val -137820"/>
+            </a:avLst>
+          </a:prstGeom>
+          <a:ln w="28575">
+            <a:solidFill>
+              <a:srgbClr val="DC9DA9"/>
+            </a:solidFill>
+            <a:headEnd type="triangle" w="med" len="med"/>
+            <a:tailEnd type="none" w="med" len="med"/>
+          </a:ln>
+        </p:spPr>
+        <p:style>
+          <a:lnRef idx="1">
+            <a:schemeClr val="accent1"/>
+          </a:lnRef>
+          <a:fillRef idx="0">
+            <a:schemeClr val="accent1"/>
+          </a:fillRef>
+          <a:effectRef idx="0">
+            <a:schemeClr val="accent1"/>
+          </a:effectRef>
+          <a:fontRef idx="minor">
+            <a:schemeClr val="tx1"/>
+          </a:fontRef>
+        </p:style>
+      </p:cxnSp>
+      <p:sp>
+        <p:nvSpPr>
+          <p:cNvPr id="133" name="TextBox 132">
+            <a:extLst>
+              <a:ext uri="{FF2B5EF4-FFF2-40B4-BE49-F238E27FC236}">
+                <a16:creationId xmlns:a16="http://schemas.microsoft.com/office/drawing/2014/main" id="{ACF6AAFC-6F1C-457F-9D8E-30E82C7B2E23}"/>
+              </a:ext>
+            </a:extLst>
+          </p:cNvPr>
+          <p:cNvSpPr txBox="1"/>
+          <p:nvPr/>
+        </p:nvSpPr>
+        <p:spPr>
+          <a:xfrm>
+            <a:off x="5950084" y="1158597"/>
+            <a:ext cx="452672" cy="276999"/>
+          </a:xfrm>
+          <a:prstGeom prst="rect">
+            <a:avLst/>
+          </a:prstGeom>
+          <a:noFill/>
+        </p:spPr>
+        <p:txBody>
+          <a:bodyPr wrap="square" rtlCol="0">
+            <a:spAutoFit/>
+          </a:bodyPr>
+          <a:lstStyle/>
+          <a:p>
+            <a:r>
+              <a:rPr lang="pt-BR" sz="1200" dirty="0" err="1">
+                <a:latin typeface="Cambria" panose="02040503050406030204" pitchFamily="18" charset="0"/>
+                <a:ea typeface="Cambria" panose="02040503050406030204" pitchFamily="18" charset="0"/>
+              </a:rPr>
+              <a:t>BxB</a:t>
+            </a:r>
+            <a:endParaRPr lang="pt-BR" sz="1200" dirty="0">
+              <a:latin typeface="Cambria" panose="02040503050406030204" pitchFamily="18" charset="0"/>
+              <a:ea typeface="Cambria" panose="02040503050406030204" pitchFamily="18" charset="0"/>
+            </a:endParaRPr>
+          </a:p>
+        </p:txBody>
+      </p:sp>
+      <p:sp>
+        <p:nvSpPr>
+          <p:cNvPr id="134" name="TextBox 133">
+            <a:extLst>
+              <a:ext uri="{FF2B5EF4-FFF2-40B4-BE49-F238E27FC236}">
+                <a16:creationId xmlns:a16="http://schemas.microsoft.com/office/drawing/2014/main" id="{01FC4738-C206-4EEF-B6B8-AF59C6A96D26}"/>
+              </a:ext>
+            </a:extLst>
+          </p:cNvPr>
+          <p:cNvSpPr txBox="1"/>
+          <p:nvPr/>
+        </p:nvSpPr>
+        <p:spPr>
+          <a:xfrm>
+            <a:off x="9146538" y="1687416"/>
+            <a:ext cx="452672" cy="276999"/>
+          </a:xfrm>
+          <a:prstGeom prst="rect">
+            <a:avLst/>
+          </a:prstGeom>
+          <a:noFill/>
+        </p:spPr>
+        <p:txBody>
+          <a:bodyPr wrap="square" rtlCol="0">
+            <a:spAutoFit/>
+          </a:bodyPr>
+          <a:lstStyle/>
+          <a:p>
+            <a:r>
+              <a:rPr lang="pt-BR" sz="1200" dirty="0">
+                <a:latin typeface="Cambria" panose="02040503050406030204" pitchFamily="18" charset="0"/>
+                <a:ea typeface="Cambria" panose="02040503050406030204" pitchFamily="18" charset="0"/>
+              </a:rPr>
+              <a:t>1x1</a:t>
+            </a:r>
+          </a:p>
+        </p:txBody>
+      </p:sp>
+      <p:sp>
+        <p:nvSpPr>
+          <p:cNvPr id="135" name="TextBox 134">
+            <a:extLst>
+              <a:ext uri="{FF2B5EF4-FFF2-40B4-BE49-F238E27FC236}">
+                <a16:creationId xmlns:a16="http://schemas.microsoft.com/office/drawing/2014/main" id="{FEFE394A-DFBC-4F42-B94D-5FC19813A708}"/>
+              </a:ext>
+            </a:extLst>
+          </p:cNvPr>
+          <p:cNvSpPr txBox="1"/>
+          <p:nvPr/>
+        </p:nvSpPr>
+        <p:spPr>
+          <a:xfrm>
+            <a:off x="7762167" y="1359271"/>
+            <a:ext cx="452672" cy="276999"/>
+          </a:xfrm>
+          <a:prstGeom prst="rect">
+            <a:avLst/>
+          </a:prstGeom>
+          <a:noFill/>
+        </p:spPr>
+        <p:txBody>
+          <a:bodyPr wrap="square" rtlCol="0">
+            <a:spAutoFit/>
+          </a:bodyPr>
+          <a:lstStyle/>
+          <a:p>
+            <a:r>
+              <a:rPr lang="pt-BR" sz="1200" dirty="0" err="1">
+                <a:latin typeface="Cambria" panose="02040503050406030204" pitchFamily="18" charset="0"/>
+                <a:ea typeface="Cambria" panose="02040503050406030204" pitchFamily="18" charset="0"/>
+              </a:rPr>
+              <a:t>AxA</a:t>
+            </a:r>
+            <a:endParaRPr lang="pt-BR" sz="1200" dirty="0">
+              <a:latin typeface="Cambria" panose="02040503050406030204" pitchFamily="18" charset="0"/>
+              <a:ea typeface="Cambria" panose="02040503050406030204" pitchFamily="18" charset="0"/>
+            </a:endParaRPr>
+          </a:p>
+        </p:txBody>
+      </p:sp>
+      <p:sp>
+        <p:nvSpPr>
+          <p:cNvPr id="136" name="TextBox 135">
+            <a:extLst>
+              <a:ext uri="{FF2B5EF4-FFF2-40B4-BE49-F238E27FC236}">
+                <a16:creationId xmlns:a16="http://schemas.microsoft.com/office/drawing/2014/main" id="{2136E775-9AAE-4ED2-914F-782D031DD05C}"/>
+              </a:ext>
+            </a:extLst>
+          </p:cNvPr>
+          <p:cNvSpPr txBox="1"/>
+          <p:nvPr/>
+        </p:nvSpPr>
+        <p:spPr>
+          <a:xfrm>
+            <a:off x="3783958" y="1028300"/>
+            <a:ext cx="452672" cy="276999"/>
+          </a:xfrm>
+          <a:prstGeom prst="rect">
+            <a:avLst/>
+          </a:prstGeom>
+          <a:noFill/>
+        </p:spPr>
+        <p:txBody>
+          <a:bodyPr wrap="square" rtlCol="0">
+            <a:spAutoFit/>
+          </a:bodyPr>
+          <a:lstStyle/>
+          <a:p>
+            <a:r>
+              <a:rPr lang="pt-BR" sz="1200" dirty="0" err="1">
+                <a:latin typeface="Cambria" panose="02040503050406030204" pitchFamily="18" charset="0"/>
+                <a:ea typeface="Cambria" panose="02040503050406030204" pitchFamily="18" charset="0"/>
+              </a:rPr>
+              <a:t>CxC</a:t>
+            </a:r>
+            <a:endParaRPr lang="pt-BR" sz="1200" dirty="0">
+              <a:latin typeface="Cambria" panose="02040503050406030204" pitchFamily="18" charset="0"/>
+              <a:ea typeface="Cambria" panose="02040503050406030204" pitchFamily="18" charset="0"/>
+            </a:endParaRPr>
+          </a:p>
+        </p:txBody>
+      </p:sp>
+      <p:sp>
+        <p:nvSpPr>
+          <p:cNvPr id="137" name="TextBox 136">
+            <a:extLst>
+              <a:ext uri="{FF2B5EF4-FFF2-40B4-BE49-F238E27FC236}">
+                <a16:creationId xmlns:a16="http://schemas.microsoft.com/office/drawing/2014/main" id="{0F49091B-831C-4800-B6C0-6F749972E432}"/>
+              </a:ext>
+            </a:extLst>
+          </p:cNvPr>
+          <p:cNvSpPr txBox="1"/>
+          <p:nvPr/>
+        </p:nvSpPr>
+        <p:spPr>
+          <a:xfrm>
+            <a:off x="1304877" y="819686"/>
+            <a:ext cx="511309" cy="276999"/>
+          </a:xfrm>
+          <a:prstGeom prst="rect">
+            <a:avLst/>
+          </a:prstGeom>
+          <a:noFill/>
+        </p:spPr>
+        <p:txBody>
+          <a:bodyPr wrap="square" rtlCol="0">
+            <a:spAutoFit/>
+          </a:bodyPr>
+          <a:lstStyle/>
+          <a:p>
+            <a:r>
+              <a:rPr lang="pt-BR" sz="1200" dirty="0" err="1">
+                <a:latin typeface="Cambria" panose="02040503050406030204" pitchFamily="18" charset="0"/>
+                <a:ea typeface="Cambria" panose="02040503050406030204" pitchFamily="18" charset="0"/>
+              </a:rPr>
+              <a:t>DxD</a:t>
+            </a:r>
+            <a:endParaRPr lang="pt-BR" sz="1200" dirty="0">
+              <a:latin typeface="Cambria" panose="02040503050406030204" pitchFamily="18" charset="0"/>
+              <a:ea typeface="Cambria" panose="02040503050406030204" pitchFamily="18" charset="0"/>
+            </a:endParaRPr>
+          </a:p>
+        </p:txBody>
+      </p:sp>
+    </p:spTree>
+    <p:extLst>
+      <p:ext uri="{BB962C8B-B14F-4D97-AF65-F5344CB8AC3E}">
+        <p14:creationId xmlns:p14="http://schemas.microsoft.com/office/powerpoint/2010/main" val="1207751604"/>
       </p:ext>
     </p:extLst>
   </p:cSld>
